--- a/Reflection.pptx
+++ b/Reflection.pptx
@@ -1,36 +1,43 @@
 
 <file path=ppt/presentation.xml><?xml version="1.0" encoding="utf-8"?>
-<p:presentation xmlns:a="http://schemas.openxmlformats.org/drawingml/2006/main" xmlns:r="http://schemas.openxmlformats.org/officeDocument/2006/relationships" xmlns:mc="http://schemas.openxmlformats.org/markup-compatibility/2006" xmlns:mv="urn:schemas-microsoft-com:mac:vml" xmlns:p="http://schemas.openxmlformats.org/presentationml/2006/main" xmlns:c="http://schemas.openxmlformats.org/drawingml/2006/chart" xmlns:dgm="http://schemas.openxmlformats.org/drawingml/2006/diagram" xmlns:o="urn:schemas-microsoft-com:office:office" xmlns:v="urn:schemas-microsoft-com:vml" xmlns:pvml="urn:schemas-microsoft-com:office:powerpoint" xmlns:com="http://schemas.openxmlformats.org/drawingml/2006/compatibility" xmlns:p14="http://schemas.microsoft.com/office/powerpoint/2010/main" xmlns:p15="http://schemas.microsoft.com/office/powerpoint/2012/main" xmlns:ahyp="http://schemas.microsoft.com/office/drawing/2018/hyperlinkcolor" autoCompressPictures="0" embedTrueTypeFonts="1" strictFirstAndLastChars="0" saveSubsetFonts="1">
+<p:presentation xmlns:a="http://schemas.openxmlformats.org/drawingml/2006/main" xmlns:r="http://schemas.openxmlformats.org/officeDocument/2006/relationships" xmlns:p="http://schemas.openxmlformats.org/presentationml/2006/main" strictFirstAndLastChars="0" embedTrueTypeFonts="1" saveSubsetFonts="1" autoCompressPictures="0">
   <p:sldMasterIdLst>
-    <p:sldMasterId id="2147483659" r:id="rId4"/>
+    <p:sldMasterId id="2147483659" r:id="rId1"/>
   </p:sldMasterIdLst>
   <p:notesMasterIdLst>
-    <p:notesMasterId r:id="rId5"/>
+    <p:notesMasterId r:id="rId12"/>
   </p:notesMasterIdLst>
   <p:sldIdLst>
-    <p:sldId id="256" r:id="rId6"/>
-    <p:sldId id="257" r:id="rId7"/>
-    <p:sldId id="258" r:id="rId8"/>
-    <p:sldId id="259" r:id="rId9"/>
-    <p:sldId id="260" r:id="rId10"/>
-    <p:sldId id="261" r:id="rId11"/>
-    <p:sldId id="262" r:id="rId12"/>
-    <p:sldId id="263" r:id="rId13"/>
-    <p:sldId id="264" r:id="rId14"/>
-    <p:sldId id="265" r:id="rId15"/>
+    <p:sldId id="256" r:id="rId2"/>
+    <p:sldId id="257" r:id="rId3"/>
+    <p:sldId id="259" r:id="rId4"/>
+    <p:sldId id="266" r:id="rId5"/>
+    <p:sldId id="267" r:id="rId6"/>
+    <p:sldId id="271" r:id="rId7"/>
+    <p:sldId id="273" r:id="rId8"/>
+    <p:sldId id="270" r:id="rId9"/>
+    <p:sldId id="268" r:id="rId10"/>
+    <p:sldId id="272" r:id="rId11"/>
   </p:sldIdLst>
-  <p:sldSz cy="5143500" cx="9144000"/>
+  <p:sldSz cx="9144000" cy="5143500" type="screen16x9"/>
   <p:notesSz cx="6858000" cy="9144000"/>
   <p:embeddedFontLst>
     <p:embeddedFont>
-      <p:font typeface="Old Standard TT"/>
+      <p:font typeface="Old Standard TT" charset="0"/>
+      <p:regular r:id="rId13"/>
+      <p:bold r:id="rId14"/>
+      <p:italic r:id="rId15"/>
+    </p:embeddedFont>
+    <p:embeddedFont>
+      <p:font typeface="Bookman Old Style" pitchFamily="18" charset="0"/>
       <p:regular r:id="rId16"/>
       <p:bold r:id="rId17"/>
       <p:italic r:id="rId18"/>
+      <p:boldItalic r:id="rId19"/>
     </p:embeddedFont>
   </p:embeddedFontLst>
   <p:defaultTextStyle>
-    <a:defPPr lvl="0" marR="0" rtl="0" algn="l">
+    <a:defPPr marR="0" lvl="0" algn="l" rtl="0">
       <a:lnSpc>
         <a:spcPct val="100000"/>
       </a:lnSpc>
@@ -41,7 +48,7 @@
         <a:spcPts val="0"/>
       </a:spcAft>
     </a:defPPr>
-    <a:lvl1pPr lvl="0" marR="0" rtl="0" algn="l">
+    <a:lvl1pPr marR="0" lvl="0" algn="l" rtl="0">
       <a:lnSpc>
         <a:spcPct val="100000"/>
       </a:lnSpc>
@@ -55,7 +62,7 @@
         <a:srgbClr val="000000"/>
       </a:buClr>
       <a:buFont typeface="Arial"/>
-      <a:defRPr b="0" i="0" sz="1400" u="none" cap="none" strike="noStrike">
+      <a:defRPr sz="1400" b="0" i="0" u="none" strike="noStrike" cap="none">
         <a:solidFill>
           <a:srgbClr val="000000"/>
         </a:solidFill>
@@ -65,7 +72,7 @@
         <a:sym typeface="Arial"/>
       </a:defRPr>
     </a:lvl1pPr>
-    <a:lvl2pPr lvl="1" marR="0" rtl="0" algn="l">
+    <a:lvl2pPr marR="0" lvl="1" algn="l" rtl="0">
       <a:lnSpc>
         <a:spcPct val="100000"/>
       </a:lnSpc>
@@ -79,7 +86,7 @@
         <a:srgbClr val="000000"/>
       </a:buClr>
       <a:buFont typeface="Arial"/>
-      <a:defRPr b="0" i="0" sz="1400" u="none" cap="none" strike="noStrike">
+      <a:defRPr sz="1400" b="0" i="0" u="none" strike="noStrike" cap="none">
         <a:solidFill>
           <a:srgbClr val="000000"/>
         </a:solidFill>
@@ -89,7 +96,7 @@
         <a:sym typeface="Arial"/>
       </a:defRPr>
     </a:lvl2pPr>
-    <a:lvl3pPr lvl="2" marR="0" rtl="0" algn="l">
+    <a:lvl3pPr marR="0" lvl="2" algn="l" rtl="0">
       <a:lnSpc>
         <a:spcPct val="100000"/>
       </a:lnSpc>
@@ -103,7 +110,7 @@
         <a:srgbClr val="000000"/>
       </a:buClr>
       <a:buFont typeface="Arial"/>
-      <a:defRPr b="0" i="0" sz="1400" u="none" cap="none" strike="noStrike">
+      <a:defRPr sz="1400" b="0" i="0" u="none" strike="noStrike" cap="none">
         <a:solidFill>
           <a:srgbClr val="000000"/>
         </a:solidFill>
@@ -113,7 +120,7 @@
         <a:sym typeface="Arial"/>
       </a:defRPr>
     </a:lvl3pPr>
-    <a:lvl4pPr lvl="3" marR="0" rtl="0" algn="l">
+    <a:lvl4pPr marR="0" lvl="3" algn="l" rtl="0">
       <a:lnSpc>
         <a:spcPct val="100000"/>
       </a:lnSpc>
@@ -127,7 +134,7 @@
         <a:srgbClr val="000000"/>
       </a:buClr>
       <a:buFont typeface="Arial"/>
-      <a:defRPr b="0" i="0" sz="1400" u="none" cap="none" strike="noStrike">
+      <a:defRPr sz="1400" b="0" i="0" u="none" strike="noStrike" cap="none">
         <a:solidFill>
           <a:srgbClr val="000000"/>
         </a:solidFill>
@@ -137,7 +144,7 @@
         <a:sym typeface="Arial"/>
       </a:defRPr>
     </a:lvl4pPr>
-    <a:lvl5pPr lvl="4" marR="0" rtl="0" algn="l">
+    <a:lvl5pPr marR="0" lvl="4" algn="l" rtl="0">
       <a:lnSpc>
         <a:spcPct val="100000"/>
       </a:lnSpc>
@@ -151,7 +158,7 @@
         <a:srgbClr val="000000"/>
       </a:buClr>
       <a:buFont typeface="Arial"/>
-      <a:defRPr b="0" i="0" sz="1400" u="none" cap="none" strike="noStrike">
+      <a:defRPr sz="1400" b="0" i="0" u="none" strike="noStrike" cap="none">
         <a:solidFill>
           <a:srgbClr val="000000"/>
         </a:solidFill>
@@ -161,7 +168,7 @@
         <a:sym typeface="Arial"/>
       </a:defRPr>
     </a:lvl5pPr>
-    <a:lvl6pPr lvl="5" marR="0" rtl="0" algn="l">
+    <a:lvl6pPr marR="0" lvl="5" algn="l" rtl="0">
       <a:lnSpc>
         <a:spcPct val="100000"/>
       </a:lnSpc>
@@ -175,7 +182,7 @@
         <a:srgbClr val="000000"/>
       </a:buClr>
       <a:buFont typeface="Arial"/>
-      <a:defRPr b="0" i="0" sz="1400" u="none" cap="none" strike="noStrike">
+      <a:defRPr sz="1400" b="0" i="0" u="none" strike="noStrike" cap="none">
         <a:solidFill>
           <a:srgbClr val="000000"/>
         </a:solidFill>
@@ -185,7 +192,7 @@
         <a:sym typeface="Arial"/>
       </a:defRPr>
     </a:lvl6pPr>
-    <a:lvl7pPr lvl="6" marR="0" rtl="0" algn="l">
+    <a:lvl7pPr marR="0" lvl="6" algn="l" rtl="0">
       <a:lnSpc>
         <a:spcPct val="100000"/>
       </a:lnSpc>
@@ -199,7 +206,7 @@
         <a:srgbClr val="000000"/>
       </a:buClr>
       <a:buFont typeface="Arial"/>
-      <a:defRPr b="0" i="0" sz="1400" u="none" cap="none" strike="noStrike">
+      <a:defRPr sz="1400" b="0" i="0" u="none" strike="noStrike" cap="none">
         <a:solidFill>
           <a:srgbClr val="000000"/>
         </a:solidFill>
@@ -209,7 +216,7 @@
         <a:sym typeface="Arial"/>
       </a:defRPr>
     </a:lvl7pPr>
-    <a:lvl8pPr lvl="7" marR="0" rtl="0" algn="l">
+    <a:lvl8pPr marR="0" lvl="7" algn="l" rtl="0">
       <a:lnSpc>
         <a:spcPct val="100000"/>
       </a:lnSpc>
@@ -223,7 +230,7 @@
         <a:srgbClr val="000000"/>
       </a:buClr>
       <a:buFont typeface="Arial"/>
-      <a:defRPr b="0" i="0" sz="1400" u="none" cap="none" strike="noStrike">
+      <a:defRPr sz="1400" b="0" i="0" u="none" strike="noStrike" cap="none">
         <a:solidFill>
           <a:srgbClr val="000000"/>
         </a:solidFill>
@@ -233,7 +240,7 @@
         <a:sym typeface="Arial"/>
       </a:defRPr>
     </a:lvl8pPr>
-    <a:lvl9pPr lvl="8" marR="0" rtl="0" algn="l">
+    <a:lvl9pPr marR="0" lvl="8" algn="l" rtl="0">
       <a:lnSpc>
         <a:spcPct val="100000"/>
       </a:lnSpc>
@@ -247,7 +254,7 @@
         <a:srgbClr val="000000"/>
       </a:buClr>
       <a:buFont typeface="Arial"/>
-      <a:defRPr b="0" i="0" sz="1400" u="none" cap="none" strike="noStrike">
+      <a:defRPr sz="1400" b="0" i="0" u="none" strike="noStrike" cap="none">
         <a:solidFill>
           <a:srgbClr val="000000"/>
         </a:solidFill>
@@ -260,7 +267,7 @@
   </p:defaultTextStyle>
   <p:extLst>
     <p:ext uri="{EFAFB233-063F-42B5-8137-9DF3F51BA10A}">
-      <p15:sldGuideLst>
+      <p15:sldGuideLst xmlns:ahyp="http://schemas.microsoft.com/office/drawing/2018/hyperlinkcolor" xmlns:p15="http://schemas.microsoft.com/office/powerpoint/2012/main" xmlns:p14="http://schemas.microsoft.com/office/powerpoint/2010/main" xmlns:com="http://schemas.openxmlformats.org/drawingml/2006/compatibility" xmlns:pvml="urn:schemas-microsoft-com:office:powerpoint" xmlns:v="urn:schemas-microsoft-com:vml" xmlns:o="urn:schemas-microsoft-com:office:office" xmlns:dgm="http://schemas.openxmlformats.org/drawingml/2006/diagram" xmlns:c="http://schemas.openxmlformats.org/drawingml/2006/chart" xmlns:mv="urn:schemas-microsoft-com:mac:vml" xmlns:mc="http://schemas.openxmlformats.org/markup-compatibility/2006" xmlns="">
         <p15:guide id="1" orient="horz" pos="1620">
           <p15:clr>
             <a:srgbClr val="A4A3A4"/>
@@ -278,11 +285,16 @@
 </file>
 
 <file path=ppt/notesMasters/notesMaster1.xml><?xml version="1.0" encoding="utf-8"?>
-<p:notesMaster xmlns:a="http://schemas.openxmlformats.org/drawingml/2006/main" xmlns:r="http://schemas.openxmlformats.org/officeDocument/2006/relationships" xmlns:mc="http://schemas.openxmlformats.org/markup-compatibility/2006" xmlns:mv="urn:schemas-microsoft-com:mac:vml" xmlns:p="http://schemas.openxmlformats.org/presentationml/2006/main" xmlns:c="http://schemas.openxmlformats.org/drawingml/2006/chart" xmlns:dgm="http://schemas.openxmlformats.org/drawingml/2006/diagram" xmlns:o="urn:schemas-microsoft-com:office:office" xmlns:v="urn:schemas-microsoft-com:vml" xmlns:pvml="urn:schemas-microsoft-com:office:powerpoint" xmlns:com="http://schemas.openxmlformats.org/drawingml/2006/compatibility" xmlns:p14="http://schemas.microsoft.com/office/powerpoint/2010/main" xmlns:p15="http://schemas.microsoft.com/office/powerpoint/2012/main" xmlns:ahyp="http://schemas.microsoft.com/office/drawing/2018/hyperlinkcolor">
+<p:notesMaster xmlns:a="http://schemas.openxmlformats.org/drawingml/2006/main" xmlns:r="http://schemas.openxmlformats.org/officeDocument/2006/relationships" xmlns:p="http://schemas.openxmlformats.org/presentationml/2006/main">
   <p:cSld>
+    <p:bg>
+      <p:bgRef idx="1001">
+        <a:schemeClr val="bg1"/>
+      </p:bgRef>
+    </p:bg>
     <p:spTree>
       <p:nvGrpSpPr>
-        <p:cNvPr id="2" name="Shape 2"/>
+        <p:cNvPr id="1" name="Shape 2"/>
         <p:cNvGrpSpPr/>
         <p:nvPr/>
       </p:nvGrpSpPr>
@@ -297,9 +309,11 @@
       <p:sp>
         <p:nvSpPr>
           <p:cNvPr id="3" name="Google Shape;3;n"/>
-          <p:cNvSpPr/>
+          <p:cNvSpPr>
+            <a:spLocks noGrp="1" noRot="1" noChangeAspect="1"/>
+          </p:cNvSpPr>
           <p:nvPr>
-            <p:ph idx="2" type="sldImg"/>
+            <p:ph type="sldImg" idx="2"/>
           </p:nvPr>
         </p:nvSpPr>
         <p:spPr>
@@ -308,9 +322,13 @@
             <a:ext cx="6096075" cy="3429000"/>
           </a:xfrm>
           <a:custGeom>
-            <a:rect b="b" l="l" r="r" t="t"/>
+            <a:avLst/>
+            <a:gdLst/>
+            <a:ahLst/>
+            <a:cxnLst/>
+            <a:rect l="l" t="t" r="r" b="b"/>
             <a:pathLst>
-              <a:path extrusionOk="0" h="120000" w="120000">
+              <a:path w="120000" h="120000" extrusionOk="0">
                 <a:moveTo>
                   <a:pt x="0" y="0"/>
                 </a:moveTo>
@@ -328,23 +346,25 @@
             </a:pathLst>
           </a:custGeom>
           <a:noFill/>
-          <a:ln cap="flat" cmpd="sng" w="9525">
+          <a:ln w="9525" cap="flat" cmpd="sng">
             <a:solidFill>
               <a:srgbClr val="000000"/>
             </a:solidFill>
             <a:prstDash val="solid"/>
             <a:round/>
-            <a:headEnd len="sm" w="sm" type="none"/>
-            <a:tailEnd len="sm" w="sm" type="none"/>
+            <a:headEnd type="none" w="sm" len="sm"/>
+            <a:tailEnd type="none" w="sm" len="sm"/>
           </a:ln>
         </p:spPr>
       </p:sp>
       <p:sp>
         <p:nvSpPr>
           <p:cNvPr id="4" name="Google Shape;4;n"/>
-          <p:cNvSpPr txBox="1"/>
+          <p:cNvSpPr txBox="1">
+            <a:spLocks noGrp="1"/>
+          </p:cNvSpPr>
           <p:nvPr>
-            <p:ph idx="1" type="body"/>
+            <p:ph type="body" idx="1"/>
           </p:nvPr>
         </p:nvSpPr>
         <p:spPr>
@@ -361,11 +381,11 @@
           </a:ln>
         </p:spPr>
         <p:txBody>
-          <a:bodyPr anchorCtr="0" anchor="t" bIns="91425" lIns="91425" spcFirstLastPara="1" rIns="91425" wrap="square" tIns="91425">
+          <a:bodyPr spcFirstLastPara="1" wrap="square" lIns="91425" tIns="91425" rIns="91425" bIns="91425" anchor="t" anchorCtr="0">
             <a:noAutofit/>
           </a:bodyPr>
           <a:lstStyle>
-            <a:lvl1pPr indent="-317500" lvl="0" marL="457200">
+            <a:lvl1pPr marL="457200" lvl="0" indent="-317500">
               <a:spcBef>
                 <a:spcPts val="0"/>
               </a:spcBef>
@@ -376,7 +396,7 @@
               <a:buChar char="●"/>
               <a:defRPr sz="1100"/>
             </a:lvl1pPr>
-            <a:lvl2pPr indent="-317500" lvl="1" marL="914400">
+            <a:lvl2pPr marL="914400" lvl="1" indent="-317500">
               <a:spcBef>
                 <a:spcPts val="0"/>
               </a:spcBef>
@@ -387,7 +407,7 @@
               <a:buChar char="○"/>
               <a:defRPr sz="1100"/>
             </a:lvl2pPr>
-            <a:lvl3pPr indent="-317500" lvl="2" marL="1371600">
+            <a:lvl3pPr marL="1371600" lvl="2" indent="-317500">
               <a:spcBef>
                 <a:spcPts val="0"/>
               </a:spcBef>
@@ -398,7 +418,7 @@
               <a:buChar char="■"/>
               <a:defRPr sz="1100"/>
             </a:lvl3pPr>
-            <a:lvl4pPr indent="-317500" lvl="3" marL="1828800">
+            <a:lvl4pPr marL="1828800" lvl="3" indent="-317500">
               <a:spcBef>
                 <a:spcPts val="0"/>
               </a:spcBef>
@@ -409,7 +429,7 @@
               <a:buChar char="●"/>
               <a:defRPr sz="1100"/>
             </a:lvl4pPr>
-            <a:lvl5pPr indent="-317500" lvl="4" marL="2286000">
+            <a:lvl5pPr marL="2286000" lvl="4" indent="-317500">
               <a:spcBef>
                 <a:spcPts val="0"/>
               </a:spcBef>
@@ -420,7 +440,7 @@
               <a:buChar char="○"/>
               <a:defRPr sz="1100"/>
             </a:lvl5pPr>
-            <a:lvl6pPr indent="-317500" lvl="5" marL="2743200">
+            <a:lvl6pPr marL="2743200" lvl="5" indent="-317500">
               <a:spcBef>
                 <a:spcPts val="0"/>
               </a:spcBef>
@@ -431,7 +451,7 @@
               <a:buChar char="■"/>
               <a:defRPr sz="1100"/>
             </a:lvl6pPr>
-            <a:lvl7pPr indent="-317500" lvl="6" marL="3200400">
+            <a:lvl7pPr marL="3200400" lvl="6" indent="-317500">
               <a:spcBef>
                 <a:spcPts val="0"/>
               </a:spcBef>
@@ -442,7 +462,7 @@
               <a:buChar char="●"/>
               <a:defRPr sz="1100"/>
             </a:lvl7pPr>
-            <a:lvl8pPr indent="-317500" lvl="7" marL="3657600">
+            <a:lvl8pPr marL="3657600" lvl="7" indent="-317500">
               <a:spcBef>
                 <a:spcPts val="0"/>
               </a:spcBef>
@@ -453,7 +473,7 @@
               <a:buChar char="○"/>
               <a:defRPr sz="1100"/>
             </a:lvl8pPr>
-            <a:lvl9pPr indent="-317500" lvl="8" marL="4114800">
+            <a:lvl9pPr marL="4114800" lvl="8" indent="-317500">
               <a:spcBef>
                 <a:spcPts val="0"/>
               </a:spcBef>
@@ -465,14 +485,16 @@
               <a:defRPr sz="1100"/>
             </a:lvl9pPr>
           </a:lstStyle>
-          <a:p/>
+          <a:p>
+            <a:endParaRPr/>
+          </a:p>
         </p:txBody>
       </p:sp>
     </p:spTree>
   </p:cSld>
-  <p:clrMap accent1="accent1" accent2="accent2" accent3="accent3" accent4="accent4" accent5="accent5" accent6="accent6" bg1="lt1" bg2="dk2" tx1="dk1" tx2="lt2" folHlink="folHlink" hlink="hlink"/>
+  <p:clrMap bg1="lt1" tx1="dk1" bg2="dk2" tx2="lt2" accent1="accent1" accent2="accent2" accent3="accent3" accent4="accent4" accent5="accent5" accent6="accent6" hlink="hlink" folHlink="folHlink"/>
   <p:notesStyle>
-    <a:defPPr lvl="0" marR="0" rtl="0" algn="l">
+    <a:defPPr marR="0" lvl="0" algn="l" rtl="0">
       <a:lnSpc>
         <a:spcPct val="100000"/>
       </a:lnSpc>
@@ -483,7 +505,7 @@
         <a:spcPts val="0"/>
       </a:spcAft>
     </a:defPPr>
-    <a:lvl1pPr lvl="0" marR="0" rtl="0" algn="l">
+    <a:lvl1pPr marR="0" lvl="0" algn="l" rtl="0">
       <a:lnSpc>
         <a:spcPct val="100000"/>
       </a:lnSpc>
@@ -497,7 +519,7 @@
         <a:srgbClr val="000000"/>
       </a:buClr>
       <a:buFont typeface="Arial"/>
-      <a:defRPr b="0" i="0" sz="1400" u="none" cap="none" strike="noStrike">
+      <a:defRPr sz="1400" b="0" i="0" u="none" strike="noStrike" cap="none">
         <a:solidFill>
           <a:srgbClr val="000000"/>
         </a:solidFill>
@@ -507,7 +529,7 @@
         <a:sym typeface="Arial"/>
       </a:defRPr>
     </a:lvl1pPr>
-    <a:lvl2pPr lvl="1" marR="0" rtl="0" algn="l">
+    <a:lvl2pPr marR="0" lvl="1" algn="l" rtl="0">
       <a:lnSpc>
         <a:spcPct val="100000"/>
       </a:lnSpc>
@@ -521,7 +543,7 @@
         <a:srgbClr val="000000"/>
       </a:buClr>
       <a:buFont typeface="Arial"/>
-      <a:defRPr b="0" i="0" sz="1400" u="none" cap="none" strike="noStrike">
+      <a:defRPr sz="1400" b="0" i="0" u="none" strike="noStrike" cap="none">
         <a:solidFill>
           <a:srgbClr val="000000"/>
         </a:solidFill>
@@ -531,7 +553,7 @@
         <a:sym typeface="Arial"/>
       </a:defRPr>
     </a:lvl2pPr>
-    <a:lvl3pPr lvl="2" marR="0" rtl="0" algn="l">
+    <a:lvl3pPr marR="0" lvl="2" algn="l" rtl="0">
       <a:lnSpc>
         <a:spcPct val="100000"/>
       </a:lnSpc>
@@ -545,7 +567,7 @@
         <a:srgbClr val="000000"/>
       </a:buClr>
       <a:buFont typeface="Arial"/>
-      <a:defRPr b="0" i="0" sz="1400" u="none" cap="none" strike="noStrike">
+      <a:defRPr sz="1400" b="0" i="0" u="none" strike="noStrike" cap="none">
         <a:solidFill>
           <a:srgbClr val="000000"/>
         </a:solidFill>
@@ -555,7 +577,7 @@
         <a:sym typeface="Arial"/>
       </a:defRPr>
     </a:lvl3pPr>
-    <a:lvl4pPr lvl="3" marR="0" rtl="0" algn="l">
+    <a:lvl4pPr marR="0" lvl="3" algn="l" rtl="0">
       <a:lnSpc>
         <a:spcPct val="100000"/>
       </a:lnSpc>
@@ -569,7 +591,7 @@
         <a:srgbClr val="000000"/>
       </a:buClr>
       <a:buFont typeface="Arial"/>
-      <a:defRPr b="0" i="0" sz="1400" u="none" cap="none" strike="noStrike">
+      <a:defRPr sz="1400" b="0" i="0" u="none" strike="noStrike" cap="none">
         <a:solidFill>
           <a:srgbClr val="000000"/>
         </a:solidFill>
@@ -579,7 +601,7 @@
         <a:sym typeface="Arial"/>
       </a:defRPr>
     </a:lvl4pPr>
-    <a:lvl5pPr lvl="4" marR="0" rtl="0" algn="l">
+    <a:lvl5pPr marR="0" lvl="4" algn="l" rtl="0">
       <a:lnSpc>
         <a:spcPct val="100000"/>
       </a:lnSpc>
@@ -593,7 +615,7 @@
         <a:srgbClr val="000000"/>
       </a:buClr>
       <a:buFont typeface="Arial"/>
-      <a:defRPr b="0" i="0" sz="1400" u="none" cap="none" strike="noStrike">
+      <a:defRPr sz="1400" b="0" i="0" u="none" strike="noStrike" cap="none">
         <a:solidFill>
           <a:srgbClr val="000000"/>
         </a:solidFill>
@@ -603,7 +625,7 @@
         <a:sym typeface="Arial"/>
       </a:defRPr>
     </a:lvl5pPr>
-    <a:lvl6pPr lvl="5" marR="0" rtl="0" algn="l">
+    <a:lvl6pPr marR="0" lvl="5" algn="l" rtl="0">
       <a:lnSpc>
         <a:spcPct val="100000"/>
       </a:lnSpc>
@@ -617,7 +639,7 @@
         <a:srgbClr val="000000"/>
       </a:buClr>
       <a:buFont typeface="Arial"/>
-      <a:defRPr b="0" i="0" sz="1400" u="none" cap="none" strike="noStrike">
+      <a:defRPr sz="1400" b="0" i="0" u="none" strike="noStrike" cap="none">
         <a:solidFill>
           <a:srgbClr val="000000"/>
         </a:solidFill>
@@ -627,7 +649,7 @@
         <a:sym typeface="Arial"/>
       </a:defRPr>
     </a:lvl6pPr>
-    <a:lvl7pPr lvl="6" marR="0" rtl="0" algn="l">
+    <a:lvl7pPr marR="0" lvl="6" algn="l" rtl="0">
       <a:lnSpc>
         <a:spcPct val="100000"/>
       </a:lnSpc>
@@ -641,7 +663,7 @@
         <a:srgbClr val="000000"/>
       </a:buClr>
       <a:buFont typeface="Arial"/>
-      <a:defRPr b="0" i="0" sz="1400" u="none" cap="none" strike="noStrike">
+      <a:defRPr sz="1400" b="0" i="0" u="none" strike="noStrike" cap="none">
         <a:solidFill>
           <a:srgbClr val="000000"/>
         </a:solidFill>
@@ -651,7 +673,7 @@
         <a:sym typeface="Arial"/>
       </a:defRPr>
     </a:lvl7pPr>
-    <a:lvl8pPr lvl="7" marR="0" rtl="0" algn="l">
+    <a:lvl8pPr marR="0" lvl="7" algn="l" rtl="0">
       <a:lnSpc>
         <a:spcPct val="100000"/>
       </a:lnSpc>
@@ -665,7 +687,7 @@
         <a:srgbClr val="000000"/>
       </a:buClr>
       <a:buFont typeface="Arial"/>
-      <a:defRPr b="0" i="0" sz="1400" u="none" cap="none" strike="noStrike">
+      <a:defRPr sz="1400" b="0" i="0" u="none" strike="noStrike" cap="none">
         <a:solidFill>
           <a:srgbClr val="000000"/>
         </a:solidFill>
@@ -675,7 +697,7 @@
         <a:sym typeface="Arial"/>
       </a:defRPr>
     </a:lvl8pPr>
-    <a:lvl9pPr lvl="8" marR="0" rtl="0" algn="l">
+    <a:lvl9pPr marR="0" lvl="8" algn="l" rtl="0">
       <a:lnSpc>
         <a:spcPct val="100000"/>
       </a:lnSpc>
@@ -689,7 +711,7 @@
         <a:srgbClr val="000000"/>
       </a:buClr>
       <a:buFont typeface="Arial"/>
-      <a:defRPr b="0" i="0" sz="1400" u="none" cap="none" strike="noStrike">
+      <a:defRPr sz="1400" b="0" i="0" u="none" strike="noStrike" cap="none">
         <a:solidFill>
           <a:srgbClr val="000000"/>
         </a:solidFill>
@@ -704,11 +726,11 @@
 </file>
 
 <file path=ppt/notesSlides/notesSlide1.xml><?xml version="1.0" encoding="utf-8"?>
-<p:notes xmlns:a="http://schemas.openxmlformats.org/drawingml/2006/main" xmlns:r="http://schemas.openxmlformats.org/officeDocument/2006/relationships" xmlns:mc="http://schemas.openxmlformats.org/markup-compatibility/2006" xmlns:mv="urn:schemas-microsoft-com:mac:vml" xmlns:p="http://schemas.openxmlformats.org/presentationml/2006/main" xmlns:c="http://schemas.openxmlformats.org/drawingml/2006/chart" xmlns:dgm="http://schemas.openxmlformats.org/drawingml/2006/diagram" xmlns:o="urn:schemas-microsoft-com:office:office" xmlns:v="urn:schemas-microsoft-com:vml" xmlns:pvml="urn:schemas-microsoft-com:office:powerpoint" xmlns:com="http://schemas.openxmlformats.org/drawingml/2006/compatibility" xmlns:p14="http://schemas.microsoft.com/office/powerpoint/2010/main" xmlns:p15="http://schemas.microsoft.com/office/powerpoint/2012/main" xmlns:ahyp="http://schemas.microsoft.com/office/drawing/2018/hyperlinkcolor" showMasterPhAnim="0" showMasterSp="0">
+<p:notes xmlns:a="http://schemas.openxmlformats.org/drawingml/2006/main" xmlns:r="http://schemas.openxmlformats.org/officeDocument/2006/relationships" xmlns:p="http://schemas.openxmlformats.org/presentationml/2006/main" showMasterSp="0" showMasterPhAnim="0">
   <p:cSld>
     <p:spTree>
       <p:nvGrpSpPr>
-        <p:cNvPr id="55" name="Shape 55"/>
+        <p:cNvPr id="1" name="Shape 55"/>
         <p:cNvGrpSpPr/>
         <p:nvPr/>
       </p:nvGrpSpPr>
@@ -723,20 +745,26 @@
       <p:sp>
         <p:nvSpPr>
           <p:cNvPr id="56" name="Google Shape;56;gc6f90357f_0_0:notes"/>
-          <p:cNvSpPr/>
+          <p:cNvSpPr>
+            <a:spLocks noGrp="1" noRot="1" noChangeAspect="1"/>
+          </p:cNvSpPr>
           <p:nvPr>
-            <p:ph idx="2" type="sldImg"/>
+            <p:ph type="sldImg" idx="2"/>
           </p:nvPr>
         </p:nvSpPr>
         <p:spPr>
           <a:xfrm>
-            <a:off x="381188" y="685800"/>
-            <a:ext cx="6096300" cy="3429000"/>
+            <a:off x="381000" y="685800"/>
+            <a:ext cx="6096000" cy="3429000"/>
           </a:xfrm>
           <a:custGeom>
-            <a:rect b="b" l="l" r="r" t="t"/>
+            <a:avLst/>
+            <a:gdLst/>
+            <a:ahLst/>
+            <a:cxnLst/>
+            <a:rect l="l" t="t" r="r" b="b"/>
             <a:pathLst>
-              <a:path extrusionOk="0" h="120000" w="120000">
+              <a:path w="120000" h="120000" extrusionOk="0">
                 <a:moveTo>
                   <a:pt x="0" y="0"/>
                 </a:moveTo>
@@ -758,9 +786,11 @@
       <p:sp>
         <p:nvSpPr>
           <p:cNvPr id="57" name="Google Shape;57;gc6f90357f_0_0:notes"/>
-          <p:cNvSpPr txBox="1"/>
+          <p:cNvSpPr txBox="1">
+            <a:spLocks noGrp="1"/>
+          </p:cNvSpPr>
           <p:nvPr>
-            <p:ph idx="1" type="body"/>
+            <p:ph type="body" idx="1"/>
           </p:nvPr>
         </p:nvSpPr>
         <p:spPr>
@@ -773,12 +803,12 @@
           </a:prstGeom>
         </p:spPr>
         <p:txBody>
-          <a:bodyPr anchorCtr="0" anchor="t" bIns="91425" lIns="91425" spcFirstLastPara="1" rIns="91425" wrap="square" tIns="91425">
+          <a:bodyPr spcFirstLastPara="1" wrap="square" lIns="91425" tIns="91425" rIns="91425" bIns="91425" anchor="t" anchorCtr="0">
             <a:noAutofit/>
           </a:bodyPr>
           <a:lstStyle/>
           <a:p>
-            <a:pPr indent="0" lvl="0" marL="0" rtl="0" algn="l">
+            <a:pPr marL="0" lvl="0" indent="0" algn="l" rtl="0">
               <a:spcBef>
                 <a:spcPts val="0"/>
               </a:spcBef>
@@ -787,108 +817,6 @@
               </a:spcAft>
               <a:buNone/>
             </a:pPr>
-            <a:r>
-              <a:t/>
-            </a:r>
-            <a:endParaRPr/>
-          </a:p>
-        </p:txBody>
-      </p:sp>
-    </p:spTree>
-  </p:cSld>
-  <p:clrMapOvr>
-    <a:masterClrMapping/>
-  </p:clrMapOvr>
-</p:notes>
-</file>
-
-<file path=ppt/notesSlides/notesSlide10.xml><?xml version="1.0" encoding="utf-8"?>
-<p:notes xmlns:a="http://schemas.openxmlformats.org/drawingml/2006/main" xmlns:r="http://schemas.openxmlformats.org/officeDocument/2006/relationships" xmlns:mc="http://schemas.openxmlformats.org/markup-compatibility/2006" xmlns:mv="urn:schemas-microsoft-com:mac:vml" xmlns:p="http://schemas.openxmlformats.org/presentationml/2006/main" xmlns:c="http://schemas.openxmlformats.org/drawingml/2006/chart" xmlns:dgm="http://schemas.openxmlformats.org/drawingml/2006/diagram" xmlns:o="urn:schemas-microsoft-com:office:office" xmlns:v="urn:schemas-microsoft-com:vml" xmlns:pvml="urn:schemas-microsoft-com:office:powerpoint" xmlns:com="http://schemas.openxmlformats.org/drawingml/2006/compatibility" xmlns:p14="http://schemas.microsoft.com/office/powerpoint/2010/main" xmlns:p15="http://schemas.microsoft.com/office/powerpoint/2012/main" xmlns:ahyp="http://schemas.microsoft.com/office/drawing/2018/hyperlinkcolor" showMasterPhAnim="0" showMasterSp="0">
-  <p:cSld>
-    <p:spTree>
-      <p:nvGrpSpPr>
-        <p:cNvPr id="111" name="Shape 111"/>
-        <p:cNvGrpSpPr/>
-        <p:nvPr/>
-      </p:nvGrpSpPr>
-      <p:grpSpPr>
-        <a:xfrm>
-          <a:off x="0" y="0"/>
-          <a:ext cx="0" cy="0"/>
-          <a:chOff x="0" y="0"/>
-          <a:chExt cx="0" cy="0"/>
-        </a:xfrm>
-      </p:grpSpPr>
-      <p:sp>
-        <p:nvSpPr>
-          <p:cNvPr id="112" name="Google Shape;112;gc6f90357f_0_41:notes"/>
-          <p:cNvSpPr/>
-          <p:nvPr>
-            <p:ph idx="2" type="sldImg"/>
-          </p:nvPr>
-        </p:nvSpPr>
-        <p:spPr>
-          <a:xfrm>
-            <a:off x="381188" y="685800"/>
-            <a:ext cx="6096300" cy="3429000"/>
-          </a:xfrm>
-          <a:custGeom>
-            <a:rect b="b" l="l" r="r" t="t"/>
-            <a:pathLst>
-              <a:path extrusionOk="0" h="120000" w="120000">
-                <a:moveTo>
-                  <a:pt x="0" y="0"/>
-                </a:moveTo>
-                <a:lnTo>
-                  <a:pt x="120000" y="0"/>
-                </a:lnTo>
-                <a:lnTo>
-                  <a:pt x="120000" y="120000"/>
-                </a:lnTo>
-                <a:lnTo>
-                  <a:pt x="0" y="120000"/>
-                </a:lnTo>
-                <a:close/>
-              </a:path>
-            </a:pathLst>
-          </a:custGeom>
-        </p:spPr>
-      </p:sp>
-      <p:sp>
-        <p:nvSpPr>
-          <p:cNvPr id="113" name="Google Shape;113;gc6f90357f_0_41:notes"/>
-          <p:cNvSpPr txBox="1"/>
-          <p:nvPr>
-            <p:ph idx="1" type="body"/>
-          </p:nvPr>
-        </p:nvSpPr>
-        <p:spPr>
-          <a:xfrm>
-            <a:off x="685800" y="4343400"/>
-            <a:ext cx="5486400" cy="4114800"/>
-          </a:xfrm>
-          <a:prstGeom prst="rect">
-            <a:avLst/>
-          </a:prstGeom>
-        </p:spPr>
-        <p:txBody>
-          <a:bodyPr anchorCtr="0" anchor="t" bIns="91425" lIns="91425" spcFirstLastPara="1" rIns="91425" wrap="square" tIns="91425">
-            <a:noAutofit/>
-          </a:bodyPr>
-          <a:lstStyle/>
-          <a:p>
-            <a:pPr indent="0" lvl="0" marL="0" rtl="0" algn="l">
-              <a:spcBef>
-                <a:spcPts val="0"/>
-              </a:spcBef>
-              <a:spcAft>
-                <a:spcPts val="0"/>
-              </a:spcAft>
-              <a:buNone/>
-            </a:pPr>
-            <a:r>
-              <a:t/>
-            </a:r>
             <a:endParaRPr/>
           </a:p>
         </p:txBody>
@@ -902,11 +830,11 @@
 </file>
 
 <file path=ppt/notesSlides/notesSlide2.xml><?xml version="1.0" encoding="utf-8"?>
-<p:notes xmlns:a="http://schemas.openxmlformats.org/drawingml/2006/main" xmlns:r="http://schemas.openxmlformats.org/officeDocument/2006/relationships" xmlns:mc="http://schemas.openxmlformats.org/markup-compatibility/2006" xmlns:mv="urn:schemas-microsoft-com:mac:vml" xmlns:p="http://schemas.openxmlformats.org/presentationml/2006/main" xmlns:c="http://schemas.openxmlformats.org/drawingml/2006/chart" xmlns:dgm="http://schemas.openxmlformats.org/drawingml/2006/diagram" xmlns:o="urn:schemas-microsoft-com:office:office" xmlns:v="urn:schemas-microsoft-com:vml" xmlns:pvml="urn:schemas-microsoft-com:office:powerpoint" xmlns:com="http://schemas.openxmlformats.org/drawingml/2006/compatibility" xmlns:p14="http://schemas.microsoft.com/office/powerpoint/2010/main" xmlns:p15="http://schemas.microsoft.com/office/powerpoint/2012/main" xmlns:ahyp="http://schemas.microsoft.com/office/drawing/2018/hyperlinkcolor" showMasterPhAnim="0" showMasterSp="0">
+<p:notes xmlns:a="http://schemas.openxmlformats.org/drawingml/2006/main" xmlns:r="http://schemas.openxmlformats.org/officeDocument/2006/relationships" xmlns:p="http://schemas.openxmlformats.org/presentationml/2006/main" showMasterSp="0" showMasterPhAnim="0">
   <p:cSld>
     <p:spTree>
       <p:nvGrpSpPr>
-        <p:cNvPr id="62" name="Shape 62"/>
+        <p:cNvPr id="1" name="Shape 62"/>
         <p:cNvGrpSpPr/>
         <p:nvPr/>
       </p:nvGrpSpPr>
@@ -921,20 +849,26 @@
       <p:sp>
         <p:nvSpPr>
           <p:cNvPr id="63" name="Google Shape;63;gc6f90357f_0_47:notes"/>
-          <p:cNvSpPr/>
+          <p:cNvSpPr>
+            <a:spLocks noGrp="1" noRot="1" noChangeAspect="1"/>
+          </p:cNvSpPr>
           <p:nvPr>
-            <p:ph idx="2" type="sldImg"/>
+            <p:ph type="sldImg" idx="2"/>
           </p:nvPr>
         </p:nvSpPr>
         <p:spPr>
           <a:xfrm>
-            <a:off x="381188" y="685800"/>
-            <a:ext cx="6096300" cy="3429000"/>
+            <a:off x="381000" y="685800"/>
+            <a:ext cx="6096000" cy="3429000"/>
           </a:xfrm>
           <a:custGeom>
-            <a:rect b="b" l="l" r="r" t="t"/>
+            <a:avLst/>
+            <a:gdLst/>
+            <a:ahLst/>
+            <a:cxnLst/>
+            <a:rect l="l" t="t" r="r" b="b"/>
             <a:pathLst>
-              <a:path extrusionOk="0" h="120000" w="120000">
+              <a:path w="120000" h="120000" extrusionOk="0">
                 <a:moveTo>
                   <a:pt x="0" y="0"/>
                 </a:moveTo>
@@ -956,9 +890,11 @@
       <p:sp>
         <p:nvSpPr>
           <p:cNvPr id="64" name="Google Shape;64;gc6f90357f_0_47:notes"/>
-          <p:cNvSpPr txBox="1"/>
+          <p:cNvSpPr txBox="1">
+            <a:spLocks noGrp="1"/>
+          </p:cNvSpPr>
           <p:nvPr>
-            <p:ph idx="1" type="body"/>
+            <p:ph type="body" idx="1"/>
           </p:nvPr>
         </p:nvSpPr>
         <p:spPr>
@@ -971,12 +907,12 @@
           </a:prstGeom>
         </p:spPr>
         <p:txBody>
-          <a:bodyPr anchorCtr="0" anchor="t" bIns="91425" lIns="91425" spcFirstLastPara="1" rIns="91425" wrap="square" tIns="91425">
+          <a:bodyPr spcFirstLastPara="1" wrap="square" lIns="91425" tIns="91425" rIns="91425" bIns="91425" anchor="t" anchorCtr="0">
             <a:noAutofit/>
           </a:bodyPr>
           <a:lstStyle/>
           <a:p>
-            <a:pPr indent="0" lvl="0" marL="0" rtl="0" algn="l">
+            <a:pPr marL="0" lvl="0" indent="0" algn="l" rtl="0">
               <a:spcBef>
                 <a:spcPts val="0"/>
               </a:spcBef>
@@ -985,9 +921,6 @@
               </a:spcAft>
               <a:buNone/>
             </a:pPr>
-            <a:r>
-              <a:t/>
-            </a:r>
             <a:endParaRPr/>
           </a:p>
         </p:txBody>
@@ -1001,110 +934,11 @@
 </file>
 
 <file path=ppt/notesSlides/notesSlide3.xml><?xml version="1.0" encoding="utf-8"?>
-<p:notes xmlns:a="http://schemas.openxmlformats.org/drawingml/2006/main" xmlns:r="http://schemas.openxmlformats.org/officeDocument/2006/relationships" xmlns:mc="http://schemas.openxmlformats.org/markup-compatibility/2006" xmlns:mv="urn:schemas-microsoft-com:mac:vml" xmlns:p="http://schemas.openxmlformats.org/presentationml/2006/main" xmlns:c="http://schemas.openxmlformats.org/drawingml/2006/chart" xmlns:dgm="http://schemas.openxmlformats.org/drawingml/2006/diagram" xmlns:o="urn:schemas-microsoft-com:office:office" xmlns:v="urn:schemas-microsoft-com:vml" xmlns:pvml="urn:schemas-microsoft-com:office:powerpoint" xmlns:com="http://schemas.openxmlformats.org/drawingml/2006/compatibility" xmlns:p14="http://schemas.microsoft.com/office/powerpoint/2010/main" xmlns:p15="http://schemas.microsoft.com/office/powerpoint/2012/main" xmlns:ahyp="http://schemas.microsoft.com/office/drawing/2018/hyperlinkcolor" showMasterPhAnim="0" showMasterSp="0">
+<p:notes xmlns:a="http://schemas.openxmlformats.org/drawingml/2006/main" xmlns:r="http://schemas.openxmlformats.org/officeDocument/2006/relationships" xmlns:p="http://schemas.openxmlformats.org/presentationml/2006/main" showMasterSp="0" showMasterPhAnim="0">
   <p:cSld>
     <p:spTree>
       <p:nvGrpSpPr>
-        <p:cNvPr id="68" name="Shape 68"/>
-        <p:cNvGrpSpPr/>
-        <p:nvPr/>
-      </p:nvGrpSpPr>
-      <p:grpSpPr>
-        <a:xfrm>
-          <a:off x="0" y="0"/>
-          <a:ext cx="0" cy="0"/>
-          <a:chOff x="0" y="0"/>
-          <a:chExt cx="0" cy="0"/>
-        </a:xfrm>
-      </p:grpSpPr>
-      <p:sp>
-        <p:nvSpPr>
-          <p:cNvPr id="69" name="Google Shape;69;gc6f90357f_0_5:notes"/>
-          <p:cNvSpPr/>
-          <p:nvPr>
-            <p:ph idx="2" type="sldImg"/>
-          </p:nvPr>
-        </p:nvSpPr>
-        <p:spPr>
-          <a:xfrm>
-            <a:off x="381188" y="685800"/>
-            <a:ext cx="6096300" cy="3429000"/>
-          </a:xfrm>
-          <a:custGeom>
-            <a:rect b="b" l="l" r="r" t="t"/>
-            <a:pathLst>
-              <a:path extrusionOk="0" h="120000" w="120000">
-                <a:moveTo>
-                  <a:pt x="0" y="0"/>
-                </a:moveTo>
-                <a:lnTo>
-                  <a:pt x="120000" y="0"/>
-                </a:lnTo>
-                <a:lnTo>
-                  <a:pt x="120000" y="120000"/>
-                </a:lnTo>
-                <a:lnTo>
-                  <a:pt x="0" y="120000"/>
-                </a:lnTo>
-                <a:close/>
-              </a:path>
-            </a:pathLst>
-          </a:custGeom>
-        </p:spPr>
-      </p:sp>
-      <p:sp>
-        <p:nvSpPr>
-          <p:cNvPr id="70" name="Google Shape;70;gc6f90357f_0_5:notes"/>
-          <p:cNvSpPr txBox="1"/>
-          <p:nvPr>
-            <p:ph idx="1" type="body"/>
-          </p:nvPr>
-        </p:nvSpPr>
-        <p:spPr>
-          <a:xfrm>
-            <a:off x="685800" y="4343400"/>
-            <a:ext cx="5486400" cy="4114800"/>
-          </a:xfrm>
-          <a:prstGeom prst="rect">
-            <a:avLst/>
-          </a:prstGeom>
-        </p:spPr>
-        <p:txBody>
-          <a:bodyPr anchorCtr="0" anchor="t" bIns="91425" lIns="91425" spcFirstLastPara="1" rIns="91425" wrap="square" tIns="91425">
-            <a:noAutofit/>
-          </a:bodyPr>
-          <a:lstStyle/>
-          <a:p>
-            <a:pPr indent="0" lvl="0" marL="0" rtl="0" algn="l">
-              <a:spcBef>
-                <a:spcPts val="0"/>
-              </a:spcBef>
-              <a:spcAft>
-                <a:spcPts val="0"/>
-              </a:spcAft>
-              <a:buNone/>
-            </a:pPr>
-            <a:r>
-              <a:t/>
-            </a:r>
-            <a:endParaRPr/>
-          </a:p>
-        </p:txBody>
-      </p:sp>
-    </p:spTree>
-  </p:cSld>
-  <p:clrMapOvr>
-    <a:masterClrMapping/>
-  </p:clrMapOvr>
-</p:notes>
-</file>
-
-<file path=ppt/notesSlides/notesSlide4.xml><?xml version="1.0" encoding="utf-8"?>
-<p:notes xmlns:a="http://schemas.openxmlformats.org/drawingml/2006/main" xmlns:r="http://schemas.openxmlformats.org/officeDocument/2006/relationships" xmlns:mc="http://schemas.openxmlformats.org/markup-compatibility/2006" xmlns:mv="urn:schemas-microsoft-com:mac:vml" xmlns:p="http://schemas.openxmlformats.org/presentationml/2006/main" xmlns:c="http://schemas.openxmlformats.org/drawingml/2006/chart" xmlns:dgm="http://schemas.openxmlformats.org/drawingml/2006/diagram" xmlns:o="urn:schemas-microsoft-com:office:office" xmlns:v="urn:schemas-microsoft-com:vml" xmlns:pvml="urn:schemas-microsoft-com:office:powerpoint" xmlns:com="http://schemas.openxmlformats.org/drawingml/2006/compatibility" xmlns:p14="http://schemas.microsoft.com/office/powerpoint/2010/main" xmlns:p15="http://schemas.microsoft.com/office/powerpoint/2012/main" xmlns:ahyp="http://schemas.microsoft.com/office/drawing/2018/hyperlinkcolor" showMasterPhAnim="0" showMasterSp="0">
-  <p:cSld>
-    <p:spTree>
-      <p:nvGrpSpPr>
-        <p:cNvPr id="73" name="Shape 73"/>
+        <p:cNvPr id="1" name="Shape 73"/>
         <p:cNvGrpSpPr/>
         <p:nvPr/>
       </p:nvGrpSpPr>
@@ -1119,20 +953,26 @@
       <p:sp>
         <p:nvSpPr>
           <p:cNvPr id="74" name="Google Shape;74;gc6f90357f_0_9:notes"/>
-          <p:cNvSpPr/>
+          <p:cNvSpPr>
+            <a:spLocks noGrp="1" noRot="1" noChangeAspect="1"/>
+          </p:cNvSpPr>
           <p:nvPr>
-            <p:ph idx="2" type="sldImg"/>
+            <p:ph type="sldImg" idx="2"/>
           </p:nvPr>
         </p:nvSpPr>
         <p:spPr>
           <a:xfrm>
-            <a:off x="381188" y="685800"/>
-            <a:ext cx="6096300" cy="3429000"/>
+            <a:off x="381000" y="685800"/>
+            <a:ext cx="6096000" cy="3429000"/>
           </a:xfrm>
           <a:custGeom>
-            <a:rect b="b" l="l" r="r" t="t"/>
+            <a:avLst/>
+            <a:gdLst/>
+            <a:ahLst/>
+            <a:cxnLst/>
+            <a:rect l="l" t="t" r="r" b="b"/>
             <a:pathLst>
-              <a:path extrusionOk="0" h="120000" w="120000">
+              <a:path w="120000" h="120000" extrusionOk="0">
                 <a:moveTo>
                   <a:pt x="0" y="0"/>
                 </a:moveTo>
@@ -1154,9 +994,11 @@
       <p:sp>
         <p:nvSpPr>
           <p:cNvPr id="75" name="Google Shape;75;gc6f90357f_0_9:notes"/>
-          <p:cNvSpPr txBox="1"/>
+          <p:cNvSpPr txBox="1">
+            <a:spLocks noGrp="1"/>
+          </p:cNvSpPr>
           <p:nvPr>
-            <p:ph idx="1" type="body"/>
+            <p:ph type="body" idx="1"/>
           </p:nvPr>
         </p:nvSpPr>
         <p:spPr>
@@ -1169,12 +1011,12 @@
           </a:prstGeom>
         </p:spPr>
         <p:txBody>
-          <a:bodyPr anchorCtr="0" anchor="t" bIns="91425" lIns="91425" spcFirstLastPara="1" rIns="91425" wrap="square" tIns="91425">
+          <a:bodyPr spcFirstLastPara="1" wrap="square" lIns="91425" tIns="91425" rIns="91425" bIns="91425" anchor="t" anchorCtr="0">
             <a:noAutofit/>
           </a:bodyPr>
           <a:lstStyle/>
           <a:p>
-            <a:pPr indent="0" lvl="0" marL="0" rtl="0" algn="l">
+            <a:pPr marL="0" lvl="0" indent="0" algn="l" rtl="0">
               <a:spcBef>
                 <a:spcPts val="0"/>
               </a:spcBef>
@@ -1183,9 +1025,6 @@
               </a:spcAft>
               <a:buNone/>
             </a:pPr>
-            <a:r>
-              <a:t/>
-            </a:r>
             <a:endParaRPr/>
           </a:p>
         </p:txBody>
@@ -1198,12 +1037,12 @@
 </p:notes>
 </file>
 
-<file path=ppt/notesSlides/notesSlide5.xml><?xml version="1.0" encoding="utf-8"?>
-<p:notes xmlns:a="http://schemas.openxmlformats.org/drawingml/2006/main" xmlns:r="http://schemas.openxmlformats.org/officeDocument/2006/relationships" xmlns:mc="http://schemas.openxmlformats.org/markup-compatibility/2006" xmlns:mv="urn:schemas-microsoft-com:mac:vml" xmlns:p="http://schemas.openxmlformats.org/presentationml/2006/main" xmlns:c="http://schemas.openxmlformats.org/drawingml/2006/chart" xmlns:dgm="http://schemas.openxmlformats.org/drawingml/2006/diagram" xmlns:o="urn:schemas-microsoft-com:office:office" xmlns:v="urn:schemas-microsoft-com:vml" xmlns:pvml="urn:schemas-microsoft-com:office:powerpoint" xmlns:com="http://schemas.openxmlformats.org/drawingml/2006/compatibility" xmlns:p14="http://schemas.microsoft.com/office/powerpoint/2010/main" xmlns:p15="http://schemas.microsoft.com/office/powerpoint/2012/main" xmlns:ahyp="http://schemas.microsoft.com/office/drawing/2018/hyperlinkcolor" showMasterPhAnim="0" showMasterSp="0">
+<file path=ppt/notesSlides/notesSlide4.xml><?xml version="1.0" encoding="utf-8"?>
+<p:notes xmlns:a="http://schemas.openxmlformats.org/drawingml/2006/main" xmlns:r="http://schemas.openxmlformats.org/officeDocument/2006/relationships" xmlns:p="http://schemas.openxmlformats.org/presentationml/2006/main" showMasterSp="0" showMasterPhAnim="0">
   <p:cSld>
     <p:spTree>
       <p:nvGrpSpPr>
-        <p:cNvPr id="78" name="Shape 78"/>
+        <p:cNvPr id="1" name="Shape 73"/>
         <p:cNvGrpSpPr/>
         <p:nvPr/>
       </p:nvGrpSpPr>
@@ -1217,21 +1056,27 @@
       </p:grpSpPr>
       <p:sp>
         <p:nvSpPr>
-          <p:cNvPr id="79" name="Google Shape;79;gc6f90357f_0_13:notes"/>
-          <p:cNvSpPr/>
+          <p:cNvPr id="74" name="Google Shape;74;gc6f90357f_0_9:notes"/>
+          <p:cNvSpPr>
+            <a:spLocks noGrp="1" noRot="1" noChangeAspect="1"/>
+          </p:cNvSpPr>
           <p:nvPr>
-            <p:ph idx="2" type="sldImg"/>
+            <p:ph type="sldImg" idx="2"/>
           </p:nvPr>
         </p:nvSpPr>
         <p:spPr>
           <a:xfrm>
-            <a:off x="381188" y="685800"/>
-            <a:ext cx="6096300" cy="3429000"/>
+            <a:off x="381000" y="685800"/>
+            <a:ext cx="6096000" cy="3429000"/>
           </a:xfrm>
           <a:custGeom>
-            <a:rect b="b" l="l" r="r" t="t"/>
+            <a:avLst/>
+            <a:gdLst/>
+            <a:ahLst/>
+            <a:cxnLst/>
+            <a:rect l="l" t="t" r="r" b="b"/>
             <a:pathLst>
-              <a:path extrusionOk="0" h="120000" w="120000">
+              <a:path w="120000" h="120000" extrusionOk="0">
                 <a:moveTo>
                   <a:pt x="0" y="0"/>
                 </a:moveTo>
@@ -1252,10 +1097,12 @@
       </p:sp>
       <p:sp>
         <p:nvSpPr>
-          <p:cNvPr id="80" name="Google Shape;80;gc6f90357f_0_13:notes"/>
-          <p:cNvSpPr txBox="1"/>
+          <p:cNvPr id="75" name="Google Shape;75;gc6f90357f_0_9:notes"/>
+          <p:cNvSpPr txBox="1">
+            <a:spLocks noGrp="1"/>
+          </p:cNvSpPr>
           <p:nvPr>
-            <p:ph idx="1" type="body"/>
+            <p:ph type="body" idx="1"/>
           </p:nvPr>
         </p:nvSpPr>
         <p:spPr>
@@ -1268,12 +1115,12 @@
           </a:prstGeom>
         </p:spPr>
         <p:txBody>
-          <a:bodyPr anchorCtr="0" anchor="t" bIns="91425" lIns="91425" spcFirstLastPara="1" rIns="91425" wrap="square" tIns="91425">
+          <a:bodyPr spcFirstLastPara="1" wrap="square" lIns="91425" tIns="91425" rIns="91425" bIns="91425" anchor="t" anchorCtr="0">
             <a:noAutofit/>
           </a:bodyPr>
           <a:lstStyle/>
           <a:p>
-            <a:pPr indent="0" lvl="0" marL="0" rtl="0" algn="l">
+            <a:pPr marL="0" lvl="0" indent="0" algn="l" rtl="0">
               <a:spcBef>
                 <a:spcPts val="0"/>
               </a:spcBef>
@@ -1282,405 +1129,6 @@
               </a:spcAft>
               <a:buNone/>
             </a:pPr>
-            <a:r>
-              <a:t/>
-            </a:r>
-            <a:endParaRPr/>
-          </a:p>
-        </p:txBody>
-      </p:sp>
-    </p:spTree>
-  </p:cSld>
-  <p:clrMapOvr>
-    <a:masterClrMapping/>
-  </p:clrMapOvr>
-</p:notes>
-</file>
-
-<file path=ppt/notesSlides/notesSlide6.xml><?xml version="1.0" encoding="utf-8"?>
-<p:notes xmlns:a="http://schemas.openxmlformats.org/drawingml/2006/main" xmlns:r="http://schemas.openxmlformats.org/officeDocument/2006/relationships" xmlns:mc="http://schemas.openxmlformats.org/markup-compatibility/2006" xmlns:mv="urn:schemas-microsoft-com:mac:vml" xmlns:p="http://schemas.openxmlformats.org/presentationml/2006/main" xmlns:c="http://schemas.openxmlformats.org/drawingml/2006/chart" xmlns:dgm="http://schemas.openxmlformats.org/drawingml/2006/diagram" xmlns:o="urn:schemas-microsoft-com:office:office" xmlns:v="urn:schemas-microsoft-com:vml" xmlns:pvml="urn:schemas-microsoft-com:office:powerpoint" xmlns:com="http://schemas.openxmlformats.org/drawingml/2006/compatibility" xmlns:p14="http://schemas.microsoft.com/office/powerpoint/2010/main" xmlns:p15="http://schemas.microsoft.com/office/powerpoint/2012/main" xmlns:ahyp="http://schemas.microsoft.com/office/drawing/2018/hyperlinkcolor" showMasterPhAnim="0" showMasterSp="0">
-  <p:cSld>
-    <p:spTree>
-      <p:nvGrpSpPr>
-        <p:cNvPr id="85" name="Shape 85"/>
-        <p:cNvGrpSpPr/>
-        <p:nvPr/>
-      </p:nvGrpSpPr>
-      <p:grpSpPr>
-        <a:xfrm>
-          <a:off x="0" y="0"/>
-          <a:ext cx="0" cy="0"/>
-          <a:chOff x="0" y="0"/>
-          <a:chExt cx="0" cy="0"/>
-        </a:xfrm>
-      </p:grpSpPr>
-      <p:sp>
-        <p:nvSpPr>
-          <p:cNvPr id="86" name="Google Shape;86;gc6f90357f_0_19:notes"/>
-          <p:cNvSpPr/>
-          <p:nvPr>
-            <p:ph idx="2" type="sldImg"/>
-          </p:nvPr>
-        </p:nvSpPr>
-        <p:spPr>
-          <a:xfrm>
-            <a:off x="381188" y="685800"/>
-            <a:ext cx="6096300" cy="3429000"/>
-          </a:xfrm>
-          <a:custGeom>
-            <a:rect b="b" l="l" r="r" t="t"/>
-            <a:pathLst>
-              <a:path extrusionOk="0" h="120000" w="120000">
-                <a:moveTo>
-                  <a:pt x="0" y="0"/>
-                </a:moveTo>
-                <a:lnTo>
-                  <a:pt x="120000" y="0"/>
-                </a:lnTo>
-                <a:lnTo>
-                  <a:pt x="120000" y="120000"/>
-                </a:lnTo>
-                <a:lnTo>
-                  <a:pt x="0" y="120000"/>
-                </a:lnTo>
-                <a:close/>
-              </a:path>
-            </a:pathLst>
-          </a:custGeom>
-        </p:spPr>
-      </p:sp>
-      <p:sp>
-        <p:nvSpPr>
-          <p:cNvPr id="87" name="Google Shape;87;gc6f90357f_0_19:notes"/>
-          <p:cNvSpPr txBox="1"/>
-          <p:nvPr>
-            <p:ph idx="1" type="body"/>
-          </p:nvPr>
-        </p:nvSpPr>
-        <p:spPr>
-          <a:xfrm>
-            <a:off x="685800" y="4343400"/>
-            <a:ext cx="5486400" cy="4114800"/>
-          </a:xfrm>
-          <a:prstGeom prst="rect">
-            <a:avLst/>
-          </a:prstGeom>
-        </p:spPr>
-        <p:txBody>
-          <a:bodyPr anchorCtr="0" anchor="t" bIns="91425" lIns="91425" spcFirstLastPara="1" rIns="91425" wrap="square" tIns="91425">
-            <a:noAutofit/>
-          </a:bodyPr>
-          <a:lstStyle/>
-          <a:p>
-            <a:pPr indent="0" lvl="0" marL="0" rtl="0" algn="l">
-              <a:spcBef>
-                <a:spcPts val="0"/>
-              </a:spcBef>
-              <a:spcAft>
-                <a:spcPts val="0"/>
-              </a:spcAft>
-              <a:buNone/>
-            </a:pPr>
-            <a:r>
-              <a:t/>
-            </a:r>
-            <a:endParaRPr/>
-          </a:p>
-        </p:txBody>
-      </p:sp>
-    </p:spTree>
-  </p:cSld>
-  <p:clrMapOvr>
-    <a:masterClrMapping/>
-  </p:clrMapOvr>
-</p:notes>
-</file>
-
-<file path=ppt/notesSlides/notesSlide7.xml><?xml version="1.0" encoding="utf-8"?>
-<p:notes xmlns:a="http://schemas.openxmlformats.org/drawingml/2006/main" xmlns:r="http://schemas.openxmlformats.org/officeDocument/2006/relationships" xmlns:mc="http://schemas.openxmlformats.org/markup-compatibility/2006" xmlns:mv="urn:schemas-microsoft-com:mac:vml" xmlns:p="http://schemas.openxmlformats.org/presentationml/2006/main" xmlns:c="http://schemas.openxmlformats.org/drawingml/2006/chart" xmlns:dgm="http://schemas.openxmlformats.org/drawingml/2006/diagram" xmlns:o="urn:schemas-microsoft-com:office:office" xmlns:v="urn:schemas-microsoft-com:vml" xmlns:pvml="urn:schemas-microsoft-com:office:powerpoint" xmlns:com="http://schemas.openxmlformats.org/drawingml/2006/compatibility" xmlns:p14="http://schemas.microsoft.com/office/powerpoint/2010/main" xmlns:p15="http://schemas.microsoft.com/office/powerpoint/2012/main" xmlns:ahyp="http://schemas.microsoft.com/office/drawing/2018/hyperlinkcolor" showMasterPhAnim="0" showMasterSp="0">
-  <p:cSld>
-    <p:spTree>
-      <p:nvGrpSpPr>
-        <p:cNvPr id="94" name="Shape 94"/>
-        <p:cNvGrpSpPr/>
-        <p:nvPr/>
-      </p:nvGrpSpPr>
-      <p:grpSpPr>
-        <a:xfrm>
-          <a:off x="0" y="0"/>
-          <a:ext cx="0" cy="0"/>
-          <a:chOff x="0" y="0"/>
-          <a:chExt cx="0" cy="0"/>
-        </a:xfrm>
-      </p:grpSpPr>
-      <p:sp>
-        <p:nvSpPr>
-          <p:cNvPr id="95" name="Google Shape;95;gc6f90357f_0_27:notes"/>
-          <p:cNvSpPr/>
-          <p:nvPr>
-            <p:ph idx="2" type="sldImg"/>
-          </p:nvPr>
-        </p:nvSpPr>
-        <p:spPr>
-          <a:xfrm>
-            <a:off x="381188" y="685800"/>
-            <a:ext cx="6096300" cy="3429000"/>
-          </a:xfrm>
-          <a:custGeom>
-            <a:rect b="b" l="l" r="r" t="t"/>
-            <a:pathLst>
-              <a:path extrusionOk="0" h="120000" w="120000">
-                <a:moveTo>
-                  <a:pt x="0" y="0"/>
-                </a:moveTo>
-                <a:lnTo>
-                  <a:pt x="120000" y="0"/>
-                </a:lnTo>
-                <a:lnTo>
-                  <a:pt x="120000" y="120000"/>
-                </a:lnTo>
-                <a:lnTo>
-                  <a:pt x="0" y="120000"/>
-                </a:lnTo>
-                <a:close/>
-              </a:path>
-            </a:pathLst>
-          </a:custGeom>
-        </p:spPr>
-      </p:sp>
-      <p:sp>
-        <p:nvSpPr>
-          <p:cNvPr id="96" name="Google Shape;96;gc6f90357f_0_27:notes"/>
-          <p:cNvSpPr txBox="1"/>
-          <p:nvPr>
-            <p:ph idx="1" type="body"/>
-          </p:nvPr>
-        </p:nvSpPr>
-        <p:spPr>
-          <a:xfrm>
-            <a:off x="685800" y="4343400"/>
-            <a:ext cx="5486400" cy="4114800"/>
-          </a:xfrm>
-          <a:prstGeom prst="rect">
-            <a:avLst/>
-          </a:prstGeom>
-        </p:spPr>
-        <p:txBody>
-          <a:bodyPr anchorCtr="0" anchor="t" bIns="91425" lIns="91425" spcFirstLastPara="1" rIns="91425" wrap="square" tIns="91425">
-            <a:noAutofit/>
-          </a:bodyPr>
-          <a:lstStyle/>
-          <a:p>
-            <a:pPr indent="0" lvl="0" marL="0" rtl="0" algn="l">
-              <a:spcBef>
-                <a:spcPts val="0"/>
-              </a:spcBef>
-              <a:spcAft>
-                <a:spcPts val="0"/>
-              </a:spcAft>
-              <a:buNone/>
-            </a:pPr>
-            <a:r>
-              <a:t/>
-            </a:r>
-            <a:endParaRPr/>
-          </a:p>
-        </p:txBody>
-      </p:sp>
-    </p:spTree>
-  </p:cSld>
-  <p:clrMapOvr>
-    <a:masterClrMapping/>
-  </p:clrMapOvr>
-</p:notes>
-</file>
-
-<file path=ppt/notesSlides/notesSlide8.xml><?xml version="1.0" encoding="utf-8"?>
-<p:notes xmlns:a="http://schemas.openxmlformats.org/drawingml/2006/main" xmlns:r="http://schemas.openxmlformats.org/officeDocument/2006/relationships" xmlns:mc="http://schemas.openxmlformats.org/markup-compatibility/2006" xmlns:mv="urn:schemas-microsoft-com:mac:vml" xmlns:p="http://schemas.openxmlformats.org/presentationml/2006/main" xmlns:c="http://schemas.openxmlformats.org/drawingml/2006/chart" xmlns:dgm="http://schemas.openxmlformats.org/drawingml/2006/diagram" xmlns:o="urn:schemas-microsoft-com:office:office" xmlns:v="urn:schemas-microsoft-com:vml" xmlns:pvml="urn:schemas-microsoft-com:office:powerpoint" xmlns:com="http://schemas.openxmlformats.org/drawingml/2006/compatibility" xmlns:p14="http://schemas.microsoft.com/office/powerpoint/2010/main" xmlns:p15="http://schemas.microsoft.com/office/powerpoint/2012/main" xmlns:ahyp="http://schemas.microsoft.com/office/drawing/2018/hyperlinkcolor" showMasterPhAnim="0" showMasterSp="0">
-  <p:cSld>
-    <p:spTree>
-      <p:nvGrpSpPr>
-        <p:cNvPr id="99" name="Shape 99"/>
-        <p:cNvGrpSpPr/>
-        <p:nvPr/>
-      </p:nvGrpSpPr>
-      <p:grpSpPr>
-        <a:xfrm>
-          <a:off x="0" y="0"/>
-          <a:ext cx="0" cy="0"/>
-          <a:chOff x="0" y="0"/>
-          <a:chExt cx="0" cy="0"/>
-        </a:xfrm>
-      </p:grpSpPr>
-      <p:sp>
-        <p:nvSpPr>
-          <p:cNvPr id="100" name="Google Shape;100;gc6f90357f_0_31:notes"/>
-          <p:cNvSpPr/>
-          <p:nvPr>
-            <p:ph idx="2" type="sldImg"/>
-          </p:nvPr>
-        </p:nvSpPr>
-        <p:spPr>
-          <a:xfrm>
-            <a:off x="381188" y="685800"/>
-            <a:ext cx="6096300" cy="3429000"/>
-          </a:xfrm>
-          <a:custGeom>
-            <a:rect b="b" l="l" r="r" t="t"/>
-            <a:pathLst>
-              <a:path extrusionOk="0" h="120000" w="120000">
-                <a:moveTo>
-                  <a:pt x="0" y="0"/>
-                </a:moveTo>
-                <a:lnTo>
-                  <a:pt x="120000" y="0"/>
-                </a:lnTo>
-                <a:lnTo>
-                  <a:pt x="120000" y="120000"/>
-                </a:lnTo>
-                <a:lnTo>
-                  <a:pt x="0" y="120000"/>
-                </a:lnTo>
-                <a:close/>
-              </a:path>
-            </a:pathLst>
-          </a:custGeom>
-        </p:spPr>
-      </p:sp>
-      <p:sp>
-        <p:nvSpPr>
-          <p:cNvPr id="101" name="Google Shape;101;gc6f90357f_0_31:notes"/>
-          <p:cNvSpPr txBox="1"/>
-          <p:nvPr>
-            <p:ph idx="1" type="body"/>
-          </p:nvPr>
-        </p:nvSpPr>
-        <p:spPr>
-          <a:xfrm>
-            <a:off x="685800" y="4343400"/>
-            <a:ext cx="5486400" cy="4114800"/>
-          </a:xfrm>
-          <a:prstGeom prst="rect">
-            <a:avLst/>
-          </a:prstGeom>
-        </p:spPr>
-        <p:txBody>
-          <a:bodyPr anchorCtr="0" anchor="t" bIns="91425" lIns="91425" spcFirstLastPara="1" rIns="91425" wrap="square" tIns="91425">
-            <a:noAutofit/>
-          </a:bodyPr>
-          <a:lstStyle/>
-          <a:p>
-            <a:pPr indent="0" lvl="0" marL="0" rtl="0" algn="l">
-              <a:spcBef>
-                <a:spcPts val="0"/>
-              </a:spcBef>
-              <a:spcAft>
-                <a:spcPts val="0"/>
-              </a:spcAft>
-              <a:buNone/>
-            </a:pPr>
-            <a:r>
-              <a:t/>
-            </a:r>
-            <a:endParaRPr/>
-          </a:p>
-        </p:txBody>
-      </p:sp>
-    </p:spTree>
-  </p:cSld>
-  <p:clrMapOvr>
-    <a:masterClrMapping/>
-  </p:clrMapOvr>
-</p:notes>
-</file>
-
-<file path=ppt/notesSlides/notesSlide9.xml><?xml version="1.0" encoding="utf-8"?>
-<p:notes xmlns:a="http://schemas.openxmlformats.org/drawingml/2006/main" xmlns:r="http://schemas.openxmlformats.org/officeDocument/2006/relationships" xmlns:mc="http://schemas.openxmlformats.org/markup-compatibility/2006" xmlns:mv="urn:schemas-microsoft-com:mac:vml" xmlns:p="http://schemas.openxmlformats.org/presentationml/2006/main" xmlns:c="http://schemas.openxmlformats.org/drawingml/2006/chart" xmlns:dgm="http://schemas.openxmlformats.org/drawingml/2006/diagram" xmlns:o="urn:schemas-microsoft-com:office:office" xmlns:v="urn:schemas-microsoft-com:vml" xmlns:pvml="urn:schemas-microsoft-com:office:powerpoint" xmlns:com="http://schemas.openxmlformats.org/drawingml/2006/compatibility" xmlns:p14="http://schemas.microsoft.com/office/powerpoint/2010/main" xmlns:p15="http://schemas.microsoft.com/office/powerpoint/2012/main" xmlns:ahyp="http://schemas.microsoft.com/office/drawing/2018/hyperlinkcolor" showMasterPhAnim="0" showMasterSp="0">
-  <p:cSld>
-    <p:spTree>
-      <p:nvGrpSpPr>
-        <p:cNvPr id="104" name="Shape 104"/>
-        <p:cNvGrpSpPr/>
-        <p:nvPr/>
-      </p:nvGrpSpPr>
-      <p:grpSpPr>
-        <a:xfrm>
-          <a:off x="0" y="0"/>
-          <a:ext cx="0" cy="0"/>
-          <a:chOff x="0" y="0"/>
-          <a:chExt cx="0" cy="0"/>
-        </a:xfrm>
-      </p:grpSpPr>
-      <p:sp>
-        <p:nvSpPr>
-          <p:cNvPr id="105" name="Google Shape;105;gc6f90357f_0_35:notes"/>
-          <p:cNvSpPr/>
-          <p:nvPr>
-            <p:ph idx="2" type="sldImg"/>
-          </p:nvPr>
-        </p:nvSpPr>
-        <p:spPr>
-          <a:xfrm>
-            <a:off x="381188" y="685800"/>
-            <a:ext cx="6096300" cy="3429000"/>
-          </a:xfrm>
-          <a:custGeom>
-            <a:rect b="b" l="l" r="r" t="t"/>
-            <a:pathLst>
-              <a:path extrusionOk="0" h="120000" w="120000">
-                <a:moveTo>
-                  <a:pt x="0" y="0"/>
-                </a:moveTo>
-                <a:lnTo>
-                  <a:pt x="120000" y="0"/>
-                </a:lnTo>
-                <a:lnTo>
-                  <a:pt x="120000" y="120000"/>
-                </a:lnTo>
-                <a:lnTo>
-                  <a:pt x="0" y="120000"/>
-                </a:lnTo>
-                <a:close/>
-              </a:path>
-            </a:pathLst>
-          </a:custGeom>
-        </p:spPr>
-      </p:sp>
-      <p:sp>
-        <p:nvSpPr>
-          <p:cNvPr id="106" name="Google Shape;106;gc6f90357f_0_35:notes"/>
-          <p:cNvSpPr txBox="1"/>
-          <p:nvPr>
-            <p:ph idx="1" type="body"/>
-          </p:nvPr>
-        </p:nvSpPr>
-        <p:spPr>
-          <a:xfrm>
-            <a:off x="685800" y="4343400"/>
-            <a:ext cx="5486400" cy="4114800"/>
-          </a:xfrm>
-          <a:prstGeom prst="rect">
-            <a:avLst/>
-          </a:prstGeom>
-        </p:spPr>
-        <p:txBody>
-          <a:bodyPr anchorCtr="0" anchor="t" bIns="91425" lIns="91425" spcFirstLastPara="1" rIns="91425" wrap="square" tIns="91425">
-            <a:noAutofit/>
-          </a:bodyPr>
-          <a:lstStyle/>
-          <a:p>
-            <a:pPr indent="0" lvl="0" marL="0" rtl="0" algn="l">
-              <a:spcBef>
-                <a:spcPts val="0"/>
-              </a:spcBef>
-              <a:spcAft>
-                <a:spcPts val="0"/>
-              </a:spcAft>
-              <a:buNone/>
-            </a:pPr>
-            <a:r>
-              <a:t/>
-            </a:r>
             <a:endParaRPr/>
           </a:p>
         </p:txBody>
@@ -1694,18 +1142,19 @@
 </file>
 
 <file path=ppt/slideLayouts/slideLayout1.xml><?xml version="1.0" encoding="utf-8"?>
-<p:sldLayout xmlns:a="http://schemas.openxmlformats.org/drawingml/2006/main" xmlns:r="http://schemas.openxmlformats.org/officeDocument/2006/relationships" xmlns:mc="http://schemas.openxmlformats.org/markup-compatibility/2006" xmlns:mv="urn:schemas-microsoft-com:mac:vml" xmlns:p="http://schemas.openxmlformats.org/presentationml/2006/main" xmlns:c="http://schemas.openxmlformats.org/drawingml/2006/chart" xmlns:dgm="http://schemas.openxmlformats.org/drawingml/2006/diagram" xmlns:o="urn:schemas-microsoft-com:office:office" xmlns:v="urn:schemas-microsoft-com:vml" xmlns:pvml="urn:schemas-microsoft-com:office:powerpoint" xmlns:com="http://schemas.openxmlformats.org/drawingml/2006/compatibility" xmlns:p14="http://schemas.microsoft.com/office/powerpoint/2010/main" xmlns:p15="http://schemas.microsoft.com/office/powerpoint/2012/main" xmlns:ahyp="http://schemas.microsoft.com/office/drawing/2018/hyperlinkcolor" matchingName="Title slide" type="title">
+<p:sldLayout xmlns:a="http://schemas.openxmlformats.org/drawingml/2006/main" xmlns:r="http://schemas.openxmlformats.org/officeDocument/2006/relationships" xmlns:p="http://schemas.openxmlformats.org/presentationml/2006/main" matchingName="Title slide" type="title">
   <p:cSld name="TITLE">
     <p:bg>
       <p:bgPr>
         <a:solidFill>
           <a:schemeClr val="dk1"/>
         </a:solidFill>
+        <a:effectLst/>
       </p:bgPr>
     </p:bg>
     <p:spTree>
       <p:nvGrpSpPr>
-        <p:cNvPr id="9" name="Shape 9"/>
+        <p:cNvPr id="1" name="Shape 9"/>
         <p:cNvGrpSpPr/>
         <p:nvPr/>
       </p:nvGrpSpPr>
@@ -1739,12 +1188,12 @@
           </a:ln>
         </p:spPr>
         <p:txBody>
-          <a:bodyPr anchorCtr="0" anchor="ctr" bIns="91425" lIns="91425" spcFirstLastPara="1" rIns="91425" wrap="square" tIns="91425">
+          <a:bodyPr spcFirstLastPara="1" wrap="square" lIns="91425" tIns="91425" rIns="91425" bIns="91425" anchor="ctr" anchorCtr="0">
             <a:noAutofit/>
           </a:bodyPr>
           <a:lstStyle/>
           <a:p>
-            <a:pPr indent="0" lvl="0" marL="0" rtl="0" algn="l">
+            <a:pPr marL="0" lvl="0" indent="0" algn="l" rtl="0">
               <a:spcBef>
                 <a:spcPts val="0"/>
               </a:spcBef>
@@ -1753,9 +1202,6 @@
               </a:spcAft>
               <a:buNone/>
             </a:pPr>
-            <a:r>
-              <a:t/>
-            </a:r>
             <a:endParaRPr/>
           </a:p>
         </p:txBody>
@@ -1775,21 +1221,23 @@
             <a:avLst/>
           </a:prstGeom>
           <a:noFill/>
-          <a:ln cap="flat" cmpd="sng" w="28575">
+          <a:ln w="28575" cap="flat" cmpd="sng">
             <a:solidFill>
               <a:schemeClr val="accent1"/>
             </a:solidFill>
             <a:prstDash val="solid"/>
             <a:round/>
-            <a:headEnd len="sm" w="sm" type="none"/>
-            <a:tailEnd len="sm" w="sm" type="none"/>
+            <a:headEnd type="none" w="sm" len="sm"/>
+            <a:tailEnd type="none" w="sm" len="sm"/>
           </a:ln>
         </p:spPr>
       </p:cxnSp>
       <p:sp>
         <p:nvSpPr>
           <p:cNvPr id="12" name="Google Shape;12;p2"/>
-          <p:cNvSpPr txBox="1"/>
+          <p:cNvSpPr txBox="1">
+            <a:spLocks noGrp="1"/>
+          </p:cNvSpPr>
           <p:nvPr>
             <p:ph type="ctrTitle"/>
           </p:nvPr>
@@ -1804,7 +1252,7 @@
           </a:prstGeom>
         </p:spPr>
         <p:txBody>
-          <a:bodyPr anchorCtr="0" anchor="b" bIns="91425" lIns="91425" spcFirstLastPara="1" rIns="91425" wrap="square" tIns="91425">
+          <a:bodyPr spcFirstLastPara="1" wrap="square" lIns="91425" tIns="91425" rIns="91425" bIns="91425" anchor="b" anchorCtr="0">
             <a:noAutofit/>
           </a:bodyPr>
           <a:lstStyle>
@@ -1971,15 +1419,19 @@
               </a:defRPr>
             </a:lvl9pPr>
           </a:lstStyle>
-          <a:p/>
+          <a:p>
+            <a:endParaRPr/>
+          </a:p>
         </p:txBody>
       </p:sp>
       <p:sp>
         <p:nvSpPr>
           <p:cNvPr id="13" name="Google Shape;13;p2"/>
-          <p:cNvSpPr txBox="1"/>
+          <p:cNvSpPr txBox="1">
+            <a:spLocks noGrp="1"/>
+          </p:cNvSpPr>
           <p:nvPr>
-            <p:ph idx="1" type="subTitle"/>
+            <p:ph type="subTitle" idx="1"/>
           </p:nvPr>
         </p:nvSpPr>
         <p:spPr>
@@ -1992,7 +1444,7 @@
           </a:prstGeom>
         </p:spPr>
         <p:txBody>
-          <a:bodyPr anchorCtr="0" anchor="t" bIns="91425" lIns="91425" spcFirstLastPara="1" rIns="91425" wrap="square" tIns="91425">
+          <a:bodyPr spcFirstLastPara="1" wrap="square" lIns="91425" tIns="91425" rIns="91425" bIns="91425" anchor="t" anchorCtr="0">
             <a:noAutofit/>
           </a:bodyPr>
           <a:lstStyle>
@@ -2186,15 +1638,19 @@
               </a:defRPr>
             </a:lvl9pPr>
           </a:lstStyle>
-          <a:p/>
+          <a:p>
+            <a:endParaRPr/>
+          </a:p>
         </p:txBody>
       </p:sp>
       <p:sp>
         <p:nvSpPr>
           <p:cNvPr id="14" name="Google Shape;14;p2"/>
-          <p:cNvSpPr txBox="1"/>
+          <p:cNvSpPr txBox="1">
+            <a:spLocks noGrp="1"/>
+          </p:cNvSpPr>
           <p:nvPr>
-            <p:ph idx="12" type="sldNum"/>
+            <p:ph type="sldNum" idx="12"/>
           </p:nvPr>
         </p:nvSpPr>
         <p:spPr>
@@ -2207,7 +1663,7 @@
           </a:prstGeom>
         </p:spPr>
         <p:txBody>
-          <a:bodyPr anchorCtr="0" anchor="ctr" bIns="91425" lIns="91425" spcFirstLastPara="1" rIns="91425" wrap="square" tIns="91425">
+          <a:bodyPr spcFirstLastPara="1" wrap="square" lIns="91425" tIns="91425" rIns="91425" bIns="91425" anchor="ctr" anchorCtr="0">
             <a:noAutofit/>
           </a:bodyPr>
           <a:lstStyle>
@@ -2285,7 +1741,7 @@
             </a:lvl9pPr>
           </a:lstStyle>
           <a:p>
-            <a:pPr indent="0" lvl="0" marL="0" rtl="0" algn="r">
+            <a:pPr marL="0" lvl="0" indent="0" algn="r" rtl="0">
               <a:spcBef>
                 <a:spcPts val="0"/>
               </a:spcBef>
@@ -2296,464 +1752,15 @@
             </a:pPr>
             <a:fld id="{00000000-1234-1234-1234-123412341234}" type="slidenum">
               <a:rPr lang="en"/>
-              <a:t>‹#›</a:t>
-            </a:fld>
-            <a:endParaRPr/>
-          </a:p>
-        </p:txBody>
-      </p:sp>
-    </p:spTree>
-  </p:cSld>
-  <p:clrMapOvr>
-    <a:masterClrMapping/>
-  </p:clrMapOvr>
-</p:sldLayout>
-</file>
-
-<file path=ppt/slideLayouts/slideLayout10.xml><?xml version="1.0" encoding="utf-8"?>
-<p:sldLayout xmlns:a="http://schemas.openxmlformats.org/drawingml/2006/main" xmlns:r="http://schemas.openxmlformats.org/officeDocument/2006/relationships" xmlns:mc="http://schemas.openxmlformats.org/markup-compatibility/2006" xmlns:mv="urn:schemas-microsoft-com:mac:vml" xmlns:p="http://schemas.openxmlformats.org/presentationml/2006/main" xmlns:c="http://schemas.openxmlformats.org/drawingml/2006/chart" xmlns:dgm="http://schemas.openxmlformats.org/drawingml/2006/diagram" xmlns:o="urn:schemas-microsoft-com:office:office" xmlns:v="urn:schemas-microsoft-com:vml" xmlns:pvml="urn:schemas-microsoft-com:office:powerpoint" xmlns:com="http://schemas.openxmlformats.org/drawingml/2006/compatibility" xmlns:p14="http://schemas.microsoft.com/office/powerpoint/2010/main" xmlns:p15="http://schemas.microsoft.com/office/powerpoint/2012/main" xmlns:ahyp="http://schemas.microsoft.com/office/drawing/2018/hyperlinkcolor" matchingName="Big number">
-  <p:cSld name="BIG_NUMBER">
-    <p:spTree>
-      <p:nvGrpSpPr>
-        <p:cNvPr id="49" name="Shape 49"/>
-        <p:cNvGrpSpPr/>
-        <p:nvPr/>
-      </p:nvGrpSpPr>
-      <p:grpSpPr>
-        <a:xfrm>
-          <a:off x="0" y="0"/>
-          <a:ext cx="0" cy="0"/>
-          <a:chOff x="0" y="0"/>
-          <a:chExt cx="0" cy="0"/>
-        </a:xfrm>
-      </p:grpSpPr>
-      <p:sp>
-        <p:nvSpPr>
-          <p:cNvPr id="50" name="Google Shape;50;p11"/>
-          <p:cNvSpPr txBox="1"/>
-          <p:nvPr>
-            <p:ph hasCustomPrompt="1" type="title"/>
-          </p:nvPr>
-        </p:nvSpPr>
-        <p:spPr>
-          <a:xfrm>
-            <a:off x="311700" y="1039650"/>
-            <a:ext cx="8520600" cy="2106300"/>
-          </a:xfrm>
-          <a:prstGeom prst="rect">
-            <a:avLst/>
-          </a:prstGeom>
-        </p:spPr>
-        <p:txBody>
-          <a:bodyPr anchorCtr="0" anchor="b" bIns="91425" lIns="91425" spcFirstLastPara="1" rIns="91425" wrap="square" tIns="91425">
-            <a:noAutofit/>
-          </a:bodyPr>
-          <a:lstStyle>
-            <a:lvl1pPr lvl="0" algn="ctr">
-              <a:spcBef>
-                <a:spcPts val="0"/>
-              </a:spcBef>
-              <a:spcAft>
-                <a:spcPts val="0"/>
-              </a:spcAft>
-              <a:buSzPts val="14000"/>
-              <a:buNone/>
-              <a:defRPr b="1" sz="14000"/>
-            </a:lvl1pPr>
-            <a:lvl2pPr lvl="1" algn="ctr">
-              <a:spcBef>
-                <a:spcPts val="0"/>
-              </a:spcBef>
-              <a:spcAft>
-                <a:spcPts val="0"/>
-              </a:spcAft>
-              <a:buSzPts val="14000"/>
-              <a:buNone/>
-              <a:defRPr b="1" sz="14000"/>
-            </a:lvl2pPr>
-            <a:lvl3pPr lvl="2" algn="ctr">
-              <a:spcBef>
-                <a:spcPts val="0"/>
-              </a:spcBef>
-              <a:spcAft>
-                <a:spcPts val="0"/>
-              </a:spcAft>
-              <a:buSzPts val="14000"/>
-              <a:buNone/>
-              <a:defRPr b="1" sz="14000"/>
-            </a:lvl3pPr>
-            <a:lvl4pPr lvl="3" algn="ctr">
-              <a:spcBef>
-                <a:spcPts val="0"/>
-              </a:spcBef>
-              <a:spcAft>
-                <a:spcPts val="0"/>
-              </a:spcAft>
-              <a:buSzPts val="14000"/>
-              <a:buNone/>
-              <a:defRPr b="1" sz="14000"/>
-            </a:lvl4pPr>
-            <a:lvl5pPr lvl="4" algn="ctr">
-              <a:spcBef>
-                <a:spcPts val="0"/>
-              </a:spcBef>
-              <a:spcAft>
-                <a:spcPts val="0"/>
-              </a:spcAft>
-              <a:buSzPts val="14000"/>
-              <a:buNone/>
-              <a:defRPr b="1" sz="14000"/>
-            </a:lvl5pPr>
-            <a:lvl6pPr lvl="5" algn="ctr">
-              <a:spcBef>
-                <a:spcPts val="0"/>
-              </a:spcBef>
-              <a:spcAft>
-                <a:spcPts val="0"/>
-              </a:spcAft>
-              <a:buSzPts val="14000"/>
-              <a:buNone/>
-              <a:defRPr b="1" sz="14000"/>
-            </a:lvl6pPr>
-            <a:lvl7pPr lvl="6" algn="ctr">
-              <a:spcBef>
-                <a:spcPts val="0"/>
-              </a:spcBef>
-              <a:spcAft>
-                <a:spcPts val="0"/>
-              </a:spcAft>
-              <a:buSzPts val="14000"/>
-              <a:buNone/>
-              <a:defRPr b="1" sz="14000"/>
-            </a:lvl7pPr>
-            <a:lvl8pPr lvl="7" algn="ctr">
-              <a:spcBef>
-                <a:spcPts val="0"/>
-              </a:spcBef>
-              <a:spcAft>
-                <a:spcPts val="0"/>
-              </a:spcAft>
-              <a:buSzPts val="14000"/>
-              <a:buNone/>
-              <a:defRPr b="1" sz="14000"/>
-            </a:lvl8pPr>
-            <a:lvl9pPr lvl="8" algn="ctr">
-              <a:spcBef>
-                <a:spcPts val="0"/>
-              </a:spcBef>
-              <a:spcAft>
-                <a:spcPts val="0"/>
-              </a:spcAft>
-              <a:buSzPts val="14000"/>
-              <a:buNone/>
-              <a:defRPr b="1" sz="14000"/>
-            </a:lvl9pPr>
-          </a:lstStyle>
-          <a:p>
-            <a:r>
-              <a:t>xx%</a:t>
-            </a:r>
-          </a:p>
-        </p:txBody>
-      </p:sp>
-      <p:sp>
-        <p:nvSpPr>
-          <p:cNvPr id="51" name="Google Shape;51;p11"/>
-          <p:cNvSpPr txBox="1"/>
-          <p:nvPr>
-            <p:ph idx="1" type="body"/>
-          </p:nvPr>
-        </p:nvSpPr>
-        <p:spPr>
-          <a:xfrm>
-            <a:off x="311700" y="3228425"/>
-            <a:ext cx="8520600" cy="1300800"/>
-          </a:xfrm>
-          <a:prstGeom prst="rect">
-            <a:avLst/>
-          </a:prstGeom>
-        </p:spPr>
-        <p:txBody>
-          <a:bodyPr anchorCtr="0" anchor="t" bIns="91425" lIns="91425" spcFirstLastPara="1" rIns="91425" wrap="square" tIns="91425">
-            <a:noAutofit/>
-          </a:bodyPr>
-          <a:lstStyle>
-            <a:lvl1pPr indent="-342900" lvl="0" marL="457200" algn="ctr">
-              <a:spcBef>
-                <a:spcPts val="0"/>
-              </a:spcBef>
-              <a:spcAft>
-                <a:spcPts val="0"/>
-              </a:spcAft>
-              <a:buSzPts val="1800"/>
-              <a:buChar char="●"/>
-              <a:defRPr/>
-            </a:lvl1pPr>
-            <a:lvl2pPr indent="-317500" lvl="1" marL="914400" algn="ctr">
-              <a:spcBef>
-                <a:spcPts val="1600"/>
-              </a:spcBef>
-              <a:spcAft>
-                <a:spcPts val="0"/>
-              </a:spcAft>
-              <a:buSzPts val="1400"/>
-              <a:buChar char="○"/>
-              <a:defRPr/>
-            </a:lvl2pPr>
-            <a:lvl3pPr indent="-317500" lvl="2" marL="1371600" algn="ctr">
-              <a:spcBef>
-                <a:spcPts val="1600"/>
-              </a:spcBef>
-              <a:spcAft>
-                <a:spcPts val="0"/>
-              </a:spcAft>
-              <a:buSzPts val="1400"/>
-              <a:buChar char="■"/>
-              <a:defRPr/>
-            </a:lvl3pPr>
-            <a:lvl4pPr indent="-317500" lvl="3" marL="1828800" algn="ctr">
-              <a:spcBef>
-                <a:spcPts val="1600"/>
-              </a:spcBef>
-              <a:spcAft>
-                <a:spcPts val="0"/>
-              </a:spcAft>
-              <a:buSzPts val="1400"/>
-              <a:buChar char="●"/>
-              <a:defRPr/>
-            </a:lvl4pPr>
-            <a:lvl5pPr indent="-317500" lvl="4" marL="2286000" algn="ctr">
-              <a:spcBef>
-                <a:spcPts val="1600"/>
-              </a:spcBef>
-              <a:spcAft>
-                <a:spcPts val="0"/>
-              </a:spcAft>
-              <a:buSzPts val="1400"/>
-              <a:buChar char="○"/>
-              <a:defRPr/>
-            </a:lvl5pPr>
-            <a:lvl6pPr indent="-317500" lvl="5" marL="2743200" algn="ctr">
-              <a:spcBef>
-                <a:spcPts val="1600"/>
-              </a:spcBef>
-              <a:spcAft>
-                <a:spcPts val="0"/>
-              </a:spcAft>
-              <a:buSzPts val="1400"/>
-              <a:buChar char="■"/>
-              <a:defRPr/>
-            </a:lvl6pPr>
-            <a:lvl7pPr indent="-317500" lvl="6" marL="3200400" algn="ctr">
-              <a:spcBef>
-                <a:spcPts val="1600"/>
-              </a:spcBef>
-              <a:spcAft>
-                <a:spcPts val="0"/>
-              </a:spcAft>
-              <a:buSzPts val="1400"/>
-              <a:buChar char="●"/>
-              <a:defRPr/>
-            </a:lvl7pPr>
-            <a:lvl8pPr indent="-317500" lvl="7" marL="3657600" algn="ctr">
-              <a:spcBef>
-                <a:spcPts val="1600"/>
-              </a:spcBef>
-              <a:spcAft>
-                <a:spcPts val="0"/>
-              </a:spcAft>
-              <a:buSzPts val="1400"/>
-              <a:buChar char="○"/>
-              <a:defRPr/>
-            </a:lvl8pPr>
-            <a:lvl9pPr indent="-317500" lvl="8" marL="4114800" algn="ctr">
-              <a:spcBef>
-                <a:spcPts val="1600"/>
-              </a:spcBef>
-              <a:spcAft>
-                <a:spcPts val="1600"/>
-              </a:spcAft>
-              <a:buSzPts val="1400"/>
-              <a:buChar char="■"/>
-              <a:defRPr/>
-            </a:lvl9pPr>
-          </a:lstStyle>
-          <a:p/>
-        </p:txBody>
-      </p:sp>
-      <p:sp>
-        <p:nvSpPr>
-          <p:cNvPr id="52" name="Google Shape;52;p11"/>
-          <p:cNvSpPr txBox="1"/>
-          <p:nvPr>
-            <p:ph idx="12" type="sldNum"/>
-          </p:nvPr>
-        </p:nvSpPr>
-        <p:spPr>
-          <a:xfrm>
-            <a:off x="8472458" y="4663217"/>
-            <a:ext cx="548700" cy="393600"/>
-          </a:xfrm>
-          <a:prstGeom prst="rect">
-            <a:avLst/>
-          </a:prstGeom>
-        </p:spPr>
-        <p:txBody>
-          <a:bodyPr anchorCtr="0" anchor="ctr" bIns="91425" lIns="91425" spcFirstLastPara="1" rIns="91425" wrap="square" tIns="91425">
-            <a:noAutofit/>
-          </a:bodyPr>
-          <a:lstStyle>
-            <a:lvl1pPr lvl="0">
-              <a:buNone/>
-              <a:defRPr/>
-            </a:lvl1pPr>
-            <a:lvl2pPr lvl="1">
-              <a:buNone/>
-              <a:defRPr/>
-            </a:lvl2pPr>
-            <a:lvl3pPr lvl="2">
-              <a:buNone/>
-              <a:defRPr/>
-            </a:lvl3pPr>
-            <a:lvl4pPr lvl="3">
-              <a:buNone/>
-              <a:defRPr/>
-            </a:lvl4pPr>
-            <a:lvl5pPr lvl="4">
-              <a:buNone/>
-              <a:defRPr/>
-            </a:lvl5pPr>
-            <a:lvl6pPr lvl="5">
-              <a:buNone/>
-              <a:defRPr/>
-            </a:lvl6pPr>
-            <a:lvl7pPr lvl="6">
-              <a:buNone/>
-              <a:defRPr/>
-            </a:lvl7pPr>
-            <a:lvl8pPr lvl="7">
-              <a:buNone/>
-              <a:defRPr/>
-            </a:lvl8pPr>
-            <a:lvl9pPr lvl="8">
-              <a:buNone/>
-              <a:defRPr/>
-            </a:lvl9pPr>
-          </a:lstStyle>
-          <a:p>
-            <a:pPr indent="0" lvl="0" marL="0" rtl="0" algn="r">
-              <a:spcBef>
-                <a:spcPts val="0"/>
-              </a:spcBef>
-              <a:spcAft>
-                <a:spcPts val="0"/>
-              </a:spcAft>
-              <a:buNone/>
-            </a:pPr>
-            <a:fld id="{00000000-1234-1234-1234-123412341234}" type="slidenum">
-              <a:rPr lang="en"/>
-              <a:t>‹#›</a:t>
-            </a:fld>
-            <a:endParaRPr/>
-          </a:p>
-        </p:txBody>
-      </p:sp>
-    </p:spTree>
-  </p:cSld>
-  <p:clrMapOvr>
-    <a:masterClrMapping/>
-  </p:clrMapOvr>
-</p:sldLayout>
-</file>
-
-<file path=ppt/slideLayouts/slideLayout11.xml><?xml version="1.0" encoding="utf-8"?>
-<p:sldLayout xmlns:a="http://schemas.openxmlformats.org/drawingml/2006/main" xmlns:r="http://schemas.openxmlformats.org/officeDocument/2006/relationships" xmlns:mc="http://schemas.openxmlformats.org/markup-compatibility/2006" xmlns:mv="urn:schemas-microsoft-com:mac:vml" xmlns:p="http://schemas.openxmlformats.org/presentationml/2006/main" xmlns:c="http://schemas.openxmlformats.org/drawingml/2006/chart" xmlns:dgm="http://schemas.openxmlformats.org/drawingml/2006/diagram" xmlns:o="urn:schemas-microsoft-com:office:office" xmlns:v="urn:schemas-microsoft-com:vml" xmlns:pvml="urn:schemas-microsoft-com:office:powerpoint" xmlns:com="http://schemas.openxmlformats.org/drawingml/2006/compatibility" xmlns:p14="http://schemas.microsoft.com/office/powerpoint/2010/main" xmlns:p15="http://schemas.microsoft.com/office/powerpoint/2012/main" xmlns:ahyp="http://schemas.microsoft.com/office/drawing/2018/hyperlinkcolor" matchingName="Blank" type="blank">
-  <p:cSld name="BLANK">
-    <p:spTree>
-      <p:nvGrpSpPr>
-        <p:cNvPr id="53" name="Shape 53"/>
-        <p:cNvGrpSpPr/>
-        <p:nvPr/>
-      </p:nvGrpSpPr>
-      <p:grpSpPr>
-        <a:xfrm>
-          <a:off x="0" y="0"/>
-          <a:ext cx="0" cy="0"/>
-          <a:chOff x="0" y="0"/>
-          <a:chExt cx="0" cy="0"/>
-        </a:xfrm>
-      </p:grpSpPr>
-      <p:sp>
-        <p:nvSpPr>
-          <p:cNvPr id="54" name="Google Shape;54;p12"/>
-          <p:cNvSpPr txBox="1"/>
-          <p:nvPr>
-            <p:ph idx="12" type="sldNum"/>
-          </p:nvPr>
-        </p:nvSpPr>
-        <p:spPr>
-          <a:xfrm>
-            <a:off x="8472458" y="4663217"/>
-            <a:ext cx="548700" cy="393600"/>
-          </a:xfrm>
-          <a:prstGeom prst="rect">
-            <a:avLst/>
-          </a:prstGeom>
-        </p:spPr>
-        <p:txBody>
-          <a:bodyPr anchorCtr="0" anchor="ctr" bIns="91425" lIns="91425" spcFirstLastPara="1" rIns="91425" wrap="square" tIns="91425">
-            <a:noAutofit/>
-          </a:bodyPr>
-          <a:lstStyle>
-            <a:lvl1pPr lvl="0">
-              <a:buNone/>
-              <a:defRPr/>
-            </a:lvl1pPr>
-            <a:lvl2pPr lvl="1">
-              <a:buNone/>
-              <a:defRPr/>
-            </a:lvl2pPr>
-            <a:lvl3pPr lvl="2">
-              <a:buNone/>
-              <a:defRPr/>
-            </a:lvl3pPr>
-            <a:lvl4pPr lvl="3">
-              <a:buNone/>
-              <a:defRPr/>
-            </a:lvl4pPr>
-            <a:lvl5pPr lvl="4">
-              <a:buNone/>
-              <a:defRPr/>
-            </a:lvl5pPr>
-            <a:lvl6pPr lvl="5">
-              <a:buNone/>
-              <a:defRPr/>
-            </a:lvl6pPr>
-            <a:lvl7pPr lvl="6">
-              <a:buNone/>
-              <a:defRPr/>
-            </a:lvl7pPr>
-            <a:lvl8pPr lvl="7">
-              <a:buNone/>
-              <a:defRPr/>
-            </a:lvl8pPr>
-            <a:lvl9pPr lvl="8">
-              <a:buNone/>
-              <a:defRPr/>
-            </a:lvl9pPr>
-          </a:lstStyle>
-          <a:p>
-            <a:pPr indent="0" lvl="0" marL="0" rtl="0" algn="r">
-              <a:spcBef>
-                <a:spcPts val="0"/>
-              </a:spcBef>
-              <a:spcAft>
-                <a:spcPts val="0"/>
-              </a:spcAft>
-              <a:buNone/>
-            </a:pPr>
-            <a:fld id="{00000000-1234-1234-1234-123412341234}" type="slidenum">
-              <a:rPr lang="en"/>
+              <a:pPr marL="0" lvl="0" indent="0" algn="r" rtl="0">
+                <a:spcBef>
+                  <a:spcPts val="0"/>
+                </a:spcBef>
+                <a:spcAft>
+                  <a:spcPts val="0"/>
+                </a:spcAft>
+                <a:buNone/>
+              </a:pPr>
               <a:t>‹#›</a:t>
             </a:fld>
             <a:endParaRPr/>
@@ -2769,18 +1776,19 @@
 </file>
 
 <file path=ppt/slideLayouts/slideLayout2.xml><?xml version="1.0" encoding="utf-8"?>
-<p:sldLayout xmlns:a="http://schemas.openxmlformats.org/drawingml/2006/main" xmlns:r="http://schemas.openxmlformats.org/officeDocument/2006/relationships" xmlns:mc="http://schemas.openxmlformats.org/markup-compatibility/2006" xmlns:mv="urn:schemas-microsoft-com:mac:vml" xmlns:p="http://schemas.openxmlformats.org/presentationml/2006/main" xmlns:c="http://schemas.openxmlformats.org/drawingml/2006/chart" xmlns:dgm="http://schemas.openxmlformats.org/drawingml/2006/diagram" xmlns:o="urn:schemas-microsoft-com:office:office" xmlns:v="urn:schemas-microsoft-com:vml" xmlns:pvml="urn:schemas-microsoft-com:office:powerpoint" xmlns:com="http://schemas.openxmlformats.org/drawingml/2006/compatibility" xmlns:p14="http://schemas.microsoft.com/office/powerpoint/2010/main" xmlns:p15="http://schemas.microsoft.com/office/powerpoint/2012/main" xmlns:ahyp="http://schemas.microsoft.com/office/drawing/2018/hyperlinkcolor" matchingName="Section header" type="secHead">
+<p:sldLayout xmlns:a="http://schemas.openxmlformats.org/drawingml/2006/main" xmlns:r="http://schemas.openxmlformats.org/officeDocument/2006/relationships" xmlns:p="http://schemas.openxmlformats.org/presentationml/2006/main" matchingName="Section header" type="secHead">
   <p:cSld name="SECTION_HEADER">
     <p:bg>
       <p:bgPr>
         <a:solidFill>
           <a:schemeClr val="dk1"/>
         </a:solidFill>
+        <a:effectLst/>
       </p:bgPr>
     </p:bg>
     <p:spTree>
       <p:nvGrpSpPr>
-        <p:cNvPr id="15" name="Shape 15"/>
+        <p:cNvPr id="1" name="Shape 15"/>
         <p:cNvGrpSpPr/>
         <p:nvPr/>
       </p:nvGrpSpPr>
@@ -2807,21 +1815,23 @@
             <a:avLst/>
           </a:prstGeom>
           <a:noFill/>
-          <a:ln cap="flat" cmpd="sng" w="28575">
+          <a:ln w="28575" cap="flat" cmpd="sng">
             <a:solidFill>
               <a:schemeClr val="lt2"/>
             </a:solidFill>
             <a:prstDash val="solid"/>
             <a:round/>
-            <a:headEnd len="sm" w="sm" type="none"/>
-            <a:tailEnd len="sm" w="sm" type="none"/>
+            <a:headEnd type="none" w="sm" len="sm"/>
+            <a:tailEnd type="none" w="sm" len="sm"/>
           </a:ln>
         </p:spPr>
       </p:cxnSp>
       <p:sp>
         <p:nvSpPr>
           <p:cNvPr id="17" name="Google Shape;17;p3"/>
-          <p:cNvSpPr txBox="1"/>
+          <p:cNvSpPr txBox="1">
+            <a:spLocks noGrp="1"/>
+          </p:cNvSpPr>
           <p:nvPr>
             <p:ph type="title"/>
           </p:nvPr>
@@ -2836,7 +1846,7 @@
           </a:prstGeom>
         </p:spPr>
         <p:txBody>
-          <a:bodyPr anchorCtr="0" anchor="b" bIns="91425" lIns="91425" spcFirstLastPara="1" rIns="91425" wrap="square" tIns="91425">
+          <a:bodyPr spcFirstLastPara="1" wrap="square" lIns="91425" tIns="91425" rIns="91425" bIns="91425" anchor="b" anchorCtr="0">
             <a:noAutofit/>
           </a:bodyPr>
           <a:lstStyle>
@@ -3003,15 +2013,19 @@
               </a:defRPr>
             </a:lvl9pPr>
           </a:lstStyle>
-          <a:p/>
+          <a:p>
+            <a:endParaRPr/>
+          </a:p>
         </p:txBody>
       </p:sp>
       <p:sp>
         <p:nvSpPr>
           <p:cNvPr id="18" name="Google Shape;18;p3"/>
-          <p:cNvSpPr txBox="1"/>
+          <p:cNvSpPr txBox="1">
+            <a:spLocks noGrp="1"/>
+          </p:cNvSpPr>
           <p:nvPr>
-            <p:ph idx="12" type="sldNum"/>
+            <p:ph type="sldNum" idx="12"/>
           </p:nvPr>
         </p:nvSpPr>
         <p:spPr>
@@ -3024,7 +2038,7 @@
           </a:prstGeom>
         </p:spPr>
         <p:txBody>
-          <a:bodyPr anchorCtr="0" anchor="ctr" bIns="91425" lIns="91425" spcFirstLastPara="1" rIns="91425" wrap="square" tIns="91425">
+          <a:bodyPr spcFirstLastPara="1" wrap="square" lIns="91425" tIns="91425" rIns="91425" bIns="91425" anchor="ctr" anchorCtr="0">
             <a:noAutofit/>
           </a:bodyPr>
           <a:lstStyle>
@@ -3102,7 +2116,7 @@
             </a:lvl9pPr>
           </a:lstStyle>
           <a:p>
-            <a:pPr indent="0" lvl="0" marL="0" rtl="0" algn="r">
+            <a:pPr marL="0" lvl="0" indent="0" algn="r" rtl="0">
               <a:spcBef>
                 <a:spcPts val="0"/>
               </a:spcBef>
@@ -3113,6 +2127,15 @@
             </a:pPr>
             <a:fld id="{00000000-1234-1234-1234-123412341234}" type="slidenum">
               <a:rPr lang="en"/>
+              <a:pPr marL="0" lvl="0" indent="0" algn="r" rtl="0">
+                <a:spcBef>
+                  <a:spcPts val="0"/>
+                </a:spcBef>
+                <a:spcAft>
+                  <a:spcPts val="0"/>
+                </a:spcAft>
+                <a:buNone/>
+              </a:pPr>
               <a:t>‹#›</a:t>
             </a:fld>
             <a:endParaRPr/>
@@ -3128,11 +2151,11 @@
 </file>
 
 <file path=ppt/slideLayouts/slideLayout3.xml><?xml version="1.0" encoding="utf-8"?>
-<p:sldLayout xmlns:a="http://schemas.openxmlformats.org/drawingml/2006/main" xmlns:r="http://schemas.openxmlformats.org/officeDocument/2006/relationships" xmlns:mc="http://schemas.openxmlformats.org/markup-compatibility/2006" xmlns:mv="urn:schemas-microsoft-com:mac:vml" xmlns:p="http://schemas.openxmlformats.org/presentationml/2006/main" xmlns:c="http://schemas.openxmlformats.org/drawingml/2006/chart" xmlns:dgm="http://schemas.openxmlformats.org/drawingml/2006/diagram" xmlns:o="urn:schemas-microsoft-com:office:office" xmlns:v="urn:schemas-microsoft-com:vml" xmlns:pvml="urn:schemas-microsoft-com:office:powerpoint" xmlns:com="http://schemas.openxmlformats.org/drawingml/2006/compatibility" xmlns:p14="http://schemas.microsoft.com/office/powerpoint/2010/main" xmlns:p15="http://schemas.microsoft.com/office/powerpoint/2012/main" xmlns:ahyp="http://schemas.microsoft.com/office/drawing/2018/hyperlinkcolor" matchingName="Title and body" type="tx">
+<p:sldLayout xmlns:a="http://schemas.openxmlformats.org/drawingml/2006/main" xmlns:r="http://schemas.openxmlformats.org/officeDocument/2006/relationships" xmlns:p="http://schemas.openxmlformats.org/presentationml/2006/main" matchingName="Title and body" type="tx">
   <p:cSld name="TITLE_AND_BODY">
     <p:spTree>
       <p:nvGrpSpPr>
-        <p:cNvPr id="19" name="Shape 19"/>
+        <p:cNvPr id="1" name="Shape 19"/>
         <p:cNvGrpSpPr/>
         <p:nvPr/>
       </p:nvGrpSpPr>
@@ -3166,12 +2189,12 @@
           </a:ln>
         </p:spPr>
         <p:txBody>
-          <a:bodyPr anchorCtr="0" anchor="ctr" bIns="91425" lIns="91425" spcFirstLastPara="1" rIns="91425" wrap="square" tIns="91425">
+          <a:bodyPr spcFirstLastPara="1" wrap="square" lIns="91425" tIns="91425" rIns="91425" bIns="91425" anchor="ctr" anchorCtr="0">
             <a:noAutofit/>
           </a:bodyPr>
           <a:lstStyle/>
           <a:p>
-            <a:pPr indent="0" lvl="0" marL="0" rtl="0" algn="l">
+            <a:pPr marL="0" lvl="0" indent="0" algn="l" rtl="0">
               <a:spcBef>
                 <a:spcPts val="0"/>
               </a:spcBef>
@@ -3180,9 +2203,6 @@
               </a:spcAft>
               <a:buNone/>
             </a:pPr>
-            <a:r>
-              <a:t/>
-            </a:r>
             <a:endParaRPr/>
           </a:p>
         </p:txBody>
@@ -3190,7 +2210,9 @@
       <p:sp>
         <p:nvSpPr>
           <p:cNvPr id="21" name="Google Shape;21;p4"/>
-          <p:cNvSpPr txBox="1"/>
+          <p:cNvSpPr txBox="1">
+            <a:spLocks noGrp="1"/>
+          </p:cNvSpPr>
           <p:nvPr>
             <p:ph type="title"/>
           </p:nvPr>
@@ -3205,7 +2227,7 @@
           </a:prstGeom>
         </p:spPr>
         <p:txBody>
-          <a:bodyPr anchorCtr="0" anchor="t" bIns="91425" lIns="91425" spcFirstLastPara="1" rIns="91425" wrap="square" tIns="91425">
+          <a:bodyPr spcFirstLastPara="1" wrap="square" lIns="91425" tIns="91425" rIns="91425" bIns="91425" anchor="t" anchorCtr="0">
             <a:noAutofit/>
           </a:bodyPr>
           <a:lstStyle>
@@ -3309,15 +2331,19 @@
               <a:defRPr/>
             </a:lvl9pPr>
           </a:lstStyle>
-          <a:p/>
+          <a:p>
+            <a:endParaRPr/>
+          </a:p>
         </p:txBody>
       </p:sp>
       <p:sp>
         <p:nvSpPr>
           <p:cNvPr id="22" name="Google Shape;22;p4"/>
-          <p:cNvSpPr txBox="1"/>
+          <p:cNvSpPr txBox="1">
+            <a:spLocks noGrp="1"/>
+          </p:cNvSpPr>
           <p:nvPr>
-            <p:ph idx="1" type="body"/>
+            <p:ph type="body" idx="1"/>
           </p:nvPr>
         </p:nvSpPr>
         <p:spPr>
@@ -3330,11 +2356,11 @@
           </a:prstGeom>
         </p:spPr>
         <p:txBody>
-          <a:bodyPr anchorCtr="0" anchor="t" bIns="91425" lIns="91425" spcFirstLastPara="1" rIns="91425" wrap="square" tIns="91425">
+          <a:bodyPr spcFirstLastPara="1" wrap="square" lIns="91425" tIns="91425" rIns="91425" bIns="91425" anchor="t" anchorCtr="0">
             <a:noAutofit/>
           </a:bodyPr>
           <a:lstStyle>
-            <a:lvl1pPr indent="-342900" lvl="0" marL="457200">
+            <a:lvl1pPr marL="457200" lvl="0" indent="-342900">
               <a:spcBef>
                 <a:spcPts val="0"/>
               </a:spcBef>
@@ -3345,7 +2371,7 @@
               <a:buChar char="●"/>
               <a:defRPr/>
             </a:lvl1pPr>
-            <a:lvl2pPr indent="-317500" lvl="1" marL="914400">
+            <a:lvl2pPr marL="914400" lvl="1" indent="-317500">
               <a:spcBef>
                 <a:spcPts val="1600"/>
               </a:spcBef>
@@ -3356,7 +2382,7 @@
               <a:buChar char="○"/>
               <a:defRPr/>
             </a:lvl2pPr>
-            <a:lvl3pPr indent="-317500" lvl="2" marL="1371600">
+            <a:lvl3pPr marL="1371600" lvl="2" indent="-317500">
               <a:spcBef>
                 <a:spcPts val="1600"/>
               </a:spcBef>
@@ -3367,7 +2393,7 @@
               <a:buChar char="■"/>
               <a:defRPr/>
             </a:lvl3pPr>
-            <a:lvl4pPr indent="-317500" lvl="3" marL="1828800">
+            <a:lvl4pPr marL="1828800" lvl="3" indent="-317500">
               <a:spcBef>
                 <a:spcPts val="1600"/>
               </a:spcBef>
@@ -3378,7 +2404,7 @@
               <a:buChar char="●"/>
               <a:defRPr/>
             </a:lvl4pPr>
-            <a:lvl5pPr indent="-317500" lvl="4" marL="2286000">
+            <a:lvl5pPr marL="2286000" lvl="4" indent="-317500">
               <a:spcBef>
                 <a:spcPts val="1600"/>
               </a:spcBef>
@@ -3389,7 +2415,7 @@
               <a:buChar char="○"/>
               <a:defRPr/>
             </a:lvl5pPr>
-            <a:lvl6pPr indent="-317500" lvl="5" marL="2743200">
+            <a:lvl6pPr marL="2743200" lvl="5" indent="-317500">
               <a:spcBef>
                 <a:spcPts val="1600"/>
               </a:spcBef>
@@ -3400,7 +2426,7 @@
               <a:buChar char="■"/>
               <a:defRPr/>
             </a:lvl6pPr>
-            <a:lvl7pPr indent="-317500" lvl="6" marL="3200400">
+            <a:lvl7pPr marL="3200400" lvl="6" indent="-317500">
               <a:spcBef>
                 <a:spcPts val="1600"/>
               </a:spcBef>
@@ -3411,7 +2437,7 @@
               <a:buChar char="●"/>
               <a:defRPr/>
             </a:lvl7pPr>
-            <a:lvl8pPr indent="-317500" lvl="7" marL="3657600">
+            <a:lvl8pPr marL="3657600" lvl="7" indent="-317500">
               <a:spcBef>
                 <a:spcPts val="1600"/>
               </a:spcBef>
@@ -3422,7 +2448,7 @@
               <a:buChar char="○"/>
               <a:defRPr/>
             </a:lvl8pPr>
-            <a:lvl9pPr indent="-317500" lvl="8" marL="4114800">
+            <a:lvl9pPr marL="4114800" lvl="8" indent="-317500">
               <a:spcBef>
                 <a:spcPts val="1600"/>
               </a:spcBef>
@@ -3434,15 +2460,19 @@
               <a:defRPr/>
             </a:lvl9pPr>
           </a:lstStyle>
-          <a:p/>
+          <a:p>
+            <a:endParaRPr/>
+          </a:p>
         </p:txBody>
       </p:sp>
       <p:sp>
         <p:nvSpPr>
           <p:cNvPr id="23" name="Google Shape;23;p4"/>
-          <p:cNvSpPr txBox="1"/>
+          <p:cNvSpPr txBox="1">
+            <a:spLocks noGrp="1"/>
+          </p:cNvSpPr>
           <p:nvPr>
-            <p:ph idx="12" type="sldNum"/>
+            <p:ph type="sldNum" idx="12"/>
           </p:nvPr>
         </p:nvSpPr>
         <p:spPr>
@@ -3455,7 +2485,7 @@
           </a:prstGeom>
         </p:spPr>
         <p:txBody>
-          <a:bodyPr anchorCtr="0" anchor="ctr" bIns="91425" lIns="91425" spcFirstLastPara="1" rIns="91425" wrap="square" tIns="91425">
+          <a:bodyPr spcFirstLastPara="1" wrap="square" lIns="91425" tIns="91425" rIns="91425" bIns="91425" anchor="ctr" anchorCtr="0">
             <a:noAutofit/>
           </a:bodyPr>
           <a:lstStyle>
@@ -3497,7 +2527,7 @@
             </a:lvl9pPr>
           </a:lstStyle>
           <a:p>
-            <a:pPr indent="0" lvl="0" marL="0" rtl="0" algn="r">
+            <a:pPr marL="0" lvl="0" indent="0" algn="r" rtl="0">
               <a:spcBef>
                 <a:spcPts val="0"/>
               </a:spcBef>
@@ -3508,6 +2538,15 @@
             </a:pPr>
             <a:fld id="{00000000-1234-1234-1234-123412341234}" type="slidenum">
               <a:rPr lang="en"/>
+              <a:pPr marL="0" lvl="0" indent="0" algn="r" rtl="0">
+                <a:spcBef>
+                  <a:spcPts val="0"/>
+                </a:spcBef>
+                <a:spcAft>
+                  <a:spcPts val="0"/>
+                </a:spcAft>
+                <a:buNone/>
+              </a:pPr>
               <a:t>‹#›</a:t>
             </a:fld>
             <a:endParaRPr/>
@@ -3523,11 +2562,11 @@
 </file>
 
 <file path=ppt/slideLayouts/slideLayout4.xml><?xml version="1.0" encoding="utf-8"?>
-<p:sldLayout xmlns:a="http://schemas.openxmlformats.org/drawingml/2006/main" xmlns:r="http://schemas.openxmlformats.org/officeDocument/2006/relationships" xmlns:mc="http://schemas.openxmlformats.org/markup-compatibility/2006" xmlns:mv="urn:schemas-microsoft-com:mac:vml" xmlns:p="http://schemas.openxmlformats.org/presentationml/2006/main" xmlns:c="http://schemas.openxmlformats.org/drawingml/2006/chart" xmlns:dgm="http://schemas.openxmlformats.org/drawingml/2006/diagram" xmlns:o="urn:schemas-microsoft-com:office:office" xmlns:v="urn:schemas-microsoft-com:vml" xmlns:pvml="urn:schemas-microsoft-com:office:powerpoint" xmlns:com="http://schemas.openxmlformats.org/drawingml/2006/compatibility" xmlns:p14="http://schemas.microsoft.com/office/powerpoint/2010/main" xmlns:p15="http://schemas.microsoft.com/office/powerpoint/2012/main" xmlns:ahyp="http://schemas.microsoft.com/office/drawing/2018/hyperlinkcolor" matchingName="Title and two columns" type="twoColTx">
-  <p:cSld name="TITLE_AND_TWO_COLUMNS">
+<p:sldLayout xmlns:a="http://schemas.openxmlformats.org/drawingml/2006/main" xmlns:r="http://schemas.openxmlformats.org/officeDocument/2006/relationships" xmlns:p="http://schemas.openxmlformats.org/presentationml/2006/main" matchingName="Title only" type="titleOnly">
+  <p:cSld name="TITLE_ONLY">
     <p:spTree>
       <p:nvGrpSpPr>
-        <p:cNvPr id="24" name="Shape 24"/>
+        <p:cNvPr id="1" name="Shape 29"/>
         <p:cNvGrpSpPr/>
         <p:nvPr/>
       </p:nvGrpSpPr>
@@ -3541,8 +2580,10 @@
       </p:grpSpPr>
       <p:sp>
         <p:nvSpPr>
-          <p:cNvPr id="25" name="Google Shape;25;p5"/>
-          <p:cNvSpPr txBox="1"/>
+          <p:cNvPr id="30" name="Google Shape;30;p6"/>
+          <p:cNvSpPr txBox="1">
+            <a:spLocks noGrp="1"/>
+          </p:cNvSpPr>
           <p:nvPr>
             <p:ph type="title"/>
           </p:nvPr>
@@ -3557,7 +2598,7 @@
           </a:prstGeom>
         </p:spPr>
         <p:txBody>
-          <a:bodyPr anchorCtr="0" anchor="t" bIns="91425" lIns="91425" spcFirstLastPara="1" rIns="91425" wrap="square" tIns="91425">
+          <a:bodyPr spcFirstLastPara="1" wrap="square" lIns="91425" tIns="91425" rIns="91425" bIns="91425" anchor="t" anchorCtr="0">
             <a:noAutofit/>
           </a:bodyPr>
           <a:lstStyle>
@@ -3661,265 +2702,19 @@
               <a:defRPr/>
             </a:lvl9pPr>
           </a:lstStyle>
-          <a:p/>
+          <a:p>
+            <a:endParaRPr/>
+          </a:p>
         </p:txBody>
       </p:sp>
       <p:sp>
         <p:nvSpPr>
-          <p:cNvPr id="26" name="Google Shape;26;p5"/>
-          <p:cNvSpPr txBox="1"/>
+          <p:cNvPr id="31" name="Google Shape;31;p6"/>
+          <p:cNvSpPr txBox="1">
+            <a:spLocks noGrp="1"/>
+          </p:cNvSpPr>
           <p:nvPr>
-            <p:ph idx="1" type="body"/>
-          </p:nvPr>
-        </p:nvSpPr>
-        <p:spPr>
-          <a:xfrm>
-            <a:off x="311700" y="1171675"/>
-            <a:ext cx="3999900" cy="3397200"/>
-          </a:xfrm>
-          <a:prstGeom prst="rect">
-            <a:avLst/>
-          </a:prstGeom>
-        </p:spPr>
-        <p:txBody>
-          <a:bodyPr anchorCtr="0" anchor="t" bIns="91425" lIns="91425" spcFirstLastPara="1" rIns="91425" wrap="square" tIns="91425">
-            <a:noAutofit/>
-          </a:bodyPr>
-          <a:lstStyle>
-            <a:lvl1pPr indent="-317500" lvl="0" marL="457200">
-              <a:spcBef>
-                <a:spcPts val="0"/>
-              </a:spcBef>
-              <a:spcAft>
-                <a:spcPts val="0"/>
-              </a:spcAft>
-              <a:buSzPts val="1400"/>
-              <a:buChar char="●"/>
-              <a:defRPr sz="1400"/>
-            </a:lvl1pPr>
-            <a:lvl2pPr indent="-304800" lvl="1" marL="914400">
-              <a:spcBef>
-                <a:spcPts val="1600"/>
-              </a:spcBef>
-              <a:spcAft>
-                <a:spcPts val="0"/>
-              </a:spcAft>
-              <a:buSzPts val="1200"/>
-              <a:buChar char="○"/>
-              <a:defRPr sz="1200"/>
-            </a:lvl2pPr>
-            <a:lvl3pPr indent="-304800" lvl="2" marL="1371600">
-              <a:spcBef>
-                <a:spcPts val="1600"/>
-              </a:spcBef>
-              <a:spcAft>
-                <a:spcPts val="0"/>
-              </a:spcAft>
-              <a:buSzPts val="1200"/>
-              <a:buChar char="■"/>
-              <a:defRPr sz="1200"/>
-            </a:lvl3pPr>
-            <a:lvl4pPr indent="-304800" lvl="3" marL="1828800">
-              <a:spcBef>
-                <a:spcPts val="1600"/>
-              </a:spcBef>
-              <a:spcAft>
-                <a:spcPts val="0"/>
-              </a:spcAft>
-              <a:buSzPts val="1200"/>
-              <a:buChar char="●"/>
-              <a:defRPr sz="1200"/>
-            </a:lvl4pPr>
-            <a:lvl5pPr indent="-304800" lvl="4" marL="2286000">
-              <a:spcBef>
-                <a:spcPts val="1600"/>
-              </a:spcBef>
-              <a:spcAft>
-                <a:spcPts val="0"/>
-              </a:spcAft>
-              <a:buSzPts val="1200"/>
-              <a:buChar char="○"/>
-              <a:defRPr sz="1200"/>
-            </a:lvl5pPr>
-            <a:lvl6pPr indent="-304800" lvl="5" marL="2743200">
-              <a:spcBef>
-                <a:spcPts val="1600"/>
-              </a:spcBef>
-              <a:spcAft>
-                <a:spcPts val="0"/>
-              </a:spcAft>
-              <a:buSzPts val="1200"/>
-              <a:buChar char="■"/>
-              <a:defRPr sz="1200"/>
-            </a:lvl6pPr>
-            <a:lvl7pPr indent="-304800" lvl="6" marL="3200400">
-              <a:spcBef>
-                <a:spcPts val="1600"/>
-              </a:spcBef>
-              <a:spcAft>
-                <a:spcPts val="0"/>
-              </a:spcAft>
-              <a:buSzPts val="1200"/>
-              <a:buChar char="●"/>
-              <a:defRPr sz="1200"/>
-            </a:lvl7pPr>
-            <a:lvl8pPr indent="-304800" lvl="7" marL="3657600">
-              <a:spcBef>
-                <a:spcPts val="1600"/>
-              </a:spcBef>
-              <a:spcAft>
-                <a:spcPts val="0"/>
-              </a:spcAft>
-              <a:buSzPts val="1200"/>
-              <a:buChar char="○"/>
-              <a:defRPr sz="1200"/>
-            </a:lvl8pPr>
-            <a:lvl9pPr indent="-304800" lvl="8" marL="4114800">
-              <a:spcBef>
-                <a:spcPts val="1600"/>
-              </a:spcBef>
-              <a:spcAft>
-                <a:spcPts val="1600"/>
-              </a:spcAft>
-              <a:buSzPts val="1200"/>
-              <a:buChar char="■"/>
-              <a:defRPr sz="1200"/>
-            </a:lvl9pPr>
-          </a:lstStyle>
-          <a:p/>
-        </p:txBody>
-      </p:sp>
-      <p:sp>
-        <p:nvSpPr>
-          <p:cNvPr id="27" name="Google Shape;27;p5"/>
-          <p:cNvSpPr txBox="1"/>
-          <p:nvPr>
-            <p:ph idx="2" type="body"/>
-          </p:nvPr>
-        </p:nvSpPr>
-        <p:spPr>
-          <a:xfrm>
-            <a:off x="4832400" y="1171675"/>
-            <a:ext cx="3999900" cy="3397200"/>
-          </a:xfrm>
-          <a:prstGeom prst="rect">
-            <a:avLst/>
-          </a:prstGeom>
-        </p:spPr>
-        <p:txBody>
-          <a:bodyPr anchorCtr="0" anchor="t" bIns="91425" lIns="91425" spcFirstLastPara="1" rIns="91425" wrap="square" tIns="91425">
-            <a:noAutofit/>
-          </a:bodyPr>
-          <a:lstStyle>
-            <a:lvl1pPr indent="-317500" lvl="0" marL="457200">
-              <a:spcBef>
-                <a:spcPts val="0"/>
-              </a:spcBef>
-              <a:spcAft>
-                <a:spcPts val="0"/>
-              </a:spcAft>
-              <a:buSzPts val="1400"/>
-              <a:buChar char="●"/>
-              <a:defRPr sz="1400"/>
-            </a:lvl1pPr>
-            <a:lvl2pPr indent="-304800" lvl="1" marL="914400">
-              <a:spcBef>
-                <a:spcPts val="1600"/>
-              </a:spcBef>
-              <a:spcAft>
-                <a:spcPts val="0"/>
-              </a:spcAft>
-              <a:buSzPts val="1200"/>
-              <a:buChar char="○"/>
-              <a:defRPr sz="1200"/>
-            </a:lvl2pPr>
-            <a:lvl3pPr indent="-304800" lvl="2" marL="1371600">
-              <a:spcBef>
-                <a:spcPts val="1600"/>
-              </a:spcBef>
-              <a:spcAft>
-                <a:spcPts val="0"/>
-              </a:spcAft>
-              <a:buSzPts val="1200"/>
-              <a:buChar char="■"/>
-              <a:defRPr sz="1200"/>
-            </a:lvl3pPr>
-            <a:lvl4pPr indent="-304800" lvl="3" marL="1828800">
-              <a:spcBef>
-                <a:spcPts val="1600"/>
-              </a:spcBef>
-              <a:spcAft>
-                <a:spcPts val="0"/>
-              </a:spcAft>
-              <a:buSzPts val="1200"/>
-              <a:buChar char="●"/>
-              <a:defRPr sz="1200"/>
-            </a:lvl4pPr>
-            <a:lvl5pPr indent="-304800" lvl="4" marL="2286000">
-              <a:spcBef>
-                <a:spcPts val="1600"/>
-              </a:spcBef>
-              <a:spcAft>
-                <a:spcPts val="0"/>
-              </a:spcAft>
-              <a:buSzPts val="1200"/>
-              <a:buChar char="○"/>
-              <a:defRPr sz="1200"/>
-            </a:lvl5pPr>
-            <a:lvl6pPr indent="-304800" lvl="5" marL="2743200">
-              <a:spcBef>
-                <a:spcPts val="1600"/>
-              </a:spcBef>
-              <a:spcAft>
-                <a:spcPts val="0"/>
-              </a:spcAft>
-              <a:buSzPts val="1200"/>
-              <a:buChar char="■"/>
-              <a:defRPr sz="1200"/>
-            </a:lvl6pPr>
-            <a:lvl7pPr indent="-304800" lvl="6" marL="3200400">
-              <a:spcBef>
-                <a:spcPts val="1600"/>
-              </a:spcBef>
-              <a:spcAft>
-                <a:spcPts val="0"/>
-              </a:spcAft>
-              <a:buSzPts val="1200"/>
-              <a:buChar char="●"/>
-              <a:defRPr sz="1200"/>
-            </a:lvl7pPr>
-            <a:lvl8pPr indent="-304800" lvl="7" marL="3657600">
-              <a:spcBef>
-                <a:spcPts val="1600"/>
-              </a:spcBef>
-              <a:spcAft>
-                <a:spcPts val="0"/>
-              </a:spcAft>
-              <a:buSzPts val="1200"/>
-              <a:buChar char="○"/>
-              <a:defRPr sz="1200"/>
-            </a:lvl8pPr>
-            <a:lvl9pPr indent="-304800" lvl="8" marL="4114800">
-              <a:spcBef>
-                <a:spcPts val="1600"/>
-              </a:spcBef>
-              <a:spcAft>
-                <a:spcPts val="1600"/>
-              </a:spcAft>
-              <a:buSzPts val="1200"/>
-              <a:buChar char="■"/>
-              <a:defRPr sz="1200"/>
-            </a:lvl9pPr>
-          </a:lstStyle>
-          <a:p/>
-        </p:txBody>
-      </p:sp>
-      <p:sp>
-        <p:nvSpPr>
-          <p:cNvPr id="28" name="Google Shape;28;p5"/>
-          <p:cNvSpPr txBox="1"/>
-          <p:nvPr>
-            <p:ph idx="12" type="sldNum"/>
+            <p:ph type="sldNum" idx="12"/>
           </p:nvPr>
         </p:nvSpPr>
         <p:spPr>
@@ -3932,7 +2727,7 @@
           </a:prstGeom>
         </p:spPr>
         <p:txBody>
-          <a:bodyPr anchorCtr="0" anchor="ctr" bIns="91425" lIns="91425" spcFirstLastPara="1" rIns="91425" wrap="square" tIns="91425">
+          <a:bodyPr spcFirstLastPara="1" wrap="square" lIns="91425" tIns="91425" rIns="91425" bIns="91425" anchor="ctr" anchorCtr="0">
             <a:noAutofit/>
           </a:bodyPr>
           <a:lstStyle>
@@ -3974,7 +2769,7 @@
             </a:lvl9pPr>
           </a:lstStyle>
           <a:p>
-            <a:pPr indent="0" lvl="0" marL="0" rtl="0" algn="r">
+            <a:pPr marL="0" lvl="0" indent="0" algn="r" rtl="0">
               <a:spcBef>
                 <a:spcPts val="0"/>
               </a:spcBef>
@@ -3985,6 +2780,15 @@
             </a:pPr>
             <a:fld id="{00000000-1234-1234-1234-123412341234}" type="slidenum">
               <a:rPr lang="en"/>
+              <a:pPr marL="0" lvl="0" indent="0" algn="r" rtl="0">
+                <a:spcBef>
+                  <a:spcPts val="0"/>
+                </a:spcBef>
+                <a:spcAft>
+                  <a:spcPts val="0"/>
+                </a:spcAft>
+                <a:buNone/>
+              </a:pPr>
               <a:t>‹#›</a:t>
             </a:fld>
             <a:endParaRPr/>
@@ -4000,11 +2804,11 @@
 </file>
 
 <file path=ppt/slideLayouts/slideLayout5.xml><?xml version="1.0" encoding="utf-8"?>
-<p:sldLayout xmlns:a="http://schemas.openxmlformats.org/drawingml/2006/main" xmlns:r="http://schemas.openxmlformats.org/officeDocument/2006/relationships" xmlns:mc="http://schemas.openxmlformats.org/markup-compatibility/2006" xmlns:mv="urn:schemas-microsoft-com:mac:vml" xmlns:p="http://schemas.openxmlformats.org/presentationml/2006/main" xmlns:c="http://schemas.openxmlformats.org/drawingml/2006/chart" xmlns:dgm="http://schemas.openxmlformats.org/drawingml/2006/diagram" xmlns:o="urn:schemas-microsoft-com:office:office" xmlns:v="urn:schemas-microsoft-com:vml" xmlns:pvml="urn:schemas-microsoft-com:office:powerpoint" xmlns:com="http://schemas.openxmlformats.org/drawingml/2006/compatibility" xmlns:p14="http://schemas.microsoft.com/office/powerpoint/2010/main" xmlns:p15="http://schemas.microsoft.com/office/powerpoint/2012/main" xmlns:ahyp="http://schemas.microsoft.com/office/drawing/2018/hyperlinkcolor" matchingName="Title only" type="titleOnly">
-  <p:cSld name="TITLE_ONLY">
+<p:sldLayout xmlns:a="http://schemas.openxmlformats.org/drawingml/2006/main" xmlns:r="http://schemas.openxmlformats.org/officeDocument/2006/relationships" xmlns:p="http://schemas.openxmlformats.org/presentationml/2006/main" matchingName="One column text">
+  <p:cSld name="ONE_COLUMN_TEXT">
     <p:spTree>
       <p:nvGrpSpPr>
-        <p:cNvPr id="29" name="Shape 29"/>
+        <p:cNvPr id="1" name="Shape 32"/>
         <p:cNvGrpSpPr/>
         <p:nvPr/>
       </p:nvGrpSpPr>
@@ -4018,23 +2822,25 @@
       </p:grpSpPr>
       <p:sp>
         <p:nvSpPr>
-          <p:cNvPr id="30" name="Google Shape;30;p6"/>
-          <p:cNvSpPr txBox="1"/>
+          <p:cNvPr id="33" name="Google Shape;33;p7"/>
+          <p:cNvSpPr txBox="1">
+            <a:spLocks noGrp="1"/>
+          </p:cNvSpPr>
           <p:nvPr>
             <p:ph type="title"/>
           </p:nvPr>
         </p:nvSpPr>
         <p:spPr>
           <a:xfrm>
-            <a:off x="311700" y="445025"/>
-            <a:ext cx="8520600" cy="613200"/>
+            <a:off x="311700" y="555600"/>
+            <a:ext cx="2808000" cy="755700"/>
           </a:xfrm>
           <a:prstGeom prst="rect">
             <a:avLst/>
           </a:prstGeom>
         </p:spPr>
         <p:txBody>
-          <a:bodyPr anchorCtr="0" anchor="t" bIns="91425" lIns="91425" spcFirstLastPara="1" rIns="91425" wrap="square" tIns="91425">
+          <a:bodyPr spcFirstLastPara="1" wrap="square" lIns="91425" tIns="91425" rIns="91425" bIns="91425" anchor="b" anchorCtr="0">
             <a:noAutofit/>
           </a:bodyPr>
           <a:lstStyle>
@@ -4045,9 +2851,9 @@
               <a:spcAft>
                 <a:spcPts val="0"/>
               </a:spcAft>
-              <a:buSzPts val="3000"/>
-              <a:buNone/>
-              <a:defRPr/>
+              <a:buSzPts val="2400"/>
+              <a:buNone/>
+              <a:defRPr sz="2400"/>
             </a:lvl1pPr>
             <a:lvl2pPr lvl="1">
               <a:spcBef>
@@ -4056,9 +2862,9 @@
               <a:spcAft>
                 <a:spcPts val="0"/>
               </a:spcAft>
-              <a:buSzPts val="3000"/>
-              <a:buNone/>
-              <a:defRPr/>
+              <a:buSzPts val="2400"/>
+              <a:buNone/>
+              <a:defRPr sz="2400"/>
             </a:lvl2pPr>
             <a:lvl3pPr lvl="2">
               <a:spcBef>
@@ -4067,9 +2873,9 @@
               <a:spcAft>
                 <a:spcPts val="0"/>
               </a:spcAft>
-              <a:buSzPts val="3000"/>
-              <a:buNone/>
-              <a:defRPr/>
+              <a:buSzPts val="2400"/>
+              <a:buNone/>
+              <a:defRPr sz="2400"/>
             </a:lvl3pPr>
             <a:lvl4pPr lvl="3">
               <a:spcBef>
@@ -4078,9 +2884,9 @@
               <a:spcAft>
                 <a:spcPts val="0"/>
               </a:spcAft>
-              <a:buSzPts val="3000"/>
-              <a:buNone/>
-              <a:defRPr/>
+              <a:buSzPts val="2400"/>
+              <a:buNone/>
+              <a:defRPr sz="2400"/>
             </a:lvl4pPr>
             <a:lvl5pPr lvl="4">
               <a:spcBef>
@@ -4089,9 +2895,9 @@
               <a:spcAft>
                 <a:spcPts val="0"/>
               </a:spcAft>
-              <a:buSzPts val="3000"/>
-              <a:buNone/>
-              <a:defRPr/>
+              <a:buSzPts val="2400"/>
+              <a:buNone/>
+              <a:defRPr sz="2400"/>
             </a:lvl5pPr>
             <a:lvl6pPr lvl="5">
               <a:spcBef>
@@ -4100,9 +2906,9 @@
               <a:spcAft>
                 <a:spcPts val="0"/>
               </a:spcAft>
-              <a:buSzPts val="3000"/>
-              <a:buNone/>
-              <a:defRPr/>
+              <a:buSzPts val="2400"/>
+              <a:buNone/>
+              <a:defRPr sz="2400"/>
             </a:lvl6pPr>
             <a:lvl7pPr lvl="6">
               <a:spcBef>
@@ -4111,9 +2917,9 @@
               <a:spcAft>
                 <a:spcPts val="0"/>
               </a:spcAft>
-              <a:buSzPts val="3000"/>
-              <a:buNone/>
-              <a:defRPr/>
+              <a:buSzPts val="2400"/>
+              <a:buNone/>
+              <a:defRPr sz="2400"/>
             </a:lvl7pPr>
             <a:lvl8pPr lvl="7">
               <a:spcBef>
@@ -4122,9 +2928,9 @@
               <a:spcAft>
                 <a:spcPts val="0"/>
               </a:spcAft>
-              <a:buSzPts val="3000"/>
-              <a:buNone/>
-              <a:defRPr/>
+              <a:buSzPts val="2400"/>
+              <a:buNone/>
+              <a:defRPr sz="2400"/>
             </a:lvl8pPr>
             <a:lvl9pPr lvl="8">
               <a:spcBef>
@@ -4133,20 +2939,153 @@
               <a:spcAft>
                 <a:spcPts val="0"/>
               </a:spcAft>
-              <a:buSzPts val="3000"/>
-              <a:buNone/>
-              <a:defRPr/>
+              <a:buSzPts val="2400"/>
+              <a:buNone/>
+              <a:defRPr sz="2400"/>
             </a:lvl9pPr>
           </a:lstStyle>
-          <a:p/>
+          <a:p>
+            <a:endParaRPr/>
+          </a:p>
         </p:txBody>
       </p:sp>
       <p:sp>
         <p:nvSpPr>
-          <p:cNvPr id="31" name="Google Shape;31;p6"/>
-          <p:cNvSpPr txBox="1"/>
+          <p:cNvPr id="34" name="Google Shape;34;p7"/>
+          <p:cNvSpPr txBox="1">
+            <a:spLocks noGrp="1"/>
+          </p:cNvSpPr>
           <p:nvPr>
-            <p:ph idx="12" type="sldNum"/>
+            <p:ph type="body" idx="1"/>
+          </p:nvPr>
+        </p:nvSpPr>
+        <p:spPr>
+          <a:xfrm>
+            <a:off x="311700" y="1389600"/>
+            <a:ext cx="2808000" cy="3179400"/>
+          </a:xfrm>
+          <a:prstGeom prst="rect">
+            <a:avLst/>
+          </a:prstGeom>
+        </p:spPr>
+        <p:txBody>
+          <a:bodyPr spcFirstLastPara="1" wrap="square" lIns="91425" tIns="91425" rIns="91425" bIns="91425" anchor="t" anchorCtr="0">
+            <a:noAutofit/>
+          </a:bodyPr>
+          <a:lstStyle>
+            <a:lvl1pPr marL="457200" lvl="0" indent="-304800">
+              <a:spcBef>
+                <a:spcPts val="0"/>
+              </a:spcBef>
+              <a:spcAft>
+                <a:spcPts val="0"/>
+              </a:spcAft>
+              <a:buSzPts val="1200"/>
+              <a:buChar char="●"/>
+              <a:defRPr sz="1200"/>
+            </a:lvl1pPr>
+            <a:lvl2pPr marL="914400" lvl="1" indent="-304800">
+              <a:spcBef>
+                <a:spcPts val="1600"/>
+              </a:spcBef>
+              <a:spcAft>
+                <a:spcPts val="0"/>
+              </a:spcAft>
+              <a:buSzPts val="1200"/>
+              <a:buChar char="○"/>
+              <a:defRPr sz="1200"/>
+            </a:lvl2pPr>
+            <a:lvl3pPr marL="1371600" lvl="2" indent="-304800">
+              <a:spcBef>
+                <a:spcPts val="1600"/>
+              </a:spcBef>
+              <a:spcAft>
+                <a:spcPts val="0"/>
+              </a:spcAft>
+              <a:buSzPts val="1200"/>
+              <a:buChar char="■"/>
+              <a:defRPr sz="1200"/>
+            </a:lvl3pPr>
+            <a:lvl4pPr marL="1828800" lvl="3" indent="-304800">
+              <a:spcBef>
+                <a:spcPts val="1600"/>
+              </a:spcBef>
+              <a:spcAft>
+                <a:spcPts val="0"/>
+              </a:spcAft>
+              <a:buSzPts val="1200"/>
+              <a:buChar char="●"/>
+              <a:defRPr sz="1200"/>
+            </a:lvl4pPr>
+            <a:lvl5pPr marL="2286000" lvl="4" indent="-304800">
+              <a:spcBef>
+                <a:spcPts val="1600"/>
+              </a:spcBef>
+              <a:spcAft>
+                <a:spcPts val="0"/>
+              </a:spcAft>
+              <a:buSzPts val="1200"/>
+              <a:buChar char="○"/>
+              <a:defRPr sz="1200"/>
+            </a:lvl5pPr>
+            <a:lvl6pPr marL="2743200" lvl="5" indent="-304800">
+              <a:spcBef>
+                <a:spcPts val="1600"/>
+              </a:spcBef>
+              <a:spcAft>
+                <a:spcPts val="0"/>
+              </a:spcAft>
+              <a:buSzPts val="1200"/>
+              <a:buChar char="■"/>
+              <a:defRPr sz="1200"/>
+            </a:lvl6pPr>
+            <a:lvl7pPr marL="3200400" lvl="6" indent="-304800">
+              <a:spcBef>
+                <a:spcPts val="1600"/>
+              </a:spcBef>
+              <a:spcAft>
+                <a:spcPts val="0"/>
+              </a:spcAft>
+              <a:buSzPts val="1200"/>
+              <a:buChar char="●"/>
+              <a:defRPr sz="1200"/>
+            </a:lvl7pPr>
+            <a:lvl8pPr marL="3657600" lvl="7" indent="-304800">
+              <a:spcBef>
+                <a:spcPts val="1600"/>
+              </a:spcBef>
+              <a:spcAft>
+                <a:spcPts val="0"/>
+              </a:spcAft>
+              <a:buSzPts val="1200"/>
+              <a:buChar char="○"/>
+              <a:defRPr sz="1200"/>
+            </a:lvl8pPr>
+            <a:lvl9pPr marL="4114800" lvl="8" indent="-304800">
+              <a:spcBef>
+                <a:spcPts val="1600"/>
+              </a:spcBef>
+              <a:spcAft>
+                <a:spcPts val="1600"/>
+              </a:spcAft>
+              <a:buSzPts val="1200"/>
+              <a:buChar char="■"/>
+              <a:defRPr sz="1200"/>
+            </a:lvl9pPr>
+          </a:lstStyle>
+          <a:p>
+            <a:endParaRPr/>
+          </a:p>
+        </p:txBody>
+      </p:sp>
+      <p:sp>
+        <p:nvSpPr>
+          <p:cNvPr id="35" name="Google Shape;35;p7"/>
+          <p:cNvSpPr txBox="1">
+            <a:spLocks noGrp="1"/>
+          </p:cNvSpPr>
+          <p:nvPr>
+            <p:ph type="sldNum" idx="12"/>
           </p:nvPr>
         </p:nvSpPr>
         <p:spPr>
@@ -4159,7 +3098,7 @@
           </a:prstGeom>
         </p:spPr>
         <p:txBody>
-          <a:bodyPr anchorCtr="0" anchor="ctr" bIns="91425" lIns="91425" spcFirstLastPara="1" rIns="91425" wrap="square" tIns="91425">
+          <a:bodyPr spcFirstLastPara="1" wrap="square" lIns="91425" tIns="91425" rIns="91425" bIns="91425" anchor="ctr" anchorCtr="0">
             <a:noAutofit/>
           </a:bodyPr>
           <a:lstStyle>
@@ -4201,7 +3140,7 @@
             </a:lvl9pPr>
           </a:lstStyle>
           <a:p>
-            <a:pPr indent="0" lvl="0" marL="0" rtl="0" algn="r">
+            <a:pPr marL="0" lvl="0" indent="0" algn="r" rtl="0">
               <a:spcBef>
                 <a:spcPts val="0"/>
               </a:spcBef>
@@ -4212,6 +3151,15 @@
             </a:pPr>
             <a:fld id="{00000000-1234-1234-1234-123412341234}" type="slidenum">
               <a:rPr lang="en"/>
+              <a:pPr marL="0" lvl="0" indent="0" algn="r" rtl="0">
+                <a:spcBef>
+                  <a:spcPts val="0"/>
+                </a:spcBef>
+                <a:spcAft>
+                  <a:spcPts val="0"/>
+                </a:spcAft>
+                <a:buNone/>
+              </a:pPr>
               <a:t>‹#›</a:t>
             </a:fld>
             <a:endParaRPr/>
@@ -4227,11 +3175,11 @@
 </file>
 
 <file path=ppt/slideLayouts/slideLayout6.xml><?xml version="1.0" encoding="utf-8"?>
-<p:sldLayout xmlns:a="http://schemas.openxmlformats.org/drawingml/2006/main" xmlns:r="http://schemas.openxmlformats.org/officeDocument/2006/relationships" xmlns:mc="http://schemas.openxmlformats.org/markup-compatibility/2006" xmlns:mv="urn:schemas-microsoft-com:mac:vml" xmlns:p="http://schemas.openxmlformats.org/presentationml/2006/main" xmlns:c="http://schemas.openxmlformats.org/drawingml/2006/chart" xmlns:dgm="http://schemas.openxmlformats.org/drawingml/2006/diagram" xmlns:o="urn:schemas-microsoft-com:office:office" xmlns:v="urn:schemas-microsoft-com:vml" xmlns:pvml="urn:schemas-microsoft-com:office:powerpoint" xmlns:com="http://schemas.openxmlformats.org/drawingml/2006/compatibility" xmlns:p14="http://schemas.microsoft.com/office/powerpoint/2010/main" xmlns:p15="http://schemas.microsoft.com/office/powerpoint/2012/main" xmlns:ahyp="http://schemas.microsoft.com/office/drawing/2018/hyperlinkcolor" matchingName="One column text">
-  <p:cSld name="ONE_COLUMN_TEXT">
+<p:sldLayout xmlns:a="http://schemas.openxmlformats.org/drawingml/2006/main" xmlns:r="http://schemas.openxmlformats.org/officeDocument/2006/relationships" xmlns:p="http://schemas.openxmlformats.org/presentationml/2006/main" matchingName="Big number">
+  <p:cSld name="BIG_NUMBER">
     <p:spTree>
       <p:nvGrpSpPr>
-        <p:cNvPr id="32" name="Shape 32"/>
+        <p:cNvPr id="1" name="Shape 49"/>
         <p:cNvGrpSpPr/>
         <p:nvPr/>
       </p:nvGrpSpPr>
@@ -4245,260 +3193,272 @@
       </p:grpSpPr>
       <p:sp>
         <p:nvSpPr>
-          <p:cNvPr id="33" name="Google Shape;33;p7"/>
-          <p:cNvSpPr txBox="1"/>
+          <p:cNvPr id="50" name="Google Shape;50;p11"/>
+          <p:cNvSpPr txBox="1">
+            <a:spLocks noGrp="1"/>
+          </p:cNvSpPr>
           <p:nvPr>
-            <p:ph type="title"/>
+            <p:ph type="title" hasCustomPrompt="1"/>
           </p:nvPr>
         </p:nvSpPr>
         <p:spPr>
           <a:xfrm>
-            <a:off x="311700" y="555600"/>
-            <a:ext cx="2808000" cy="755700"/>
+            <a:off x="311700" y="1039650"/>
+            <a:ext cx="8520600" cy="2106300"/>
           </a:xfrm>
           <a:prstGeom prst="rect">
             <a:avLst/>
           </a:prstGeom>
         </p:spPr>
         <p:txBody>
-          <a:bodyPr anchorCtr="0" anchor="b" bIns="91425" lIns="91425" spcFirstLastPara="1" rIns="91425" wrap="square" tIns="91425">
+          <a:bodyPr spcFirstLastPara="1" wrap="square" lIns="91425" tIns="91425" rIns="91425" bIns="91425" anchor="b" anchorCtr="0">
             <a:noAutofit/>
           </a:bodyPr>
           <a:lstStyle>
-            <a:lvl1pPr lvl="0">
-              <a:spcBef>
-                <a:spcPts val="0"/>
-              </a:spcBef>
-              <a:spcAft>
-                <a:spcPts val="0"/>
-              </a:spcAft>
-              <a:buSzPts val="2400"/>
-              <a:buNone/>
-              <a:defRPr sz="2400"/>
+            <a:lvl1pPr lvl="0" algn="ctr">
+              <a:spcBef>
+                <a:spcPts val="0"/>
+              </a:spcBef>
+              <a:spcAft>
+                <a:spcPts val="0"/>
+              </a:spcAft>
+              <a:buSzPts val="14000"/>
+              <a:buNone/>
+              <a:defRPr sz="14000" b="1"/>
             </a:lvl1pPr>
-            <a:lvl2pPr lvl="1">
-              <a:spcBef>
-                <a:spcPts val="0"/>
-              </a:spcBef>
-              <a:spcAft>
-                <a:spcPts val="0"/>
-              </a:spcAft>
-              <a:buSzPts val="2400"/>
-              <a:buNone/>
-              <a:defRPr sz="2400"/>
+            <a:lvl2pPr lvl="1" algn="ctr">
+              <a:spcBef>
+                <a:spcPts val="0"/>
+              </a:spcBef>
+              <a:spcAft>
+                <a:spcPts val="0"/>
+              </a:spcAft>
+              <a:buSzPts val="14000"/>
+              <a:buNone/>
+              <a:defRPr sz="14000" b="1"/>
             </a:lvl2pPr>
-            <a:lvl3pPr lvl="2">
-              <a:spcBef>
-                <a:spcPts val="0"/>
-              </a:spcBef>
-              <a:spcAft>
-                <a:spcPts val="0"/>
-              </a:spcAft>
-              <a:buSzPts val="2400"/>
-              <a:buNone/>
-              <a:defRPr sz="2400"/>
+            <a:lvl3pPr lvl="2" algn="ctr">
+              <a:spcBef>
+                <a:spcPts val="0"/>
+              </a:spcBef>
+              <a:spcAft>
+                <a:spcPts val="0"/>
+              </a:spcAft>
+              <a:buSzPts val="14000"/>
+              <a:buNone/>
+              <a:defRPr sz="14000" b="1"/>
             </a:lvl3pPr>
-            <a:lvl4pPr lvl="3">
-              <a:spcBef>
-                <a:spcPts val="0"/>
-              </a:spcBef>
-              <a:spcAft>
-                <a:spcPts val="0"/>
-              </a:spcAft>
-              <a:buSzPts val="2400"/>
-              <a:buNone/>
-              <a:defRPr sz="2400"/>
+            <a:lvl4pPr lvl="3" algn="ctr">
+              <a:spcBef>
+                <a:spcPts val="0"/>
+              </a:spcBef>
+              <a:spcAft>
+                <a:spcPts val="0"/>
+              </a:spcAft>
+              <a:buSzPts val="14000"/>
+              <a:buNone/>
+              <a:defRPr sz="14000" b="1"/>
             </a:lvl4pPr>
-            <a:lvl5pPr lvl="4">
-              <a:spcBef>
-                <a:spcPts val="0"/>
-              </a:spcBef>
-              <a:spcAft>
-                <a:spcPts val="0"/>
-              </a:spcAft>
-              <a:buSzPts val="2400"/>
-              <a:buNone/>
-              <a:defRPr sz="2400"/>
+            <a:lvl5pPr lvl="4" algn="ctr">
+              <a:spcBef>
+                <a:spcPts val="0"/>
+              </a:spcBef>
+              <a:spcAft>
+                <a:spcPts val="0"/>
+              </a:spcAft>
+              <a:buSzPts val="14000"/>
+              <a:buNone/>
+              <a:defRPr sz="14000" b="1"/>
             </a:lvl5pPr>
-            <a:lvl6pPr lvl="5">
-              <a:spcBef>
-                <a:spcPts val="0"/>
-              </a:spcBef>
-              <a:spcAft>
-                <a:spcPts val="0"/>
-              </a:spcAft>
-              <a:buSzPts val="2400"/>
-              <a:buNone/>
-              <a:defRPr sz="2400"/>
+            <a:lvl6pPr lvl="5" algn="ctr">
+              <a:spcBef>
+                <a:spcPts val="0"/>
+              </a:spcBef>
+              <a:spcAft>
+                <a:spcPts val="0"/>
+              </a:spcAft>
+              <a:buSzPts val="14000"/>
+              <a:buNone/>
+              <a:defRPr sz="14000" b="1"/>
             </a:lvl6pPr>
-            <a:lvl7pPr lvl="6">
-              <a:spcBef>
-                <a:spcPts val="0"/>
-              </a:spcBef>
-              <a:spcAft>
-                <a:spcPts val="0"/>
-              </a:spcAft>
-              <a:buSzPts val="2400"/>
-              <a:buNone/>
-              <a:defRPr sz="2400"/>
+            <a:lvl7pPr lvl="6" algn="ctr">
+              <a:spcBef>
+                <a:spcPts val="0"/>
+              </a:spcBef>
+              <a:spcAft>
+                <a:spcPts val="0"/>
+              </a:spcAft>
+              <a:buSzPts val="14000"/>
+              <a:buNone/>
+              <a:defRPr sz="14000" b="1"/>
             </a:lvl7pPr>
-            <a:lvl8pPr lvl="7">
-              <a:spcBef>
-                <a:spcPts val="0"/>
-              </a:spcBef>
-              <a:spcAft>
-                <a:spcPts val="0"/>
-              </a:spcAft>
-              <a:buSzPts val="2400"/>
-              <a:buNone/>
-              <a:defRPr sz="2400"/>
+            <a:lvl8pPr lvl="7" algn="ctr">
+              <a:spcBef>
+                <a:spcPts val="0"/>
+              </a:spcBef>
+              <a:spcAft>
+                <a:spcPts val="0"/>
+              </a:spcAft>
+              <a:buSzPts val="14000"/>
+              <a:buNone/>
+              <a:defRPr sz="14000" b="1"/>
             </a:lvl8pPr>
-            <a:lvl9pPr lvl="8">
-              <a:spcBef>
-                <a:spcPts val="0"/>
-              </a:spcBef>
-              <a:spcAft>
-                <a:spcPts val="0"/>
-              </a:spcAft>
-              <a:buSzPts val="2400"/>
-              <a:buNone/>
-              <a:defRPr sz="2400"/>
+            <a:lvl9pPr lvl="8" algn="ctr">
+              <a:spcBef>
+                <a:spcPts val="0"/>
+              </a:spcBef>
+              <a:spcAft>
+                <a:spcPts val="0"/>
+              </a:spcAft>
+              <a:buSzPts val="14000"/>
+              <a:buNone/>
+              <a:defRPr sz="14000" b="1"/>
             </a:lvl9pPr>
           </a:lstStyle>
-          <a:p/>
+          <a:p>
+            <a:r>
+              <a:t>xx%</a:t>
+            </a:r>
+          </a:p>
         </p:txBody>
       </p:sp>
       <p:sp>
         <p:nvSpPr>
-          <p:cNvPr id="34" name="Google Shape;34;p7"/>
-          <p:cNvSpPr txBox="1"/>
+          <p:cNvPr id="51" name="Google Shape;51;p11"/>
+          <p:cNvSpPr txBox="1">
+            <a:spLocks noGrp="1"/>
+          </p:cNvSpPr>
           <p:nvPr>
-            <p:ph idx="1" type="body"/>
+            <p:ph type="body" idx="1"/>
           </p:nvPr>
         </p:nvSpPr>
         <p:spPr>
           <a:xfrm>
-            <a:off x="311700" y="1389600"/>
-            <a:ext cx="2808000" cy="3179400"/>
+            <a:off x="311700" y="3228425"/>
+            <a:ext cx="8520600" cy="1300800"/>
           </a:xfrm>
           <a:prstGeom prst="rect">
             <a:avLst/>
           </a:prstGeom>
         </p:spPr>
         <p:txBody>
-          <a:bodyPr anchorCtr="0" anchor="t" bIns="91425" lIns="91425" spcFirstLastPara="1" rIns="91425" wrap="square" tIns="91425">
+          <a:bodyPr spcFirstLastPara="1" wrap="square" lIns="91425" tIns="91425" rIns="91425" bIns="91425" anchor="t" anchorCtr="0">
             <a:noAutofit/>
           </a:bodyPr>
           <a:lstStyle>
-            <a:lvl1pPr indent="-304800" lvl="0" marL="457200">
-              <a:spcBef>
-                <a:spcPts val="0"/>
-              </a:spcBef>
-              <a:spcAft>
-                <a:spcPts val="0"/>
-              </a:spcAft>
-              <a:buSzPts val="1200"/>
+            <a:lvl1pPr marL="457200" lvl="0" indent="-342900" algn="ctr">
+              <a:spcBef>
+                <a:spcPts val="0"/>
+              </a:spcBef>
+              <a:spcAft>
+                <a:spcPts val="0"/>
+              </a:spcAft>
+              <a:buSzPts val="1800"/>
               <a:buChar char="●"/>
-              <a:defRPr sz="1200"/>
+              <a:defRPr/>
             </a:lvl1pPr>
-            <a:lvl2pPr indent="-304800" lvl="1" marL="914400">
+            <a:lvl2pPr marL="914400" lvl="1" indent="-317500" algn="ctr">
               <a:spcBef>
                 <a:spcPts val="1600"/>
               </a:spcBef>
               <a:spcAft>
                 <a:spcPts val="0"/>
               </a:spcAft>
-              <a:buSzPts val="1200"/>
+              <a:buSzPts val="1400"/>
               <a:buChar char="○"/>
-              <a:defRPr sz="1200"/>
+              <a:defRPr/>
             </a:lvl2pPr>
-            <a:lvl3pPr indent="-304800" lvl="2" marL="1371600">
+            <a:lvl3pPr marL="1371600" lvl="2" indent="-317500" algn="ctr">
               <a:spcBef>
                 <a:spcPts val="1600"/>
               </a:spcBef>
               <a:spcAft>
                 <a:spcPts val="0"/>
               </a:spcAft>
-              <a:buSzPts val="1200"/>
+              <a:buSzPts val="1400"/>
               <a:buChar char="■"/>
-              <a:defRPr sz="1200"/>
+              <a:defRPr/>
             </a:lvl3pPr>
-            <a:lvl4pPr indent="-304800" lvl="3" marL="1828800">
+            <a:lvl4pPr marL="1828800" lvl="3" indent="-317500" algn="ctr">
               <a:spcBef>
                 <a:spcPts val="1600"/>
               </a:spcBef>
               <a:spcAft>
                 <a:spcPts val="0"/>
               </a:spcAft>
-              <a:buSzPts val="1200"/>
+              <a:buSzPts val="1400"/>
               <a:buChar char="●"/>
-              <a:defRPr sz="1200"/>
+              <a:defRPr/>
             </a:lvl4pPr>
-            <a:lvl5pPr indent="-304800" lvl="4" marL="2286000">
+            <a:lvl5pPr marL="2286000" lvl="4" indent="-317500" algn="ctr">
               <a:spcBef>
                 <a:spcPts val="1600"/>
               </a:spcBef>
               <a:spcAft>
                 <a:spcPts val="0"/>
               </a:spcAft>
-              <a:buSzPts val="1200"/>
+              <a:buSzPts val="1400"/>
               <a:buChar char="○"/>
-              <a:defRPr sz="1200"/>
+              <a:defRPr/>
             </a:lvl5pPr>
-            <a:lvl6pPr indent="-304800" lvl="5" marL="2743200">
+            <a:lvl6pPr marL="2743200" lvl="5" indent="-317500" algn="ctr">
               <a:spcBef>
                 <a:spcPts val="1600"/>
               </a:spcBef>
               <a:spcAft>
                 <a:spcPts val="0"/>
               </a:spcAft>
-              <a:buSzPts val="1200"/>
+              <a:buSzPts val="1400"/>
               <a:buChar char="■"/>
-              <a:defRPr sz="1200"/>
+              <a:defRPr/>
             </a:lvl6pPr>
-            <a:lvl7pPr indent="-304800" lvl="6" marL="3200400">
+            <a:lvl7pPr marL="3200400" lvl="6" indent="-317500" algn="ctr">
               <a:spcBef>
                 <a:spcPts val="1600"/>
               </a:spcBef>
               <a:spcAft>
                 <a:spcPts val="0"/>
               </a:spcAft>
-              <a:buSzPts val="1200"/>
+              <a:buSzPts val="1400"/>
               <a:buChar char="●"/>
-              <a:defRPr sz="1200"/>
+              <a:defRPr/>
             </a:lvl7pPr>
-            <a:lvl8pPr indent="-304800" lvl="7" marL="3657600">
+            <a:lvl8pPr marL="3657600" lvl="7" indent="-317500" algn="ctr">
               <a:spcBef>
                 <a:spcPts val="1600"/>
               </a:spcBef>
               <a:spcAft>
                 <a:spcPts val="0"/>
               </a:spcAft>
-              <a:buSzPts val="1200"/>
+              <a:buSzPts val="1400"/>
               <a:buChar char="○"/>
-              <a:defRPr sz="1200"/>
+              <a:defRPr/>
             </a:lvl8pPr>
-            <a:lvl9pPr indent="-304800" lvl="8" marL="4114800">
+            <a:lvl9pPr marL="4114800" lvl="8" indent="-317500" algn="ctr">
               <a:spcBef>
                 <a:spcPts val="1600"/>
               </a:spcBef>
               <a:spcAft>
                 <a:spcPts val="1600"/>
               </a:spcAft>
-              <a:buSzPts val="1200"/>
+              <a:buSzPts val="1400"/>
               <a:buChar char="■"/>
-              <a:defRPr sz="1200"/>
+              <a:defRPr/>
             </a:lvl9pPr>
           </a:lstStyle>
-          <a:p/>
+          <a:p>
+            <a:endParaRPr/>
+          </a:p>
         </p:txBody>
       </p:sp>
       <p:sp>
         <p:nvSpPr>
-          <p:cNvPr id="35" name="Google Shape;35;p7"/>
-          <p:cNvSpPr txBox="1"/>
+          <p:cNvPr id="52" name="Google Shape;52;p11"/>
+          <p:cNvSpPr txBox="1">
+            <a:spLocks noGrp="1"/>
+          </p:cNvSpPr>
           <p:nvPr>
-            <p:ph idx="12" type="sldNum"/>
+            <p:ph type="sldNum" idx="12"/>
           </p:nvPr>
         </p:nvSpPr>
         <p:spPr>
@@ -4511,7 +3471,7 @@
           </a:prstGeom>
         </p:spPr>
         <p:txBody>
-          <a:bodyPr anchorCtr="0" anchor="ctr" bIns="91425" lIns="91425" spcFirstLastPara="1" rIns="91425" wrap="square" tIns="91425">
+          <a:bodyPr spcFirstLastPara="1" wrap="square" lIns="91425" tIns="91425" rIns="91425" bIns="91425" anchor="ctr" anchorCtr="0">
             <a:noAutofit/>
           </a:bodyPr>
           <a:lstStyle>
@@ -4553,7 +3513,7 @@
             </a:lvl9pPr>
           </a:lstStyle>
           <a:p>
-            <a:pPr indent="0" lvl="0" marL="0" rtl="0" algn="r">
+            <a:pPr marL="0" lvl="0" indent="0" algn="r" rtl="0">
               <a:spcBef>
                 <a:spcPts val="0"/>
               </a:spcBef>
@@ -4564,1216 +3524,15 @@
             </a:pPr>
             <a:fld id="{00000000-1234-1234-1234-123412341234}" type="slidenum">
               <a:rPr lang="en"/>
-              <a:t>‹#›</a:t>
-            </a:fld>
-            <a:endParaRPr/>
-          </a:p>
-        </p:txBody>
-      </p:sp>
-    </p:spTree>
-  </p:cSld>
-  <p:clrMapOvr>
-    <a:masterClrMapping/>
-  </p:clrMapOvr>
-</p:sldLayout>
-</file>
-
-<file path=ppt/slideLayouts/slideLayout7.xml><?xml version="1.0" encoding="utf-8"?>
-<p:sldLayout xmlns:a="http://schemas.openxmlformats.org/drawingml/2006/main" xmlns:r="http://schemas.openxmlformats.org/officeDocument/2006/relationships" xmlns:mc="http://schemas.openxmlformats.org/markup-compatibility/2006" xmlns:mv="urn:schemas-microsoft-com:mac:vml" xmlns:p="http://schemas.openxmlformats.org/presentationml/2006/main" xmlns:c="http://schemas.openxmlformats.org/drawingml/2006/chart" xmlns:dgm="http://schemas.openxmlformats.org/drawingml/2006/diagram" xmlns:o="urn:schemas-microsoft-com:office:office" xmlns:v="urn:schemas-microsoft-com:vml" xmlns:pvml="urn:schemas-microsoft-com:office:powerpoint" xmlns:com="http://schemas.openxmlformats.org/drawingml/2006/compatibility" xmlns:p14="http://schemas.microsoft.com/office/powerpoint/2010/main" xmlns:p15="http://schemas.microsoft.com/office/powerpoint/2012/main" xmlns:ahyp="http://schemas.microsoft.com/office/drawing/2018/hyperlinkcolor" matchingName="Main point">
-  <p:cSld name="MAIN_POINT">
-    <p:bg>
-      <p:bgPr>
-        <a:solidFill>
-          <a:schemeClr val="lt2"/>
-        </a:solidFill>
-      </p:bgPr>
-    </p:bg>
-    <p:spTree>
-      <p:nvGrpSpPr>
-        <p:cNvPr id="36" name="Shape 36"/>
-        <p:cNvGrpSpPr/>
-        <p:nvPr/>
-      </p:nvGrpSpPr>
-      <p:grpSpPr>
-        <a:xfrm>
-          <a:off x="0" y="0"/>
-          <a:ext cx="0" cy="0"/>
-          <a:chOff x="0" y="0"/>
-          <a:chExt cx="0" cy="0"/>
-        </a:xfrm>
-      </p:grpSpPr>
-      <p:sp>
-        <p:nvSpPr>
-          <p:cNvPr id="37" name="Google Shape;37;p8"/>
-          <p:cNvSpPr txBox="1"/>
-          <p:nvPr>
-            <p:ph type="title"/>
-          </p:nvPr>
-        </p:nvSpPr>
-        <p:spPr>
-          <a:xfrm>
-            <a:off x="490250" y="526350"/>
-            <a:ext cx="5604000" cy="4090800"/>
-          </a:xfrm>
-          <a:prstGeom prst="rect">
-            <a:avLst/>
-          </a:prstGeom>
-        </p:spPr>
-        <p:txBody>
-          <a:bodyPr anchorCtr="0" anchor="ctr" bIns="91425" lIns="91425" spcFirstLastPara="1" rIns="91425" wrap="square" tIns="91425">
-            <a:noAutofit/>
-          </a:bodyPr>
-          <a:lstStyle>
-            <a:lvl1pPr lvl="0">
-              <a:spcBef>
-                <a:spcPts val="0"/>
-              </a:spcBef>
-              <a:spcAft>
-                <a:spcPts val="0"/>
-              </a:spcAft>
-              <a:buClr>
-                <a:schemeClr val="accent1"/>
-              </a:buClr>
-              <a:buSzPts val="5400"/>
-              <a:buNone/>
-              <a:defRPr sz="5400">
-                <a:solidFill>
-                  <a:schemeClr val="accent1"/>
-                </a:solidFill>
-              </a:defRPr>
-            </a:lvl1pPr>
-            <a:lvl2pPr lvl="1">
-              <a:spcBef>
-                <a:spcPts val="0"/>
-              </a:spcBef>
-              <a:spcAft>
-                <a:spcPts val="0"/>
-              </a:spcAft>
-              <a:buClr>
-                <a:schemeClr val="accent1"/>
-              </a:buClr>
-              <a:buSzPts val="5400"/>
-              <a:buNone/>
-              <a:defRPr sz="5400">
-                <a:solidFill>
-                  <a:schemeClr val="accent1"/>
-                </a:solidFill>
-              </a:defRPr>
-            </a:lvl2pPr>
-            <a:lvl3pPr lvl="2">
-              <a:spcBef>
-                <a:spcPts val="0"/>
-              </a:spcBef>
-              <a:spcAft>
-                <a:spcPts val="0"/>
-              </a:spcAft>
-              <a:buClr>
-                <a:schemeClr val="accent1"/>
-              </a:buClr>
-              <a:buSzPts val="5400"/>
-              <a:buNone/>
-              <a:defRPr sz="5400">
-                <a:solidFill>
-                  <a:schemeClr val="accent1"/>
-                </a:solidFill>
-              </a:defRPr>
-            </a:lvl3pPr>
-            <a:lvl4pPr lvl="3">
-              <a:spcBef>
-                <a:spcPts val="0"/>
-              </a:spcBef>
-              <a:spcAft>
-                <a:spcPts val="0"/>
-              </a:spcAft>
-              <a:buClr>
-                <a:schemeClr val="accent1"/>
-              </a:buClr>
-              <a:buSzPts val="5400"/>
-              <a:buNone/>
-              <a:defRPr sz="5400">
-                <a:solidFill>
-                  <a:schemeClr val="accent1"/>
-                </a:solidFill>
-              </a:defRPr>
-            </a:lvl4pPr>
-            <a:lvl5pPr lvl="4">
-              <a:spcBef>
-                <a:spcPts val="0"/>
-              </a:spcBef>
-              <a:spcAft>
-                <a:spcPts val="0"/>
-              </a:spcAft>
-              <a:buClr>
-                <a:schemeClr val="accent1"/>
-              </a:buClr>
-              <a:buSzPts val="5400"/>
-              <a:buNone/>
-              <a:defRPr sz="5400">
-                <a:solidFill>
-                  <a:schemeClr val="accent1"/>
-                </a:solidFill>
-              </a:defRPr>
-            </a:lvl5pPr>
-            <a:lvl6pPr lvl="5">
-              <a:spcBef>
-                <a:spcPts val="0"/>
-              </a:spcBef>
-              <a:spcAft>
-                <a:spcPts val="0"/>
-              </a:spcAft>
-              <a:buClr>
-                <a:schemeClr val="accent1"/>
-              </a:buClr>
-              <a:buSzPts val="5400"/>
-              <a:buNone/>
-              <a:defRPr sz="5400">
-                <a:solidFill>
-                  <a:schemeClr val="accent1"/>
-                </a:solidFill>
-              </a:defRPr>
-            </a:lvl6pPr>
-            <a:lvl7pPr lvl="6">
-              <a:spcBef>
-                <a:spcPts val="0"/>
-              </a:spcBef>
-              <a:spcAft>
-                <a:spcPts val="0"/>
-              </a:spcAft>
-              <a:buClr>
-                <a:schemeClr val="accent1"/>
-              </a:buClr>
-              <a:buSzPts val="5400"/>
-              <a:buNone/>
-              <a:defRPr sz="5400">
-                <a:solidFill>
-                  <a:schemeClr val="accent1"/>
-                </a:solidFill>
-              </a:defRPr>
-            </a:lvl7pPr>
-            <a:lvl8pPr lvl="7">
-              <a:spcBef>
-                <a:spcPts val="0"/>
-              </a:spcBef>
-              <a:spcAft>
-                <a:spcPts val="0"/>
-              </a:spcAft>
-              <a:buClr>
-                <a:schemeClr val="accent1"/>
-              </a:buClr>
-              <a:buSzPts val="5400"/>
-              <a:buNone/>
-              <a:defRPr sz="5400">
-                <a:solidFill>
-                  <a:schemeClr val="accent1"/>
-                </a:solidFill>
-              </a:defRPr>
-            </a:lvl8pPr>
-            <a:lvl9pPr lvl="8">
-              <a:spcBef>
-                <a:spcPts val="0"/>
-              </a:spcBef>
-              <a:spcAft>
-                <a:spcPts val="0"/>
-              </a:spcAft>
-              <a:buClr>
-                <a:schemeClr val="accent1"/>
-              </a:buClr>
-              <a:buSzPts val="5400"/>
-              <a:buNone/>
-              <a:defRPr sz="5400">
-                <a:solidFill>
-                  <a:schemeClr val="accent1"/>
-                </a:solidFill>
-              </a:defRPr>
-            </a:lvl9pPr>
-          </a:lstStyle>
-          <a:p/>
-        </p:txBody>
-      </p:sp>
-      <p:sp>
-        <p:nvSpPr>
-          <p:cNvPr id="38" name="Google Shape;38;p8"/>
-          <p:cNvSpPr txBox="1"/>
-          <p:nvPr>
-            <p:ph idx="12" type="sldNum"/>
-          </p:nvPr>
-        </p:nvSpPr>
-        <p:spPr>
-          <a:xfrm>
-            <a:off x="8472458" y="4663217"/>
-            <a:ext cx="548700" cy="393600"/>
-          </a:xfrm>
-          <a:prstGeom prst="rect">
-            <a:avLst/>
-          </a:prstGeom>
-        </p:spPr>
-        <p:txBody>
-          <a:bodyPr anchorCtr="0" anchor="ctr" bIns="91425" lIns="91425" spcFirstLastPara="1" rIns="91425" wrap="square" tIns="91425">
-            <a:noAutofit/>
-          </a:bodyPr>
-          <a:lstStyle>
-            <a:lvl1pPr lvl="0">
-              <a:buNone/>
-              <a:defRPr>
-                <a:solidFill>
-                  <a:schemeClr val="accent1"/>
-                </a:solidFill>
-              </a:defRPr>
-            </a:lvl1pPr>
-            <a:lvl2pPr lvl="1">
-              <a:buNone/>
-              <a:defRPr>
-                <a:solidFill>
-                  <a:schemeClr val="accent1"/>
-                </a:solidFill>
-              </a:defRPr>
-            </a:lvl2pPr>
-            <a:lvl3pPr lvl="2">
-              <a:buNone/>
-              <a:defRPr>
-                <a:solidFill>
-                  <a:schemeClr val="accent1"/>
-                </a:solidFill>
-              </a:defRPr>
-            </a:lvl3pPr>
-            <a:lvl4pPr lvl="3">
-              <a:buNone/>
-              <a:defRPr>
-                <a:solidFill>
-                  <a:schemeClr val="accent1"/>
-                </a:solidFill>
-              </a:defRPr>
-            </a:lvl4pPr>
-            <a:lvl5pPr lvl="4">
-              <a:buNone/>
-              <a:defRPr>
-                <a:solidFill>
-                  <a:schemeClr val="accent1"/>
-                </a:solidFill>
-              </a:defRPr>
-            </a:lvl5pPr>
-            <a:lvl6pPr lvl="5">
-              <a:buNone/>
-              <a:defRPr>
-                <a:solidFill>
-                  <a:schemeClr val="accent1"/>
-                </a:solidFill>
-              </a:defRPr>
-            </a:lvl6pPr>
-            <a:lvl7pPr lvl="6">
-              <a:buNone/>
-              <a:defRPr>
-                <a:solidFill>
-                  <a:schemeClr val="accent1"/>
-                </a:solidFill>
-              </a:defRPr>
-            </a:lvl7pPr>
-            <a:lvl8pPr lvl="7">
-              <a:buNone/>
-              <a:defRPr>
-                <a:solidFill>
-                  <a:schemeClr val="accent1"/>
-                </a:solidFill>
-              </a:defRPr>
-            </a:lvl8pPr>
-            <a:lvl9pPr lvl="8">
-              <a:buNone/>
-              <a:defRPr>
-                <a:solidFill>
-                  <a:schemeClr val="accent1"/>
-                </a:solidFill>
-              </a:defRPr>
-            </a:lvl9pPr>
-          </a:lstStyle>
-          <a:p>
-            <a:pPr indent="0" lvl="0" marL="0" rtl="0" algn="r">
-              <a:spcBef>
-                <a:spcPts val="0"/>
-              </a:spcBef>
-              <a:spcAft>
-                <a:spcPts val="0"/>
-              </a:spcAft>
-              <a:buNone/>
-            </a:pPr>
-            <a:fld id="{00000000-1234-1234-1234-123412341234}" type="slidenum">
-              <a:rPr lang="en"/>
-              <a:t>‹#›</a:t>
-            </a:fld>
-            <a:endParaRPr/>
-          </a:p>
-        </p:txBody>
-      </p:sp>
-    </p:spTree>
-  </p:cSld>
-  <p:clrMapOvr>
-    <a:masterClrMapping/>
-  </p:clrMapOvr>
-</p:sldLayout>
-</file>
-
-<file path=ppt/slideLayouts/slideLayout8.xml><?xml version="1.0" encoding="utf-8"?>
-<p:sldLayout xmlns:a="http://schemas.openxmlformats.org/drawingml/2006/main" xmlns:r="http://schemas.openxmlformats.org/officeDocument/2006/relationships" xmlns:mc="http://schemas.openxmlformats.org/markup-compatibility/2006" xmlns:mv="urn:schemas-microsoft-com:mac:vml" xmlns:p="http://schemas.openxmlformats.org/presentationml/2006/main" xmlns:c="http://schemas.openxmlformats.org/drawingml/2006/chart" xmlns:dgm="http://schemas.openxmlformats.org/drawingml/2006/diagram" xmlns:o="urn:schemas-microsoft-com:office:office" xmlns:v="urn:schemas-microsoft-com:vml" xmlns:pvml="urn:schemas-microsoft-com:office:powerpoint" xmlns:com="http://schemas.openxmlformats.org/drawingml/2006/compatibility" xmlns:p14="http://schemas.microsoft.com/office/powerpoint/2010/main" xmlns:p15="http://schemas.microsoft.com/office/powerpoint/2012/main" xmlns:ahyp="http://schemas.microsoft.com/office/drawing/2018/hyperlinkcolor" matchingName="Section title and description">
-  <p:cSld name="SECTION_TITLE_AND_DESCRIPTION">
-    <p:spTree>
-      <p:nvGrpSpPr>
-        <p:cNvPr id="39" name="Shape 39"/>
-        <p:cNvGrpSpPr/>
-        <p:nvPr/>
-      </p:nvGrpSpPr>
-      <p:grpSpPr>
-        <a:xfrm>
-          <a:off x="0" y="0"/>
-          <a:ext cx="0" cy="0"/>
-          <a:chOff x="0" y="0"/>
-          <a:chExt cx="0" cy="0"/>
-        </a:xfrm>
-      </p:grpSpPr>
-      <p:sp>
-        <p:nvSpPr>
-          <p:cNvPr id="40" name="Google Shape;40;p9"/>
-          <p:cNvSpPr/>
-          <p:nvPr/>
-        </p:nvSpPr>
-        <p:spPr>
-          <a:xfrm>
-            <a:off x="4572000" y="-25"/>
-            <a:ext cx="4572000" cy="5143500"/>
-          </a:xfrm>
-          <a:prstGeom prst="rect">
-            <a:avLst/>
-          </a:prstGeom>
-          <a:solidFill>
-            <a:schemeClr val="dk1"/>
-          </a:solidFill>
-          <a:ln>
-            <a:noFill/>
-          </a:ln>
-        </p:spPr>
-        <p:txBody>
-          <a:bodyPr anchorCtr="0" anchor="ctr" bIns="91425" lIns="91425" spcFirstLastPara="1" rIns="91425" wrap="square" tIns="91425">
-            <a:noAutofit/>
-          </a:bodyPr>
-          <a:lstStyle/>
-          <a:p>
-            <a:pPr indent="0" lvl="0" marL="0" rtl="0" algn="l">
-              <a:spcBef>
-                <a:spcPts val="0"/>
-              </a:spcBef>
-              <a:spcAft>
-                <a:spcPts val="0"/>
-              </a:spcAft>
-              <a:buNone/>
-            </a:pPr>
-            <a:r>
-              <a:t/>
-            </a:r>
-            <a:endParaRPr/>
-          </a:p>
-        </p:txBody>
-      </p:sp>
-      <p:cxnSp>
-        <p:nvCxnSpPr>
-          <p:cNvPr id="41" name="Google Shape;41;p9"/>
-          <p:cNvCxnSpPr/>
-          <p:nvPr/>
-        </p:nvCxnSpPr>
-        <p:spPr>
-          <a:xfrm>
-            <a:off x="5029675" y="4495500"/>
-            <a:ext cx="686400" cy="0"/>
-          </a:xfrm>
-          <a:prstGeom prst="straightConnector1">
-            <a:avLst/>
-          </a:prstGeom>
-          <a:noFill/>
-          <a:ln cap="flat" cmpd="sng" w="19050">
-            <a:solidFill>
-              <a:schemeClr val="lt2"/>
-            </a:solidFill>
-            <a:prstDash val="solid"/>
-            <a:round/>
-            <a:headEnd len="sm" w="sm" type="none"/>
-            <a:tailEnd len="sm" w="sm" type="none"/>
-          </a:ln>
-        </p:spPr>
-      </p:cxnSp>
-      <p:sp>
-        <p:nvSpPr>
-          <p:cNvPr id="42" name="Google Shape;42;p9"/>
-          <p:cNvSpPr txBox="1"/>
-          <p:nvPr>
-            <p:ph type="title"/>
-          </p:nvPr>
-        </p:nvSpPr>
-        <p:spPr>
-          <a:xfrm>
-            <a:off x="265500" y="1382350"/>
-            <a:ext cx="4045200" cy="1333200"/>
-          </a:xfrm>
-          <a:prstGeom prst="rect">
-            <a:avLst/>
-          </a:prstGeom>
-        </p:spPr>
-        <p:txBody>
-          <a:bodyPr anchorCtr="0" anchor="b" bIns="91425" lIns="91425" spcFirstLastPara="1" rIns="91425" wrap="square" tIns="91425">
-            <a:noAutofit/>
-          </a:bodyPr>
-          <a:lstStyle>
-            <a:lvl1pPr lvl="0" algn="ctr">
-              <a:spcBef>
-                <a:spcPts val="0"/>
-              </a:spcBef>
-              <a:spcAft>
-                <a:spcPts val="0"/>
-              </a:spcAft>
-              <a:buClr>
-                <a:schemeClr val="lt2"/>
-              </a:buClr>
-              <a:buSzPts val="4200"/>
-              <a:buNone/>
-              <a:defRPr sz="4200">
-                <a:solidFill>
-                  <a:schemeClr val="lt2"/>
-                </a:solidFill>
-              </a:defRPr>
-            </a:lvl1pPr>
-            <a:lvl2pPr lvl="1" algn="ctr">
-              <a:spcBef>
-                <a:spcPts val="0"/>
-              </a:spcBef>
-              <a:spcAft>
-                <a:spcPts val="0"/>
-              </a:spcAft>
-              <a:buClr>
-                <a:schemeClr val="lt2"/>
-              </a:buClr>
-              <a:buSzPts val="4200"/>
-              <a:buNone/>
-              <a:defRPr sz="4200">
-                <a:solidFill>
-                  <a:schemeClr val="lt2"/>
-                </a:solidFill>
-              </a:defRPr>
-            </a:lvl2pPr>
-            <a:lvl3pPr lvl="2" algn="ctr">
-              <a:spcBef>
-                <a:spcPts val="0"/>
-              </a:spcBef>
-              <a:spcAft>
-                <a:spcPts val="0"/>
-              </a:spcAft>
-              <a:buClr>
-                <a:schemeClr val="lt2"/>
-              </a:buClr>
-              <a:buSzPts val="4200"/>
-              <a:buNone/>
-              <a:defRPr sz="4200">
-                <a:solidFill>
-                  <a:schemeClr val="lt2"/>
-                </a:solidFill>
-              </a:defRPr>
-            </a:lvl3pPr>
-            <a:lvl4pPr lvl="3" algn="ctr">
-              <a:spcBef>
-                <a:spcPts val="0"/>
-              </a:spcBef>
-              <a:spcAft>
-                <a:spcPts val="0"/>
-              </a:spcAft>
-              <a:buClr>
-                <a:schemeClr val="lt2"/>
-              </a:buClr>
-              <a:buSzPts val="4200"/>
-              <a:buNone/>
-              <a:defRPr sz="4200">
-                <a:solidFill>
-                  <a:schemeClr val="lt2"/>
-                </a:solidFill>
-              </a:defRPr>
-            </a:lvl4pPr>
-            <a:lvl5pPr lvl="4" algn="ctr">
-              <a:spcBef>
-                <a:spcPts val="0"/>
-              </a:spcBef>
-              <a:spcAft>
-                <a:spcPts val="0"/>
-              </a:spcAft>
-              <a:buClr>
-                <a:schemeClr val="lt2"/>
-              </a:buClr>
-              <a:buSzPts val="4200"/>
-              <a:buNone/>
-              <a:defRPr sz="4200">
-                <a:solidFill>
-                  <a:schemeClr val="lt2"/>
-                </a:solidFill>
-              </a:defRPr>
-            </a:lvl5pPr>
-            <a:lvl6pPr lvl="5" algn="ctr">
-              <a:spcBef>
-                <a:spcPts val="0"/>
-              </a:spcBef>
-              <a:spcAft>
-                <a:spcPts val="0"/>
-              </a:spcAft>
-              <a:buClr>
-                <a:schemeClr val="lt2"/>
-              </a:buClr>
-              <a:buSzPts val="4200"/>
-              <a:buNone/>
-              <a:defRPr sz="4200">
-                <a:solidFill>
-                  <a:schemeClr val="lt2"/>
-                </a:solidFill>
-              </a:defRPr>
-            </a:lvl6pPr>
-            <a:lvl7pPr lvl="6" algn="ctr">
-              <a:spcBef>
-                <a:spcPts val="0"/>
-              </a:spcBef>
-              <a:spcAft>
-                <a:spcPts val="0"/>
-              </a:spcAft>
-              <a:buClr>
-                <a:schemeClr val="lt2"/>
-              </a:buClr>
-              <a:buSzPts val="4200"/>
-              <a:buNone/>
-              <a:defRPr sz="4200">
-                <a:solidFill>
-                  <a:schemeClr val="lt2"/>
-                </a:solidFill>
-              </a:defRPr>
-            </a:lvl7pPr>
-            <a:lvl8pPr lvl="7" algn="ctr">
-              <a:spcBef>
-                <a:spcPts val="0"/>
-              </a:spcBef>
-              <a:spcAft>
-                <a:spcPts val="0"/>
-              </a:spcAft>
-              <a:buClr>
-                <a:schemeClr val="lt2"/>
-              </a:buClr>
-              <a:buSzPts val="4200"/>
-              <a:buNone/>
-              <a:defRPr sz="4200">
-                <a:solidFill>
-                  <a:schemeClr val="lt2"/>
-                </a:solidFill>
-              </a:defRPr>
-            </a:lvl8pPr>
-            <a:lvl9pPr lvl="8" algn="ctr">
-              <a:spcBef>
-                <a:spcPts val="0"/>
-              </a:spcBef>
-              <a:spcAft>
-                <a:spcPts val="0"/>
-              </a:spcAft>
-              <a:buClr>
-                <a:schemeClr val="lt2"/>
-              </a:buClr>
-              <a:buSzPts val="4200"/>
-              <a:buNone/>
-              <a:defRPr sz="4200">
-                <a:solidFill>
-                  <a:schemeClr val="lt2"/>
-                </a:solidFill>
-              </a:defRPr>
-            </a:lvl9pPr>
-          </a:lstStyle>
-          <a:p/>
-        </p:txBody>
-      </p:sp>
-      <p:sp>
-        <p:nvSpPr>
-          <p:cNvPr id="43" name="Google Shape;43;p9"/>
-          <p:cNvSpPr txBox="1"/>
-          <p:nvPr>
-            <p:ph idx="1" type="subTitle"/>
-          </p:nvPr>
-        </p:nvSpPr>
-        <p:spPr>
-          <a:xfrm>
-            <a:off x="265500" y="2769001"/>
-            <a:ext cx="4045200" cy="1345500"/>
-          </a:xfrm>
-          <a:prstGeom prst="rect">
-            <a:avLst/>
-          </a:prstGeom>
-        </p:spPr>
-        <p:txBody>
-          <a:bodyPr anchorCtr="0" anchor="t" bIns="91425" lIns="91425" spcFirstLastPara="1" rIns="91425" wrap="square" tIns="91425">
-            <a:noAutofit/>
-          </a:bodyPr>
-          <a:lstStyle>
-            <a:lvl1pPr lvl="0" algn="ctr">
-              <a:lnSpc>
-                <a:spcPct val="100000"/>
-              </a:lnSpc>
-              <a:spcBef>
-                <a:spcPts val="0"/>
-              </a:spcBef>
-              <a:spcAft>
-                <a:spcPts val="0"/>
-              </a:spcAft>
-              <a:buSzPts val="2100"/>
-              <a:buNone/>
-              <a:defRPr sz="2100"/>
-            </a:lvl1pPr>
-            <a:lvl2pPr lvl="1" algn="ctr">
-              <a:lnSpc>
-                <a:spcPct val="100000"/>
-              </a:lnSpc>
-              <a:spcBef>
-                <a:spcPts val="0"/>
-              </a:spcBef>
-              <a:spcAft>
-                <a:spcPts val="0"/>
-              </a:spcAft>
-              <a:buSzPts val="2100"/>
-              <a:buNone/>
-              <a:defRPr sz="2100"/>
-            </a:lvl2pPr>
-            <a:lvl3pPr lvl="2" algn="ctr">
-              <a:lnSpc>
-                <a:spcPct val="100000"/>
-              </a:lnSpc>
-              <a:spcBef>
-                <a:spcPts val="0"/>
-              </a:spcBef>
-              <a:spcAft>
-                <a:spcPts val="0"/>
-              </a:spcAft>
-              <a:buSzPts val="2100"/>
-              <a:buNone/>
-              <a:defRPr sz="2100"/>
-            </a:lvl3pPr>
-            <a:lvl4pPr lvl="3" algn="ctr">
-              <a:lnSpc>
-                <a:spcPct val="100000"/>
-              </a:lnSpc>
-              <a:spcBef>
-                <a:spcPts val="0"/>
-              </a:spcBef>
-              <a:spcAft>
-                <a:spcPts val="0"/>
-              </a:spcAft>
-              <a:buSzPts val="2100"/>
-              <a:buNone/>
-              <a:defRPr sz="2100"/>
-            </a:lvl4pPr>
-            <a:lvl5pPr lvl="4" algn="ctr">
-              <a:lnSpc>
-                <a:spcPct val="100000"/>
-              </a:lnSpc>
-              <a:spcBef>
-                <a:spcPts val="0"/>
-              </a:spcBef>
-              <a:spcAft>
-                <a:spcPts val="0"/>
-              </a:spcAft>
-              <a:buSzPts val="2100"/>
-              <a:buNone/>
-              <a:defRPr sz="2100"/>
-            </a:lvl5pPr>
-            <a:lvl6pPr lvl="5" algn="ctr">
-              <a:lnSpc>
-                <a:spcPct val="100000"/>
-              </a:lnSpc>
-              <a:spcBef>
-                <a:spcPts val="0"/>
-              </a:spcBef>
-              <a:spcAft>
-                <a:spcPts val="0"/>
-              </a:spcAft>
-              <a:buSzPts val="2100"/>
-              <a:buNone/>
-              <a:defRPr sz="2100"/>
-            </a:lvl6pPr>
-            <a:lvl7pPr lvl="6" algn="ctr">
-              <a:lnSpc>
-                <a:spcPct val="100000"/>
-              </a:lnSpc>
-              <a:spcBef>
-                <a:spcPts val="0"/>
-              </a:spcBef>
-              <a:spcAft>
-                <a:spcPts val="0"/>
-              </a:spcAft>
-              <a:buSzPts val="2100"/>
-              <a:buNone/>
-              <a:defRPr sz="2100"/>
-            </a:lvl7pPr>
-            <a:lvl8pPr lvl="7" algn="ctr">
-              <a:lnSpc>
-                <a:spcPct val="100000"/>
-              </a:lnSpc>
-              <a:spcBef>
-                <a:spcPts val="0"/>
-              </a:spcBef>
-              <a:spcAft>
-                <a:spcPts val="0"/>
-              </a:spcAft>
-              <a:buSzPts val="2100"/>
-              <a:buNone/>
-              <a:defRPr sz="2100"/>
-            </a:lvl8pPr>
-            <a:lvl9pPr lvl="8" algn="ctr">
-              <a:lnSpc>
-                <a:spcPct val="100000"/>
-              </a:lnSpc>
-              <a:spcBef>
-                <a:spcPts val="0"/>
-              </a:spcBef>
-              <a:spcAft>
-                <a:spcPts val="0"/>
-              </a:spcAft>
-              <a:buSzPts val="2100"/>
-              <a:buNone/>
-              <a:defRPr sz="2100"/>
-            </a:lvl9pPr>
-          </a:lstStyle>
-          <a:p/>
-        </p:txBody>
-      </p:sp>
-      <p:sp>
-        <p:nvSpPr>
-          <p:cNvPr id="44" name="Google Shape;44;p9"/>
-          <p:cNvSpPr txBox="1"/>
-          <p:nvPr>
-            <p:ph idx="2" type="body"/>
-          </p:nvPr>
-        </p:nvSpPr>
-        <p:spPr>
-          <a:xfrm>
-            <a:off x="4939500" y="724200"/>
-            <a:ext cx="3837000" cy="3695100"/>
-          </a:xfrm>
-          <a:prstGeom prst="rect">
-            <a:avLst/>
-          </a:prstGeom>
-        </p:spPr>
-        <p:txBody>
-          <a:bodyPr anchorCtr="0" anchor="ctr" bIns="91425" lIns="91425" spcFirstLastPara="1" rIns="91425" wrap="square" tIns="91425">
-            <a:noAutofit/>
-          </a:bodyPr>
-          <a:lstStyle>
-            <a:lvl1pPr indent="-342900" lvl="0" marL="457200">
-              <a:spcBef>
-                <a:spcPts val="0"/>
-              </a:spcBef>
-              <a:spcAft>
-                <a:spcPts val="0"/>
-              </a:spcAft>
-              <a:buClr>
-                <a:schemeClr val="accent1"/>
-              </a:buClr>
-              <a:buSzPts val="1800"/>
-              <a:buChar char="●"/>
-              <a:defRPr>
-                <a:solidFill>
-                  <a:schemeClr val="accent1"/>
-                </a:solidFill>
-              </a:defRPr>
-            </a:lvl1pPr>
-            <a:lvl2pPr indent="-317500" lvl="1" marL="914400">
-              <a:spcBef>
-                <a:spcPts val="1600"/>
-              </a:spcBef>
-              <a:spcAft>
-                <a:spcPts val="0"/>
-              </a:spcAft>
-              <a:buClr>
-                <a:schemeClr val="accent1"/>
-              </a:buClr>
-              <a:buSzPts val="1400"/>
-              <a:buChar char="○"/>
-              <a:defRPr>
-                <a:solidFill>
-                  <a:schemeClr val="accent1"/>
-                </a:solidFill>
-              </a:defRPr>
-            </a:lvl2pPr>
-            <a:lvl3pPr indent="-317500" lvl="2" marL="1371600">
-              <a:spcBef>
-                <a:spcPts val="1600"/>
-              </a:spcBef>
-              <a:spcAft>
-                <a:spcPts val="0"/>
-              </a:spcAft>
-              <a:buClr>
-                <a:schemeClr val="accent1"/>
-              </a:buClr>
-              <a:buSzPts val="1400"/>
-              <a:buChar char="■"/>
-              <a:defRPr>
-                <a:solidFill>
-                  <a:schemeClr val="accent1"/>
-                </a:solidFill>
-              </a:defRPr>
-            </a:lvl3pPr>
-            <a:lvl4pPr indent="-317500" lvl="3" marL="1828800">
-              <a:spcBef>
-                <a:spcPts val="1600"/>
-              </a:spcBef>
-              <a:spcAft>
-                <a:spcPts val="0"/>
-              </a:spcAft>
-              <a:buClr>
-                <a:schemeClr val="accent1"/>
-              </a:buClr>
-              <a:buSzPts val="1400"/>
-              <a:buChar char="●"/>
-              <a:defRPr>
-                <a:solidFill>
-                  <a:schemeClr val="accent1"/>
-                </a:solidFill>
-              </a:defRPr>
-            </a:lvl4pPr>
-            <a:lvl5pPr indent="-317500" lvl="4" marL="2286000">
-              <a:spcBef>
-                <a:spcPts val="1600"/>
-              </a:spcBef>
-              <a:spcAft>
-                <a:spcPts val="0"/>
-              </a:spcAft>
-              <a:buClr>
-                <a:schemeClr val="accent1"/>
-              </a:buClr>
-              <a:buSzPts val="1400"/>
-              <a:buChar char="○"/>
-              <a:defRPr>
-                <a:solidFill>
-                  <a:schemeClr val="accent1"/>
-                </a:solidFill>
-              </a:defRPr>
-            </a:lvl5pPr>
-            <a:lvl6pPr indent="-317500" lvl="5" marL="2743200">
-              <a:spcBef>
-                <a:spcPts val="1600"/>
-              </a:spcBef>
-              <a:spcAft>
-                <a:spcPts val="0"/>
-              </a:spcAft>
-              <a:buClr>
-                <a:schemeClr val="accent1"/>
-              </a:buClr>
-              <a:buSzPts val="1400"/>
-              <a:buChar char="■"/>
-              <a:defRPr>
-                <a:solidFill>
-                  <a:schemeClr val="accent1"/>
-                </a:solidFill>
-              </a:defRPr>
-            </a:lvl6pPr>
-            <a:lvl7pPr indent="-317500" lvl="6" marL="3200400">
-              <a:spcBef>
-                <a:spcPts val="1600"/>
-              </a:spcBef>
-              <a:spcAft>
-                <a:spcPts val="0"/>
-              </a:spcAft>
-              <a:buClr>
-                <a:schemeClr val="accent1"/>
-              </a:buClr>
-              <a:buSzPts val="1400"/>
-              <a:buChar char="●"/>
-              <a:defRPr>
-                <a:solidFill>
-                  <a:schemeClr val="accent1"/>
-                </a:solidFill>
-              </a:defRPr>
-            </a:lvl7pPr>
-            <a:lvl8pPr indent="-317500" lvl="7" marL="3657600">
-              <a:spcBef>
-                <a:spcPts val="1600"/>
-              </a:spcBef>
-              <a:spcAft>
-                <a:spcPts val="0"/>
-              </a:spcAft>
-              <a:buClr>
-                <a:schemeClr val="accent1"/>
-              </a:buClr>
-              <a:buSzPts val="1400"/>
-              <a:buChar char="○"/>
-              <a:defRPr>
-                <a:solidFill>
-                  <a:schemeClr val="accent1"/>
-                </a:solidFill>
-              </a:defRPr>
-            </a:lvl8pPr>
-            <a:lvl9pPr indent="-317500" lvl="8" marL="4114800">
-              <a:spcBef>
-                <a:spcPts val="1600"/>
-              </a:spcBef>
-              <a:spcAft>
-                <a:spcPts val="1600"/>
-              </a:spcAft>
-              <a:buClr>
-                <a:schemeClr val="accent1"/>
-              </a:buClr>
-              <a:buSzPts val="1400"/>
-              <a:buChar char="■"/>
-              <a:defRPr>
-                <a:solidFill>
-                  <a:schemeClr val="accent1"/>
-                </a:solidFill>
-              </a:defRPr>
-            </a:lvl9pPr>
-          </a:lstStyle>
-          <a:p/>
-        </p:txBody>
-      </p:sp>
-      <p:sp>
-        <p:nvSpPr>
-          <p:cNvPr id="45" name="Google Shape;45;p9"/>
-          <p:cNvSpPr txBox="1"/>
-          <p:nvPr>
-            <p:ph idx="12" type="sldNum"/>
-          </p:nvPr>
-        </p:nvSpPr>
-        <p:spPr>
-          <a:xfrm>
-            <a:off x="8472458" y="4663217"/>
-            <a:ext cx="548700" cy="393600"/>
-          </a:xfrm>
-          <a:prstGeom prst="rect">
-            <a:avLst/>
-          </a:prstGeom>
-        </p:spPr>
-        <p:txBody>
-          <a:bodyPr anchorCtr="0" anchor="ctr" bIns="91425" lIns="91425" spcFirstLastPara="1" rIns="91425" wrap="square" tIns="91425">
-            <a:noAutofit/>
-          </a:bodyPr>
-          <a:lstStyle>
-            <a:lvl1pPr lvl="0">
-              <a:buNone/>
-              <a:defRPr>
-                <a:solidFill>
-                  <a:schemeClr val="accent1"/>
-                </a:solidFill>
-              </a:defRPr>
-            </a:lvl1pPr>
-            <a:lvl2pPr lvl="1">
-              <a:buNone/>
-              <a:defRPr>
-                <a:solidFill>
-                  <a:schemeClr val="accent1"/>
-                </a:solidFill>
-              </a:defRPr>
-            </a:lvl2pPr>
-            <a:lvl3pPr lvl="2">
-              <a:buNone/>
-              <a:defRPr>
-                <a:solidFill>
-                  <a:schemeClr val="accent1"/>
-                </a:solidFill>
-              </a:defRPr>
-            </a:lvl3pPr>
-            <a:lvl4pPr lvl="3">
-              <a:buNone/>
-              <a:defRPr>
-                <a:solidFill>
-                  <a:schemeClr val="accent1"/>
-                </a:solidFill>
-              </a:defRPr>
-            </a:lvl4pPr>
-            <a:lvl5pPr lvl="4">
-              <a:buNone/>
-              <a:defRPr>
-                <a:solidFill>
-                  <a:schemeClr val="accent1"/>
-                </a:solidFill>
-              </a:defRPr>
-            </a:lvl5pPr>
-            <a:lvl6pPr lvl="5">
-              <a:buNone/>
-              <a:defRPr>
-                <a:solidFill>
-                  <a:schemeClr val="accent1"/>
-                </a:solidFill>
-              </a:defRPr>
-            </a:lvl6pPr>
-            <a:lvl7pPr lvl="6">
-              <a:buNone/>
-              <a:defRPr>
-                <a:solidFill>
-                  <a:schemeClr val="accent1"/>
-                </a:solidFill>
-              </a:defRPr>
-            </a:lvl7pPr>
-            <a:lvl8pPr lvl="7">
-              <a:buNone/>
-              <a:defRPr>
-                <a:solidFill>
-                  <a:schemeClr val="accent1"/>
-                </a:solidFill>
-              </a:defRPr>
-            </a:lvl8pPr>
-            <a:lvl9pPr lvl="8">
-              <a:buNone/>
-              <a:defRPr>
-                <a:solidFill>
-                  <a:schemeClr val="accent1"/>
-                </a:solidFill>
-              </a:defRPr>
-            </a:lvl9pPr>
-          </a:lstStyle>
-          <a:p>
-            <a:pPr indent="0" lvl="0" marL="0" rtl="0" algn="r">
-              <a:spcBef>
-                <a:spcPts val="0"/>
-              </a:spcBef>
-              <a:spcAft>
-                <a:spcPts val="0"/>
-              </a:spcAft>
-              <a:buNone/>
-            </a:pPr>
-            <a:fld id="{00000000-1234-1234-1234-123412341234}" type="slidenum">
-              <a:rPr lang="en"/>
-              <a:t>‹#›</a:t>
-            </a:fld>
-            <a:endParaRPr/>
-          </a:p>
-        </p:txBody>
-      </p:sp>
-    </p:spTree>
-  </p:cSld>
-  <p:clrMapOvr>
-    <a:masterClrMapping/>
-  </p:clrMapOvr>
-</p:sldLayout>
-</file>
-
-<file path=ppt/slideLayouts/slideLayout9.xml><?xml version="1.0" encoding="utf-8"?>
-<p:sldLayout xmlns:a="http://schemas.openxmlformats.org/drawingml/2006/main" xmlns:r="http://schemas.openxmlformats.org/officeDocument/2006/relationships" xmlns:mc="http://schemas.openxmlformats.org/markup-compatibility/2006" xmlns:mv="urn:schemas-microsoft-com:mac:vml" xmlns:p="http://schemas.openxmlformats.org/presentationml/2006/main" xmlns:c="http://schemas.openxmlformats.org/drawingml/2006/chart" xmlns:dgm="http://schemas.openxmlformats.org/drawingml/2006/diagram" xmlns:o="urn:schemas-microsoft-com:office:office" xmlns:v="urn:schemas-microsoft-com:vml" xmlns:pvml="urn:schemas-microsoft-com:office:powerpoint" xmlns:com="http://schemas.openxmlformats.org/drawingml/2006/compatibility" xmlns:p14="http://schemas.microsoft.com/office/powerpoint/2010/main" xmlns:p15="http://schemas.microsoft.com/office/powerpoint/2012/main" xmlns:ahyp="http://schemas.microsoft.com/office/drawing/2018/hyperlinkcolor" matchingName="Caption">
-  <p:cSld name="CAPTION_ONLY">
-    <p:spTree>
-      <p:nvGrpSpPr>
-        <p:cNvPr id="46" name="Shape 46"/>
-        <p:cNvGrpSpPr/>
-        <p:nvPr/>
-      </p:nvGrpSpPr>
-      <p:grpSpPr>
-        <a:xfrm>
-          <a:off x="0" y="0"/>
-          <a:ext cx="0" cy="0"/>
-          <a:chOff x="0" y="0"/>
-          <a:chExt cx="0" cy="0"/>
-        </a:xfrm>
-      </p:grpSpPr>
-      <p:sp>
-        <p:nvSpPr>
-          <p:cNvPr id="47" name="Google Shape;47;p10"/>
-          <p:cNvSpPr txBox="1"/>
-          <p:nvPr>
-            <p:ph idx="1" type="body"/>
-          </p:nvPr>
-        </p:nvSpPr>
-        <p:spPr>
-          <a:xfrm>
-            <a:off x="311700" y="4230575"/>
-            <a:ext cx="5998800" cy="605100"/>
-          </a:xfrm>
-          <a:prstGeom prst="rect">
-            <a:avLst/>
-          </a:prstGeom>
-        </p:spPr>
-        <p:txBody>
-          <a:bodyPr anchorCtr="0" anchor="ctr" bIns="91425" lIns="91425" spcFirstLastPara="1" rIns="91425" wrap="square" tIns="91425">
-            <a:noAutofit/>
-          </a:bodyPr>
-          <a:lstStyle>
-            <a:lvl1pPr indent="-228600" lvl="0" marL="457200">
-              <a:lnSpc>
-                <a:spcPct val="100000"/>
-              </a:lnSpc>
-              <a:spcBef>
-                <a:spcPts val="0"/>
-              </a:spcBef>
-              <a:spcAft>
-                <a:spcPts val="0"/>
-              </a:spcAft>
-              <a:buSzPts val="1800"/>
-              <a:buNone/>
-              <a:defRPr/>
-            </a:lvl1pPr>
-          </a:lstStyle>
-          <a:p/>
-        </p:txBody>
-      </p:sp>
-      <p:sp>
-        <p:nvSpPr>
-          <p:cNvPr id="48" name="Google Shape;48;p10"/>
-          <p:cNvSpPr txBox="1"/>
-          <p:nvPr>
-            <p:ph idx="12" type="sldNum"/>
-          </p:nvPr>
-        </p:nvSpPr>
-        <p:spPr>
-          <a:xfrm>
-            <a:off x="8472458" y="4663217"/>
-            <a:ext cx="548700" cy="393600"/>
-          </a:xfrm>
-          <a:prstGeom prst="rect">
-            <a:avLst/>
-          </a:prstGeom>
-        </p:spPr>
-        <p:txBody>
-          <a:bodyPr anchorCtr="0" anchor="ctr" bIns="91425" lIns="91425" spcFirstLastPara="1" rIns="91425" wrap="square" tIns="91425">
-            <a:noAutofit/>
-          </a:bodyPr>
-          <a:lstStyle>
-            <a:lvl1pPr lvl="0">
-              <a:buNone/>
-              <a:defRPr/>
-            </a:lvl1pPr>
-            <a:lvl2pPr lvl="1">
-              <a:buNone/>
-              <a:defRPr/>
-            </a:lvl2pPr>
-            <a:lvl3pPr lvl="2">
-              <a:buNone/>
-              <a:defRPr/>
-            </a:lvl3pPr>
-            <a:lvl4pPr lvl="3">
-              <a:buNone/>
-              <a:defRPr/>
-            </a:lvl4pPr>
-            <a:lvl5pPr lvl="4">
-              <a:buNone/>
-              <a:defRPr/>
-            </a:lvl5pPr>
-            <a:lvl6pPr lvl="5">
-              <a:buNone/>
-              <a:defRPr/>
-            </a:lvl6pPr>
-            <a:lvl7pPr lvl="6">
-              <a:buNone/>
-              <a:defRPr/>
-            </a:lvl7pPr>
-            <a:lvl8pPr lvl="7">
-              <a:buNone/>
-              <a:defRPr/>
-            </a:lvl8pPr>
-            <a:lvl9pPr lvl="8">
-              <a:buNone/>
-              <a:defRPr/>
-            </a:lvl9pPr>
-          </a:lstStyle>
-          <a:p>
-            <a:pPr indent="0" lvl="0" marL="0" rtl="0" algn="r">
-              <a:spcBef>
-                <a:spcPts val="0"/>
-              </a:spcBef>
-              <a:spcAft>
-                <a:spcPts val="0"/>
-              </a:spcAft>
-              <a:buNone/>
-            </a:pPr>
-            <a:fld id="{00000000-1234-1234-1234-123412341234}" type="slidenum">
-              <a:rPr lang="en"/>
+              <a:pPr marL="0" lvl="0" indent="0" algn="r" rtl="0">
+                <a:spcBef>
+                  <a:spcPts val="0"/>
+                </a:spcBef>
+                <a:spcAft>
+                  <a:spcPts val="0"/>
+                </a:spcAft>
+                <a:buNone/>
+              </a:pPr>
               <a:t>‹#›</a:t>
             </a:fld>
             <a:endParaRPr/>
@@ -5789,18 +3548,19 @@
 </file>
 
 <file path=ppt/slideMasters/slideMaster1.xml><?xml version="1.0" encoding="utf-8"?>
-<p:sldMaster xmlns:a="http://schemas.openxmlformats.org/drawingml/2006/main" xmlns:r="http://schemas.openxmlformats.org/officeDocument/2006/relationships" xmlns:mc="http://schemas.openxmlformats.org/markup-compatibility/2006" xmlns:mv="urn:schemas-microsoft-com:mac:vml" xmlns:p="http://schemas.openxmlformats.org/presentationml/2006/main" xmlns:c="http://schemas.openxmlformats.org/drawingml/2006/chart" xmlns:dgm="http://schemas.openxmlformats.org/drawingml/2006/diagram" xmlns:o="urn:schemas-microsoft-com:office:office" xmlns:v="urn:schemas-microsoft-com:vml" xmlns:pvml="urn:schemas-microsoft-com:office:powerpoint" xmlns:com="http://schemas.openxmlformats.org/drawingml/2006/compatibility" xmlns:p14="http://schemas.microsoft.com/office/powerpoint/2010/main" xmlns:p15="http://schemas.microsoft.com/office/powerpoint/2012/main" xmlns:ahyp="http://schemas.microsoft.com/office/drawing/2018/hyperlinkcolor">
+<p:sldMaster xmlns:a="http://schemas.openxmlformats.org/drawingml/2006/main" xmlns:r="http://schemas.openxmlformats.org/officeDocument/2006/relationships" xmlns:p="http://schemas.openxmlformats.org/presentationml/2006/main">
   <p:cSld name="paperback">
     <p:bg>
       <p:bgPr>
         <a:solidFill>
           <a:schemeClr val="accent1"/>
         </a:solidFill>
+        <a:effectLst/>
       </p:bgPr>
     </p:bg>
     <p:spTree>
       <p:nvGrpSpPr>
-        <p:cNvPr id="5" name="Shape 5"/>
+        <p:cNvPr id="1" name="Shape 5"/>
         <p:cNvGrpSpPr/>
         <p:nvPr/>
       </p:nvGrpSpPr>
@@ -5815,7 +3575,9 @@
       <p:sp>
         <p:nvSpPr>
           <p:cNvPr id="6" name="Google Shape;6;p1"/>
-          <p:cNvSpPr txBox="1"/>
+          <p:cNvSpPr txBox="1">
+            <a:spLocks noGrp="1"/>
+          </p:cNvSpPr>
           <p:nvPr>
             <p:ph type="title"/>
           </p:nvPr>
@@ -5834,7 +3596,7 @@
           </a:ln>
         </p:spPr>
         <p:txBody>
-          <a:bodyPr anchorCtr="0" anchor="t" bIns="91425" lIns="91425" spcFirstLastPara="1" rIns="91425" wrap="square" tIns="91425">
+          <a:bodyPr spcFirstLastPara="1" wrap="square" lIns="91425" tIns="91425" rIns="91425" bIns="91425" anchor="t" anchorCtr="0">
             <a:noAutofit/>
           </a:bodyPr>
           <a:lstStyle>
@@ -6046,15 +3808,19 @@
               </a:defRPr>
             </a:lvl9pPr>
           </a:lstStyle>
-          <a:p/>
+          <a:p>
+            <a:endParaRPr/>
+          </a:p>
         </p:txBody>
       </p:sp>
       <p:sp>
         <p:nvSpPr>
           <p:cNvPr id="7" name="Google Shape;7;p1"/>
-          <p:cNvSpPr txBox="1"/>
+          <p:cNvSpPr txBox="1">
+            <a:spLocks noGrp="1"/>
+          </p:cNvSpPr>
           <p:nvPr>
-            <p:ph idx="1" type="body"/>
+            <p:ph type="body" idx="1"/>
           </p:nvPr>
         </p:nvSpPr>
         <p:spPr>
@@ -6071,11 +3837,11 @@
           </a:ln>
         </p:spPr>
         <p:txBody>
-          <a:bodyPr anchorCtr="0" anchor="t" bIns="91425" lIns="91425" spcFirstLastPara="1" rIns="91425" wrap="square" tIns="91425">
+          <a:bodyPr spcFirstLastPara="1" wrap="square" lIns="91425" tIns="91425" rIns="91425" bIns="91425" anchor="t" anchorCtr="0">
             <a:noAutofit/>
           </a:bodyPr>
           <a:lstStyle>
-            <a:lvl1pPr indent="-342900" lvl="0" marL="457200">
+            <a:lvl1pPr marL="457200" lvl="0" indent="-342900">
               <a:lnSpc>
                 <a:spcPct val="115000"/>
               </a:lnSpc>
@@ -6101,7 +3867,7 @@
                 <a:sym typeface="Old Standard TT"/>
               </a:defRPr>
             </a:lvl1pPr>
-            <a:lvl2pPr indent="-317500" lvl="1" marL="914400">
+            <a:lvl2pPr marL="914400" lvl="1" indent="-317500">
               <a:lnSpc>
                 <a:spcPct val="115000"/>
               </a:lnSpc>
@@ -6127,7 +3893,7 @@
                 <a:sym typeface="Old Standard TT"/>
               </a:defRPr>
             </a:lvl2pPr>
-            <a:lvl3pPr indent="-317500" lvl="2" marL="1371600">
+            <a:lvl3pPr marL="1371600" lvl="2" indent="-317500">
               <a:lnSpc>
                 <a:spcPct val="115000"/>
               </a:lnSpc>
@@ -6153,7 +3919,7 @@
                 <a:sym typeface="Old Standard TT"/>
               </a:defRPr>
             </a:lvl3pPr>
-            <a:lvl4pPr indent="-317500" lvl="3" marL="1828800">
+            <a:lvl4pPr marL="1828800" lvl="3" indent="-317500">
               <a:lnSpc>
                 <a:spcPct val="115000"/>
               </a:lnSpc>
@@ -6179,7 +3945,7 @@
                 <a:sym typeface="Old Standard TT"/>
               </a:defRPr>
             </a:lvl4pPr>
-            <a:lvl5pPr indent="-317500" lvl="4" marL="2286000">
+            <a:lvl5pPr marL="2286000" lvl="4" indent="-317500">
               <a:lnSpc>
                 <a:spcPct val="115000"/>
               </a:lnSpc>
@@ -6205,7 +3971,7 @@
                 <a:sym typeface="Old Standard TT"/>
               </a:defRPr>
             </a:lvl5pPr>
-            <a:lvl6pPr indent="-317500" lvl="5" marL="2743200">
+            <a:lvl6pPr marL="2743200" lvl="5" indent="-317500">
               <a:lnSpc>
                 <a:spcPct val="115000"/>
               </a:lnSpc>
@@ -6231,7 +3997,7 @@
                 <a:sym typeface="Old Standard TT"/>
               </a:defRPr>
             </a:lvl6pPr>
-            <a:lvl7pPr indent="-317500" lvl="6" marL="3200400">
+            <a:lvl7pPr marL="3200400" lvl="6" indent="-317500">
               <a:lnSpc>
                 <a:spcPct val="115000"/>
               </a:lnSpc>
@@ -6257,7 +4023,7 @@
                 <a:sym typeface="Old Standard TT"/>
               </a:defRPr>
             </a:lvl7pPr>
-            <a:lvl8pPr indent="-317500" lvl="7" marL="3657600">
+            <a:lvl8pPr marL="3657600" lvl="7" indent="-317500">
               <a:lnSpc>
                 <a:spcPct val="115000"/>
               </a:lnSpc>
@@ -6283,7 +4049,7 @@
                 <a:sym typeface="Old Standard TT"/>
               </a:defRPr>
             </a:lvl8pPr>
-            <a:lvl9pPr indent="-317500" lvl="8" marL="4114800">
+            <a:lvl9pPr marL="4114800" lvl="8" indent="-317500">
               <a:lnSpc>
                 <a:spcPct val="115000"/>
               </a:lnSpc>
@@ -6310,15 +4076,19 @@
               </a:defRPr>
             </a:lvl9pPr>
           </a:lstStyle>
-          <a:p/>
+          <a:p>
+            <a:endParaRPr/>
+          </a:p>
         </p:txBody>
       </p:sp>
       <p:sp>
         <p:nvSpPr>
           <p:cNvPr id="8" name="Google Shape;8;p1"/>
-          <p:cNvSpPr txBox="1"/>
+          <p:cNvSpPr txBox="1">
+            <a:spLocks noGrp="1"/>
+          </p:cNvSpPr>
           <p:nvPr>
-            <p:ph idx="12" type="sldNum"/>
+            <p:ph type="sldNum" idx="12"/>
           </p:nvPr>
         </p:nvSpPr>
         <p:spPr>
@@ -6335,7 +4105,7 @@
           </a:ln>
         </p:spPr>
         <p:txBody>
-          <a:bodyPr anchorCtr="0" anchor="ctr" bIns="91425" lIns="91425" spcFirstLastPara="1" rIns="91425" wrap="square" tIns="91425">
+          <a:bodyPr spcFirstLastPara="1" wrap="square" lIns="91425" tIns="91425" rIns="91425" bIns="91425" anchor="ctr" anchorCtr="0">
             <a:noAutofit/>
           </a:bodyPr>
           <a:lstStyle>
@@ -6449,7 +4219,7 @@
             </a:lvl9pPr>
           </a:lstStyle>
           <a:p>
-            <a:pPr indent="0" lvl="0" marL="0" rtl="0" algn="r">
+            <a:pPr marL="0" lvl="0" indent="0" algn="r" rtl="0">
               <a:spcBef>
                 <a:spcPts val="0"/>
               </a:spcBef>
@@ -6460,6 +4230,15 @@
             </a:pPr>
             <a:fld id="{00000000-1234-1234-1234-123412341234}" type="slidenum">
               <a:rPr lang="en"/>
+              <a:pPr marL="0" lvl="0" indent="0" algn="r" rtl="0">
+                <a:spcBef>
+                  <a:spcPts val="0"/>
+                </a:spcBef>
+                <a:spcAft>
+                  <a:spcPts val="0"/>
+                </a:spcAft>
+                <a:buNone/>
+              </a:pPr>
               <a:t>‹#›</a:t>
             </a:fld>
             <a:endParaRPr/>
@@ -6468,24 +4247,19 @@
       </p:sp>
     </p:spTree>
   </p:cSld>
-  <p:clrMap accent1="accent1" accent2="accent2" accent3="accent3" accent4="accent4" accent5="accent5" accent6="accent6" bg1="lt1" bg2="dk2" tx1="dk1" tx2="lt2" folHlink="folHlink" hlink="hlink"/>
+  <p:clrMap bg1="lt1" tx1="dk1" bg2="dk2" tx2="lt2" accent1="accent1" accent2="accent2" accent3="accent3" accent4="accent4" accent5="accent5" accent6="accent6" hlink="hlink" folHlink="folHlink"/>
   <p:sldLayoutIdLst>
     <p:sldLayoutId id="2147483648" r:id="rId1"/>
     <p:sldLayoutId id="2147483649" r:id="rId2"/>
     <p:sldLayoutId id="2147483650" r:id="rId3"/>
-    <p:sldLayoutId id="2147483651" r:id="rId4"/>
-    <p:sldLayoutId id="2147483652" r:id="rId5"/>
-    <p:sldLayoutId id="2147483653" r:id="rId6"/>
-    <p:sldLayoutId id="2147483654" r:id="rId7"/>
-    <p:sldLayoutId id="2147483655" r:id="rId8"/>
-    <p:sldLayoutId id="2147483656" r:id="rId9"/>
-    <p:sldLayoutId id="2147483657" r:id="rId10"/>
-    <p:sldLayoutId id="2147483658" r:id="rId11"/>
+    <p:sldLayoutId id="2147483652" r:id="rId4"/>
+    <p:sldLayoutId id="2147483653" r:id="rId5"/>
+    <p:sldLayoutId id="2147483657" r:id="rId6"/>
   </p:sldLayoutIdLst>
-  <p:hf dt="0" ftr="0" hdr="0" sldNum="0"/>
+  <p:hf sldNum="0" hdr="0" ftr="0" dt="0"/>
   <p:txStyles>
     <p:titleStyle>
-      <a:defPPr lvl="0" marR="0" rtl="0" algn="l">
+      <a:defPPr marR="0" lvl="0" algn="l" rtl="0">
         <a:lnSpc>
           <a:spcPct val="100000"/>
         </a:lnSpc>
@@ -6496,7 +4270,7 @@
           <a:spcPts val="0"/>
         </a:spcAft>
       </a:defPPr>
-      <a:lvl1pPr lvl="0" marR="0" rtl="0" algn="l">
+      <a:lvl1pPr marR="0" lvl="0" algn="l" rtl="0">
         <a:lnSpc>
           <a:spcPct val="100000"/>
         </a:lnSpc>
@@ -6510,7 +4284,7 @@
           <a:srgbClr val="000000"/>
         </a:buClr>
         <a:buFont typeface="Arial"/>
-        <a:defRPr b="0" i="0" sz="1400" u="none" cap="none" strike="noStrike">
+        <a:defRPr sz="1400" b="0" i="0" u="none" strike="noStrike" cap="none">
           <a:solidFill>
             <a:srgbClr val="000000"/>
           </a:solidFill>
@@ -6520,7 +4294,7 @@
           <a:sym typeface="Arial"/>
         </a:defRPr>
       </a:lvl1pPr>
-      <a:lvl2pPr lvl="1" marR="0" rtl="0" algn="l">
+      <a:lvl2pPr marR="0" lvl="1" algn="l" rtl="0">
         <a:lnSpc>
           <a:spcPct val="100000"/>
         </a:lnSpc>
@@ -6534,7 +4308,7 @@
           <a:srgbClr val="000000"/>
         </a:buClr>
         <a:buFont typeface="Arial"/>
-        <a:defRPr b="0" i="0" sz="1400" u="none" cap="none" strike="noStrike">
+        <a:defRPr sz="1400" b="0" i="0" u="none" strike="noStrike" cap="none">
           <a:solidFill>
             <a:srgbClr val="000000"/>
           </a:solidFill>
@@ -6544,7 +4318,7 @@
           <a:sym typeface="Arial"/>
         </a:defRPr>
       </a:lvl2pPr>
-      <a:lvl3pPr lvl="2" marR="0" rtl="0" algn="l">
+      <a:lvl3pPr marR="0" lvl="2" algn="l" rtl="0">
         <a:lnSpc>
           <a:spcPct val="100000"/>
         </a:lnSpc>
@@ -6558,7 +4332,7 @@
           <a:srgbClr val="000000"/>
         </a:buClr>
         <a:buFont typeface="Arial"/>
-        <a:defRPr b="0" i="0" sz="1400" u="none" cap="none" strike="noStrike">
+        <a:defRPr sz="1400" b="0" i="0" u="none" strike="noStrike" cap="none">
           <a:solidFill>
             <a:srgbClr val="000000"/>
           </a:solidFill>
@@ -6568,7 +4342,7 @@
           <a:sym typeface="Arial"/>
         </a:defRPr>
       </a:lvl3pPr>
-      <a:lvl4pPr lvl="3" marR="0" rtl="0" algn="l">
+      <a:lvl4pPr marR="0" lvl="3" algn="l" rtl="0">
         <a:lnSpc>
           <a:spcPct val="100000"/>
         </a:lnSpc>
@@ -6582,7 +4356,7 @@
           <a:srgbClr val="000000"/>
         </a:buClr>
         <a:buFont typeface="Arial"/>
-        <a:defRPr b="0" i="0" sz="1400" u="none" cap="none" strike="noStrike">
+        <a:defRPr sz="1400" b="0" i="0" u="none" strike="noStrike" cap="none">
           <a:solidFill>
             <a:srgbClr val="000000"/>
           </a:solidFill>
@@ -6592,7 +4366,7 @@
           <a:sym typeface="Arial"/>
         </a:defRPr>
       </a:lvl4pPr>
-      <a:lvl5pPr lvl="4" marR="0" rtl="0" algn="l">
+      <a:lvl5pPr marR="0" lvl="4" algn="l" rtl="0">
         <a:lnSpc>
           <a:spcPct val="100000"/>
         </a:lnSpc>
@@ -6606,7 +4380,7 @@
           <a:srgbClr val="000000"/>
         </a:buClr>
         <a:buFont typeface="Arial"/>
-        <a:defRPr b="0" i="0" sz="1400" u="none" cap="none" strike="noStrike">
+        <a:defRPr sz="1400" b="0" i="0" u="none" strike="noStrike" cap="none">
           <a:solidFill>
             <a:srgbClr val="000000"/>
           </a:solidFill>
@@ -6616,7 +4390,7 @@
           <a:sym typeface="Arial"/>
         </a:defRPr>
       </a:lvl5pPr>
-      <a:lvl6pPr lvl="5" marR="0" rtl="0" algn="l">
+      <a:lvl6pPr marR="0" lvl="5" algn="l" rtl="0">
         <a:lnSpc>
           <a:spcPct val="100000"/>
         </a:lnSpc>
@@ -6630,7 +4404,7 @@
           <a:srgbClr val="000000"/>
         </a:buClr>
         <a:buFont typeface="Arial"/>
-        <a:defRPr b="0" i="0" sz="1400" u="none" cap="none" strike="noStrike">
+        <a:defRPr sz="1400" b="0" i="0" u="none" strike="noStrike" cap="none">
           <a:solidFill>
             <a:srgbClr val="000000"/>
           </a:solidFill>
@@ -6640,7 +4414,7 @@
           <a:sym typeface="Arial"/>
         </a:defRPr>
       </a:lvl6pPr>
-      <a:lvl7pPr lvl="6" marR="0" rtl="0" algn="l">
+      <a:lvl7pPr marR="0" lvl="6" algn="l" rtl="0">
         <a:lnSpc>
           <a:spcPct val="100000"/>
         </a:lnSpc>
@@ -6654,7 +4428,7 @@
           <a:srgbClr val="000000"/>
         </a:buClr>
         <a:buFont typeface="Arial"/>
-        <a:defRPr b="0" i="0" sz="1400" u="none" cap="none" strike="noStrike">
+        <a:defRPr sz="1400" b="0" i="0" u="none" strike="noStrike" cap="none">
           <a:solidFill>
             <a:srgbClr val="000000"/>
           </a:solidFill>
@@ -6664,7 +4438,7 @@
           <a:sym typeface="Arial"/>
         </a:defRPr>
       </a:lvl7pPr>
-      <a:lvl8pPr lvl="7" marR="0" rtl="0" algn="l">
+      <a:lvl8pPr marR="0" lvl="7" algn="l" rtl="0">
         <a:lnSpc>
           <a:spcPct val="100000"/>
         </a:lnSpc>
@@ -6678,7 +4452,7 @@
           <a:srgbClr val="000000"/>
         </a:buClr>
         <a:buFont typeface="Arial"/>
-        <a:defRPr b="0" i="0" sz="1400" u="none" cap="none" strike="noStrike">
+        <a:defRPr sz="1400" b="0" i="0" u="none" strike="noStrike" cap="none">
           <a:solidFill>
             <a:srgbClr val="000000"/>
           </a:solidFill>
@@ -6688,7 +4462,7 @@
           <a:sym typeface="Arial"/>
         </a:defRPr>
       </a:lvl8pPr>
-      <a:lvl9pPr lvl="8" marR="0" rtl="0" algn="l">
+      <a:lvl9pPr marR="0" lvl="8" algn="l" rtl="0">
         <a:lnSpc>
           <a:spcPct val="100000"/>
         </a:lnSpc>
@@ -6702,7 +4476,7 @@
           <a:srgbClr val="000000"/>
         </a:buClr>
         <a:buFont typeface="Arial"/>
-        <a:defRPr b="0" i="0" sz="1400" u="none" cap="none" strike="noStrike">
+        <a:defRPr sz="1400" b="0" i="0" u="none" strike="noStrike" cap="none">
           <a:solidFill>
             <a:srgbClr val="000000"/>
           </a:solidFill>
@@ -6714,7 +4488,7 @@
       </a:lvl9pPr>
     </p:titleStyle>
     <p:bodyStyle>
-      <a:defPPr lvl="0" marR="0" rtl="0" algn="l">
+      <a:defPPr marR="0" lvl="0" algn="l" rtl="0">
         <a:lnSpc>
           <a:spcPct val="100000"/>
         </a:lnSpc>
@@ -6725,7 +4499,7 @@
           <a:spcPts val="0"/>
         </a:spcAft>
       </a:defPPr>
-      <a:lvl1pPr lvl="0" marR="0" rtl="0" algn="l">
+      <a:lvl1pPr marR="0" lvl="0" algn="l" rtl="0">
         <a:lnSpc>
           <a:spcPct val="100000"/>
         </a:lnSpc>
@@ -6739,7 +4513,7 @@
           <a:srgbClr val="000000"/>
         </a:buClr>
         <a:buFont typeface="Arial"/>
-        <a:defRPr b="0" i="0" sz="1400" u="none" cap="none" strike="noStrike">
+        <a:defRPr sz="1400" b="0" i="0" u="none" strike="noStrike" cap="none">
           <a:solidFill>
             <a:srgbClr val="000000"/>
           </a:solidFill>
@@ -6749,7 +4523,7 @@
           <a:sym typeface="Arial"/>
         </a:defRPr>
       </a:lvl1pPr>
-      <a:lvl2pPr lvl="1" marR="0" rtl="0" algn="l">
+      <a:lvl2pPr marR="0" lvl="1" algn="l" rtl="0">
         <a:lnSpc>
           <a:spcPct val="100000"/>
         </a:lnSpc>
@@ -6763,7 +4537,7 @@
           <a:srgbClr val="000000"/>
         </a:buClr>
         <a:buFont typeface="Arial"/>
-        <a:defRPr b="0" i="0" sz="1400" u="none" cap="none" strike="noStrike">
+        <a:defRPr sz="1400" b="0" i="0" u="none" strike="noStrike" cap="none">
           <a:solidFill>
             <a:srgbClr val="000000"/>
           </a:solidFill>
@@ -6773,7 +4547,7 @@
           <a:sym typeface="Arial"/>
         </a:defRPr>
       </a:lvl2pPr>
-      <a:lvl3pPr lvl="2" marR="0" rtl="0" algn="l">
+      <a:lvl3pPr marR="0" lvl="2" algn="l" rtl="0">
         <a:lnSpc>
           <a:spcPct val="100000"/>
         </a:lnSpc>
@@ -6787,7 +4561,7 @@
           <a:srgbClr val="000000"/>
         </a:buClr>
         <a:buFont typeface="Arial"/>
-        <a:defRPr b="0" i="0" sz="1400" u="none" cap="none" strike="noStrike">
+        <a:defRPr sz="1400" b="0" i="0" u="none" strike="noStrike" cap="none">
           <a:solidFill>
             <a:srgbClr val="000000"/>
           </a:solidFill>
@@ -6797,7 +4571,7 @@
           <a:sym typeface="Arial"/>
         </a:defRPr>
       </a:lvl3pPr>
-      <a:lvl4pPr lvl="3" marR="0" rtl="0" algn="l">
+      <a:lvl4pPr marR="0" lvl="3" algn="l" rtl="0">
         <a:lnSpc>
           <a:spcPct val="100000"/>
         </a:lnSpc>
@@ -6811,7 +4585,7 @@
           <a:srgbClr val="000000"/>
         </a:buClr>
         <a:buFont typeface="Arial"/>
-        <a:defRPr b="0" i="0" sz="1400" u="none" cap="none" strike="noStrike">
+        <a:defRPr sz="1400" b="0" i="0" u="none" strike="noStrike" cap="none">
           <a:solidFill>
             <a:srgbClr val="000000"/>
           </a:solidFill>
@@ -6821,7 +4595,7 @@
           <a:sym typeface="Arial"/>
         </a:defRPr>
       </a:lvl4pPr>
-      <a:lvl5pPr lvl="4" marR="0" rtl="0" algn="l">
+      <a:lvl5pPr marR="0" lvl="4" algn="l" rtl="0">
         <a:lnSpc>
           <a:spcPct val="100000"/>
         </a:lnSpc>
@@ -6835,7 +4609,7 @@
           <a:srgbClr val="000000"/>
         </a:buClr>
         <a:buFont typeface="Arial"/>
-        <a:defRPr b="0" i="0" sz="1400" u="none" cap="none" strike="noStrike">
+        <a:defRPr sz="1400" b="0" i="0" u="none" strike="noStrike" cap="none">
           <a:solidFill>
             <a:srgbClr val="000000"/>
           </a:solidFill>
@@ -6845,7 +4619,7 @@
           <a:sym typeface="Arial"/>
         </a:defRPr>
       </a:lvl5pPr>
-      <a:lvl6pPr lvl="5" marR="0" rtl="0" algn="l">
+      <a:lvl6pPr marR="0" lvl="5" algn="l" rtl="0">
         <a:lnSpc>
           <a:spcPct val="100000"/>
         </a:lnSpc>
@@ -6859,7 +4633,7 @@
           <a:srgbClr val="000000"/>
         </a:buClr>
         <a:buFont typeface="Arial"/>
-        <a:defRPr b="0" i="0" sz="1400" u="none" cap="none" strike="noStrike">
+        <a:defRPr sz="1400" b="0" i="0" u="none" strike="noStrike" cap="none">
           <a:solidFill>
             <a:srgbClr val="000000"/>
           </a:solidFill>
@@ -6869,7 +4643,7 @@
           <a:sym typeface="Arial"/>
         </a:defRPr>
       </a:lvl6pPr>
-      <a:lvl7pPr lvl="6" marR="0" rtl="0" algn="l">
+      <a:lvl7pPr marR="0" lvl="6" algn="l" rtl="0">
         <a:lnSpc>
           <a:spcPct val="100000"/>
         </a:lnSpc>
@@ -6883,7 +4657,7 @@
           <a:srgbClr val="000000"/>
         </a:buClr>
         <a:buFont typeface="Arial"/>
-        <a:defRPr b="0" i="0" sz="1400" u="none" cap="none" strike="noStrike">
+        <a:defRPr sz="1400" b="0" i="0" u="none" strike="noStrike" cap="none">
           <a:solidFill>
             <a:srgbClr val="000000"/>
           </a:solidFill>
@@ -6893,7 +4667,7 @@
           <a:sym typeface="Arial"/>
         </a:defRPr>
       </a:lvl7pPr>
-      <a:lvl8pPr lvl="7" marR="0" rtl="0" algn="l">
+      <a:lvl8pPr marR="0" lvl="7" algn="l" rtl="0">
         <a:lnSpc>
           <a:spcPct val="100000"/>
         </a:lnSpc>
@@ -6907,7 +4681,7 @@
           <a:srgbClr val="000000"/>
         </a:buClr>
         <a:buFont typeface="Arial"/>
-        <a:defRPr b="0" i="0" sz="1400" u="none" cap="none" strike="noStrike">
+        <a:defRPr sz="1400" b="0" i="0" u="none" strike="noStrike" cap="none">
           <a:solidFill>
             <a:srgbClr val="000000"/>
           </a:solidFill>
@@ -6917,7 +4691,7 @@
           <a:sym typeface="Arial"/>
         </a:defRPr>
       </a:lvl8pPr>
-      <a:lvl9pPr lvl="8" marR="0" rtl="0" algn="l">
+      <a:lvl9pPr marR="0" lvl="8" algn="l" rtl="0">
         <a:lnSpc>
           <a:spcPct val="100000"/>
         </a:lnSpc>
@@ -6931,7 +4705,7 @@
           <a:srgbClr val="000000"/>
         </a:buClr>
         <a:buFont typeface="Arial"/>
-        <a:defRPr b="0" i="0" sz="1400" u="none" cap="none" strike="noStrike">
+        <a:defRPr sz="1400" b="0" i="0" u="none" strike="noStrike" cap="none">
           <a:solidFill>
             <a:srgbClr val="000000"/>
           </a:solidFill>
@@ -6943,7 +4717,7 @@
       </a:lvl9pPr>
     </p:bodyStyle>
     <p:otherStyle>
-      <a:defPPr lvl="0" marR="0" rtl="0" algn="l">
+      <a:defPPr marR="0" lvl="0" algn="l" rtl="0">
         <a:lnSpc>
           <a:spcPct val="100000"/>
         </a:lnSpc>
@@ -6954,7 +4728,7 @@
           <a:spcPts val="0"/>
         </a:spcAft>
       </a:defPPr>
-      <a:lvl1pPr lvl="0" marR="0" rtl="0" algn="l">
+      <a:lvl1pPr marR="0" lvl="0" algn="l" rtl="0">
         <a:lnSpc>
           <a:spcPct val="100000"/>
         </a:lnSpc>
@@ -6968,7 +4742,7 @@
           <a:srgbClr val="000000"/>
         </a:buClr>
         <a:buFont typeface="Arial"/>
-        <a:defRPr b="0" i="0" sz="1400" u="none" cap="none" strike="noStrike">
+        <a:defRPr sz="1400" b="0" i="0" u="none" strike="noStrike" cap="none">
           <a:solidFill>
             <a:srgbClr val="000000"/>
           </a:solidFill>
@@ -6978,7 +4752,7 @@
           <a:sym typeface="Arial"/>
         </a:defRPr>
       </a:lvl1pPr>
-      <a:lvl2pPr lvl="1" marR="0" rtl="0" algn="l">
+      <a:lvl2pPr marR="0" lvl="1" algn="l" rtl="0">
         <a:lnSpc>
           <a:spcPct val="100000"/>
         </a:lnSpc>
@@ -6992,7 +4766,7 @@
           <a:srgbClr val="000000"/>
         </a:buClr>
         <a:buFont typeface="Arial"/>
-        <a:defRPr b="0" i="0" sz="1400" u="none" cap="none" strike="noStrike">
+        <a:defRPr sz="1400" b="0" i="0" u="none" strike="noStrike" cap="none">
           <a:solidFill>
             <a:srgbClr val="000000"/>
           </a:solidFill>
@@ -7002,7 +4776,7 @@
           <a:sym typeface="Arial"/>
         </a:defRPr>
       </a:lvl2pPr>
-      <a:lvl3pPr lvl="2" marR="0" rtl="0" algn="l">
+      <a:lvl3pPr marR="0" lvl="2" algn="l" rtl="0">
         <a:lnSpc>
           <a:spcPct val="100000"/>
         </a:lnSpc>
@@ -7016,7 +4790,7 @@
           <a:srgbClr val="000000"/>
         </a:buClr>
         <a:buFont typeface="Arial"/>
-        <a:defRPr b="0" i="0" sz="1400" u="none" cap="none" strike="noStrike">
+        <a:defRPr sz="1400" b="0" i="0" u="none" strike="noStrike" cap="none">
           <a:solidFill>
             <a:srgbClr val="000000"/>
           </a:solidFill>
@@ -7026,7 +4800,7 @@
           <a:sym typeface="Arial"/>
         </a:defRPr>
       </a:lvl3pPr>
-      <a:lvl4pPr lvl="3" marR="0" rtl="0" algn="l">
+      <a:lvl4pPr marR="0" lvl="3" algn="l" rtl="0">
         <a:lnSpc>
           <a:spcPct val="100000"/>
         </a:lnSpc>
@@ -7040,7 +4814,7 @@
           <a:srgbClr val="000000"/>
         </a:buClr>
         <a:buFont typeface="Arial"/>
-        <a:defRPr b="0" i="0" sz="1400" u="none" cap="none" strike="noStrike">
+        <a:defRPr sz="1400" b="0" i="0" u="none" strike="noStrike" cap="none">
           <a:solidFill>
             <a:srgbClr val="000000"/>
           </a:solidFill>
@@ -7050,7 +4824,7 @@
           <a:sym typeface="Arial"/>
         </a:defRPr>
       </a:lvl4pPr>
-      <a:lvl5pPr lvl="4" marR="0" rtl="0" algn="l">
+      <a:lvl5pPr marR="0" lvl="4" algn="l" rtl="0">
         <a:lnSpc>
           <a:spcPct val="100000"/>
         </a:lnSpc>
@@ -7064,7 +4838,7 @@
           <a:srgbClr val="000000"/>
         </a:buClr>
         <a:buFont typeface="Arial"/>
-        <a:defRPr b="0" i="0" sz="1400" u="none" cap="none" strike="noStrike">
+        <a:defRPr sz="1400" b="0" i="0" u="none" strike="noStrike" cap="none">
           <a:solidFill>
             <a:srgbClr val="000000"/>
           </a:solidFill>
@@ -7074,7 +4848,7 @@
           <a:sym typeface="Arial"/>
         </a:defRPr>
       </a:lvl5pPr>
-      <a:lvl6pPr lvl="5" marR="0" rtl="0" algn="l">
+      <a:lvl6pPr marR="0" lvl="5" algn="l" rtl="0">
         <a:lnSpc>
           <a:spcPct val="100000"/>
         </a:lnSpc>
@@ -7088,7 +4862,7 @@
           <a:srgbClr val="000000"/>
         </a:buClr>
         <a:buFont typeface="Arial"/>
-        <a:defRPr b="0" i="0" sz="1400" u="none" cap="none" strike="noStrike">
+        <a:defRPr sz="1400" b="0" i="0" u="none" strike="noStrike" cap="none">
           <a:solidFill>
             <a:srgbClr val="000000"/>
           </a:solidFill>
@@ -7098,7 +4872,7 @@
           <a:sym typeface="Arial"/>
         </a:defRPr>
       </a:lvl6pPr>
-      <a:lvl7pPr lvl="6" marR="0" rtl="0" algn="l">
+      <a:lvl7pPr marR="0" lvl="6" algn="l" rtl="0">
         <a:lnSpc>
           <a:spcPct val="100000"/>
         </a:lnSpc>
@@ -7112,7 +4886,7 @@
           <a:srgbClr val="000000"/>
         </a:buClr>
         <a:buFont typeface="Arial"/>
-        <a:defRPr b="0" i="0" sz="1400" u="none" cap="none" strike="noStrike">
+        <a:defRPr sz="1400" b="0" i="0" u="none" strike="noStrike" cap="none">
           <a:solidFill>
             <a:srgbClr val="000000"/>
           </a:solidFill>
@@ -7122,7 +4896,7 @@
           <a:sym typeface="Arial"/>
         </a:defRPr>
       </a:lvl7pPr>
-      <a:lvl8pPr lvl="7" marR="0" rtl="0" algn="l">
+      <a:lvl8pPr marR="0" lvl="7" algn="l" rtl="0">
         <a:lnSpc>
           <a:spcPct val="100000"/>
         </a:lnSpc>
@@ -7136,7 +4910,7 @@
           <a:srgbClr val="000000"/>
         </a:buClr>
         <a:buFont typeface="Arial"/>
-        <a:defRPr b="0" i="0" sz="1400" u="none" cap="none" strike="noStrike">
+        <a:defRPr sz="1400" b="0" i="0" u="none" strike="noStrike" cap="none">
           <a:solidFill>
             <a:srgbClr val="000000"/>
           </a:solidFill>
@@ -7146,7 +4920,7 @@
           <a:sym typeface="Arial"/>
         </a:defRPr>
       </a:lvl8pPr>
-      <a:lvl9pPr lvl="8" marR="0" rtl="0" algn="l">
+      <a:lvl9pPr marR="0" lvl="8" algn="l" rtl="0">
         <a:lnSpc>
           <a:spcPct val="100000"/>
         </a:lnSpc>
@@ -7160,7 +4934,7 @@
           <a:srgbClr val="000000"/>
         </a:buClr>
         <a:buFont typeface="Arial"/>
-        <a:defRPr b="0" i="0" sz="1400" u="none" cap="none" strike="noStrike">
+        <a:defRPr sz="1400" b="0" i="0" u="none" strike="noStrike" cap="none">
           <a:solidFill>
             <a:srgbClr val="000000"/>
           </a:solidFill>
@@ -7176,11 +4950,11 @@
 </file>
 
 <file path=ppt/slides/slide1.xml><?xml version="1.0" encoding="utf-8"?>
-<p:sld xmlns:a="http://schemas.openxmlformats.org/drawingml/2006/main" xmlns:r="http://schemas.openxmlformats.org/officeDocument/2006/relationships" xmlns:mc="http://schemas.openxmlformats.org/markup-compatibility/2006" xmlns:mv="urn:schemas-microsoft-com:mac:vml" xmlns:p="http://schemas.openxmlformats.org/presentationml/2006/main" xmlns:c="http://schemas.openxmlformats.org/drawingml/2006/chart" xmlns:dgm="http://schemas.openxmlformats.org/drawingml/2006/diagram" xmlns:o="urn:schemas-microsoft-com:office:office" xmlns:v="urn:schemas-microsoft-com:vml" xmlns:pvml="urn:schemas-microsoft-com:office:powerpoint" xmlns:com="http://schemas.openxmlformats.org/drawingml/2006/compatibility" xmlns:p14="http://schemas.microsoft.com/office/powerpoint/2010/main" xmlns:p15="http://schemas.microsoft.com/office/powerpoint/2012/main" xmlns:ahyp="http://schemas.microsoft.com/office/drawing/2018/hyperlinkcolor">
+<p:sld xmlns:a="http://schemas.openxmlformats.org/drawingml/2006/main" xmlns:r="http://schemas.openxmlformats.org/officeDocument/2006/relationships" xmlns:p="http://schemas.openxmlformats.org/presentationml/2006/main">
   <p:cSld>
     <p:spTree>
       <p:nvGrpSpPr>
-        <p:cNvPr id="58" name="Shape 58"/>
+        <p:cNvPr id="1" name="Shape 58"/>
         <p:cNvGrpSpPr/>
         <p:nvPr/>
       </p:nvGrpSpPr>
@@ -7194,66 +4968,12 @@
       </p:grpSpPr>
       <p:sp>
         <p:nvSpPr>
-          <p:cNvPr id="59" name="Google Shape;59;p13"/>
-          <p:cNvSpPr txBox="1"/>
+          <p:cNvPr id="60" name="Google Shape;60;p13"/>
+          <p:cNvSpPr txBox="1">
+            <a:spLocks noGrp="1"/>
+          </p:cNvSpPr>
           <p:nvPr>
-            <p:ph type="ctrTitle"/>
-          </p:nvPr>
-        </p:nvSpPr>
-        <p:spPr>
-          <a:xfrm>
-            <a:off x="512700" y="1893300"/>
-            <a:ext cx="8118600" cy="1522800"/>
-          </a:xfrm>
-          <a:prstGeom prst="rect">
-            <a:avLst/>
-          </a:prstGeom>
-        </p:spPr>
-        <p:txBody>
-          <a:bodyPr anchorCtr="0" anchor="b" bIns="91425" lIns="91425" spcFirstLastPara="1" rIns="91425" wrap="square" tIns="91425">
-            <a:noAutofit/>
-          </a:bodyPr>
-          <a:lstStyle/>
-          <a:p>
-            <a:pPr indent="0" lvl="0" marL="0" rtl="0" algn="l">
-              <a:spcBef>
-                <a:spcPts val="0"/>
-              </a:spcBef>
-              <a:spcAft>
-                <a:spcPts val="0"/>
-              </a:spcAft>
-              <a:buNone/>
-            </a:pPr>
-            <a:r>
-              <a:rPr lang="en"/>
-              <a:t>Reflection</a:t>
-            </a:r>
-            <a:endParaRPr/>
-          </a:p>
-          <a:p>
-            <a:pPr indent="0" lvl="0" marL="0" rtl="0" algn="l">
-              <a:spcBef>
-                <a:spcPts val="0"/>
-              </a:spcBef>
-              <a:spcAft>
-                <a:spcPts val="0"/>
-              </a:spcAft>
-              <a:buNone/>
-            </a:pPr>
-            <a:r>
-              <a:rPr lang="en" sz="2400"/>
-              <a:t>Object Oriented Programming</a:t>
-            </a:r>
-            <a:endParaRPr sz="2400"/>
-          </a:p>
-        </p:txBody>
-      </p:sp>
-      <p:sp>
-        <p:nvSpPr>
-          <p:cNvPr id="60" name="Google Shape;60;p13"/>
-          <p:cNvSpPr txBox="1"/>
-          <p:nvPr>
-            <p:ph idx="1" type="subTitle"/>
+            <p:ph type="subTitle" idx="1"/>
           </p:nvPr>
         </p:nvSpPr>
         <p:spPr>
@@ -7266,12 +4986,12 @@
           </a:prstGeom>
         </p:spPr>
         <p:txBody>
-          <a:bodyPr anchorCtr="0" anchor="t" bIns="91425" lIns="91425" spcFirstLastPara="1" rIns="91425" wrap="square" tIns="91425">
+          <a:bodyPr spcFirstLastPara="1" wrap="square" lIns="91425" tIns="91425" rIns="91425" bIns="91425" anchor="t" anchorCtr="0">
             <a:noAutofit/>
           </a:bodyPr>
           <a:lstStyle/>
           <a:p>
-            <a:pPr indent="-381000" lvl="0" marL="457200" rtl="0" algn="l">
+            <a:pPr marL="457200" lvl="0" indent="-381000" algn="l" rtl="0">
               <a:spcBef>
                 <a:spcPts val="0"/>
               </a:spcBef>
@@ -7317,20 +5037,93 @@
           </a:ln>
         </p:spPr>
       </p:pic>
+      <p:sp>
+        <p:nvSpPr>
+          <p:cNvPr id="59" name="Google Shape;59;p13"/>
+          <p:cNvSpPr txBox="1">
+            <a:spLocks noGrp="1"/>
+          </p:cNvSpPr>
+          <p:nvPr>
+            <p:ph type="ctrTitle"/>
+          </p:nvPr>
+        </p:nvSpPr>
+        <p:spPr>
+          <a:xfrm>
+            <a:off x="512700" y="1893300"/>
+            <a:ext cx="8118600" cy="1522800"/>
+          </a:xfrm>
+          <a:prstGeom prst="rect">
+            <a:avLst/>
+          </a:prstGeom>
+        </p:spPr>
+        <p:txBody>
+          <a:bodyPr spcFirstLastPara="1" wrap="square" lIns="91425" tIns="91425" rIns="91425" bIns="91425" anchor="b" anchorCtr="0">
+            <a:noAutofit/>
+          </a:bodyPr>
+          <a:lstStyle/>
+          <a:p>
+            <a:pPr marL="0" lvl="0" indent="0" algn="l" rtl="0">
+              <a:spcBef>
+                <a:spcPts val="0"/>
+              </a:spcBef>
+              <a:spcAft>
+                <a:spcPts val="0"/>
+              </a:spcAft>
+              <a:buNone/>
+            </a:pPr>
+            <a:r>
+              <a:rPr lang="en" dirty="0">
+                <a:latin typeface="Bookman Old Style" pitchFamily="18" charset="0"/>
+              </a:rPr>
+              <a:t>Reflection</a:t>
+            </a:r>
+            <a:endParaRPr>
+              <a:latin typeface="Bookman Old Style" pitchFamily="18" charset="0"/>
+            </a:endParaRPr>
+          </a:p>
+          <a:p>
+            <a:pPr marL="0" lvl="0" indent="0" algn="l" rtl="0">
+              <a:spcBef>
+                <a:spcPts val="0"/>
+              </a:spcBef>
+              <a:spcAft>
+                <a:spcPts val="0"/>
+              </a:spcAft>
+              <a:buNone/>
+            </a:pPr>
+            <a:r>
+              <a:rPr lang="en" sz="2400" dirty="0">
+                <a:latin typeface="Bookman Old Style" pitchFamily="18" charset="0"/>
+              </a:rPr>
+              <a:t>Object Oriented Programming</a:t>
+            </a:r>
+            <a:endParaRPr sz="2400">
+              <a:latin typeface="Bookman Old Style" pitchFamily="18" charset="0"/>
+            </a:endParaRPr>
+          </a:p>
+        </p:txBody>
+      </p:sp>
     </p:spTree>
   </p:cSld>
   <p:clrMapOvr>
     <a:masterClrMapping/>
   </p:clrMapOvr>
+  <p:timing>
+    <p:tnLst>
+      <p:par>
+        <p:cTn id="1" dur="indefinite" restart="never" nodeType="tmRoot"/>
+      </p:par>
+    </p:tnLst>
+  </p:timing>
 </p:sld>
 </file>
 
 <file path=ppt/slides/slide10.xml><?xml version="1.0" encoding="utf-8"?>
-<p:sld xmlns:a="http://schemas.openxmlformats.org/drawingml/2006/main" xmlns:r="http://schemas.openxmlformats.org/officeDocument/2006/relationships" xmlns:mc="http://schemas.openxmlformats.org/markup-compatibility/2006" xmlns:mv="urn:schemas-microsoft-com:mac:vml" xmlns:p="http://schemas.openxmlformats.org/presentationml/2006/main" xmlns:c="http://schemas.openxmlformats.org/drawingml/2006/chart" xmlns:dgm="http://schemas.openxmlformats.org/drawingml/2006/diagram" xmlns:o="urn:schemas-microsoft-com:office:office" xmlns:v="urn:schemas-microsoft-com:vml" xmlns:pvml="urn:schemas-microsoft-com:office:powerpoint" xmlns:com="http://schemas.openxmlformats.org/drawingml/2006/compatibility" xmlns:p14="http://schemas.microsoft.com/office/powerpoint/2010/main" xmlns:p15="http://schemas.microsoft.com/office/powerpoint/2012/main" xmlns:ahyp="http://schemas.microsoft.com/office/drawing/2018/hyperlinkcolor">
+<p:sld xmlns:a="http://schemas.openxmlformats.org/drawingml/2006/main" xmlns:r="http://schemas.openxmlformats.org/officeDocument/2006/relationships" xmlns:p="http://schemas.openxmlformats.org/presentationml/2006/main">
   <p:cSld>
     <p:spTree>
       <p:nvGrpSpPr>
-        <p:cNvPr id="114" name="Shape 114"/>
+        <p:cNvPr id="1" name=""/>
         <p:cNvGrpSpPr/>
         <p:nvPr/>
       </p:nvGrpSpPr>
@@ -7342,103 +5135,85 @@
           <a:chExt cx="0" cy="0"/>
         </a:xfrm>
       </p:grpSpPr>
+      <p:sp>
+        <p:nvSpPr>
+          <p:cNvPr id="2" name="Title 1"/>
+          <p:cNvSpPr>
+            <a:spLocks noGrp="1"/>
+          </p:cNvSpPr>
+          <p:nvPr>
+            <p:ph type="title"/>
+          </p:nvPr>
+        </p:nvSpPr>
+        <p:spPr/>
+        <p:txBody>
+          <a:bodyPr/>
+          <a:lstStyle/>
+          <a:p>
+            <a:r>
+              <a:rPr lang="en-US" b="1" dirty="0" smtClean="0">
+                <a:latin typeface="Bookman Old Style" pitchFamily="18" charset="0"/>
+              </a:rPr>
+              <a:t>Output</a:t>
+            </a:r>
+            <a:endParaRPr lang="en-US" b="1" dirty="0">
+              <a:latin typeface="Bookman Old Style" pitchFamily="18" charset="0"/>
+            </a:endParaRPr>
+          </a:p>
+        </p:txBody>
+      </p:sp>
+      <p:sp>
+        <p:nvSpPr>
+          <p:cNvPr id="3" name="Text Placeholder 2"/>
+          <p:cNvSpPr>
+            <a:spLocks noGrp="1"/>
+          </p:cNvSpPr>
+          <p:nvPr>
+            <p:ph type="body" idx="1"/>
+          </p:nvPr>
+        </p:nvSpPr>
+        <p:spPr/>
+        <p:txBody>
+          <a:bodyPr/>
+          <a:lstStyle/>
+          <a:p>
+            <a:endParaRPr lang="en-US"/>
+          </a:p>
+        </p:txBody>
+      </p:sp>
       <p:pic>
         <p:nvPicPr>
-          <p:cNvPr descr="Looking through a cardboard paper-towel roll towards light at the end of it" id="115" name="Google Shape;115;p22"/>
-          <p:cNvPicPr preferRelativeResize="0"/>
+          <p:cNvPr id="3075" name="Picture 3"/>
+          <p:cNvPicPr>
+            <a:picLocks noChangeAspect="1" noChangeArrowheads="1"/>
+          </p:cNvPicPr>
           <p:nvPr/>
         </p:nvPicPr>
-        <p:blipFill rotWithShape="1">
-          <a:blip r:embed="rId3">
-            <a:alphaModFix/>
-          </a:blip>
-          <a:srcRect b="984" l="22872" r="19354" t="1578"/>
-          <a:stretch/>
+        <p:blipFill>
+          <a:blip r:embed="rId2"/>
+          <a:srcRect/>
+          <a:stretch>
+            <a:fillRect/>
+          </a:stretch>
         </p:blipFill>
-        <p:spPr>
+        <p:spPr bwMode="auto">
           <a:xfrm>
-            <a:off x="0" y="0"/>
-            <a:ext cx="4576348" cy="5143501"/>
+            <a:off x="319251" y="1136485"/>
+            <a:ext cx="8660335" cy="3351431"/>
           </a:xfrm>
           <a:prstGeom prst="rect">
             <a:avLst/>
           </a:prstGeom>
           <a:noFill/>
-          <a:ln>
+          <a:ln w="9525">
             <a:noFill/>
+            <a:miter lim="800000"/>
+            <a:headEnd/>
+            <a:tailEnd/>
           </a:ln>
+          <a:effectLst/>
         </p:spPr>
       </p:pic>
-      <p:pic>
-        <p:nvPicPr>
-          <p:cNvPr descr="Overhead shot of various masculine accessories including large headphones, a bow-tie, and a wrist watch" id="116" name="Google Shape;116;p22"/>
-          <p:cNvPicPr preferRelativeResize="0"/>
-          <p:nvPr/>
-        </p:nvPicPr>
-        <p:blipFill rotWithShape="1">
-          <a:blip r:embed="rId4">
-            <a:alphaModFix/>
-          </a:blip>
-          <a:srcRect b="6840" l="37422" r="8654" t="840"/>
-          <a:stretch/>
-        </p:blipFill>
-        <p:spPr>
-          <a:xfrm>
-            <a:off x="4576350" y="0"/>
-            <a:ext cx="4567649" cy="5143200"/>
-          </a:xfrm>
-          <a:prstGeom prst="rect">
-            <a:avLst/>
-          </a:prstGeom>
-          <a:noFill/>
-          <a:ln>
-            <a:noFill/>
-          </a:ln>
-        </p:spPr>
-      </p:pic>
-      <p:sp>
-        <p:nvSpPr>
-          <p:cNvPr id="117" name="Google Shape;117;p22"/>
-          <p:cNvSpPr txBox="1"/>
-          <p:nvPr>
-            <p:ph idx="1" type="body"/>
-          </p:nvPr>
-        </p:nvSpPr>
-        <p:spPr>
-          <a:xfrm>
-            <a:off x="311700" y="4230575"/>
-            <a:ext cx="5998800" cy="605100"/>
-          </a:xfrm>
-          <a:prstGeom prst="rect">
-            <a:avLst/>
-          </a:prstGeom>
-          <a:solidFill>
-            <a:schemeClr val="lt1"/>
-          </a:solidFill>
-        </p:spPr>
-        <p:txBody>
-          <a:bodyPr anchorCtr="0" anchor="ctr" bIns="91425" lIns="91425" spcFirstLastPara="1" rIns="91425" wrap="square" tIns="91425">
-            <a:noAutofit/>
-          </a:bodyPr>
-          <a:lstStyle/>
-          <a:p>
-            <a:pPr indent="0" lvl="0" marL="0" rtl="0" algn="l">
-              <a:spcBef>
-                <a:spcPts val="0"/>
-              </a:spcBef>
-              <a:spcAft>
-                <a:spcPts val="0"/>
-              </a:spcAft>
-              <a:buNone/>
-            </a:pPr>
-            <a:r>
-              <a:rPr lang="en"/>
-              <a:t>The experiment</a:t>
-            </a:r>
-            <a:endParaRPr/>
-          </a:p>
-        </p:txBody>
-      </p:sp>
     </p:spTree>
   </p:cSld>
   <p:clrMapOvr>
@@ -7448,11 +5223,11 @@
 </file>
 
 <file path=ppt/slides/slide2.xml><?xml version="1.0" encoding="utf-8"?>
-<p:sld xmlns:a="http://schemas.openxmlformats.org/drawingml/2006/main" xmlns:r="http://schemas.openxmlformats.org/officeDocument/2006/relationships" xmlns:mc="http://schemas.openxmlformats.org/markup-compatibility/2006" xmlns:mv="urn:schemas-microsoft-com:mac:vml" xmlns:p="http://schemas.openxmlformats.org/presentationml/2006/main" xmlns:c="http://schemas.openxmlformats.org/drawingml/2006/chart" xmlns:dgm="http://schemas.openxmlformats.org/drawingml/2006/diagram" xmlns:o="urn:schemas-microsoft-com:office:office" xmlns:v="urn:schemas-microsoft-com:vml" xmlns:pvml="urn:schemas-microsoft-com:office:powerpoint" xmlns:com="http://schemas.openxmlformats.org/drawingml/2006/compatibility" xmlns:p14="http://schemas.microsoft.com/office/powerpoint/2010/main" xmlns:p15="http://schemas.microsoft.com/office/powerpoint/2012/main" xmlns:ahyp="http://schemas.microsoft.com/office/drawing/2018/hyperlinkcolor">
+<p:sld xmlns:a="http://schemas.openxmlformats.org/drawingml/2006/main" xmlns:r="http://schemas.openxmlformats.org/officeDocument/2006/relationships" xmlns:p="http://schemas.openxmlformats.org/presentationml/2006/main">
   <p:cSld>
     <p:spTree>
       <p:nvGrpSpPr>
-        <p:cNvPr id="65" name="Shape 65"/>
+        <p:cNvPr id="1" name="Shape 65"/>
         <p:cNvGrpSpPr/>
         <p:nvPr/>
       </p:nvGrpSpPr>
@@ -7467,7 +5242,9 @@
       <p:sp>
         <p:nvSpPr>
           <p:cNvPr id="66" name="Google Shape;66;p14"/>
-          <p:cNvSpPr txBox="1"/>
+          <p:cNvSpPr txBox="1">
+            <a:spLocks noGrp="1"/>
+          </p:cNvSpPr>
           <p:nvPr>
             <p:ph type="title"/>
           </p:nvPr>
@@ -7482,12 +5259,12 @@
           </a:prstGeom>
         </p:spPr>
         <p:txBody>
-          <a:bodyPr anchorCtr="0" anchor="t" bIns="91425" lIns="91425" spcFirstLastPara="1" rIns="91425" wrap="square" tIns="91425">
+          <a:bodyPr spcFirstLastPara="1" wrap="square" lIns="91425" tIns="91425" rIns="91425" bIns="91425" anchor="t" anchorCtr="0">
             <a:noAutofit/>
           </a:bodyPr>
           <a:lstStyle/>
           <a:p>
-            <a:pPr indent="0" lvl="0" marL="0" rtl="0" algn="l">
+            <a:pPr marL="0" lvl="0" indent="0" algn="l" rtl="0">
               <a:spcBef>
                 <a:spcPts val="0"/>
               </a:spcBef>
@@ -7497,19 +5274,25 @@
               <a:buNone/>
             </a:pPr>
             <a:r>
-              <a:rPr lang="en"/>
+              <a:rPr lang="en" b="1" dirty="0">
+                <a:latin typeface="Bookman Old Style" pitchFamily="18" charset="0"/>
+              </a:rPr>
               <a:t>Definition</a:t>
             </a:r>
-            <a:endParaRPr/>
+            <a:endParaRPr b="1">
+              <a:latin typeface="Bookman Old Style" pitchFamily="18" charset="0"/>
+            </a:endParaRPr>
           </a:p>
         </p:txBody>
       </p:sp>
       <p:sp>
         <p:nvSpPr>
           <p:cNvPr id="67" name="Google Shape;67;p14"/>
-          <p:cNvSpPr txBox="1"/>
+          <p:cNvSpPr txBox="1">
+            <a:spLocks noGrp="1"/>
+          </p:cNvSpPr>
           <p:nvPr>
-            <p:ph idx="1" type="body"/>
+            <p:ph type="body" idx="1"/>
           </p:nvPr>
         </p:nvSpPr>
         <p:spPr>
@@ -7522,12 +5305,12 @@
           </a:prstGeom>
         </p:spPr>
         <p:txBody>
-          <a:bodyPr anchorCtr="0" anchor="t" bIns="91425" lIns="91425" spcFirstLastPara="1" rIns="91425" wrap="square" tIns="91425">
+          <a:bodyPr spcFirstLastPara="1" wrap="square" lIns="91425" tIns="91425" rIns="91425" bIns="91425" anchor="t" anchorCtr="0">
             <a:noAutofit/>
           </a:bodyPr>
           <a:lstStyle/>
           <a:p>
-            <a:pPr indent="0" lvl="0" marL="0" rtl="0" algn="l">
+            <a:pPr marL="0" lvl="0" indent="0" algn="l" rtl="0">
               <a:spcBef>
                 <a:spcPts val="0"/>
               </a:spcBef>
@@ -7537,14 +5320,14 @@
               <a:buNone/>
             </a:pPr>
             <a:r>
-              <a:rPr lang="en" sz="2400"/>
-              <a:t>R</a:t>
+              <a:rPr lang="en" sz="2400" dirty="0">
+                <a:latin typeface="Bookman Old Style" pitchFamily="18" charset="0"/>
+              </a:rPr>
+              <a:t>Reflection allows inspection of classes, interfaces, fields and methods at runtime without knowing the names of the interfaces, fields, methods at compile time. It also allows instantiation of new objects and invocation of methods.</a:t>
             </a:r>
-            <a:r>
-              <a:rPr lang="en" sz="2400"/>
-              <a:t>eflection allows inspection of classes, interfaces, fields and methods at runtime without knowing the names of the interfaces, fields, methods at compile time. It also allows instantiation of new objects and invocation of methods.</a:t>
-            </a:r>
-            <a:endParaRPr sz="2400"/>
+            <a:endParaRPr sz="2400">
+              <a:latin typeface="Bookman Old Style" pitchFamily="18" charset="0"/>
+            </a:endParaRPr>
           </a:p>
         </p:txBody>
       </p:sp>
@@ -7553,80 +5336,22 @@
   <p:clrMapOvr>
     <a:masterClrMapping/>
   </p:clrMapOvr>
+  <p:timing>
+    <p:tnLst>
+      <p:par>
+        <p:cTn id="1" dur="indefinite" restart="never" nodeType="tmRoot"/>
+      </p:par>
+    </p:tnLst>
+  </p:timing>
 </p:sld>
 </file>
 
 <file path=ppt/slides/slide3.xml><?xml version="1.0" encoding="utf-8"?>
-<p:sld xmlns:a="http://schemas.openxmlformats.org/drawingml/2006/main" xmlns:r="http://schemas.openxmlformats.org/officeDocument/2006/relationships" xmlns:mc="http://schemas.openxmlformats.org/markup-compatibility/2006" xmlns:mv="urn:schemas-microsoft-com:mac:vml" xmlns:p="http://schemas.openxmlformats.org/presentationml/2006/main" xmlns:c="http://schemas.openxmlformats.org/drawingml/2006/chart" xmlns:dgm="http://schemas.openxmlformats.org/drawingml/2006/diagram" xmlns:o="urn:schemas-microsoft-com:office:office" xmlns:v="urn:schemas-microsoft-com:vml" xmlns:pvml="urn:schemas-microsoft-com:office:powerpoint" xmlns:com="http://schemas.openxmlformats.org/drawingml/2006/compatibility" xmlns:p14="http://schemas.microsoft.com/office/powerpoint/2010/main" xmlns:p15="http://schemas.microsoft.com/office/powerpoint/2012/main" xmlns:ahyp="http://schemas.microsoft.com/office/drawing/2018/hyperlinkcolor">
+<p:sld xmlns:a="http://schemas.openxmlformats.org/drawingml/2006/main" xmlns:r="http://schemas.openxmlformats.org/officeDocument/2006/relationships" xmlns:p="http://schemas.openxmlformats.org/presentationml/2006/main">
   <p:cSld>
     <p:spTree>
       <p:nvGrpSpPr>
-        <p:cNvPr id="71" name="Shape 71"/>
-        <p:cNvGrpSpPr/>
-        <p:nvPr/>
-      </p:nvGrpSpPr>
-      <p:grpSpPr>
-        <a:xfrm>
-          <a:off x="0" y="0"/>
-          <a:ext cx="0" cy="0"/>
-          <a:chOff x="0" y="0"/>
-          <a:chExt cx="0" cy="0"/>
-        </a:xfrm>
-      </p:grpSpPr>
-      <p:sp>
-        <p:nvSpPr>
-          <p:cNvPr id="72" name="Google Shape;72;p15"/>
-          <p:cNvSpPr txBox="1"/>
-          <p:nvPr>
-            <p:ph type="title"/>
-          </p:nvPr>
-        </p:nvSpPr>
-        <p:spPr>
-          <a:xfrm>
-            <a:off x="490250" y="526350"/>
-            <a:ext cx="5604000" cy="4090800"/>
-          </a:xfrm>
-          <a:prstGeom prst="rect">
-            <a:avLst/>
-          </a:prstGeom>
-        </p:spPr>
-        <p:txBody>
-          <a:bodyPr anchorCtr="0" anchor="ctr" bIns="91425" lIns="91425" spcFirstLastPara="1" rIns="91425" wrap="square" tIns="91425">
-            <a:noAutofit/>
-          </a:bodyPr>
-          <a:lstStyle/>
-          <a:p>
-            <a:pPr indent="0" lvl="0" marL="0" rtl="0" algn="l">
-              <a:spcBef>
-                <a:spcPts val="0"/>
-              </a:spcBef>
-              <a:spcAft>
-                <a:spcPts val="0"/>
-              </a:spcAft>
-              <a:buNone/>
-            </a:pPr>
-            <a:r>
-              <a:rPr lang="en"/>
-              <a:t>How does the density of an object affect its ability to float?</a:t>
-            </a:r>
-            <a:endParaRPr/>
-          </a:p>
-        </p:txBody>
-      </p:sp>
-    </p:spTree>
-  </p:cSld>
-  <p:clrMapOvr>
-    <a:masterClrMapping/>
-  </p:clrMapOvr>
-</p:sld>
-</file>
-
-<file path=ppt/slides/slide4.xml><?xml version="1.0" encoding="utf-8"?>
-<p:sld xmlns:a="http://schemas.openxmlformats.org/drawingml/2006/main" xmlns:r="http://schemas.openxmlformats.org/officeDocument/2006/relationships" xmlns:mc="http://schemas.openxmlformats.org/markup-compatibility/2006" xmlns:mv="urn:schemas-microsoft-com:mac:vml" xmlns:p="http://schemas.openxmlformats.org/presentationml/2006/main" xmlns:c="http://schemas.openxmlformats.org/drawingml/2006/chart" xmlns:dgm="http://schemas.openxmlformats.org/drawingml/2006/diagram" xmlns:o="urn:schemas-microsoft-com:office:office" xmlns:v="urn:schemas-microsoft-com:vml" xmlns:pvml="urn:schemas-microsoft-com:office:powerpoint" xmlns:com="http://schemas.openxmlformats.org/drawingml/2006/compatibility" xmlns:p14="http://schemas.microsoft.com/office/powerpoint/2010/main" xmlns:p15="http://schemas.microsoft.com/office/powerpoint/2012/main" xmlns:ahyp="http://schemas.microsoft.com/office/drawing/2018/hyperlinkcolor">
-  <p:cSld>
-    <p:spTree>
-      <p:nvGrpSpPr>
-        <p:cNvPr id="76" name="Shape 76"/>
+        <p:cNvPr id="1" name="Shape 76"/>
         <p:cNvGrpSpPr/>
         <p:nvPr/>
       </p:nvGrpSpPr>
@@ -7641,7 +5366,9 @@
       <p:sp>
         <p:nvSpPr>
           <p:cNvPr id="77" name="Google Shape;77;p16"/>
-          <p:cNvSpPr txBox="1"/>
+          <p:cNvSpPr txBox="1">
+            <a:spLocks noGrp="1"/>
+          </p:cNvSpPr>
           <p:nvPr>
             <p:ph type="title"/>
           </p:nvPr>
@@ -7656,12 +5383,12 @@
           </a:prstGeom>
         </p:spPr>
         <p:txBody>
-          <a:bodyPr anchorCtr="0" anchor="b" bIns="91425" lIns="91425" spcFirstLastPara="1" rIns="91425" wrap="square" tIns="91425">
+          <a:bodyPr spcFirstLastPara="1" wrap="square" lIns="91425" tIns="91425" rIns="91425" bIns="91425" anchor="b" anchorCtr="0">
             <a:noAutofit/>
           </a:bodyPr>
           <a:lstStyle/>
           <a:p>
-            <a:pPr indent="0" lvl="0" marL="0" rtl="0" algn="l">
+            <a:pPr marL="0" lvl="0" indent="0" algn="l" rtl="0">
               <a:spcBef>
                 <a:spcPts val="0"/>
               </a:spcBef>
@@ -7671,8 +5398,8 @@
               <a:buNone/>
             </a:pPr>
             <a:r>
-              <a:rPr lang="en"/>
-              <a:t>The Experiment</a:t>
+              <a:rPr lang="en" dirty="0" smtClean="0"/>
+              <a:t>Demo</a:t>
             </a:r>
             <a:endParaRPr/>
           </a:p>
@@ -7683,15 +5410,22 @@
   <p:clrMapOvr>
     <a:masterClrMapping/>
   </p:clrMapOvr>
+  <p:timing>
+    <p:tnLst>
+      <p:par>
+        <p:cTn id="1" dur="indefinite" restart="never" nodeType="tmRoot"/>
+      </p:par>
+    </p:tnLst>
+  </p:timing>
 </p:sld>
 </file>
 
-<file path=ppt/slides/slide5.xml><?xml version="1.0" encoding="utf-8"?>
-<p:sld xmlns:a="http://schemas.openxmlformats.org/drawingml/2006/main" xmlns:r="http://schemas.openxmlformats.org/officeDocument/2006/relationships" xmlns:mc="http://schemas.openxmlformats.org/markup-compatibility/2006" xmlns:mv="urn:schemas-microsoft-com:mac:vml" xmlns:p="http://schemas.openxmlformats.org/presentationml/2006/main" xmlns:c="http://schemas.openxmlformats.org/drawingml/2006/chart" xmlns:dgm="http://schemas.openxmlformats.org/drawingml/2006/diagram" xmlns:o="urn:schemas-microsoft-com:office:office" xmlns:v="urn:schemas-microsoft-com:vml" xmlns:pvml="urn:schemas-microsoft-com:office:powerpoint" xmlns:com="http://schemas.openxmlformats.org/drawingml/2006/compatibility" xmlns:p14="http://schemas.microsoft.com/office/powerpoint/2010/main" xmlns:p15="http://schemas.microsoft.com/office/powerpoint/2012/main" xmlns:ahyp="http://schemas.microsoft.com/office/drawing/2018/hyperlinkcolor">
+<file path=ppt/slides/slide4.xml><?xml version="1.0" encoding="utf-8"?>
+<p:sld xmlns:a="http://schemas.openxmlformats.org/drawingml/2006/main" xmlns:r="http://schemas.openxmlformats.org/officeDocument/2006/relationships" xmlns:p="http://schemas.openxmlformats.org/presentationml/2006/main">
   <p:cSld>
     <p:spTree>
       <p:nvGrpSpPr>
-        <p:cNvPr id="81" name="Shape 81"/>
+        <p:cNvPr id="1" name=""/>
         <p:cNvGrpSpPr/>
         <p:nvPr/>
       </p:nvGrpSpPr>
@@ -7705,190 +5439,87 @@
       </p:grpSpPr>
       <p:sp>
         <p:nvSpPr>
-          <p:cNvPr id="82" name="Google Shape;82;p17"/>
-          <p:cNvSpPr txBox="1"/>
+          <p:cNvPr id="2" name="Title 1"/>
+          <p:cNvSpPr>
+            <a:spLocks noGrp="1"/>
+          </p:cNvSpPr>
           <p:nvPr>
             <p:ph type="title"/>
           </p:nvPr>
         </p:nvSpPr>
+        <p:spPr/>
+        <p:txBody>
+          <a:bodyPr/>
+          <a:lstStyle/>
+          <a:p>
+            <a:endParaRPr lang="en-US"/>
+          </a:p>
+        </p:txBody>
+      </p:sp>
+      <p:sp>
+        <p:nvSpPr>
+          <p:cNvPr id="3" name="Text Placeholder 2"/>
+          <p:cNvSpPr>
+            <a:spLocks noGrp="1"/>
+          </p:cNvSpPr>
+          <p:nvPr>
+            <p:ph type="body" idx="1"/>
+          </p:nvPr>
+        </p:nvSpPr>
+        <p:spPr/>
+        <p:txBody>
+          <a:bodyPr/>
+          <a:lstStyle/>
+          <a:p>
+            <a:endParaRPr lang="en-US" dirty="0"/>
+          </a:p>
+        </p:txBody>
+      </p:sp>
+      <p:pic>
+        <p:nvPicPr>
+          <p:cNvPr id="4" name="Picture 3" descr="warship-class.png"/>
+          <p:cNvPicPr>
+            <a:picLocks noChangeAspect="1"/>
+          </p:cNvPicPr>
+          <p:nvPr/>
+        </p:nvPicPr>
+        <p:blipFill>
+          <a:blip r:embed="rId2"/>
+          <a:stretch>
+            <a:fillRect/>
+          </a:stretch>
+        </p:blipFill>
         <p:spPr>
           <a:xfrm>
-            <a:off x="265500" y="1382350"/>
-            <a:ext cx="4045200" cy="1333200"/>
+            <a:off x="0" y="0"/>
+            <a:ext cx="9143999" cy="5143500"/>
           </a:xfrm>
           <a:prstGeom prst="rect">
             <a:avLst/>
           </a:prstGeom>
         </p:spPr>
-        <p:txBody>
-          <a:bodyPr anchorCtr="0" anchor="b" bIns="91425" lIns="91425" spcFirstLastPara="1" rIns="91425" wrap="square" tIns="91425">
-            <a:noAutofit/>
-          </a:bodyPr>
-          <a:lstStyle/>
-          <a:p>
-            <a:pPr indent="0" lvl="0" marL="0" rtl="0" algn="ctr">
-              <a:spcBef>
-                <a:spcPts val="0"/>
-              </a:spcBef>
-              <a:spcAft>
-                <a:spcPts val="0"/>
-              </a:spcAft>
-              <a:buNone/>
-            </a:pPr>
-            <a:r>
-              <a:rPr lang="en"/>
-              <a:t>Materials</a:t>
-            </a:r>
-            <a:endParaRPr/>
-          </a:p>
-        </p:txBody>
-      </p:sp>
-      <p:sp>
-        <p:nvSpPr>
-          <p:cNvPr id="83" name="Google Shape;83;p17"/>
-          <p:cNvSpPr txBox="1"/>
-          <p:nvPr>
-            <p:ph idx="1" type="subTitle"/>
-          </p:nvPr>
-        </p:nvSpPr>
-        <p:spPr>
-          <a:xfrm>
-            <a:off x="265500" y="2769001"/>
-            <a:ext cx="4045200" cy="1345500"/>
-          </a:xfrm>
-          <a:prstGeom prst="rect">
-            <a:avLst/>
-          </a:prstGeom>
-        </p:spPr>
-        <p:txBody>
-          <a:bodyPr anchorCtr="0" anchor="t" bIns="91425" lIns="91425" spcFirstLastPara="1" rIns="91425" wrap="square" tIns="91425">
-            <a:noAutofit/>
-          </a:bodyPr>
-          <a:lstStyle/>
-          <a:p>
-            <a:pPr indent="0" lvl="0" marL="0" rtl="0" algn="ctr">
-              <a:spcBef>
-                <a:spcPts val="0"/>
-              </a:spcBef>
-              <a:spcAft>
-                <a:spcPts val="0"/>
-              </a:spcAft>
-              <a:buNone/>
-            </a:pPr>
-            <a:r>
-              <a:rPr lang="en"/>
-              <a:t>Found around the house!</a:t>
-            </a:r>
-            <a:endParaRPr/>
-          </a:p>
-        </p:txBody>
-      </p:sp>
-      <p:sp>
-        <p:nvSpPr>
-          <p:cNvPr id="84" name="Google Shape;84;p17"/>
-          <p:cNvSpPr txBox="1"/>
-          <p:nvPr>
-            <p:ph idx="2" type="body"/>
-          </p:nvPr>
-        </p:nvSpPr>
-        <p:spPr>
-          <a:xfrm>
-            <a:off x="4939500" y="724200"/>
-            <a:ext cx="3837000" cy="3695100"/>
-          </a:xfrm>
-          <a:prstGeom prst="rect">
-            <a:avLst/>
-          </a:prstGeom>
-        </p:spPr>
-        <p:txBody>
-          <a:bodyPr anchorCtr="0" anchor="ctr" bIns="91425" lIns="91425" spcFirstLastPara="1" rIns="91425" wrap="square" tIns="91425">
-            <a:noAutofit/>
-          </a:bodyPr>
-          <a:lstStyle/>
-          <a:p>
-            <a:pPr indent="-342900" lvl="0" marL="457200" rtl="0" algn="l">
-              <a:spcBef>
-                <a:spcPts val="0"/>
-              </a:spcBef>
-              <a:spcAft>
-                <a:spcPts val="0"/>
-              </a:spcAft>
-              <a:buSzPts val="1800"/>
-              <a:buChar char="●"/>
-            </a:pPr>
-            <a:r>
-              <a:rPr lang="en"/>
-              <a:t>2 drinking glasses</a:t>
-            </a:r>
-            <a:endParaRPr/>
-          </a:p>
-          <a:p>
-            <a:pPr indent="-342900" lvl="0" marL="457200" rtl="0" algn="l">
-              <a:spcBef>
-                <a:spcPts val="1600"/>
-              </a:spcBef>
-              <a:spcAft>
-                <a:spcPts val="0"/>
-              </a:spcAft>
-              <a:buSzPts val="1800"/>
-              <a:buChar char="●"/>
-            </a:pPr>
-            <a:r>
-              <a:rPr lang="en"/>
-              <a:t>Table salt</a:t>
-            </a:r>
-            <a:endParaRPr/>
-          </a:p>
-          <a:p>
-            <a:pPr indent="-342900" lvl="0" marL="457200" rtl="0" algn="l">
-              <a:spcBef>
-                <a:spcPts val="1600"/>
-              </a:spcBef>
-              <a:spcAft>
-                <a:spcPts val="0"/>
-              </a:spcAft>
-              <a:buSzPts val="1800"/>
-              <a:buChar char="●"/>
-            </a:pPr>
-            <a:r>
-              <a:rPr lang="en"/>
-              <a:t>2 eggs</a:t>
-            </a:r>
-            <a:endParaRPr/>
-          </a:p>
-          <a:p>
-            <a:pPr indent="-342900" lvl="0" marL="457200" rtl="0" algn="l">
-              <a:spcBef>
-                <a:spcPts val="1600"/>
-              </a:spcBef>
-              <a:spcAft>
-                <a:spcPts val="1600"/>
-              </a:spcAft>
-              <a:buSzPts val="1800"/>
-              <a:buChar char="●"/>
-            </a:pPr>
-            <a:r>
-              <a:rPr lang="en"/>
-              <a:t>Water</a:t>
-            </a:r>
-            <a:endParaRPr/>
-          </a:p>
-        </p:txBody>
-      </p:sp>
+      </p:pic>
     </p:spTree>
   </p:cSld>
   <p:clrMapOvr>
     <a:masterClrMapping/>
   </p:clrMapOvr>
+  <p:timing>
+    <p:tnLst>
+      <p:par>
+        <p:cTn id="1" dur="indefinite" restart="never" nodeType="tmRoot"/>
+      </p:par>
+    </p:tnLst>
+  </p:timing>
 </p:sld>
 </file>
 
-<file path=ppt/slides/slide6.xml><?xml version="1.0" encoding="utf-8"?>
-<p:sld xmlns:a="http://schemas.openxmlformats.org/drawingml/2006/main" xmlns:r="http://schemas.openxmlformats.org/officeDocument/2006/relationships" xmlns:mc="http://schemas.openxmlformats.org/markup-compatibility/2006" xmlns:mv="urn:schemas-microsoft-com:mac:vml" xmlns:p="http://schemas.openxmlformats.org/presentationml/2006/main" xmlns:c="http://schemas.openxmlformats.org/drawingml/2006/chart" xmlns:dgm="http://schemas.openxmlformats.org/drawingml/2006/diagram" xmlns:o="urn:schemas-microsoft-com:office:office" xmlns:v="urn:schemas-microsoft-com:vml" xmlns:pvml="urn:schemas-microsoft-com:office:powerpoint" xmlns:com="http://schemas.openxmlformats.org/drawingml/2006/compatibility" xmlns:p14="http://schemas.microsoft.com/office/powerpoint/2010/main" xmlns:p15="http://schemas.microsoft.com/office/powerpoint/2012/main" xmlns:ahyp="http://schemas.microsoft.com/office/drawing/2018/hyperlinkcolor">
+<file path=ppt/slides/slide5.xml><?xml version="1.0" encoding="utf-8"?>
+<p:sld xmlns:a="http://schemas.openxmlformats.org/drawingml/2006/main" xmlns:r="http://schemas.openxmlformats.org/officeDocument/2006/relationships" xmlns:p="http://schemas.openxmlformats.org/presentationml/2006/main">
   <p:cSld>
     <p:spTree>
       <p:nvGrpSpPr>
-        <p:cNvPr id="88" name="Shape 88"/>
+        <p:cNvPr id="1" name=""/>
         <p:cNvGrpSpPr/>
         <p:nvPr/>
       </p:nvGrpSpPr>
@@ -7902,215 +5533,64 @@
       </p:grpSpPr>
       <p:sp>
         <p:nvSpPr>
-          <p:cNvPr id="89" name="Google Shape;89;p18"/>
-          <p:cNvSpPr txBox="1"/>
+          <p:cNvPr id="2" name="Title 1"/>
+          <p:cNvSpPr>
+            <a:spLocks noGrp="1"/>
+          </p:cNvSpPr>
           <p:nvPr>
             <p:ph type="title"/>
           </p:nvPr>
         </p:nvSpPr>
-        <p:spPr>
-          <a:xfrm>
-            <a:off x="311700" y="445025"/>
-            <a:ext cx="8520600" cy="613200"/>
-          </a:xfrm>
-          <a:prstGeom prst="rect">
-            <a:avLst/>
-          </a:prstGeom>
-        </p:spPr>
+        <p:spPr/>
         <p:txBody>
-          <a:bodyPr anchorCtr="0" anchor="t" bIns="91425" lIns="91425" spcFirstLastPara="1" rIns="91425" wrap="square" tIns="91425">
-            <a:noAutofit/>
-          </a:bodyPr>
+          <a:bodyPr/>
           <a:lstStyle/>
           <a:p>
-            <a:pPr indent="0" lvl="0" marL="0" rtl="0" algn="l">
-              <a:spcBef>
-                <a:spcPts val="0"/>
-              </a:spcBef>
-              <a:spcAft>
-                <a:spcPts val="0"/>
-              </a:spcAft>
-              <a:buNone/>
-            </a:pPr>
-            <a:r>
-              <a:rPr lang="en"/>
-              <a:t>Procedure</a:t>
-            </a:r>
-            <a:endParaRPr/>
+            <a:endParaRPr lang="en-US"/>
           </a:p>
         </p:txBody>
       </p:sp>
       <p:sp>
         <p:nvSpPr>
-          <p:cNvPr id="90" name="Google Shape;90;p18"/>
-          <p:cNvSpPr txBox="1"/>
+          <p:cNvPr id="3" name="Text Placeholder 2"/>
+          <p:cNvSpPr>
+            <a:spLocks noGrp="1"/>
+          </p:cNvSpPr>
           <p:nvPr>
-            <p:ph idx="1" type="body"/>
+            <p:ph type="body" idx="1"/>
           </p:nvPr>
         </p:nvSpPr>
-        <p:spPr>
-          <a:xfrm>
-            <a:off x="311700" y="1171675"/>
-            <a:ext cx="3999900" cy="3397200"/>
-          </a:xfrm>
-          <a:prstGeom prst="rect">
-            <a:avLst/>
-          </a:prstGeom>
-        </p:spPr>
+        <p:spPr/>
         <p:txBody>
-          <a:bodyPr anchorCtr="0" anchor="t" bIns="91425" lIns="91425" spcFirstLastPara="1" rIns="91425" wrap="square" tIns="91425">
-            <a:noAutofit/>
-          </a:bodyPr>
+          <a:bodyPr/>
           <a:lstStyle/>
           <a:p>
-            <a:pPr indent="-330200" lvl="0" marL="457200" rtl="0" algn="l">
-              <a:spcBef>
-                <a:spcPts val="0"/>
-              </a:spcBef>
-              <a:spcAft>
-                <a:spcPts val="0"/>
-              </a:spcAft>
-              <a:buSzPts val="1600"/>
-              <a:buAutoNum type="arabicPeriod"/>
-            </a:pPr>
-            <a:r>
-              <a:rPr lang="en" sz="1600"/>
-              <a:t>Lorem ipsum dolor sit amet, consectetur adipiscing elit, sed do eiusmod tempor incididunt ut labore et dolore magna aliqua</a:t>
-            </a:r>
-            <a:endParaRPr sz="1600"/>
-          </a:p>
-          <a:p>
-            <a:pPr indent="-330200" lvl="0" marL="457200" rtl="0" algn="l">
-              <a:spcBef>
-                <a:spcPts val="1600"/>
-              </a:spcBef>
-              <a:spcAft>
-                <a:spcPts val="0"/>
-              </a:spcAft>
-              <a:buSzPts val="1600"/>
-              <a:buAutoNum type="arabicPeriod"/>
-            </a:pPr>
-            <a:r>
-              <a:rPr lang="en" sz="1600"/>
-              <a:t>Incididunt ut labore et dolore</a:t>
-            </a:r>
-            <a:endParaRPr sz="1600"/>
-          </a:p>
-          <a:p>
-            <a:pPr indent="-330200" lvl="0" marL="457200" rtl="0" algn="l">
-              <a:spcBef>
-                <a:spcPts val="1600"/>
-              </a:spcBef>
-              <a:spcAft>
-                <a:spcPts val="0"/>
-              </a:spcAft>
-              <a:buSzPts val="1600"/>
-              <a:buAutoNum type="arabicPeriod"/>
-            </a:pPr>
-            <a:r>
-              <a:rPr lang="en" sz="1600"/>
-              <a:t>Consectetur adipiscing elit, sed do eiusmod tempor incididunt ut labore et dolore magna aliqua</a:t>
-            </a:r>
-            <a:endParaRPr sz="1600"/>
-          </a:p>
-          <a:p>
-            <a:pPr indent="-330200" lvl="0" marL="457200" rtl="0" algn="l">
-              <a:spcBef>
-                <a:spcPts val="1600"/>
-              </a:spcBef>
-              <a:spcAft>
-                <a:spcPts val="1600"/>
-              </a:spcAft>
-              <a:buSzPts val="1600"/>
-              <a:buAutoNum type="arabicPeriod"/>
-            </a:pPr>
-            <a:r>
-              <a:rPr lang="en" sz="1600"/>
-              <a:t>Incididunt ut labore et dolore</a:t>
-            </a:r>
-            <a:endParaRPr sz="1600"/>
+            <a:endParaRPr lang="en-US" dirty="0"/>
           </a:p>
         </p:txBody>
       </p:sp>
       <p:pic>
         <p:nvPicPr>
-          <p:cNvPr descr="Overhead shot of hand holding cup of light-colored tea with lemon slices floating in it" id="91" name="Google Shape;91;p18"/>
-          <p:cNvPicPr preferRelativeResize="0"/>
+          <p:cNvPr id="5" name="Picture 4" descr="war-class.png"/>
+          <p:cNvPicPr>
+            <a:picLocks noChangeAspect="1"/>
+          </p:cNvPicPr>
           <p:nvPr/>
         </p:nvPicPr>
-        <p:blipFill rotWithShape="1">
-          <a:blip r:embed="rId3">
-            <a:alphaModFix/>
-          </a:blip>
-          <a:srcRect b="4067" l="17813" r="16061" t="0"/>
-          <a:stretch/>
+        <p:blipFill>
+          <a:blip r:embed="rId2"/>
+          <a:stretch>
+            <a:fillRect/>
+          </a:stretch>
         </p:blipFill>
         <p:spPr>
           <a:xfrm>
-            <a:off x="4705150" y="342525"/>
-            <a:ext cx="2035799" cy="1955427"/>
+            <a:off x="0" y="0"/>
+            <a:ext cx="9144000" cy="5143500"/>
           </a:xfrm>
           <a:prstGeom prst="rect">
             <a:avLst/>
           </a:prstGeom>
-          <a:noFill/>
-          <a:ln>
-            <a:noFill/>
-          </a:ln>
-        </p:spPr>
-      </p:pic>
-      <p:pic>
-        <p:nvPicPr>
-          <p:cNvPr descr="Modern, round computer speaker" id="92" name="Google Shape;92;p18"/>
-          <p:cNvPicPr preferRelativeResize="0"/>
-          <p:nvPr/>
-        </p:nvPicPr>
-        <p:blipFill rotWithShape="1">
-          <a:blip r:embed="rId4">
-            <a:alphaModFix/>
-          </a:blip>
-          <a:srcRect b="15127" l="6179" r="35687" t="10754"/>
-          <a:stretch/>
-        </p:blipFill>
-        <p:spPr>
-          <a:xfrm>
-            <a:off x="6796425" y="342525"/>
-            <a:ext cx="2035799" cy="1946700"/>
-          </a:xfrm>
-          <a:prstGeom prst="rect">
-            <a:avLst/>
-          </a:prstGeom>
-          <a:noFill/>
-          <a:ln>
-            <a:noFill/>
-          </a:ln>
-        </p:spPr>
-      </p:pic>
-      <p:pic>
-        <p:nvPicPr>
-          <p:cNvPr descr="Empty upside down mason jars resting on picket fence posts" id="93" name="Google Shape;93;p18"/>
-          <p:cNvPicPr preferRelativeResize="0"/>
-          <p:nvPr/>
-        </p:nvPicPr>
-        <p:blipFill rotWithShape="1">
-          <a:blip r:embed="rId5">
-            <a:alphaModFix/>
-          </a:blip>
-          <a:srcRect b="9949" l="9164" r="3636" t="13038"/>
-          <a:stretch/>
-        </p:blipFill>
-        <p:spPr>
-          <a:xfrm>
-            <a:off x="4705200" y="2336175"/>
-            <a:ext cx="4127099" cy="2420351"/>
-          </a:xfrm>
-          <a:prstGeom prst="rect">
-            <a:avLst/>
-          </a:prstGeom>
-          <a:noFill/>
-          <a:ln>
-            <a:noFill/>
-          </a:ln>
         </p:spPr>
       </p:pic>
     </p:spTree>
@@ -8118,15 +5598,22 @@
   <p:clrMapOvr>
     <a:masterClrMapping/>
   </p:clrMapOvr>
+  <p:timing>
+    <p:tnLst>
+      <p:par>
+        <p:cTn id="1" dur="indefinite" restart="never" nodeType="tmRoot"/>
+      </p:par>
+    </p:tnLst>
+  </p:timing>
 </p:sld>
 </file>
 
-<file path=ppt/slides/slide7.xml><?xml version="1.0" encoding="utf-8"?>
-<p:sld xmlns:a="http://schemas.openxmlformats.org/drawingml/2006/main" xmlns:r="http://schemas.openxmlformats.org/officeDocument/2006/relationships" xmlns:mc="http://schemas.openxmlformats.org/markup-compatibility/2006" xmlns:mv="urn:schemas-microsoft-com:mac:vml" xmlns:p="http://schemas.openxmlformats.org/presentationml/2006/main" xmlns:c="http://schemas.openxmlformats.org/drawingml/2006/chart" xmlns:dgm="http://schemas.openxmlformats.org/drawingml/2006/diagram" xmlns:o="urn:schemas-microsoft-com:office:office" xmlns:v="urn:schemas-microsoft-com:vml" xmlns:pvml="urn:schemas-microsoft-com:office:powerpoint" xmlns:com="http://schemas.openxmlformats.org/drawingml/2006/compatibility" xmlns:p14="http://schemas.microsoft.com/office/powerpoint/2010/main" xmlns:p15="http://schemas.microsoft.com/office/powerpoint/2012/main" xmlns:ahyp="http://schemas.microsoft.com/office/drawing/2018/hyperlinkcolor">
+<file path=ppt/slides/slide6.xml><?xml version="1.0" encoding="utf-8"?>
+<p:sld xmlns:a="http://schemas.openxmlformats.org/drawingml/2006/main" xmlns:r="http://schemas.openxmlformats.org/officeDocument/2006/relationships" xmlns:p="http://schemas.openxmlformats.org/presentationml/2006/main">
   <p:cSld>
     <p:spTree>
       <p:nvGrpSpPr>
-        <p:cNvPr id="97" name="Shape 97"/>
+        <p:cNvPr id="1" name=""/>
         <p:cNvGrpSpPr/>
         <p:nvPr/>
       </p:nvGrpSpPr>
@@ -8140,8 +5627,325 @@
       </p:grpSpPr>
       <p:sp>
         <p:nvSpPr>
-          <p:cNvPr id="98" name="Google Shape;98;p19"/>
-          <p:cNvSpPr txBox="1"/>
+          <p:cNvPr id="2" name="Title 1"/>
+          <p:cNvSpPr>
+            <a:spLocks noGrp="1"/>
+          </p:cNvSpPr>
+          <p:nvPr>
+            <p:ph type="title"/>
+          </p:nvPr>
+        </p:nvSpPr>
+        <p:spPr/>
+        <p:txBody>
+          <a:bodyPr/>
+          <a:lstStyle/>
+          <a:p>
+            <a:r>
+              <a:rPr lang="en-US" b="1" dirty="0" smtClean="0">
+                <a:latin typeface="Bookman Old Style" pitchFamily="18" charset="0"/>
+              </a:rPr>
+              <a:t>Output</a:t>
+            </a:r>
+            <a:endParaRPr lang="en-US" b="1" dirty="0">
+              <a:latin typeface="Bookman Old Style" pitchFamily="18" charset="0"/>
+            </a:endParaRPr>
+          </a:p>
+        </p:txBody>
+      </p:sp>
+      <p:sp>
+        <p:nvSpPr>
+          <p:cNvPr id="3" name="Text Placeholder 2"/>
+          <p:cNvSpPr>
+            <a:spLocks noGrp="1"/>
+          </p:cNvSpPr>
+          <p:nvPr>
+            <p:ph type="body" idx="1"/>
+          </p:nvPr>
+        </p:nvSpPr>
+        <p:spPr/>
+        <p:txBody>
+          <a:bodyPr/>
+          <a:lstStyle/>
+          <a:p>
+            <a:endParaRPr lang="en-US"/>
+          </a:p>
+        </p:txBody>
+      </p:sp>
+      <p:pic>
+        <p:nvPicPr>
+          <p:cNvPr id="2050" name="Picture 2"/>
+          <p:cNvPicPr>
+            <a:picLocks noChangeAspect="1" noChangeArrowheads="1"/>
+          </p:cNvPicPr>
+          <p:nvPr/>
+        </p:nvPicPr>
+        <p:blipFill>
+          <a:blip r:embed="rId2"/>
+          <a:srcRect/>
+          <a:stretch>
+            <a:fillRect/>
+          </a:stretch>
+        </p:blipFill>
+        <p:spPr bwMode="auto">
+          <a:xfrm>
+            <a:off x="434865" y="1155864"/>
+            <a:ext cx="8361320" cy="3300521"/>
+          </a:xfrm>
+          <a:prstGeom prst="rect">
+            <a:avLst/>
+          </a:prstGeom>
+          <a:noFill/>
+          <a:ln w="9525">
+            <a:noFill/>
+            <a:miter lim="800000"/>
+            <a:headEnd/>
+            <a:tailEnd/>
+          </a:ln>
+          <a:effectLst/>
+        </p:spPr>
+      </p:pic>
+    </p:spTree>
+  </p:cSld>
+  <p:clrMapOvr>
+    <a:masterClrMapping/>
+  </p:clrMapOvr>
+  <p:timing>
+    <p:tnLst>
+      <p:par>
+        <p:cTn id="1" dur="indefinite" restart="never" nodeType="tmRoot"/>
+      </p:par>
+    </p:tnLst>
+  </p:timing>
+</p:sld>
+</file>
+
+<file path=ppt/slides/slide7.xml><?xml version="1.0" encoding="utf-8"?>
+<p:sld xmlns:a="http://schemas.openxmlformats.org/drawingml/2006/main" xmlns:r="http://schemas.openxmlformats.org/officeDocument/2006/relationships" xmlns:p="http://schemas.openxmlformats.org/presentationml/2006/main">
+  <p:cSld>
+    <p:spTree>
+      <p:nvGrpSpPr>
+        <p:cNvPr id="1" name=""/>
+        <p:cNvGrpSpPr/>
+        <p:nvPr/>
+      </p:nvGrpSpPr>
+      <p:grpSpPr>
+        <a:xfrm>
+          <a:off x="0" y="0"/>
+          <a:ext cx="0" cy="0"/>
+          <a:chOff x="0" y="0"/>
+          <a:chExt cx="0" cy="0"/>
+        </a:xfrm>
+      </p:grpSpPr>
+      <p:pic>
+        <p:nvPicPr>
+          <p:cNvPr id="4098" name="Picture 2" descr="https://www.kindpng.com/picc/m/113-1138696_thinking-clip-art-pictures-free-clipart-images-transparent.png"/>
+          <p:cNvPicPr>
+            <a:picLocks noChangeAspect="1" noChangeArrowheads="1"/>
+          </p:cNvPicPr>
+          <p:nvPr/>
+        </p:nvPicPr>
+        <p:blipFill>
+          <a:blip r:embed="rId2"/>
+          <a:srcRect/>
+          <a:stretch>
+            <a:fillRect/>
+          </a:stretch>
+        </p:blipFill>
+        <p:spPr bwMode="auto">
+          <a:xfrm>
+            <a:off x="7250058" y="677822"/>
+            <a:ext cx="1893942" cy="2006257"/>
+          </a:xfrm>
+          <a:prstGeom prst="rect">
+            <a:avLst/>
+          </a:prstGeom>
+          <a:noFill/>
+        </p:spPr>
+      </p:pic>
+      <p:sp>
+        <p:nvSpPr>
+          <p:cNvPr id="2" name="Title 1"/>
+          <p:cNvSpPr>
+            <a:spLocks noGrp="1"/>
+          </p:cNvSpPr>
+          <p:nvPr>
+            <p:ph type="title"/>
+          </p:nvPr>
+        </p:nvSpPr>
+        <p:spPr>
+          <a:xfrm>
+            <a:off x="457200" y="354068"/>
+            <a:ext cx="8520600" cy="613200"/>
+          </a:xfrm>
+        </p:spPr>
+        <p:txBody>
+          <a:bodyPr/>
+          <a:lstStyle/>
+          <a:p>
+            <a:r>
+              <a:rPr lang="en-US" b="1" dirty="0" smtClean="0">
+                <a:latin typeface="Bookman Old Style" pitchFamily="18" charset="0"/>
+              </a:rPr>
+              <a:t>OK, We can’t access private members outside the class.</a:t>
+            </a:r>
+            <a:endParaRPr lang="en-US" b="1" dirty="0">
+              <a:latin typeface="Bookman Old Style" pitchFamily="18" charset="0"/>
+            </a:endParaRPr>
+          </a:p>
+        </p:txBody>
+      </p:sp>
+      <p:sp>
+        <p:nvSpPr>
+          <p:cNvPr id="3" name="Text Placeholder 2"/>
+          <p:cNvSpPr>
+            <a:spLocks noGrp="1"/>
+          </p:cNvSpPr>
+          <p:nvPr>
+            <p:ph type="body" idx="1"/>
+          </p:nvPr>
+        </p:nvSpPr>
+        <p:spPr>
+          <a:xfrm>
+            <a:off x="311700" y="2480441"/>
+            <a:ext cx="8520600" cy="2088358"/>
+          </a:xfrm>
+        </p:spPr>
+        <p:txBody>
+          <a:bodyPr/>
+          <a:lstStyle/>
+          <a:p>
+            <a:r>
+              <a:rPr lang="en-US" sz="2400" dirty="0" smtClean="0">
+                <a:latin typeface="Bookman Old Style" pitchFamily="18" charset="0"/>
+              </a:rPr>
+              <a:t>No, access modifiers don't offer security protection. They are merely there for developer convenience, e.g. they help to enforce good coding practices and help with programming patterns</a:t>
+            </a:r>
+            <a:endParaRPr lang="en-US" sz="2400" dirty="0">
+              <a:latin typeface="Bookman Old Style" pitchFamily="18" charset="0"/>
+            </a:endParaRPr>
+          </a:p>
+        </p:txBody>
+      </p:sp>
+      <p:sp>
+        <p:nvSpPr>
+          <p:cNvPr id="4" name="Title 1"/>
+          <p:cNvSpPr txBox="1">
+            <a:spLocks/>
+          </p:cNvSpPr>
+          <p:nvPr/>
+        </p:nvSpPr>
+        <p:spPr>
+          <a:xfrm>
+            <a:off x="476255" y="1399846"/>
+            <a:ext cx="8520600" cy="613200"/>
+          </a:xfrm>
+          <a:prstGeom prst="rect">
+            <a:avLst/>
+          </a:prstGeom>
+          <a:noFill/>
+          <a:ln>
+            <a:noFill/>
+          </a:ln>
+        </p:spPr>
+        <p:txBody>
+          <a:bodyPr spcFirstLastPara="1" wrap="square" lIns="91425" tIns="91425" rIns="91425" bIns="91425" anchor="t" anchorCtr="0">
+            <a:noAutofit/>
+          </a:bodyPr>
+          <a:lstStyle/>
+          <a:p>
+            <a:pPr marL="0" marR="0" lvl="0" indent="0" algn="l" defTabSz="914400" rtl="0" eaLnBrk="1" fontAlgn="auto" latinLnBrk="0" hangingPunct="1">
+              <a:lnSpc>
+                <a:spcPct val="100000"/>
+              </a:lnSpc>
+              <a:spcBef>
+                <a:spcPts val="0"/>
+              </a:spcBef>
+              <a:spcAft>
+                <a:spcPts val="0"/>
+              </a:spcAft>
+              <a:buClr>
+                <a:schemeClr val="dk1"/>
+              </a:buClr>
+              <a:buSzPts val="3000"/>
+              <a:buFont typeface="Old Standard TT"/>
+              <a:buNone/>
+              <a:tabLst/>
+              <a:defRPr/>
+            </a:pPr>
+            <a:r>
+              <a:rPr kumimoji="0" lang="en-US" sz="3000" b="1" i="0" u="none" strike="noStrike" kern="0" cap="none" spc="0" normalizeH="0" baseline="0" noProof="0" dirty="0" smtClean="0">
+                <a:ln>
+                  <a:noFill/>
+                </a:ln>
+                <a:solidFill>
+                  <a:schemeClr val="dk1"/>
+                </a:solidFill>
+                <a:effectLst/>
+                <a:uLnTx/>
+                <a:uFillTx/>
+                <a:latin typeface="Bookman Old Style" pitchFamily="18" charset="0"/>
+                <a:ea typeface="Old Standard TT"/>
+                <a:cs typeface="Old Standard TT"/>
+                <a:sym typeface="Old Standard TT"/>
+              </a:rPr>
+              <a:t>So, does Access Specifies provide security?</a:t>
+            </a:r>
+            <a:endParaRPr kumimoji="0" lang="en-US" sz="3000" b="1" i="0" u="none" strike="noStrike" kern="0" cap="none" spc="0" normalizeH="0" baseline="0" noProof="0" dirty="0">
+              <a:ln>
+                <a:noFill/>
+              </a:ln>
+              <a:solidFill>
+                <a:schemeClr val="dk1"/>
+              </a:solidFill>
+              <a:effectLst/>
+              <a:uLnTx/>
+              <a:uFillTx/>
+              <a:latin typeface="Bookman Old Style" pitchFamily="18" charset="0"/>
+              <a:ea typeface="Old Standard TT"/>
+              <a:cs typeface="Old Standard TT"/>
+              <a:sym typeface="Old Standard TT"/>
+            </a:endParaRPr>
+          </a:p>
+        </p:txBody>
+      </p:sp>
+    </p:spTree>
+  </p:cSld>
+  <p:clrMapOvr>
+    <a:masterClrMapping/>
+  </p:clrMapOvr>
+  <p:timing>
+    <p:tnLst>
+      <p:par>
+        <p:cTn id="1" dur="indefinite" restart="never" nodeType="tmRoot"/>
+      </p:par>
+    </p:tnLst>
+  </p:timing>
+</p:sld>
+</file>
+
+<file path=ppt/slides/slide8.xml><?xml version="1.0" encoding="utf-8"?>
+<p:sld xmlns:a="http://schemas.openxmlformats.org/drawingml/2006/main" xmlns:r="http://schemas.openxmlformats.org/officeDocument/2006/relationships" xmlns:p="http://schemas.openxmlformats.org/presentationml/2006/main">
+  <p:cSld>
+    <p:spTree>
+      <p:nvGrpSpPr>
+        <p:cNvPr id="1" name="Shape 76"/>
+        <p:cNvGrpSpPr/>
+        <p:nvPr/>
+      </p:nvGrpSpPr>
+      <p:grpSpPr>
+        <a:xfrm>
+          <a:off x="0" y="0"/>
+          <a:ext cx="0" cy="0"/>
+          <a:chOff x="0" y="0"/>
+          <a:chExt cx="0" cy="0"/>
+        </a:xfrm>
+      </p:grpSpPr>
+      <p:sp>
+        <p:nvSpPr>
+          <p:cNvPr id="77" name="Google Shape;77;p16"/>
+          <p:cNvSpPr txBox="1">
+            <a:spLocks noGrp="1"/>
+          </p:cNvSpPr>
           <p:nvPr>
             <p:ph type="title"/>
           </p:nvPr>
@@ -8156,12 +5960,12 @@
           </a:prstGeom>
         </p:spPr>
         <p:txBody>
-          <a:bodyPr anchorCtr="0" anchor="b" bIns="91425" lIns="91425" spcFirstLastPara="1" rIns="91425" wrap="square" tIns="91425">
+          <a:bodyPr spcFirstLastPara="1" wrap="square" lIns="91425" tIns="91425" rIns="91425" bIns="91425" anchor="b" anchorCtr="0">
             <a:noAutofit/>
           </a:bodyPr>
           <a:lstStyle/>
           <a:p>
-            <a:pPr indent="0" lvl="0" marL="0" rtl="0" algn="l">
+            <a:pPr marL="0" lvl="0" indent="0" algn="l" rtl="0">
               <a:spcBef>
                 <a:spcPts val="0"/>
               </a:spcBef>
@@ -8171,27 +5975,62 @@
               <a:buNone/>
             </a:pPr>
             <a:r>
-              <a:rPr lang="en"/>
-              <a:t>Hypothesis</a:t>
+              <a:rPr lang="en" sz="5400" b="1" dirty="0" smtClean="0">
+                <a:latin typeface="Bookman Old Style" pitchFamily="18" charset="0"/>
+              </a:rPr>
+              <a:t>Reflection in Action</a:t>
             </a:r>
-            <a:endParaRPr/>
+            <a:endParaRPr sz="5400" b="1">
+              <a:latin typeface="Bookman Old Style" pitchFamily="18" charset="0"/>
+            </a:endParaRPr>
           </a:p>
         </p:txBody>
       </p:sp>
+      <p:pic>
+        <p:nvPicPr>
+          <p:cNvPr id="3" name="Picture 2" descr="5e8b2e6f9b90305d43564a82_Reflection_Paper.png"/>
+          <p:cNvPicPr>
+            <a:picLocks noChangeAspect="1"/>
+          </p:cNvPicPr>
+          <p:nvPr/>
+        </p:nvPicPr>
+        <p:blipFill>
+          <a:blip r:embed="rId3"/>
+          <a:stretch>
+            <a:fillRect/>
+          </a:stretch>
+        </p:blipFill>
+        <p:spPr>
+          <a:xfrm>
+            <a:off x="6652756" y="3541986"/>
+            <a:ext cx="2491244" cy="1601514"/>
+          </a:xfrm>
+          <a:prstGeom prst="rect">
+            <a:avLst/>
+          </a:prstGeom>
+        </p:spPr>
+      </p:pic>
     </p:spTree>
   </p:cSld>
   <p:clrMapOvr>
     <a:masterClrMapping/>
   </p:clrMapOvr>
+  <p:timing>
+    <p:tnLst>
+      <p:par>
+        <p:cTn id="1" dur="indefinite" restart="never" nodeType="tmRoot"/>
+      </p:par>
+    </p:tnLst>
+  </p:timing>
 </p:sld>
 </file>
 
-<file path=ppt/slides/slide8.xml><?xml version="1.0" encoding="utf-8"?>
-<p:sld xmlns:a="http://schemas.openxmlformats.org/drawingml/2006/main" xmlns:r="http://schemas.openxmlformats.org/officeDocument/2006/relationships" xmlns:mc="http://schemas.openxmlformats.org/markup-compatibility/2006" xmlns:mv="urn:schemas-microsoft-com:mac:vml" xmlns:p="http://schemas.openxmlformats.org/presentationml/2006/main" xmlns:c="http://schemas.openxmlformats.org/drawingml/2006/chart" xmlns:dgm="http://schemas.openxmlformats.org/drawingml/2006/diagram" xmlns:o="urn:schemas-microsoft-com:office:office" xmlns:v="urn:schemas-microsoft-com:vml" xmlns:pvml="urn:schemas-microsoft-com:office:powerpoint" xmlns:com="http://schemas.openxmlformats.org/drawingml/2006/compatibility" xmlns:p14="http://schemas.microsoft.com/office/powerpoint/2010/main" xmlns:p15="http://schemas.microsoft.com/office/powerpoint/2012/main" xmlns:ahyp="http://schemas.microsoft.com/office/drawing/2018/hyperlinkcolor">
+<file path=ppt/slides/slide9.xml><?xml version="1.0" encoding="utf-8"?>
+<p:sld xmlns:a="http://schemas.openxmlformats.org/drawingml/2006/main" xmlns:r="http://schemas.openxmlformats.org/officeDocument/2006/relationships" xmlns:p="http://schemas.openxmlformats.org/presentationml/2006/main">
   <p:cSld>
     <p:spTree>
       <p:nvGrpSpPr>
-        <p:cNvPr id="102" name="Shape 102"/>
+        <p:cNvPr id="1" name=""/>
         <p:cNvGrpSpPr/>
         <p:nvPr/>
       </p:nvGrpSpPr>
@@ -8205,249 +6044,364 @@
       </p:grpSpPr>
       <p:sp>
         <p:nvSpPr>
-          <p:cNvPr id="103" name="Google Shape;103;p20"/>
-          <p:cNvSpPr txBox="1"/>
+          <p:cNvPr id="2" name="Title 1"/>
+          <p:cNvSpPr>
+            <a:spLocks noGrp="1"/>
+          </p:cNvSpPr>
           <p:nvPr>
             <p:ph type="title"/>
           </p:nvPr>
         </p:nvSpPr>
+        <p:spPr/>
+        <p:txBody>
+          <a:bodyPr/>
+          <a:lstStyle/>
+          <a:p>
+            <a:endParaRPr lang="en-US"/>
+          </a:p>
+        </p:txBody>
+      </p:sp>
+      <p:sp>
+        <p:nvSpPr>
+          <p:cNvPr id="3" name="Text Placeholder 2"/>
+          <p:cNvSpPr>
+            <a:spLocks noGrp="1"/>
+          </p:cNvSpPr>
+          <p:nvPr>
+            <p:ph type="body" idx="1"/>
+          </p:nvPr>
+        </p:nvSpPr>
+        <p:spPr/>
+        <p:txBody>
+          <a:bodyPr/>
+          <a:lstStyle/>
+          <a:p>
+            <a:endParaRPr lang="en-US" dirty="0"/>
+          </a:p>
+        </p:txBody>
+      </p:sp>
+      <p:pic>
+        <p:nvPicPr>
+          <p:cNvPr id="6" name="Picture 5" descr="war-class-reflection.png"/>
+          <p:cNvPicPr>
+            <a:picLocks noChangeAspect="1"/>
+          </p:cNvPicPr>
+          <p:nvPr/>
+        </p:nvPicPr>
+        <p:blipFill>
+          <a:blip r:embed="rId2"/>
+          <a:stretch>
+            <a:fillRect/>
+          </a:stretch>
+        </p:blipFill>
         <p:spPr>
           <a:xfrm>
-            <a:off x="490250" y="526350"/>
-            <a:ext cx="5604000" cy="4090800"/>
+            <a:off x="0" y="0"/>
+            <a:ext cx="9385738" cy="5143500"/>
           </a:xfrm>
           <a:prstGeom prst="rect">
             <a:avLst/>
           </a:prstGeom>
         </p:spPr>
-        <p:txBody>
-          <a:bodyPr anchorCtr="0" anchor="ctr" bIns="91425" lIns="91425" spcFirstLastPara="1" rIns="91425" wrap="square" tIns="91425">
-            <a:noAutofit/>
-          </a:bodyPr>
-          <a:lstStyle/>
-          <a:p>
-            <a:pPr indent="0" lvl="0" marL="0" rtl="0" algn="l">
-              <a:spcBef>
-                <a:spcPts val="0"/>
-              </a:spcBef>
-              <a:spcAft>
-                <a:spcPts val="0"/>
-              </a:spcAft>
-              <a:buNone/>
-            </a:pPr>
-            <a:r>
-              <a:rPr lang="en"/>
-              <a:t>Tell the audience what you expect to happen...</a:t>
-            </a:r>
-            <a:endParaRPr/>
-          </a:p>
-        </p:txBody>
-      </p:sp>
+      </p:pic>
     </p:spTree>
   </p:cSld>
   <p:clrMapOvr>
     <a:masterClrMapping/>
   </p:clrMapOvr>
-</p:sld>
-</file>
-
-<file path=ppt/slides/slide9.xml><?xml version="1.0" encoding="utf-8"?>
-<p:sld xmlns:a="http://schemas.openxmlformats.org/drawingml/2006/main" xmlns:r="http://schemas.openxmlformats.org/officeDocument/2006/relationships" xmlns:mc="http://schemas.openxmlformats.org/markup-compatibility/2006" xmlns:mv="urn:schemas-microsoft-com:mac:vml" xmlns:p="http://schemas.openxmlformats.org/presentationml/2006/main" xmlns:c="http://schemas.openxmlformats.org/drawingml/2006/chart" xmlns:dgm="http://schemas.openxmlformats.org/drawingml/2006/diagram" xmlns:o="urn:schemas-microsoft-com:office:office" xmlns:v="urn:schemas-microsoft-com:vml" xmlns:pvml="urn:schemas-microsoft-com:office:powerpoint" xmlns:com="http://schemas.openxmlformats.org/drawingml/2006/compatibility" xmlns:p14="http://schemas.microsoft.com/office/powerpoint/2010/main" xmlns:p15="http://schemas.microsoft.com/office/powerpoint/2012/main" xmlns:ahyp="http://schemas.microsoft.com/office/drawing/2018/hyperlinkcolor">
-  <p:cSld>
-    <p:spTree>
-      <p:nvGrpSpPr>
-        <p:cNvPr id="107" name="Shape 107"/>
-        <p:cNvGrpSpPr/>
-        <p:nvPr/>
-      </p:nvGrpSpPr>
-      <p:grpSpPr>
-        <a:xfrm>
-          <a:off x="0" y="0"/>
-          <a:ext cx="0" cy="0"/>
-          <a:chOff x="0" y="0"/>
-          <a:chExt cx="0" cy="0"/>
-        </a:xfrm>
-      </p:grpSpPr>
-      <p:sp>
-        <p:nvSpPr>
-          <p:cNvPr id="108" name="Google Shape;108;p21"/>
-          <p:cNvSpPr txBox="1"/>
-          <p:nvPr>
-            <p:ph idx="1" type="body"/>
-          </p:nvPr>
-        </p:nvSpPr>
-        <p:spPr>
-          <a:xfrm>
-            <a:off x="311700" y="1171675"/>
-            <a:ext cx="3999900" cy="3397200"/>
-          </a:xfrm>
-          <a:prstGeom prst="rect">
-            <a:avLst/>
-          </a:prstGeom>
-        </p:spPr>
-        <p:txBody>
-          <a:bodyPr anchorCtr="0" anchor="t" bIns="91425" lIns="91425" spcFirstLastPara="1" rIns="91425" wrap="square" tIns="91425">
-            <a:noAutofit/>
-          </a:bodyPr>
-          <a:lstStyle/>
-          <a:p>
-            <a:pPr indent="0" lvl="0" marL="0" rtl="0" algn="l">
-              <a:spcBef>
-                <a:spcPts val="0"/>
-              </a:spcBef>
-              <a:spcAft>
-                <a:spcPts val="0"/>
-              </a:spcAft>
-              <a:buNone/>
-            </a:pPr>
-            <a:r>
-              <a:rPr b="1" lang="en" sz="1800"/>
-              <a:t>I think this is what’s going to happen because…</a:t>
-            </a:r>
-            <a:endParaRPr b="1" sz="1800"/>
-          </a:p>
-          <a:p>
-            <a:pPr indent="0" lvl="0" marL="0" rtl="0" algn="l">
-              <a:spcBef>
-                <a:spcPts val="1600"/>
-              </a:spcBef>
-              <a:spcAft>
-                <a:spcPts val="1600"/>
-              </a:spcAft>
-              <a:buNone/>
-            </a:pPr>
-            <a:r>
-              <a:rPr lang="en" sz="1600"/>
-              <a:t>Lorem ipsum dolor sit amet, consectetur adipiscing elit, sed do eiusmod tempor incididunt ut labore et dolore magna aliqua. Ut enim ad minim veniam, quis nostrud exercitation ullamco laboris nisi ut aliquip.</a:t>
-            </a:r>
-            <a:endParaRPr sz="1600"/>
-          </a:p>
-        </p:txBody>
-      </p:sp>
-      <p:sp>
-        <p:nvSpPr>
-          <p:cNvPr id="109" name="Google Shape;109;p21"/>
-          <p:cNvSpPr txBox="1"/>
-          <p:nvPr>
-            <p:ph idx="2" type="body"/>
-          </p:nvPr>
-        </p:nvSpPr>
-        <p:spPr>
-          <a:xfrm>
-            <a:off x="4832400" y="1171675"/>
-            <a:ext cx="3999900" cy="3397200"/>
-          </a:xfrm>
-          <a:prstGeom prst="rect">
-            <a:avLst/>
-          </a:prstGeom>
-        </p:spPr>
-        <p:txBody>
-          <a:bodyPr anchorCtr="0" anchor="t" bIns="91425" lIns="91425" spcFirstLastPara="1" rIns="91425" wrap="square" tIns="91425">
-            <a:noAutofit/>
-          </a:bodyPr>
-          <a:lstStyle/>
-          <a:p>
-            <a:pPr indent="0" lvl="0" marL="0" rtl="0" algn="l">
-              <a:spcBef>
-                <a:spcPts val="0"/>
-              </a:spcBef>
-              <a:spcAft>
-                <a:spcPts val="0"/>
-              </a:spcAft>
-              <a:buNone/>
-            </a:pPr>
-            <a:r>
-              <a:rPr b="1" lang="en" sz="1800"/>
-              <a:t>Variables that may affect the outcome...</a:t>
-            </a:r>
-            <a:endParaRPr b="1" sz="1800"/>
-          </a:p>
-          <a:p>
-            <a:pPr indent="-330200" lvl="0" marL="457200" rtl="0" algn="l">
-              <a:spcBef>
-                <a:spcPts val="1600"/>
-              </a:spcBef>
-              <a:spcAft>
-                <a:spcPts val="0"/>
-              </a:spcAft>
-              <a:buSzPts val="1600"/>
-              <a:buChar char="●"/>
-            </a:pPr>
-            <a:r>
-              <a:rPr lang="en" sz="1600"/>
-              <a:t>Lorem ipsum dolor sit amet, consectetur adipiscing elit</a:t>
-            </a:r>
-            <a:endParaRPr sz="1600"/>
-          </a:p>
-          <a:p>
-            <a:pPr indent="-330200" lvl="0" marL="457200" rtl="0" algn="l">
-              <a:spcBef>
-                <a:spcPts val="0"/>
-              </a:spcBef>
-              <a:spcAft>
-                <a:spcPts val="0"/>
-              </a:spcAft>
-              <a:buSzPts val="1600"/>
-              <a:buChar char="●"/>
-            </a:pPr>
-            <a:r>
-              <a:rPr lang="en" sz="1600"/>
-              <a:t>Sed do eiusmod tempor incididunt ut labore et dolore magna aliqua</a:t>
-            </a:r>
-            <a:endParaRPr sz="1600"/>
-          </a:p>
-        </p:txBody>
-      </p:sp>
-      <p:sp>
-        <p:nvSpPr>
-          <p:cNvPr id="110" name="Google Shape;110;p21"/>
-          <p:cNvSpPr txBox="1"/>
-          <p:nvPr>
-            <p:ph type="title"/>
-          </p:nvPr>
-        </p:nvSpPr>
-        <p:spPr>
-          <a:xfrm>
-            <a:off x="311700" y="445025"/>
-            <a:ext cx="8520600" cy="613200"/>
-          </a:xfrm>
-          <a:prstGeom prst="rect">
-            <a:avLst/>
-          </a:prstGeom>
-        </p:spPr>
-        <p:txBody>
-          <a:bodyPr anchorCtr="0" anchor="t" bIns="91425" lIns="91425" spcFirstLastPara="1" rIns="91425" wrap="square" tIns="91425">
-            <a:noAutofit/>
-          </a:bodyPr>
-          <a:lstStyle/>
-          <a:p>
-            <a:pPr indent="0" lvl="0" marL="0" rtl="0" algn="l">
-              <a:spcBef>
-                <a:spcPts val="0"/>
-              </a:spcBef>
-              <a:spcAft>
-                <a:spcPts val="0"/>
-              </a:spcAft>
-              <a:buNone/>
-            </a:pPr>
-            <a:r>
-              <a:rPr lang="en"/>
-              <a:t>Hypothesis support</a:t>
-            </a:r>
-            <a:endParaRPr/>
-          </a:p>
-        </p:txBody>
-      </p:sp>
-    </p:spTree>
-  </p:cSld>
-  <p:clrMapOvr>
-    <a:masterClrMapping/>
-  </p:clrMapOvr>
+  <p:timing>
+    <p:tnLst>
+      <p:par>
+        <p:cTn id="1" dur="indefinite" restart="never" nodeType="tmRoot"/>
+      </p:par>
+    </p:tnLst>
+  </p:timing>
 </p:sld>
 </file>
 
 <file path=ppt/theme/theme1.xml><?xml version="1.0" encoding="utf-8"?>
-<a:theme xmlns:a="http://schemas.openxmlformats.org/drawingml/2006/main" xmlns:r="http://schemas.openxmlformats.org/officeDocument/2006/relationships">
+<a:theme xmlns:a="http://schemas.openxmlformats.org/drawingml/2006/main" name="Paperback">
+  <a:themeElements>
+    <a:clrScheme name="Paperback">
+      <a:dk1>
+        <a:srgbClr val="000000"/>
+      </a:dk1>
+      <a:lt1>
+        <a:srgbClr val="FFFFFF"/>
+      </a:lt1>
+      <a:dk2>
+        <a:srgbClr val="00695C"/>
+      </a:dk2>
+      <a:lt2>
+        <a:srgbClr val="26A69A"/>
+      </a:lt2>
+      <a:accent1>
+        <a:srgbClr val="FFFBF0"/>
+      </a:accent1>
+      <a:accent2>
+        <a:srgbClr val="B7B7B7"/>
+      </a:accent2>
+      <a:accent3>
+        <a:srgbClr val="FB8C00"/>
+      </a:accent3>
+      <a:accent4>
+        <a:srgbClr val="80CBC4"/>
+      </a:accent4>
+      <a:accent5>
+        <a:srgbClr val="AF4345"/>
+      </a:accent5>
+      <a:accent6>
+        <a:srgbClr val="F58F8F"/>
+      </a:accent6>
+      <a:hlink>
+        <a:srgbClr val="AF4345"/>
+      </a:hlink>
+      <a:folHlink>
+        <a:srgbClr val="AF4345"/>
+      </a:folHlink>
+    </a:clrScheme>
+    <a:fontScheme name="Office">
+      <a:majorFont>
+        <a:latin typeface="Arial"/>
+        <a:ea typeface=""/>
+        <a:cs typeface=""/>
+        <a:font script="Jpan" typeface="ＭＳ Ｐゴシック"/>
+        <a:font script="Hang" typeface="맑은 고딕"/>
+        <a:font script="Hans" typeface="宋体"/>
+        <a:font script="Hant" typeface="新細明體"/>
+        <a:font script="Arab" typeface="Times New Roman"/>
+        <a:font script="Hebr" typeface="Times New Roman"/>
+        <a:font script="Thai" typeface="Angsana New"/>
+        <a:font script="Ethi" typeface="Nyala"/>
+        <a:font script="Beng" typeface="Vrinda"/>
+        <a:font script="Gujr" typeface="Shruti"/>
+        <a:font script="Khmr" typeface="MoolBoran"/>
+        <a:font script="Knda" typeface="Tunga"/>
+        <a:font script="Guru" typeface="Raavi"/>
+        <a:font script="Cans" typeface="Euphemia"/>
+        <a:font script="Cher" typeface="Plantagenet Cherokee"/>
+        <a:font script="Yiii" typeface="Microsoft Yi Baiti"/>
+        <a:font script="Tibt" typeface="Microsoft Himalaya"/>
+        <a:font script="Thaa" typeface="MV Boli"/>
+        <a:font script="Deva" typeface="Mangal"/>
+        <a:font script="Telu" typeface="Gautami"/>
+        <a:font script="Taml" typeface="Latha"/>
+        <a:font script="Syrc" typeface="Estrangelo Edessa"/>
+        <a:font script="Orya" typeface="Kalinga"/>
+        <a:font script="Mlym" typeface="Kartika"/>
+        <a:font script="Laoo" typeface="DokChampa"/>
+        <a:font script="Sinh" typeface="Iskoola Pota"/>
+        <a:font script="Mong" typeface="Mongolian Baiti"/>
+        <a:font script="Viet" typeface="Times New Roman"/>
+        <a:font script="Uigh" typeface="Microsoft Uighur"/>
+        <a:font script="Geor" typeface="Sylfaen"/>
+      </a:majorFont>
+      <a:minorFont>
+        <a:latin typeface="Arial"/>
+        <a:ea typeface=""/>
+        <a:cs typeface=""/>
+        <a:font script="Jpan" typeface="ＭＳ Ｐゴシック"/>
+        <a:font script="Hang" typeface="맑은 고딕"/>
+        <a:font script="Hans" typeface="宋体"/>
+        <a:font script="Hant" typeface="新細明體"/>
+        <a:font script="Arab" typeface="Arial"/>
+        <a:font script="Hebr" typeface="Arial"/>
+        <a:font script="Thai" typeface="Cordia New"/>
+        <a:font script="Ethi" typeface="Nyala"/>
+        <a:font script="Beng" typeface="Vrinda"/>
+        <a:font script="Gujr" typeface="Shruti"/>
+        <a:font script="Khmr" typeface="DaunPenh"/>
+        <a:font script="Knda" typeface="Tunga"/>
+        <a:font script="Guru" typeface="Raavi"/>
+        <a:font script="Cans" typeface="Euphemia"/>
+        <a:font script="Cher" typeface="Plantagenet Cherokee"/>
+        <a:font script="Yiii" typeface="Microsoft Yi Baiti"/>
+        <a:font script="Tibt" typeface="Microsoft Himalaya"/>
+        <a:font script="Thaa" typeface="MV Boli"/>
+        <a:font script="Deva" typeface="Mangal"/>
+        <a:font script="Telu" typeface="Gautami"/>
+        <a:font script="Taml" typeface="Latha"/>
+        <a:font script="Syrc" typeface="Estrangelo Edessa"/>
+        <a:font script="Orya" typeface="Kalinga"/>
+        <a:font script="Mlym" typeface="Kartika"/>
+        <a:font script="Laoo" typeface="DokChampa"/>
+        <a:font script="Sinh" typeface="Iskoola Pota"/>
+        <a:font script="Mong" typeface="Mongolian Baiti"/>
+        <a:font script="Viet" typeface="Arial"/>
+        <a:font script="Uigh" typeface="Microsoft Uighur"/>
+        <a:font script="Geor" typeface="Sylfaen"/>
+      </a:minorFont>
+    </a:fontScheme>
+    <a:fmtScheme name="Office">
+      <a:fillStyleLst>
+        <a:solidFill>
+          <a:schemeClr val="phClr"/>
+        </a:solidFill>
+        <a:gradFill rotWithShape="1">
+          <a:gsLst>
+            <a:gs pos="0">
+              <a:schemeClr val="phClr">
+                <a:tint val="50000"/>
+                <a:satMod val="300000"/>
+              </a:schemeClr>
+            </a:gs>
+            <a:gs pos="35000">
+              <a:schemeClr val="phClr">
+                <a:tint val="37000"/>
+                <a:satMod val="300000"/>
+              </a:schemeClr>
+            </a:gs>
+            <a:gs pos="100000">
+              <a:schemeClr val="phClr">
+                <a:tint val="15000"/>
+                <a:satMod val="350000"/>
+              </a:schemeClr>
+            </a:gs>
+          </a:gsLst>
+          <a:lin ang="16200000" scaled="1"/>
+        </a:gradFill>
+        <a:gradFill rotWithShape="1">
+          <a:gsLst>
+            <a:gs pos="0">
+              <a:schemeClr val="phClr">
+                <a:tint val="100000"/>
+                <a:shade val="100000"/>
+                <a:satMod val="130000"/>
+              </a:schemeClr>
+            </a:gs>
+            <a:gs pos="100000">
+              <a:schemeClr val="phClr">
+                <a:tint val="50000"/>
+                <a:shade val="100000"/>
+                <a:satMod val="350000"/>
+              </a:schemeClr>
+            </a:gs>
+          </a:gsLst>
+          <a:lin ang="16200000" scaled="0"/>
+        </a:gradFill>
+      </a:fillStyleLst>
+      <a:lnStyleLst>
+        <a:ln w="9525" cap="flat" cmpd="sng" algn="ctr">
+          <a:solidFill>
+            <a:schemeClr val="phClr">
+              <a:shade val="95000"/>
+              <a:satMod val="105000"/>
+            </a:schemeClr>
+          </a:solidFill>
+          <a:prstDash val="solid"/>
+        </a:ln>
+        <a:ln w="25400" cap="flat" cmpd="sng" algn="ctr">
+          <a:solidFill>
+            <a:schemeClr val="phClr"/>
+          </a:solidFill>
+          <a:prstDash val="solid"/>
+        </a:ln>
+        <a:ln w="38100" cap="flat" cmpd="sng" algn="ctr">
+          <a:solidFill>
+            <a:schemeClr val="phClr"/>
+          </a:solidFill>
+          <a:prstDash val="solid"/>
+        </a:ln>
+      </a:lnStyleLst>
+      <a:effectStyleLst>
+        <a:effectStyle>
+          <a:effectLst>
+            <a:outerShdw blurRad="40000" dist="20000" dir="5400000" rotWithShape="0">
+              <a:srgbClr val="000000">
+                <a:alpha val="38000"/>
+              </a:srgbClr>
+            </a:outerShdw>
+          </a:effectLst>
+        </a:effectStyle>
+        <a:effectStyle>
+          <a:effectLst>
+            <a:outerShdw blurRad="40000" dist="23000" dir="5400000" rotWithShape="0">
+              <a:srgbClr val="000000">
+                <a:alpha val="35000"/>
+              </a:srgbClr>
+            </a:outerShdw>
+          </a:effectLst>
+        </a:effectStyle>
+        <a:effectStyle>
+          <a:effectLst>
+            <a:outerShdw blurRad="40000" dist="23000" dir="5400000" rotWithShape="0">
+              <a:srgbClr val="000000">
+                <a:alpha val="35000"/>
+              </a:srgbClr>
+            </a:outerShdw>
+          </a:effectLst>
+          <a:scene3d>
+            <a:camera prst="orthographicFront">
+              <a:rot lat="0" lon="0" rev="0"/>
+            </a:camera>
+            <a:lightRig rig="threePt" dir="t">
+              <a:rot lat="0" lon="0" rev="1200000"/>
+            </a:lightRig>
+          </a:scene3d>
+          <a:sp3d>
+            <a:bevelT w="63500" h="25400"/>
+          </a:sp3d>
+        </a:effectStyle>
+      </a:effectStyleLst>
+      <a:bgFillStyleLst>
+        <a:solidFill>
+          <a:schemeClr val="phClr"/>
+        </a:solidFill>
+        <a:gradFill rotWithShape="1">
+          <a:gsLst>
+            <a:gs pos="0">
+              <a:schemeClr val="phClr">
+                <a:tint val="40000"/>
+                <a:satMod val="350000"/>
+              </a:schemeClr>
+            </a:gs>
+            <a:gs pos="40000">
+              <a:schemeClr val="phClr">
+                <a:tint val="45000"/>
+                <a:shade val="99000"/>
+                <a:satMod val="350000"/>
+              </a:schemeClr>
+            </a:gs>
+            <a:gs pos="100000">
+              <a:schemeClr val="phClr">
+                <a:shade val="20000"/>
+                <a:satMod val="255000"/>
+              </a:schemeClr>
+            </a:gs>
+          </a:gsLst>
+          <a:path path="circle">
+            <a:fillToRect l="50000" t="-80000" r="50000" b="180000"/>
+          </a:path>
+        </a:gradFill>
+        <a:gradFill rotWithShape="1">
+          <a:gsLst>
+            <a:gs pos="0">
+              <a:schemeClr val="phClr">
+                <a:tint val="80000"/>
+                <a:satMod val="300000"/>
+              </a:schemeClr>
+            </a:gs>
+            <a:gs pos="100000">
+              <a:schemeClr val="phClr">
+                <a:shade val="30000"/>
+                <a:satMod val="200000"/>
+              </a:schemeClr>
+            </a:gs>
+          </a:gsLst>
+          <a:path path="circle">
+            <a:fillToRect l="50000" t="50000" r="50000" b="50000"/>
+          </a:path>
+        </a:gradFill>
+      </a:bgFillStyleLst>
+    </a:fmtScheme>
+  </a:themeElements>
+  <a:objectDefaults/>
+  <a:extraClrSchemeLst/>
+</a:theme>
+</file>
+
+<file path=ppt/theme/theme2.xml><?xml version="1.0" encoding="utf-8"?>
+<a:theme xmlns:a="http://schemas.openxmlformats.org/drawingml/2006/main">
   <a:themeElements>
     <a:clrScheme name="Default">
       <a:dk1>
@@ -8722,284 +6676,7 @@
       </a:bgFillStyleLst>
     </a:fmtScheme>
   </a:themeElements>
-</a:theme>
-</file>
-
-<file path=ppt/theme/theme2.xml><?xml version="1.0" encoding="utf-8"?>
-<a:theme xmlns:a="http://schemas.openxmlformats.org/drawingml/2006/main" xmlns:r="http://schemas.openxmlformats.org/officeDocument/2006/relationships" name="Paperback">
-  <a:themeElements>
-    <a:clrScheme name="Paperback">
-      <a:dk1>
-        <a:srgbClr val="000000"/>
-      </a:dk1>
-      <a:lt1>
-        <a:srgbClr val="FFFFFF"/>
-      </a:lt1>
-      <a:dk2>
-        <a:srgbClr val="00695C"/>
-      </a:dk2>
-      <a:lt2>
-        <a:srgbClr val="26A69A"/>
-      </a:lt2>
-      <a:accent1>
-        <a:srgbClr val="FFFBF0"/>
-      </a:accent1>
-      <a:accent2>
-        <a:srgbClr val="B7B7B7"/>
-      </a:accent2>
-      <a:accent3>
-        <a:srgbClr val="FB8C00"/>
-      </a:accent3>
-      <a:accent4>
-        <a:srgbClr val="80CBC4"/>
-      </a:accent4>
-      <a:accent5>
-        <a:srgbClr val="AF4345"/>
-      </a:accent5>
-      <a:accent6>
-        <a:srgbClr val="F58F8F"/>
-      </a:accent6>
-      <a:hlink>
-        <a:srgbClr val="AF4345"/>
-      </a:hlink>
-      <a:folHlink>
-        <a:srgbClr val="AF4345"/>
-      </a:folHlink>
-    </a:clrScheme>
-    <a:fontScheme name="Office">
-      <a:majorFont>
-        <a:latin typeface="Arial"/>
-        <a:ea typeface=""/>
-        <a:cs typeface=""/>
-        <a:font script="Jpan" typeface="ＭＳ Ｐゴシック"/>
-        <a:font script="Hang" typeface="맑은 고딕"/>
-        <a:font script="Hans" typeface="宋体"/>
-        <a:font script="Hant" typeface="新細明體"/>
-        <a:font script="Arab" typeface="Times New Roman"/>
-        <a:font script="Hebr" typeface="Times New Roman"/>
-        <a:font script="Thai" typeface="Angsana New"/>
-        <a:font script="Ethi" typeface="Nyala"/>
-        <a:font script="Beng" typeface="Vrinda"/>
-        <a:font script="Gujr" typeface="Shruti"/>
-        <a:font script="Khmr" typeface="MoolBoran"/>
-        <a:font script="Knda" typeface="Tunga"/>
-        <a:font script="Guru" typeface="Raavi"/>
-        <a:font script="Cans" typeface="Euphemia"/>
-        <a:font script="Cher" typeface="Plantagenet Cherokee"/>
-        <a:font script="Yiii" typeface="Microsoft Yi Baiti"/>
-        <a:font script="Tibt" typeface="Microsoft Himalaya"/>
-        <a:font script="Thaa" typeface="MV Boli"/>
-        <a:font script="Deva" typeface="Mangal"/>
-        <a:font script="Telu" typeface="Gautami"/>
-        <a:font script="Taml" typeface="Latha"/>
-        <a:font script="Syrc" typeface="Estrangelo Edessa"/>
-        <a:font script="Orya" typeface="Kalinga"/>
-        <a:font script="Mlym" typeface="Kartika"/>
-        <a:font script="Laoo" typeface="DokChampa"/>
-        <a:font script="Sinh" typeface="Iskoola Pota"/>
-        <a:font script="Mong" typeface="Mongolian Baiti"/>
-        <a:font script="Viet" typeface="Times New Roman"/>
-        <a:font script="Uigh" typeface="Microsoft Uighur"/>
-        <a:font script="Geor" typeface="Sylfaen"/>
-      </a:majorFont>
-      <a:minorFont>
-        <a:latin typeface="Arial"/>
-        <a:ea typeface=""/>
-        <a:cs typeface=""/>
-        <a:font script="Jpan" typeface="ＭＳ Ｐゴシック"/>
-        <a:font script="Hang" typeface="맑은 고딕"/>
-        <a:font script="Hans" typeface="宋体"/>
-        <a:font script="Hant" typeface="新細明體"/>
-        <a:font script="Arab" typeface="Arial"/>
-        <a:font script="Hebr" typeface="Arial"/>
-        <a:font script="Thai" typeface="Cordia New"/>
-        <a:font script="Ethi" typeface="Nyala"/>
-        <a:font script="Beng" typeface="Vrinda"/>
-        <a:font script="Gujr" typeface="Shruti"/>
-        <a:font script="Khmr" typeface="DaunPenh"/>
-        <a:font script="Knda" typeface="Tunga"/>
-        <a:font script="Guru" typeface="Raavi"/>
-        <a:font script="Cans" typeface="Euphemia"/>
-        <a:font script="Cher" typeface="Plantagenet Cherokee"/>
-        <a:font script="Yiii" typeface="Microsoft Yi Baiti"/>
-        <a:font script="Tibt" typeface="Microsoft Himalaya"/>
-        <a:font script="Thaa" typeface="MV Boli"/>
-        <a:font script="Deva" typeface="Mangal"/>
-        <a:font script="Telu" typeface="Gautami"/>
-        <a:font script="Taml" typeface="Latha"/>
-        <a:font script="Syrc" typeface="Estrangelo Edessa"/>
-        <a:font script="Orya" typeface="Kalinga"/>
-        <a:font script="Mlym" typeface="Kartika"/>
-        <a:font script="Laoo" typeface="DokChampa"/>
-        <a:font script="Sinh" typeface="Iskoola Pota"/>
-        <a:font script="Mong" typeface="Mongolian Baiti"/>
-        <a:font script="Viet" typeface="Arial"/>
-        <a:font script="Uigh" typeface="Microsoft Uighur"/>
-        <a:font script="Geor" typeface="Sylfaen"/>
-      </a:minorFont>
-    </a:fontScheme>
-    <a:fmtScheme name="Office">
-      <a:fillStyleLst>
-        <a:solidFill>
-          <a:schemeClr val="phClr"/>
-        </a:solidFill>
-        <a:gradFill rotWithShape="1">
-          <a:gsLst>
-            <a:gs pos="0">
-              <a:schemeClr val="phClr">
-                <a:tint val="50000"/>
-                <a:satMod val="300000"/>
-              </a:schemeClr>
-            </a:gs>
-            <a:gs pos="35000">
-              <a:schemeClr val="phClr">
-                <a:tint val="37000"/>
-                <a:satMod val="300000"/>
-              </a:schemeClr>
-            </a:gs>
-            <a:gs pos="100000">
-              <a:schemeClr val="phClr">
-                <a:tint val="15000"/>
-                <a:satMod val="350000"/>
-              </a:schemeClr>
-            </a:gs>
-          </a:gsLst>
-          <a:lin ang="16200000" scaled="1"/>
-        </a:gradFill>
-        <a:gradFill rotWithShape="1">
-          <a:gsLst>
-            <a:gs pos="0">
-              <a:schemeClr val="phClr">
-                <a:tint val="100000"/>
-                <a:shade val="100000"/>
-                <a:satMod val="130000"/>
-              </a:schemeClr>
-            </a:gs>
-            <a:gs pos="100000">
-              <a:schemeClr val="phClr">
-                <a:tint val="50000"/>
-                <a:shade val="100000"/>
-                <a:satMod val="350000"/>
-              </a:schemeClr>
-            </a:gs>
-          </a:gsLst>
-          <a:lin ang="16200000" scaled="0"/>
-        </a:gradFill>
-      </a:fillStyleLst>
-      <a:lnStyleLst>
-        <a:ln w="9525" cap="flat" cmpd="sng" algn="ctr">
-          <a:solidFill>
-            <a:schemeClr val="phClr">
-              <a:shade val="95000"/>
-              <a:satMod val="105000"/>
-            </a:schemeClr>
-          </a:solidFill>
-          <a:prstDash val="solid"/>
-        </a:ln>
-        <a:ln w="25400" cap="flat" cmpd="sng" algn="ctr">
-          <a:solidFill>
-            <a:schemeClr val="phClr"/>
-          </a:solidFill>
-          <a:prstDash val="solid"/>
-        </a:ln>
-        <a:ln w="38100" cap="flat" cmpd="sng" algn="ctr">
-          <a:solidFill>
-            <a:schemeClr val="phClr"/>
-          </a:solidFill>
-          <a:prstDash val="solid"/>
-        </a:ln>
-      </a:lnStyleLst>
-      <a:effectStyleLst>
-        <a:effectStyle>
-          <a:effectLst>
-            <a:outerShdw blurRad="40000" dist="20000" dir="5400000" rotWithShape="0">
-              <a:srgbClr val="000000">
-                <a:alpha val="38000"/>
-              </a:srgbClr>
-            </a:outerShdw>
-          </a:effectLst>
-        </a:effectStyle>
-        <a:effectStyle>
-          <a:effectLst>
-            <a:outerShdw blurRad="40000" dist="23000" dir="5400000" rotWithShape="0">
-              <a:srgbClr val="000000">
-                <a:alpha val="35000"/>
-              </a:srgbClr>
-            </a:outerShdw>
-          </a:effectLst>
-        </a:effectStyle>
-        <a:effectStyle>
-          <a:effectLst>
-            <a:outerShdw blurRad="40000" dist="23000" dir="5400000" rotWithShape="0">
-              <a:srgbClr val="000000">
-                <a:alpha val="35000"/>
-              </a:srgbClr>
-            </a:outerShdw>
-          </a:effectLst>
-          <a:scene3d>
-            <a:camera prst="orthographicFront">
-              <a:rot lat="0" lon="0" rev="0"/>
-            </a:camera>
-            <a:lightRig rig="threePt" dir="t">
-              <a:rot lat="0" lon="0" rev="1200000"/>
-            </a:lightRig>
-          </a:scene3d>
-          <a:sp3d>
-            <a:bevelT w="63500" h="25400"/>
-          </a:sp3d>
-        </a:effectStyle>
-      </a:effectStyleLst>
-      <a:bgFillStyleLst>
-        <a:solidFill>
-          <a:schemeClr val="phClr"/>
-        </a:solidFill>
-        <a:gradFill rotWithShape="1">
-          <a:gsLst>
-            <a:gs pos="0">
-              <a:schemeClr val="phClr">
-                <a:tint val="40000"/>
-                <a:satMod val="350000"/>
-              </a:schemeClr>
-            </a:gs>
-            <a:gs pos="40000">
-              <a:schemeClr val="phClr">
-                <a:tint val="45000"/>
-                <a:shade val="99000"/>
-                <a:satMod val="350000"/>
-              </a:schemeClr>
-            </a:gs>
-            <a:gs pos="100000">
-              <a:schemeClr val="phClr">
-                <a:shade val="20000"/>
-                <a:satMod val="255000"/>
-              </a:schemeClr>
-            </a:gs>
-          </a:gsLst>
-          <a:path path="circle">
-            <a:fillToRect l="50000" t="-80000" r="50000" b="180000"/>
-          </a:path>
-        </a:gradFill>
-        <a:gradFill rotWithShape="1">
-          <a:gsLst>
-            <a:gs pos="0">
-              <a:schemeClr val="phClr">
-                <a:tint val="80000"/>
-                <a:satMod val="300000"/>
-              </a:schemeClr>
-            </a:gs>
-            <a:gs pos="100000">
-              <a:schemeClr val="phClr">
-                <a:shade val="30000"/>
-                <a:satMod val="200000"/>
-              </a:schemeClr>
-            </a:gs>
-          </a:gsLst>
-          <a:path path="circle">
-            <a:fillToRect l="50000" t="50000" r="50000" b="50000"/>
-          </a:path>
-        </a:gradFill>
-      </a:bgFillStyleLst>
-    </a:fmtScheme>
-  </a:themeElements>
+  <a:objectDefaults/>
+  <a:extraClrSchemeLst/>
 </a:theme>
 </file>
--- a/Reflection.pptx
+++ b/Reflection.pptx
@@ -267,7 +267,7 @@
   </p:defaultTextStyle>
   <p:extLst>
     <p:ext uri="{EFAFB233-063F-42B5-8137-9DF3F51BA10A}">
-      <p15:sldGuideLst xmlns:ahyp="http://schemas.microsoft.com/office/drawing/2018/hyperlinkcolor" xmlns:p15="http://schemas.microsoft.com/office/powerpoint/2012/main" xmlns:p14="http://schemas.microsoft.com/office/powerpoint/2010/main" xmlns:com="http://schemas.openxmlformats.org/drawingml/2006/compatibility" xmlns:pvml="urn:schemas-microsoft-com:office:powerpoint" xmlns:v="urn:schemas-microsoft-com:vml" xmlns:o="urn:schemas-microsoft-com:office:office" xmlns:dgm="http://schemas.openxmlformats.org/drawingml/2006/diagram" xmlns:c="http://schemas.openxmlformats.org/drawingml/2006/chart" xmlns:mv="urn:schemas-microsoft-com:mac:vml" xmlns:mc="http://schemas.openxmlformats.org/markup-compatibility/2006" xmlns="">
+      <p15:sldGuideLst xmlns="" xmlns:mc="http://schemas.openxmlformats.org/markup-compatibility/2006" xmlns:mv="urn:schemas-microsoft-com:mac:vml" xmlns:c="http://schemas.openxmlformats.org/drawingml/2006/chart" xmlns:dgm="http://schemas.openxmlformats.org/drawingml/2006/diagram" xmlns:o="urn:schemas-microsoft-com:office:office" xmlns:v="urn:schemas-microsoft-com:vml" xmlns:pvml="urn:schemas-microsoft-com:office:powerpoint" xmlns:com="http://schemas.openxmlformats.org/drawingml/2006/compatibility" xmlns:p14="http://schemas.microsoft.com/office/powerpoint/2010/main" xmlns:p15="http://schemas.microsoft.com/office/powerpoint/2012/main" xmlns:ahyp="http://schemas.microsoft.com/office/drawing/2018/hyperlinkcolor">
         <p15:guide id="1" orient="horz" pos="1620">
           <p15:clr>
             <a:srgbClr val="A4A3A4"/>
@@ -5219,6 +5219,13 @@
   <p:clrMapOvr>
     <a:masterClrMapping/>
   </p:clrMapOvr>
+  <p:timing>
+    <p:tnLst>
+      <p:par>
+        <p:cTn id="1" dur="indefinite" restart="never" nodeType="tmRoot"/>
+      </p:par>
+    </p:tnLst>
+  </p:timing>
 </p:sld>
 </file>
 
@@ -5310,7 +5317,7 @@
           </a:bodyPr>
           <a:lstStyle/>
           <a:p>
-            <a:pPr marL="0" lvl="0" indent="0" algn="l" rtl="0">
+            <a:pPr marL="0" lvl="0" indent="0" algn="just" rtl="0">
               <a:spcBef>
                 <a:spcPts val="0"/>
               </a:spcBef>
@@ -5818,7 +5825,50 @@
               <a:rPr lang="en-US" sz="2400" dirty="0" smtClean="0">
                 <a:latin typeface="Bookman Old Style" pitchFamily="18" charset="0"/>
               </a:rPr>
-              <a:t>No, access modifiers don't offer security protection. They are merely there for developer convenience, e.g. they help to enforce good coding practices and help with programming patterns</a:t>
+              <a:t>No, access modifiers don't offer security protection. They are merely there for developer </a:t>
+            </a:r>
+            <a:r>
+              <a:rPr lang="en-US" sz="2400" dirty="0" smtClean="0">
+                <a:latin typeface="Bookman Old Style" pitchFamily="18" charset="0"/>
+              </a:rPr>
+              <a:t>convenience.</a:t>
+            </a:r>
+          </a:p>
+          <a:p>
+            <a:pPr>
+              <a:buNone/>
+            </a:pPr>
+            <a:r>
+              <a:rPr lang="en-US" sz="2400" dirty="0" smtClean="0">
+                <a:latin typeface="Bookman Old Style" pitchFamily="18" charset="0"/>
+              </a:rPr>
+              <a:t>	</a:t>
+            </a:r>
+            <a:endParaRPr lang="en-US" sz="2400" dirty="0" smtClean="0">
+              <a:latin typeface="Bookman Old Style" pitchFamily="18" charset="0"/>
+            </a:endParaRPr>
+          </a:p>
+          <a:p>
+            <a:pPr>
+              <a:buNone/>
+            </a:pPr>
+            <a:r>
+              <a:rPr lang="en-US" sz="2400" dirty="0" smtClean="0">
+                <a:latin typeface="Bookman Old Style" pitchFamily="18" charset="0"/>
+              </a:rPr>
+              <a:t>	</a:t>
+            </a:r>
+            <a:r>
+              <a:rPr lang="en-US" sz="2400" dirty="0" smtClean="0">
+                <a:latin typeface="Bookman Old Style" pitchFamily="18" charset="0"/>
+              </a:rPr>
+              <a:t>e.g</a:t>
+            </a:r>
+            <a:r>
+              <a:rPr lang="en-US" sz="2400" dirty="0" smtClean="0">
+                <a:latin typeface="Bookman Old Style" pitchFamily="18" charset="0"/>
+              </a:rPr>
+              <a:t>. they help to enforce good coding practices and help with programming patterns</a:t>
             </a:r>
             <a:endParaRPr lang="en-US" sz="2400" dirty="0">
               <a:latin typeface="Bookman Old Style" pitchFamily="18" charset="0"/>
@@ -5888,7 +5938,61 @@
                 <a:cs typeface="Old Standard TT"/>
                 <a:sym typeface="Old Standard TT"/>
               </a:rPr>
-              <a:t>So, does Access Specifies provide security?</a:t>
+              <a:t>So, does Access </a:t>
+            </a:r>
+            <a:r>
+              <a:rPr kumimoji="0" lang="en-US" sz="3000" b="1" i="0" u="none" strike="noStrike" kern="0" cap="none" spc="0" normalizeH="0" baseline="0" noProof="0" dirty="0" err="1" smtClean="0">
+                <a:ln>
+                  <a:noFill/>
+                </a:ln>
+                <a:solidFill>
+                  <a:schemeClr val="dk1"/>
+                </a:solidFill>
+                <a:effectLst/>
+                <a:uLnTx/>
+                <a:uFillTx/>
+                <a:latin typeface="Bookman Old Style" pitchFamily="18" charset="0"/>
+                <a:ea typeface="Old Standard TT"/>
+                <a:cs typeface="Old Standard TT"/>
+                <a:sym typeface="Old Standard TT"/>
+              </a:rPr>
+              <a:t>Specifiers</a:t>
+            </a:r>
+            <a:r>
+              <a:rPr kumimoji="0" lang="en-US" sz="3000" b="1" i="0" u="none" strike="noStrike" kern="0" cap="none" spc="0" normalizeH="0" baseline="0" noProof="0" dirty="0" smtClean="0">
+                <a:ln>
+                  <a:noFill/>
+                </a:ln>
+                <a:solidFill>
+                  <a:schemeClr val="dk1"/>
+                </a:solidFill>
+                <a:effectLst/>
+                <a:uLnTx/>
+                <a:uFillTx/>
+                <a:latin typeface="Bookman Old Style" pitchFamily="18" charset="0"/>
+                <a:ea typeface="Old Standard TT"/>
+                <a:cs typeface="Old Standard TT"/>
+                <a:sym typeface="Old Standard TT"/>
+              </a:rPr>
+              <a:t> </a:t>
+            </a:r>
+            <a:r>
+              <a:rPr kumimoji="0" lang="en-US" sz="3000" b="1" i="0" u="none" strike="noStrike" kern="0" cap="none" spc="0" normalizeH="0" baseline="0" noProof="0" dirty="0" smtClean="0">
+                <a:ln>
+                  <a:noFill/>
+                </a:ln>
+                <a:solidFill>
+                  <a:schemeClr val="dk1"/>
+                </a:solidFill>
+                <a:effectLst/>
+                <a:uLnTx/>
+                <a:uFillTx/>
+                <a:latin typeface="Bookman Old Style" pitchFamily="18" charset="0"/>
+                <a:ea typeface="Old Standard TT"/>
+                <a:cs typeface="Old Standard TT"/>
+                <a:sym typeface="Old Standard TT"/>
+              </a:rPr>
+              <a:t>provide security?</a:t>
             </a:r>
             <a:endParaRPr kumimoji="0" lang="en-US" sz="3000" b="1" i="0" u="none" strike="noStrike" kern="0" cap="none" spc="0" normalizeH="0" baseline="0" noProof="0" dirty="0">
               <a:ln>

--- a/Reflection.pptx
+++ b/Reflection.pptx
@@ -5,7 +5,7 @@
     <p:sldMasterId id="2147483659" r:id="rId1"/>
   </p:sldMasterIdLst>
   <p:notesMasterIdLst>
-    <p:notesMasterId r:id="rId12"/>
+    <p:notesMasterId r:id="rId24"/>
   </p:notesMasterIdLst>
   <p:sldIdLst>
     <p:sldId id="256" r:id="rId2"/>
@@ -18,22 +18,34 @@
     <p:sldId id="270" r:id="rId9"/>
     <p:sldId id="268" r:id="rId10"/>
     <p:sldId id="272" r:id="rId11"/>
+    <p:sldId id="282" r:id="rId12"/>
+    <p:sldId id="274" r:id="rId13"/>
+    <p:sldId id="275" r:id="rId14"/>
+    <p:sldId id="276" r:id="rId15"/>
+    <p:sldId id="277" r:id="rId16"/>
+    <p:sldId id="278" r:id="rId17"/>
+    <p:sldId id="279" r:id="rId18"/>
+    <p:sldId id="280" r:id="rId19"/>
+    <p:sldId id="281" r:id="rId20"/>
+    <p:sldId id="283" r:id="rId21"/>
+    <p:sldId id="284" r:id="rId22"/>
+    <p:sldId id="285" r:id="rId23"/>
   </p:sldIdLst>
   <p:sldSz cx="9144000" cy="5143500" type="screen16x9"/>
   <p:notesSz cx="6858000" cy="9144000"/>
   <p:embeddedFontLst>
     <p:embeddedFont>
-      <p:font typeface="Old Standard TT" charset="0"/>
-      <p:regular r:id="rId13"/>
-      <p:bold r:id="rId14"/>
-      <p:italic r:id="rId15"/>
+      <p:font typeface="Old Standard TT" panose="020B0604020202020204" charset="0"/>
+      <p:regular r:id="rId25"/>
+      <p:bold r:id="rId26"/>
+      <p:italic r:id="rId27"/>
     </p:embeddedFont>
     <p:embeddedFont>
-      <p:font typeface="Bookman Old Style" pitchFamily="18" charset="0"/>
-      <p:regular r:id="rId16"/>
-      <p:bold r:id="rId17"/>
-      <p:italic r:id="rId18"/>
-      <p:boldItalic r:id="rId19"/>
+      <p:font typeface="Bookman Old Style" panose="02050604050505020204" pitchFamily="18" charset="0"/>
+      <p:regular r:id="rId28"/>
+      <p:bold r:id="rId29"/>
+      <p:italic r:id="rId30"/>
+      <p:boldItalic r:id="rId31"/>
     </p:embeddedFont>
   </p:embeddedFontLst>
   <p:defaultTextStyle>
@@ -267,7 +279,7 @@
   </p:defaultTextStyle>
   <p:extLst>
     <p:ext uri="{EFAFB233-063F-42B5-8137-9DF3F51BA10A}">
-      <p15:sldGuideLst xmlns="" xmlns:mc="http://schemas.openxmlformats.org/markup-compatibility/2006" xmlns:mv="urn:schemas-microsoft-com:mac:vml" xmlns:c="http://schemas.openxmlformats.org/drawingml/2006/chart" xmlns:dgm="http://schemas.openxmlformats.org/drawingml/2006/diagram" xmlns:o="urn:schemas-microsoft-com:office:office" xmlns:v="urn:schemas-microsoft-com:vml" xmlns:pvml="urn:schemas-microsoft-com:office:powerpoint" xmlns:com="http://schemas.openxmlformats.org/drawingml/2006/compatibility" xmlns:p14="http://schemas.microsoft.com/office/powerpoint/2010/main" xmlns:p15="http://schemas.microsoft.com/office/powerpoint/2012/main" xmlns:ahyp="http://schemas.microsoft.com/office/drawing/2018/hyperlinkcolor">
+      <p15:sldGuideLst xmlns:p15="http://schemas.microsoft.com/office/powerpoint/2012/main">
         <p15:guide id="1" orient="horz" pos="1620">
           <p15:clr>
             <a:srgbClr val="A4A3A4"/>
@@ -4991,7 +5003,7 @@
           </a:bodyPr>
           <a:lstStyle/>
           <a:p>
-            <a:pPr marL="457200" lvl="0" indent="-381000" algn="l" rtl="0">
+            <a:pPr marL="76200" lvl="0" indent="0" algn="l" rtl="0">
               <a:spcBef>
                 <a:spcPts val="0"/>
               </a:spcBef>
@@ -4999,13 +5011,31 @@
                 <a:spcPts val="0"/>
               </a:spcAft>
               <a:buSzPts val="2400"/>
-              <a:buChar char="-"/>
             </a:pPr>
             <a:r>
-              <a:rPr lang="en"/>
-              <a:t>Nehal Patel</a:t>
-            </a:r>
-            <a:endParaRPr/>
+              <a:rPr lang="en" b="1" dirty="0">
+                <a:latin typeface="Bookman Old Style" panose="02050604050505020204" pitchFamily="18" charset="0"/>
+              </a:rPr>
+              <a:t>Nehal </a:t>
+            </a:r>
+            <a:r>
+              <a:rPr lang="en" b="1" dirty="0" smtClean="0">
+                <a:latin typeface="Bookman Old Style" panose="02050604050505020204" pitchFamily="18" charset="0"/>
+              </a:rPr>
+              <a:t>Patel</a:t>
+            </a:r>
+          </a:p>
+          <a:p>
+            <a:pPr marL="76200" lvl="0" indent="0"/>
+            <a:r>
+              <a:rPr lang="en-IN" sz="1800" dirty="0" smtClean="0">
+                <a:latin typeface="Bookman Old Style" panose="02050604050505020204" pitchFamily="18" charset="0"/>
+              </a:rPr>
+              <a:t>Research Scholar, VNSGU</a:t>
+            </a:r>
+            <a:endParaRPr sz="1800" dirty="0">
+              <a:latin typeface="Bookman Old Style" panose="02050604050505020204" pitchFamily="18" charset="0"/>
+            </a:endParaRPr>
           </a:p>
         </p:txBody>
       </p:sp>
@@ -5049,7 +5079,7 @@
         </p:nvSpPr>
         <p:spPr>
           <a:xfrm>
-            <a:off x="512700" y="1893300"/>
+            <a:off x="285768" y="674590"/>
             <a:ext cx="8118600" cy="1522800"/>
           </a:xfrm>
           <a:prstGeom prst="rect">
@@ -5077,7 +5107,7 @@
               </a:rPr>
               <a:t>Reflection</a:t>
             </a:r>
-            <a:endParaRPr>
+            <a:endParaRPr dirty="0">
               <a:latin typeface="Bookman Old Style" pitchFamily="18" charset="0"/>
             </a:endParaRPr>
           </a:p>
@@ -5097,7 +5127,7 @@
               </a:rPr>
               <a:t>Object Oriented Programming</a:t>
             </a:r>
-            <a:endParaRPr sz="2400">
+            <a:endParaRPr sz="2400" dirty="0">
               <a:latin typeface="Bookman Old Style" pitchFamily="18" charset="0"/>
             </a:endParaRPr>
           </a:p>
@@ -5215,6 +5245,1348 @@
         </p:spPr>
       </p:pic>
     </p:spTree>
+  </p:cSld>
+  <p:clrMapOvr>
+    <a:masterClrMapping/>
+  </p:clrMapOvr>
+  <p:timing>
+    <p:tnLst>
+      <p:par>
+        <p:cTn id="1" dur="indefinite" restart="never" nodeType="tmRoot"/>
+      </p:par>
+    </p:tnLst>
+  </p:timing>
+</p:sld>
+</file>
+
+<file path=ppt/slides/slide11.xml><?xml version="1.0" encoding="utf-8"?>
+<p:sld xmlns:a="http://schemas.openxmlformats.org/drawingml/2006/main" xmlns:r="http://schemas.openxmlformats.org/officeDocument/2006/relationships" xmlns:p="http://schemas.openxmlformats.org/presentationml/2006/main">
+  <p:cSld>
+    <p:spTree>
+      <p:nvGrpSpPr>
+        <p:cNvPr id="1" name=""/>
+        <p:cNvGrpSpPr/>
+        <p:nvPr/>
+      </p:nvGrpSpPr>
+      <p:grpSpPr>
+        <a:xfrm>
+          <a:off x="0" y="0"/>
+          <a:ext cx="0" cy="0"/>
+          <a:chOff x="0" y="0"/>
+          <a:chExt cx="0" cy="0"/>
+        </a:xfrm>
+      </p:grpSpPr>
+      <p:pic>
+        <p:nvPicPr>
+          <p:cNvPr id="4098" name="Picture 2" descr="https://www.kindpng.com/picc/m/113-1138696_thinking-clip-art-pictures-free-clipart-images-transparent.png"/>
+          <p:cNvPicPr>
+            <a:picLocks noChangeAspect="1" noChangeArrowheads="1"/>
+          </p:cNvPicPr>
+          <p:nvPr/>
+        </p:nvPicPr>
+        <p:blipFill>
+          <a:blip r:embed="rId2"/>
+          <a:srcRect/>
+          <a:stretch>
+            <a:fillRect/>
+          </a:stretch>
+        </p:blipFill>
+        <p:spPr bwMode="auto">
+          <a:xfrm>
+            <a:off x="7250058" y="677822"/>
+            <a:ext cx="1893942" cy="2006257"/>
+          </a:xfrm>
+          <a:prstGeom prst="rect">
+            <a:avLst/>
+          </a:prstGeom>
+          <a:noFill/>
+        </p:spPr>
+      </p:pic>
+      <p:sp>
+        <p:nvSpPr>
+          <p:cNvPr id="2" name="Title 1"/>
+          <p:cNvSpPr>
+            <a:spLocks noGrp="1"/>
+          </p:cNvSpPr>
+          <p:nvPr>
+            <p:ph type="title"/>
+          </p:nvPr>
+        </p:nvSpPr>
+        <p:spPr>
+          <a:xfrm>
+            <a:off x="457200" y="354068"/>
+            <a:ext cx="8520600" cy="613200"/>
+          </a:xfrm>
+        </p:spPr>
+        <p:txBody>
+          <a:bodyPr/>
+          <a:lstStyle/>
+          <a:p>
+            <a:r>
+              <a:rPr lang="en-US" b="1" dirty="0" smtClean="0">
+                <a:latin typeface="Bookman Old Style" pitchFamily="18" charset="0"/>
+              </a:rPr>
+              <a:t>OK, We can’t access private members outside the class.</a:t>
+            </a:r>
+            <a:endParaRPr lang="en-US" b="1" dirty="0">
+              <a:latin typeface="Bookman Old Style" pitchFamily="18" charset="0"/>
+            </a:endParaRPr>
+          </a:p>
+        </p:txBody>
+      </p:sp>
+      <p:sp>
+        <p:nvSpPr>
+          <p:cNvPr id="3" name="Text Placeholder 2"/>
+          <p:cNvSpPr>
+            <a:spLocks noGrp="1"/>
+          </p:cNvSpPr>
+          <p:nvPr>
+            <p:ph type="body" idx="1"/>
+          </p:nvPr>
+        </p:nvSpPr>
+        <p:spPr>
+          <a:xfrm>
+            <a:off x="311700" y="2480441"/>
+            <a:ext cx="8520600" cy="2088358"/>
+          </a:xfrm>
+        </p:spPr>
+        <p:txBody>
+          <a:bodyPr/>
+          <a:lstStyle/>
+          <a:p>
+            <a:r>
+              <a:rPr lang="en-US" sz="2400" dirty="0" smtClean="0">
+                <a:latin typeface="Bookman Old Style" pitchFamily="18" charset="0"/>
+              </a:rPr>
+              <a:t>No, access modifiers don't offer security protection. They are merely there for developer convenience.</a:t>
+            </a:r>
+          </a:p>
+          <a:p>
+            <a:pPr>
+              <a:buNone/>
+            </a:pPr>
+            <a:r>
+              <a:rPr lang="en-US" sz="2400" dirty="0" smtClean="0">
+                <a:latin typeface="Bookman Old Style" pitchFamily="18" charset="0"/>
+              </a:rPr>
+              <a:t>	</a:t>
+            </a:r>
+          </a:p>
+          <a:p>
+            <a:pPr>
+              <a:buNone/>
+            </a:pPr>
+            <a:r>
+              <a:rPr lang="en-US" sz="2400" dirty="0" smtClean="0">
+                <a:latin typeface="Bookman Old Style" pitchFamily="18" charset="0"/>
+              </a:rPr>
+              <a:t>	e.g. they help to enforce good coding practices and help with programming patterns</a:t>
+            </a:r>
+            <a:endParaRPr lang="en-US" sz="2400" dirty="0">
+              <a:latin typeface="Bookman Old Style" pitchFamily="18" charset="0"/>
+            </a:endParaRPr>
+          </a:p>
+        </p:txBody>
+      </p:sp>
+      <p:sp>
+        <p:nvSpPr>
+          <p:cNvPr id="4" name="Title 1"/>
+          <p:cNvSpPr txBox="1">
+            <a:spLocks/>
+          </p:cNvSpPr>
+          <p:nvPr/>
+        </p:nvSpPr>
+        <p:spPr>
+          <a:xfrm>
+            <a:off x="476255" y="1399846"/>
+            <a:ext cx="8520600" cy="613200"/>
+          </a:xfrm>
+          <a:prstGeom prst="rect">
+            <a:avLst/>
+          </a:prstGeom>
+          <a:noFill/>
+          <a:ln>
+            <a:noFill/>
+          </a:ln>
+        </p:spPr>
+        <p:txBody>
+          <a:bodyPr spcFirstLastPara="1" wrap="square" lIns="91425" tIns="91425" rIns="91425" bIns="91425" anchor="t" anchorCtr="0">
+            <a:noAutofit/>
+          </a:bodyPr>
+          <a:lstStyle/>
+          <a:p>
+            <a:pPr marL="0" marR="0" lvl="0" indent="0" algn="l" defTabSz="914400" rtl="0" eaLnBrk="1" fontAlgn="auto" latinLnBrk="0" hangingPunct="1">
+              <a:lnSpc>
+                <a:spcPct val="100000"/>
+              </a:lnSpc>
+              <a:spcBef>
+                <a:spcPts val="0"/>
+              </a:spcBef>
+              <a:spcAft>
+                <a:spcPts val="0"/>
+              </a:spcAft>
+              <a:buClr>
+                <a:schemeClr val="dk1"/>
+              </a:buClr>
+              <a:buSzPts val="3000"/>
+              <a:buFont typeface="Old Standard TT"/>
+              <a:buNone/>
+              <a:tabLst/>
+              <a:defRPr/>
+            </a:pPr>
+            <a:r>
+              <a:rPr kumimoji="0" lang="en-US" sz="3000" b="1" i="0" u="none" strike="noStrike" kern="0" cap="none" spc="0" normalizeH="0" baseline="0" noProof="0" dirty="0" smtClean="0">
+                <a:ln>
+                  <a:noFill/>
+                </a:ln>
+                <a:solidFill>
+                  <a:schemeClr val="dk1"/>
+                </a:solidFill>
+                <a:effectLst/>
+                <a:uLnTx/>
+                <a:uFillTx/>
+                <a:latin typeface="Bookman Old Style" pitchFamily="18" charset="0"/>
+                <a:ea typeface="Old Standard TT"/>
+                <a:cs typeface="Old Standard TT"/>
+                <a:sym typeface="Old Standard TT"/>
+              </a:rPr>
+              <a:t>So, does Access </a:t>
+            </a:r>
+            <a:r>
+              <a:rPr kumimoji="0" lang="en-US" sz="3000" b="1" i="0" u="none" strike="noStrike" kern="0" cap="none" spc="0" normalizeH="0" baseline="0" noProof="0" dirty="0" err="1" smtClean="0">
+                <a:ln>
+                  <a:noFill/>
+                </a:ln>
+                <a:solidFill>
+                  <a:schemeClr val="dk1"/>
+                </a:solidFill>
+                <a:effectLst/>
+                <a:uLnTx/>
+                <a:uFillTx/>
+                <a:latin typeface="Bookman Old Style" pitchFamily="18" charset="0"/>
+                <a:ea typeface="Old Standard TT"/>
+                <a:cs typeface="Old Standard TT"/>
+                <a:sym typeface="Old Standard TT"/>
+              </a:rPr>
+              <a:t>Specifiers</a:t>
+            </a:r>
+            <a:r>
+              <a:rPr kumimoji="0" lang="en-US" sz="3000" b="1" i="0" u="none" strike="noStrike" kern="0" cap="none" spc="0" normalizeH="0" baseline="0" noProof="0" dirty="0" smtClean="0">
+                <a:ln>
+                  <a:noFill/>
+                </a:ln>
+                <a:solidFill>
+                  <a:schemeClr val="dk1"/>
+                </a:solidFill>
+                <a:effectLst/>
+                <a:uLnTx/>
+                <a:uFillTx/>
+                <a:latin typeface="Bookman Old Style" pitchFamily="18" charset="0"/>
+                <a:ea typeface="Old Standard TT"/>
+                <a:cs typeface="Old Standard TT"/>
+                <a:sym typeface="Old Standard TT"/>
+              </a:rPr>
+              <a:t> provide security?</a:t>
+            </a:r>
+            <a:endParaRPr kumimoji="0" lang="en-US" sz="3000" b="1" i="0" u="none" strike="noStrike" kern="0" cap="none" spc="0" normalizeH="0" baseline="0" noProof="0" dirty="0">
+              <a:ln>
+                <a:noFill/>
+              </a:ln>
+              <a:solidFill>
+                <a:schemeClr val="dk1"/>
+              </a:solidFill>
+              <a:effectLst/>
+              <a:uLnTx/>
+              <a:uFillTx/>
+              <a:latin typeface="Bookman Old Style" pitchFamily="18" charset="0"/>
+              <a:ea typeface="Old Standard TT"/>
+              <a:cs typeface="Old Standard TT"/>
+              <a:sym typeface="Old Standard TT"/>
+            </a:endParaRPr>
+          </a:p>
+        </p:txBody>
+      </p:sp>
+    </p:spTree>
+    <p:extLst>
+      <p:ext uri="{BB962C8B-B14F-4D97-AF65-F5344CB8AC3E}">
+        <p14:creationId xmlns:p14="http://schemas.microsoft.com/office/powerpoint/2010/main" val="2450106091"/>
+      </p:ext>
+    </p:extLst>
+  </p:cSld>
+  <p:clrMapOvr>
+    <a:masterClrMapping/>
+  </p:clrMapOvr>
+  <p:timing>
+    <p:tnLst>
+      <p:par>
+        <p:cTn id="1" dur="indefinite" restart="never" nodeType="tmRoot"/>
+      </p:par>
+    </p:tnLst>
+  </p:timing>
+</p:sld>
+</file>
+
+<file path=ppt/slides/slide12.xml><?xml version="1.0" encoding="utf-8"?>
+<p:sld xmlns:a="http://schemas.openxmlformats.org/drawingml/2006/main" xmlns:r="http://schemas.openxmlformats.org/officeDocument/2006/relationships" xmlns:p="http://schemas.openxmlformats.org/presentationml/2006/main">
+  <p:cSld>
+    <p:spTree>
+      <p:nvGrpSpPr>
+        <p:cNvPr id="1" name=""/>
+        <p:cNvGrpSpPr/>
+        <p:nvPr/>
+      </p:nvGrpSpPr>
+      <p:grpSpPr>
+        <a:xfrm>
+          <a:off x="0" y="0"/>
+          <a:ext cx="0" cy="0"/>
+          <a:chOff x="0" y="0"/>
+          <a:chExt cx="0" cy="0"/>
+        </a:xfrm>
+      </p:grpSpPr>
+      <p:sp>
+        <p:nvSpPr>
+          <p:cNvPr id="2" name="Title 1"/>
+          <p:cNvSpPr>
+            <a:spLocks noGrp="1"/>
+          </p:cNvSpPr>
+          <p:nvPr>
+            <p:ph type="title"/>
+          </p:nvPr>
+        </p:nvSpPr>
+        <p:spPr/>
+        <p:txBody>
+          <a:bodyPr/>
+          <a:lstStyle/>
+          <a:p>
+            <a:endParaRPr lang="en-IN"/>
+          </a:p>
+        </p:txBody>
+      </p:sp>
+      <p:sp>
+        <p:nvSpPr>
+          <p:cNvPr id="3" name="Text Placeholder 2"/>
+          <p:cNvSpPr>
+            <a:spLocks noGrp="1"/>
+          </p:cNvSpPr>
+          <p:nvPr>
+            <p:ph type="body" idx="1"/>
+          </p:nvPr>
+        </p:nvSpPr>
+        <p:spPr/>
+        <p:txBody>
+          <a:bodyPr/>
+          <a:lstStyle/>
+          <a:p>
+            <a:r>
+              <a:rPr lang="en-US" dirty="0">
+                <a:latin typeface="Bookman Old Style" panose="02050604050505020204" pitchFamily="18" charset="0"/>
+              </a:rPr>
+              <a:t>The </a:t>
+            </a:r>
+            <a:r>
+              <a:rPr lang="en-US" b="1" dirty="0">
+                <a:latin typeface="Bookman Old Style" panose="02050604050505020204" pitchFamily="18" charset="0"/>
+              </a:rPr>
+              <a:t>Object class</a:t>
+            </a:r>
+            <a:r>
+              <a:rPr lang="en-US" dirty="0">
+                <a:latin typeface="Bookman Old Style" panose="02050604050505020204" pitchFamily="18" charset="0"/>
+              </a:rPr>
+              <a:t> is the parent class of all the classes in java by default. In other words, it is the topmost class of </a:t>
+            </a:r>
+            <a:r>
+              <a:rPr lang="en-US" dirty="0" smtClean="0">
+                <a:latin typeface="Bookman Old Style" panose="02050604050505020204" pitchFamily="18" charset="0"/>
+              </a:rPr>
+              <a:t>java.</a:t>
+            </a:r>
+          </a:p>
+          <a:p>
+            <a:pPr lvl="1"/>
+            <a:r>
+              <a:rPr lang="en-IN" dirty="0"/>
+              <a:t>public final Class </a:t>
+            </a:r>
+            <a:r>
+              <a:rPr lang="en-IN" dirty="0" err="1"/>
+              <a:t>getClass</a:t>
+            </a:r>
+            <a:r>
+              <a:rPr lang="en-IN" dirty="0" smtClean="0"/>
+              <a:t>()</a:t>
+            </a:r>
+          </a:p>
+          <a:p>
+            <a:pPr lvl="1"/>
+            <a:endParaRPr lang="en-US" dirty="0"/>
+          </a:p>
+          <a:p>
+            <a:r>
+              <a:rPr lang="en-US" dirty="0">
+                <a:latin typeface="Bookman Old Style" panose="02050604050505020204" pitchFamily="18" charset="0"/>
+              </a:rPr>
+              <a:t>The </a:t>
+            </a:r>
+            <a:r>
+              <a:rPr lang="en-US" b="1" dirty="0" err="1">
+                <a:latin typeface="Bookman Old Style" panose="02050604050505020204" pitchFamily="18" charset="0"/>
+              </a:rPr>
+              <a:t>java.lang.Class</a:t>
+            </a:r>
+            <a:r>
+              <a:rPr lang="en-US" dirty="0">
+                <a:latin typeface="Bookman Old Style" panose="02050604050505020204" pitchFamily="18" charset="0"/>
+              </a:rPr>
+              <a:t> class instance represent classes and interfaces in a running Java </a:t>
+            </a:r>
+            <a:r>
+              <a:rPr lang="en-US" dirty="0" err="1">
+                <a:latin typeface="Bookman Old Style" panose="02050604050505020204" pitchFamily="18" charset="0"/>
+              </a:rPr>
+              <a:t>application.It</a:t>
+            </a:r>
+            <a:r>
+              <a:rPr lang="en-US" dirty="0">
+                <a:latin typeface="Bookman Old Style" panose="02050604050505020204" pitchFamily="18" charset="0"/>
+              </a:rPr>
+              <a:t> has no public constructor</a:t>
+            </a:r>
+            <a:r>
+              <a:rPr lang="en-US" dirty="0" smtClean="0">
+                <a:latin typeface="Bookman Old Style" panose="02050604050505020204" pitchFamily="18" charset="0"/>
+              </a:rPr>
+              <a:t>.</a:t>
+            </a:r>
+          </a:p>
+          <a:p>
+            <a:pPr lvl="1"/>
+            <a:r>
+              <a:rPr lang="en-US" dirty="0">
+                <a:latin typeface="Bookman Old Style" panose="02050604050505020204" pitchFamily="18" charset="0"/>
+              </a:rPr>
+              <a:t>public final class </a:t>
+            </a:r>
+            <a:r>
+              <a:rPr lang="en-US" b="1" dirty="0">
+                <a:latin typeface="Bookman Old Style" panose="02050604050505020204" pitchFamily="18" charset="0"/>
+              </a:rPr>
+              <a:t>Class&lt;T&gt;</a:t>
+            </a:r>
+            <a:r>
+              <a:rPr lang="en-US" dirty="0">
+                <a:latin typeface="Bookman Old Style" panose="02050604050505020204" pitchFamily="18" charset="0"/>
+              </a:rPr>
+              <a:t> extends Object implements Serializable, </a:t>
+            </a:r>
+            <a:r>
+              <a:rPr lang="en-US" dirty="0" err="1">
+                <a:latin typeface="Bookman Old Style" panose="02050604050505020204" pitchFamily="18" charset="0"/>
+              </a:rPr>
+              <a:t>GenericDeclaration</a:t>
+            </a:r>
+            <a:r>
+              <a:rPr lang="en-US" dirty="0">
+                <a:latin typeface="Bookman Old Style" panose="02050604050505020204" pitchFamily="18" charset="0"/>
+              </a:rPr>
+              <a:t>, Type, </a:t>
+            </a:r>
+            <a:r>
+              <a:rPr lang="en-US" dirty="0" err="1">
+                <a:latin typeface="Bookman Old Style" panose="02050604050505020204" pitchFamily="18" charset="0"/>
+              </a:rPr>
+              <a:t>AnnotatedElement</a:t>
+            </a:r>
+            <a:endParaRPr lang="en-IN" dirty="0">
+              <a:latin typeface="Bookman Old Style" panose="02050604050505020204" pitchFamily="18" charset="0"/>
+            </a:endParaRPr>
+          </a:p>
+        </p:txBody>
+      </p:sp>
+    </p:spTree>
+    <p:extLst>
+      <p:ext uri="{BB962C8B-B14F-4D97-AF65-F5344CB8AC3E}">
+        <p14:creationId xmlns:p14="http://schemas.microsoft.com/office/powerpoint/2010/main" val="3086869145"/>
+      </p:ext>
+    </p:extLst>
+  </p:cSld>
+  <p:clrMapOvr>
+    <a:masterClrMapping/>
+  </p:clrMapOvr>
+  <p:timing>
+    <p:tnLst>
+      <p:par>
+        <p:cTn id="1" dur="indefinite" restart="never" nodeType="tmRoot"/>
+      </p:par>
+    </p:tnLst>
+  </p:timing>
+</p:sld>
+</file>
+
+<file path=ppt/slides/slide13.xml><?xml version="1.0" encoding="utf-8"?>
+<p:sld xmlns:a="http://schemas.openxmlformats.org/drawingml/2006/main" xmlns:r="http://schemas.openxmlformats.org/officeDocument/2006/relationships" xmlns:p="http://schemas.openxmlformats.org/presentationml/2006/main">
+  <p:cSld>
+    <p:spTree>
+      <p:nvGrpSpPr>
+        <p:cNvPr id="1" name=""/>
+        <p:cNvGrpSpPr/>
+        <p:nvPr/>
+      </p:nvGrpSpPr>
+      <p:grpSpPr>
+        <a:xfrm>
+          <a:off x="0" y="0"/>
+          <a:ext cx="0" cy="0"/>
+          <a:chOff x="0" y="0"/>
+          <a:chExt cx="0" cy="0"/>
+        </a:xfrm>
+      </p:grpSpPr>
+      <p:sp>
+        <p:nvSpPr>
+          <p:cNvPr id="2" name="Title 1"/>
+          <p:cNvSpPr>
+            <a:spLocks noGrp="1"/>
+          </p:cNvSpPr>
+          <p:nvPr>
+            <p:ph type="title"/>
+          </p:nvPr>
+        </p:nvSpPr>
+        <p:spPr/>
+        <p:txBody>
+          <a:bodyPr/>
+          <a:lstStyle/>
+          <a:p>
+            <a:r>
+              <a:rPr lang="en-US" b="1" dirty="0" err="1">
+                <a:latin typeface="Bookman Old Style" panose="02050604050505020204" pitchFamily="18" charset="0"/>
+              </a:rPr>
+              <a:t>java.lang.Class</a:t>
+            </a:r>
+            <a:endParaRPr lang="en-IN" dirty="0"/>
+          </a:p>
+        </p:txBody>
+      </p:sp>
+      <p:sp>
+        <p:nvSpPr>
+          <p:cNvPr id="3" name="Text Placeholder 2"/>
+          <p:cNvSpPr>
+            <a:spLocks noGrp="1"/>
+          </p:cNvSpPr>
+          <p:nvPr>
+            <p:ph type="body" idx="1"/>
+          </p:nvPr>
+        </p:nvSpPr>
+        <p:spPr/>
+        <p:txBody>
+          <a:bodyPr/>
+          <a:lstStyle/>
+          <a:p>
+            <a:r>
+              <a:rPr lang="en-IN" dirty="0" smtClean="0"/>
+              <a:t>Constructor</a:t>
+            </a:r>
+            <a:r>
+              <a:rPr lang="en-IN" dirty="0"/>
+              <a:t>&lt;?&gt;[] </a:t>
+            </a:r>
+            <a:r>
+              <a:rPr lang="en-IN" dirty="0" err="1"/>
+              <a:t>getConstructors</a:t>
+            </a:r>
+            <a:r>
+              <a:rPr lang="en-IN" dirty="0" smtClean="0"/>
+              <a:t>()</a:t>
+            </a:r>
+          </a:p>
+          <a:p>
+            <a:r>
+              <a:rPr lang="en-IN" dirty="0"/>
+              <a:t>Constructor&lt;?&gt;[] </a:t>
+            </a:r>
+            <a:r>
+              <a:rPr lang="en-IN" dirty="0" err="1"/>
+              <a:t>getDeclaredConstructors</a:t>
+            </a:r>
+            <a:r>
+              <a:rPr lang="en-IN" dirty="0" smtClean="0"/>
+              <a:t>()</a:t>
+            </a:r>
+          </a:p>
+          <a:p>
+            <a:r>
+              <a:rPr lang="en-IN" dirty="0"/>
+              <a:t>Field[] </a:t>
+            </a:r>
+            <a:r>
+              <a:rPr lang="en-IN" dirty="0" err="1"/>
+              <a:t>getDeclaredFields</a:t>
+            </a:r>
+            <a:r>
+              <a:rPr lang="en-IN" dirty="0" smtClean="0"/>
+              <a:t>()</a:t>
+            </a:r>
+          </a:p>
+          <a:p>
+            <a:r>
+              <a:rPr lang="en-IN" dirty="0" smtClean="0"/>
+              <a:t>Class</a:t>
+            </a:r>
+            <a:r>
+              <a:rPr lang="en-IN" dirty="0"/>
+              <a:t>&lt;?&gt;[] </a:t>
+            </a:r>
+            <a:r>
+              <a:rPr lang="en-IN" dirty="0" err="1"/>
+              <a:t>getInterfaces</a:t>
+            </a:r>
+            <a:r>
+              <a:rPr lang="en-IN" dirty="0" smtClean="0"/>
+              <a:t>()</a:t>
+            </a:r>
+          </a:p>
+          <a:p>
+            <a:r>
+              <a:rPr lang="en-IN" dirty="0"/>
+              <a:t>Method[] </a:t>
+            </a:r>
+            <a:r>
+              <a:rPr lang="en-IN" dirty="0" err="1"/>
+              <a:t>getDeclaredMethods</a:t>
+            </a:r>
+            <a:r>
+              <a:rPr lang="en-IN" dirty="0" smtClean="0"/>
+              <a:t>()</a:t>
+            </a:r>
+          </a:p>
+          <a:p>
+            <a:r>
+              <a:rPr lang="en-IN" dirty="0"/>
+              <a:t>Method[] </a:t>
+            </a:r>
+            <a:r>
+              <a:rPr lang="en-IN" dirty="0" err="1"/>
+              <a:t>getMethods</a:t>
+            </a:r>
+            <a:r>
+              <a:rPr lang="en-IN" dirty="0" smtClean="0"/>
+              <a:t>()</a:t>
+            </a:r>
+          </a:p>
+          <a:p>
+            <a:r>
+              <a:rPr lang="en-IN" dirty="0"/>
+              <a:t>String </a:t>
+            </a:r>
+            <a:r>
+              <a:rPr lang="en-IN" dirty="0" err="1"/>
+              <a:t>getName</a:t>
+            </a:r>
+            <a:r>
+              <a:rPr lang="en-IN" dirty="0" smtClean="0"/>
+              <a:t>()</a:t>
+            </a:r>
+          </a:p>
+          <a:p>
+            <a:r>
+              <a:rPr lang="en-US" dirty="0" smtClean="0"/>
+              <a:t>…</a:t>
+            </a:r>
+            <a:endParaRPr lang="en-IN" dirty="0" smtClean="0"/>
+          </a:p>
+          <a:p>
+            <a:endParaRPr lang="en-IN" dirty="0"/>
+          </a:p>
+        </p:txBody>
+      </p:sp>
+    </p:spTree>
+    <p:extLst>
+      <p:ext uri="{BB962C8B-B14F-4D97-AF65-F5344CB8AC3E}">
+        <p14:creationId xmlns:p14="http://schemas.microsoft.com/office/powerpoint/2010/main" val="1121232086"/>
+      </p:ext>
+    </p:extLst>
+  </p:cSld>
+  <p:clrMapOvr>
+    <a:masterClrMapping/>
+  </p:clrMapOvr>
+  <p:timing>
+    <p:tnLst>
+      <p:par>
+        <p:cTn id="1" dur="indefinite" restart="never" nodeType="tmRoot"/>
+      </p:par>
+    </p:tnLst>
+  </p:timing>
+</p:sld>
+</file>
+
+<file path=ppt/slides/slide14.xml><?xml version="1.0" encoding="utf-8"?>
+<p:sld xmlns:a="http://schemas.openxmlformats.org/drawingml/2006/main" xmlns:r="http://schemas.openxmlformats.org/officeDocument/2006/relationships" xmlns:p="http://schemas.openxmlformats.org/presentationml/2006/main">
+  <p:cSld>
+    <p:spTree>
+      <p:nvGrpSpPr>
+        <p:cNvPr id="1" name=""/>
+        <p:cNvGrpSpPr/>
+        <p:nvPr/>
+      </p:nvGrpSpPr>
+      <p:grpSpPr>
+        <a:xfrm>
+          <a:off x="0" y="0"/>
+          <a:ext cx="0" cy="0"/>
+          <a:chOff x="0" y="0"/>
+          <a:chExt cx="0" cy="0"/>
+        </a:xfrm>
+      </p:grpSpPr>
+      <p:sp>
+        <p:nvSpPr>
+          <p:cNvPr id="2" name="Title 1"/>
+          <p:cNvSpPr>
+            <a:spLocks noGrp="1"/>
+          </p:cNvSpPr>
+          <p:nvPr>
+            <p:ph type="title"/>
+          </p:nvPr>
+        </p:nvSpPr>
+        <p:spPr/>
+        <p:txBody>
+          <a:bodyPr/>
+          <a:lstStyle/>
+          <a:p>
+            <a:endParaRPr lang="en-IN"/>
+          </a:p>
+        </p:txBody>
+      </p:sp>
+      <p:sp>
+        <p:nvSpPr>
+          <p:cNvPr id="3" name="Text Placeholder 2"/>
+          <p:cNvSpPr>
+            <a:spLocks noGrp="1"/>
+          </p:cNvSpPr>
+          <p:nvPr>
+            <p:ph type="body" idx="1"/>
+          </p:nvPr>
+        </p:nvSpPr>
+        <p:spPr/>
+        <p:txBody>
+          <a:bodyPr/>
+          <a:lstStyle/>
+          <a:p>
+            <a:endParaRPr lang="en-IN" dirty="0"/>
+          </a:p>
+        </p:txBody>
+      </p:sp>
+      <p:pic>
+        <p:nvPicPr>
+          <p:cNvPr id="4" name="Picture 3"/>
+          <p:cNvPicPr>
+            <a:picLocks noChangeAspect="1"/>
+          </p:cNvPicPr>
+          <p:nvPr/>
+        </p:nvPicPr>
+        <p:blipFill>
+          <a:blip r:embed="rId2">
+            <a:extLst>
+              <a:ext uri="{28A0092B-C50C-407E-A947-70E740481C1C}">
+                <a14:useLocalDpi xmlns:a14="http://schemas.microsoft.com/office/drawing/2010/main" val="0"/>
+              </a:ext>
+            </a:extLst>
+          </a:blip>
+          <a:stretch>
+            <a:fillRect/>
+          </a:stretch>
+        </p:blipFill>
+        <p:spPr>
+          <a:xfrm>
+            <a:off x="0" y="0"/>
+            <a:ext cx="9144000" cy="5052561"/>
+          </a:xfrm>
+          <a:prstGeom prst="rect">
+            <a:avLst/>
+          </a:prstGeom>
+        </p:spPr>
+      </p:pic>
+    </p:spTree>
+    <p:extLst>
+      <p:ext uri="{BB962C8B-B14F-4D97-AF65-F5344CB8AC3E}">
+        <p14:creationId xmlns:p14="http://schemas.microsoft.com/office/powerpoint/2010/main" val="2632502249"/>
+      </p:ext>
+    </p:extLst>
+  </p:cSld>
+  <p:clrMapOvr>
+    <a:masterClrMapping/>
+  </p:clrMapOvr>
+  <p:timing>
+    <p:tnLst>
+      <p:par>
+        <p:cTn id="1" dur="indefinite" restart="never" nodeType="tmRoot"/>
+      </p:par>
+    </p:tnLst>
+  </p:timing>
+</p:sld>
+</file>
+
+<file path=ppt/slides/slide15.xml><?xml version="1.0" encoding="utf-8"?>
+<p:sld xmlns:a="http://schemas.openxmlformats.org/drawingml/2006/main" xmlns:r="http://schemas.openxmlformats.org/officeDocument/2006/relationships" xmlns:p="http://schemas.openxmlformats.org/presentationml/2006/main">
+  <p:cSld>
+    <p:spTree>
+      <p:nvGrpSpPr>
+        <p:cNvPr id="1" name=""/>
+        <p:cNvGrpSpPr/>
+        <p:nvPr/>
+      </p:nvGrpSpPr>
+      <p:grpSpPr>
+        <a:xfrm>
+          <a:off x="0" y="0"/>
+          <a:ext cx="0" cy="0"/>
+          <a:chOff x="0" y="0"/>
+          <a:chExt cx="0" cy="0"/>
+        </a:xfrm>
+      </p:grpSpPr>
+      <p:sp>
+        <p:nvSpPr>
+          <p:cNvPr id="2" name="Title 1"/>
+          <p:cNvSpPr>
+            <a:spLocks noGrp="1"/>
+          </p:cNvSpPr>
+          <p:nvPr>
+            <p:ph type="title"/>
+          </p:nvPr>
+        </p:nvSpPr>
+        <p:spPr/>
+        <p:txBody>
+          <a:bodyPr/>
+          <a:lstStyle/>
+          <a:p>
+            <a:endParaRPr lang="en-IN"/>
+          </a:p>
+        </p:txBody>
+      </p:sp>
+      <p:sp>
+        <p:nvSpPr>
+          <p:cNvPr id="3" name="Text Placeholder 2"/>
+          <p:cNvSpPr>
+            <a:spLocks noGrp="1"/>
+          </p:cNvSpPr>
+          <p:nvPr>
+            <p:ph type="body" idx="1"/>
+          </p:nvPr>
+        </p:nvSpPr>
+        <p:spPr/>
+        <p:txBody>
+          <a:bodyPr/>
+          <a:lstStyle/>
+          <a:p>
+            <a:endParaRPr lang="en-IN"/>
+          </a:p>
+        </p:txBody>
+      </p:sp>
+      <p:pic>
+        <p:nvPicPr>
+          <p:cNvPr id="5" name="Picture 4"/>
+          <p:cNvPicPr>
+            <a:picLocks noChangeAspect="1"/>
+          </p:cNvPicPr>
+          <p:nvPr/>
+        </p:nvPicPr>
+        <p:blipFill>
+          <a:blip r:embed="rId2">
+            <a:extLst>
+              <a:ext uri="{28A0092B-C50C-407E-A947-70E740481C1C}">
+                <a14:useLocalDpi xmlns:a14="http://schemas.microsoft.com/office/drawing/2010/main" val="0"/>
+              </a:ext>
+            </a:extLst>
+          </a:blip>
+          <a:stretch>
+            <a:fillRect/>
+          </a:stretch>
+        </p:blipFill>
+        <p:spPr>
+          <a:xfrm>
+            <a:off x="0" y="-1"/>
+            <a:ext cx="9144000" cy="5052561"/>
+          </a:xfrm>
+          <a:prstGeom prst="rect">
+            <a:avLst/>
+          </a:prstGeom>
+        </p:spPr>
+      </p:pic>
+    </p:spTree>
+    <p:extLst>
+      <p:ext uri="{BB962C8B-B14F-4D97-AF65-F5344CB8AC3E}">
+        <p14:creationId xmlns:p14="http://schemas.microsoft.com/office/powerpoint/2010/main" val="3055926797"/>
+      </p:ext>
+    </p:extLst>
+  </p:cSld>
+  <p:clrMapOvr>
+    <a:masterClrMapping/>
+  </p:clrMapOvr>
+  <p:timing>
+    <p:tnLst>
+      <p:par>
+        <p:cTn id="1" dur="indefinite" restart="never" nodeType="tmRoot"/>
+      </p:par>
+    </p:tnLst>
+  </p:timing>
+</p:sld>
+</file>
+
+<file path=ppt/slides/slide16.xml><?xml version="1.0" encoding="utf-8"?>
+<p:sld xmlns:a="http://schemas.openxmlformats.org/drawingml/2006/main" xmlns:r="http://schemas.openxmlformats.org/officeDocument/2006/relationships" xmlns:p="http://schemas.openxmlformats.org/presentationml/2006/main">
+  <p:cSld>
+    <p:spTree>
+      <p:nvGrpSpPr>
+        <p:cNvPr id="1" name=""/>
+        <p:cNvGrpSpPr/>
+        <p:nvPr/>
+      </p:nvGrpSpPr>
+      <p:grpSpPr>
+        <a:xfrm>
+          <a:off x="0" y="0"/>
+          <a:ext cx="0" cy="0"/>
+          <a:chOff x="0" y="0"/>
+          <a:chExt cx="0" cy="0"/>
+        </a:xfrm>
+      </p:grpSpPr>
+      <p:sp>
+        <p:nvSpPr>
+          <p:cNvPr id="2" name="Title 1"/>
+          <p:cNvSpPr>
+            <a:spLocks noGrp="1"/>
+          </p:cNvSpPr>
+          <p:nvPr>
+            <p:ph type="title"/>
+          </p:nvPr>
+        </p:nvSpPr>
+        <p:spPr/>
+        <p:txBody>
+          <a:bodyPr/>
+          <a:lstStyle/>
+          <a:p>
+            <a:endParaRPr lang="en-IN"/>
+          </a:p>
+        </p:txBody>
+      </p:sp>
+      <p:sp>
+        <p:nvSpPr>
+          <p:cNvPr id="3" name="Text Placeholder 2"/>
+          <p:cNvSpPr>
+            <a:spLocks noGrp="1"/>
+          </p:cNvSpPr>
+          <p:nvPr>
+            <p:ph type="body" idx="1"/>
+          </p:nvPr>
+        </p:nvSpPr>
+        <p:spPr/>
+        <p:txBody>
+          <a:bodyPr/>
+          <a:lstStyle/>
+          <a:p>
+            <a:endParaRPr lang="en-IN"/>
+          </a:p>
+        </p:txBody>
+      </p:sp>
+      <p:pic>
+        <p:nvPicPr>
+          <p:cNvPr id="5" name="Picture 4"/>
+          <p:cNvPicPr>
+            <a:picLocks noChangeAspect="1"/>
+          </p:cNvPicPr>
+          <p:nvPr/>
+        </p:nvPicPr>
+        <p:blipFill>
+          <a:blip r:embed="rId2"/>
+          <a:stretch>
+            <a:fillRect/>
+          </a:stretch>
+        </p:blipFill>
+        <p:spPr>
+          <a:xfrm>
+            <a:off x="311699" y="1171600"/>
+            <a:ext cx="7250455" cy="3435093"/>
+          </a:xfrm>
+          <a:prstGeom prst="rect">
+            <a:avLst/>
+          </a:prstGeom>
+        </p:spPr>
+      </p:pic>
+    </p:spTree>
+    <p:extLst>
+      <p:ext uri="{BB962C8B-B14F-4D97-AF65-F5344CB8AC3E}">
+        <p14:creationId xmlns:p14="http://schemas.microsoft.com/office/powerpoint/2010/main" val="2675946004"/>
+      </p:ext>
+    </p:extLst>
+  </p:cSld>
+  <p:clrMapOvr>
+    <a:masterClrMapping/>
+  </p:clrMapOvr>
+  <p:timing>
+    <p:tnLst>
+      <p:par>
+        <p:cTn id="1" dur="indefinite" restart="never" nodeType="tmRoot"/>
+      </p:par>
+    </p:tnLst>
+  </p:timing>
+</p:sld>
+</file>
+
+<file path=ppt/slides/slide17.xml><?xml version="1.0" encoding="utf-8"?>
+<p:sld xmlns:a="http://schemas.openxmlformats.org/drawingml/2006/main" xmlns:r="http://schemas.openxmlformats.org/officeDocument/2006/relationships" xmlns:p="http://schemas.openxmlformats.org/presentationml/2006/main">
+  <p:cSld>
+    <p:spTree>
+      <p:nvGrpSpPr>
+        <p:cNvPr id="1" name=""/>
+        <p:cNvGrpSpPr/>
+        <p:nvPr/>
+      </p:nvGrpSpPr>
+      <p:grpSpPr>
+        <a:xfrm>
+          <a:off x="0" y="0"/>
+          <a:ext cx="0" cy="0"/>
+          <a:chOff x="0" y="0"/>
+          <a:chExt cx="0" cy="0"/>
+        </a:xfrm>
+      </p:grpSpPr>
+      <p:sp>
+        <p:nvSpPr>
+          <p:cNvPr id="2" name="Title 1"/>
+          <p:cNvSpPr>
+            <a:spLocks noGrp="1"/>
+          </p:cNvSpPr>
+          <p:nvPr>
+            <p:ph type="title"/>
+          </p:nvPr>
+        </p:nvSpPr>
+        <p:spPr/>
+        <p:txBody>
+          <a:bodyPr/>
+          <a:lstStyle/>
+          <a:p>
+            <a:r>
+              <a:rPr lang="en-US" dirty="0" smtClean="0">
+                <a:latin typeface="Bookman Old Style" panose="02050604050505020204" pitchFamily="18" charset="0"/>
+              </a:rPr>
+              <a:t>Get all methods</a:t>
+            </a:r>
+            <a:endParaRPr lang="en-IN" dirty="0">
+              <a:latin typeface="Bookman Old Style" panose="02050604050505020204" pitchFamily="18" charset="0"/>
+            </a:endParaRPr>
+          </a:p>
+        </p:txBody>
+      </p:sp>
+      <p:sp>
+        <p:nvSpPr>
+          <p:cNvPr id="3" name="Text Placeholder 2"/>
+          <p:cNvSpPr>
+            <a:spLocks noGrp="1"/>
+          </p:cNvSpPr>
+          <p:nvPr>
+            <p:ph type="body" idx="1"/>
+          </p:nvPr>
+        </p:nvSpPr>
+        <p:spPr/>
+        <p:txBody>
+          <a:bodyPr/>
+          <a:lstStyle/>
+          <a:p>
+            <a:endParaRPr lang="en-IN" dirty="0"/>
+          </a:p>
+        </p:txBody>
+      </p:sp>
+      <p:pic>
+        <p:nvPicPr>
+          <p:cNvPr id="4" name="Picture 3"/>
+          <p:cNvPicPr>
+            <a:picLocks noChangeAspect="1"/>
+          </p:cNvPicPr>
+          <p:nvPr/>
+        </p:nvPicPr>
+        <p:blipFill>
+          <a:blip r:embed="rId2">
+            <a:extLst>
+              <a:ext uri="{28A0092B-C50C-407E-A947-70E740481C1C}">
+                <a14:useLocalDpi xmlns:a14="http://schemas.microsoft.com/office/drawing/2010/main" val="0"/>
+              </a:ext>
+            </a:extLst>
+          </a:blip>
+          <a:stretch>
+            <a:fillRect/>
+          </a:stretch>
+        </p:blipFill>
+        <p:spPr>
+          <a:xfrm>
+            <a:off x="311700" y="1171600"/>
+            <a:ext cx="4908801" cy="2765387"/>
+          </a:xfrm>
+          <a:prstGeom prst="rect">
+            <a:avLst/>
+          </a:prstGeom>
+        </p:spPr>
+      </p:pic>
+      <p:pic>
+        <p:nvPicPr>
+          <p:cNvPr id="5" name="Picture 4"/>
+          <p:cNvPicPr>
+            <a:picLocks noChangeAspect="1"/>
+          </p:cNvPicPr>
+          <p:nvPr/>
+        </p:nvPicPr>
+        <p:blipFill>
+          <a:blip r:embed="rId3"/>
+          <a:stretch>
+            <a:fillRect/>
+          </a:stretch>
+        </p:blipFill>
+        <p:spPr>
+          <a:xfrm>
+            <a:off x="4897926" y="445025"/>
+            <a:ext cx="3934374" cy="3953427"/>
+          </a:xfrm>
+          <a:prstGeom prst="rect">
+            <a:avLst/>
+          </a:prstGeom>
+        </p:spPr>
+      </p:pic>
+    </p:spTree>
+    <p:extLst>
+      <p:ext uri="{BB962C8B-B14F-4D97-AF65-F5344CB8AC3E}">
+        <p14:creationId xmlns:p14="http://schemas.microsoft.com/office/powerpoint/2010/main" val="2005577861"/>
+      </p:ext>
+    </p:extLst>
+  </p:cSld>
+  <p:clrMapOvr>
+    <a:masterClrMapping/>
+  </p:clrMapOvr>
+  <p:timing>
+    <p:tnLst>
+      <p:par>
+        <p:cTn id="1" dur="indefinite" restart="never" nodeType="tmRoot"/>
+      </p:par>
+    </p:tnLst>
+  </p:timing>
+</p:sld>
+</file>
+
+<file path=ppt/slides/slide18.xml><?xml version="1.0" encoding="utf-8"?>
+<p:sld xmlns:a="http://schemas.openxmlformats.org/drawingml/2006/main" xmlns:r="http://schemas.openxmlformats.org/officeDocument/2006/relationships" xmlns:p="http://schemas.openxmlformats.org/presentationml/2006/main">
+  <p:cSld>
+    <p:spTree>
+      <p:nvGrpSpPr>
+        <p:cNvPr id="1" name=""/>
+        <p:cNvGrpSpPr/>
+        <p:nvPr/>
+      </p:nvGrpSpPr>
+      <p:grpSpPr>
+        <a:xfrm>
+          <a:off x="0" y="0"/>
+          <a:ext cx="0" cy="0"/>
+          <a:chOff x="0" y="0"/>
+          <a:chExt cx="0" cy="0"/>
+        </a:xfrm>
+      </p:grpSpPr>
+      <p:sp>
+        <p:nvSpPr>
+          <p:cNvPr id="2" name="Title 1"/>
+          <p:cNvSpPr>
+            <a:spLocks noGrp="1"/>
+          </p:cNvSpPr>
+          <p:nvPr>
+            <p:ph type="title"/>
+          </p:nvPr>
+        </p:nvSpPr>
+        <p:spPr/>
+        <p:txBody>
+          <a:bodyPr/>
+          <a:lstStyle/>
+          <a:p>
+            <a:r>
+              <a:rPr lang="en-US" dirty="0" smtClean="0"/>
+              <a:t>Get Constructors</a:t>
+            </a:r>
+            <a:endParaRPr lang="en-IN" dirty="0"/>
+          </a:p>
+        </p:txBody>
+      </p:sp>
+      <p:pic>
+        <p:nvPicPr>
+          <p:cNvPr id="5" name="Picture 4"/>
+          <p:cNvPicPr>
+            <a:picLocks noChangeAspect="1"/>
+          </p:cNvPicPr>
+          <p:nvPr/>
+        </p:nvPicPr>
+        <p:blipFill>
+          <a:blip r:embed="rId2"/>
+          <a:stretch>
+            <a:fillRect/>
+          </a:stretch>
+        </p:blipFill>
+        <p:spPr>
+          <a:xfrm>
+            <a:off x="840981" y="3343809"/>
+            <a:ext cx="3067478" cy="847843"/>
+          </a:xfrm>
+          <a:prstGeom prst="rect">
+            <a:avLst/>
+          </a:prstGeom>
+        </p:spPr>
+      </p:pic>
+      <p:sp>
+        <p:nvSpPr>
+          <p:cNvPr id="3" name="Text Placeholder 2"/>
+          <p:cNvSpPr>
+            <a:spLocks noGrp="1"/>
+          </p:cNvSpPr>
+          <p:nvPr>
+            <p:ph type="body" idx="1"/>
+          </p:nvPr>
+        </p:nvSpPr>
+        <p:spPr/>
+        <p:txBody>
+          <a:bodyPr/>
+          <a:lstStyle/>
+          <a:p>
+            <a:endParaRPr lang="en-IN" dirty="0"/>
+          </a:p>
+        </p:txBody>
+      </p:sp>
+      <p:pic>
+        <p:nvPicPr>
+          <p:cNvPr id="4" name="Picture 3"/>
+          <p:cNvPicPr>
+            <a:picLocks noChangeAspect="1"/>
+          </p:cNvPicPr>
+          <p:nvPr/>
+        </p:nvPicPr>
+        <p:blipFill>
+          <a:blip r:embed="rId3">
+            <a:extLst>
+              <a:ext uri="{28A0092B-C50C-407E-A947-70E740481C1C}">
+                <a14:useLocalDpi xmlns:a14="http://schemas.microsoft.com/office/drawing/2010/main" val="0"/>
+              </a:ext>
+            </a:extLst>
+          </a:blip>
+          <a:stretch>
+            <a:fillRect/>
+          </a:stretch>
+        </p:blipFill>
+        <p:spPr>
+          <a:xfrm>
+            <a:off x="311700" y="1091407"/>
+            <a:ext cx="5491467" cy="2139027"/>
+          </a:xfrm>
+          <a:prstGeom prst="rect">
+            <a:avLst/>
+          </a:prstGeom>
+        </p:spPr>
+      </p:pic>
+    </p:spTree>
+    <p:extLst>
+      <p:ext uri="{BB962C8B-B14F-4D97-AF65-F5344CB8AC3E}">
+        <p14:creationId xmlns:p14="http://schemas.microsoft.com/office/powerpoint/2010/main" val="1088527128"/>
+      </p:ext>
+    </p:extLst>
+  </p:cSld>
+  <p:clrMapOvr>
+    <a:masterClrMapping/>
+  </p:clrMapOvr>
+  <p:timing>
+    <p:tnLst>
+      <p:par>
+        <p:cTn id="1" dur="indefinite" restart="never" nodeType="tmRoot"/>
+      </p:par>
+    </p:tnLst>
+  </p:timing>
+</p:sld>
+</file>
+
+<file path=ppt/slides/slide19.xml><?xml version="1.0" encoding="utf-8"?>
+<p:sld xmlns:a="http://schemas.openxmlformats.org/drawingml/2006/main" xmlns:r="http://schemas.openxmlformats.org/officeDocument/2006/relationships" xmlns:p="http://schemas.openxmlformats.org/presentationml/2006/main">
+  <p:cSld>
+    <p:spTree>
+      <p:nvGrpSpPr>
+        <p:cNvPr id="1" name=""/>
+        <p:cNvGrpSpPr/>
+        <p:nvPr/>
+      </p:nvGrpSpPr>
+      <p:grpSpPr>
+        <a:xfrm>
+          <a:off x="0" y="0"/>
+          <a:ext cx="0" cy="0"/>
+          <a:chOff x="0" y="0"/>
+          <a:chExt cx="0" cy="0"/>
+        </a:xfrm>
+      </p:grpSpPr>
+      <p:sp>
+        <p:nvSpPr>
+          <p:cNvPr id="2" name="Title 1"/>
+          <p:cNvSpPr>
+            <a:spLocks noGrp="1"/>
+          </p:cNvSpPr>
+          <p:nvPr>
+            <p:ph type="title"/>
+          </p:nvPr>
+        </p:nvSpPr>
+        <p:spPr/>
+        <p:txBody>
+          <a:bodyPr/>
+          <a:lstStyle/>
+          <a:p>
+            <a:endParaRPr lang="en-IN"/>
+          </a:p>
+        </p:txBody>
+      </p:sp>
+      <p:sp>
+        <p:nvSpPr>
+          <p:cNvPr id="3" name="Text Placeholder 2"/>
+          <p:cNvSpPr>
+            <a:spLocks noGrp="1"/>
+          </p:cNvSpPr>
+          <p:nvPr>
+            <p:ph type="body" idx="1"/>
+          </p:nvPr>
+        </p:nvSpPr>
+        <p:spPr/>
+        <p:txBody>
+          <a:bodyPr/>
+          <a:lstStyle/>
+          <a:p>
+            <a:endParaRPr lang="en-IN"/>
+          </a:p>
+        </p:txBody>
+      </p:sp>
+      <p:pic>
+        <p:nvPicPr>
+          <p:cNvPr id="4" name="Picture 3"/>
+          <p:cNvPicPr>
+            <a:picLocks noChangeAspect="1"/>
+          </p:cNvPicPr>
+          <p:nvPr/>
+        </p:nvPicPr>
+        <p:blipFill>
+          <a:blip r:embed="rId2">
+            <a:extLst>
+              <a:ext uri="{28A0092B-C50C-407E-A947-70E740481C1C}">
+                <a14:useLocalDpi xmlns:a14="http://schemas.microsoft.com/office/drawing/2010/main" val="0"/>
+              </a:ext>
+            </a:extLst>
+          </a:blip>
+          <a:stretch>
+            <a:fillRect/>
+          </a:stretch>
+        </p:blipFill>
+        <p:spPr>
+          <a:xfrm>
+            <a:off x="0" y="0"/>
+            <a:ext cx="9144000" cy="5032537"/>
+          </a:xfrm>
+          <a:prstGeom prst="rect">
+            <a:avLst/>
+          </a:prstGeom>
+        </p:spPr>
+      </p:pic>
+    </p:spTree>
+    <p:extLst>
+      <p:ext uri="{BB962C8B-B14F-4D97-AF65-F5344CB8AC3E}">
+        <p14:creationId xmlns:p14="http://schemas.microsoft.com/office/powerpoint/2010/main" val="2131751203"/>
+      </p:ext>
+    </p:extLst>
   </p:cSld>
   <p:clrMapOvr>
     <a:masterClrMapping/>
@@ -5317,28 +6689,591 @@
           </a:bodyPr>
           <a:lstStyle/>
           <a:p>
-            <a:pPr marL="0" lvl="0" indent="0" algn="just" rtl="0">
-              <a:spcBef>
-                <a:spcPts val="0"/>
-              </a:spcBef>
+            <a:pPr marL="0" lvl="0" indent="0" algn="just">
               <a:spcAft>
                 <a:spcPts val="1600"/>
               </a:spcAft>
               <a:buNone/>
             </a:pPr>
             <a:r>
-              <a:rPr lang="en" sz="2400" dirty="0">
+              <a:rPr lang="en-US" dirty="0" smtClean="0">
                 <a:latin typeface="Bookman Old Style" pitchFamily="18" charset="0"/>
               </a:rPr>
-              <a:t>Reflection allows inspection of classes, interfaces, fields and methods at runtime without knowing the names of the interfaces, fields, methods at compile time. It also allows instantiation of new objects and invocation of methods.</a:t>
-            </a:r>
-            <a:endParaRPr sz="2400">
+              <a:t>In </a:t>
+            </a:r>
+            <a:r>
+              <a:rPr lang="en-US" b="1" dirty="0">
+                <a:latin typeface="Bookman Old Style" pitchFamily="18" charset="0"/>
+              </a:rPr>
+              <a:t>object-oriented programming </a:t>
+            </a:r>
+            <a:r>
+              <a:rPr lang="en-US" dirty="0">
+                <a:latin typeface="Bookman Old Style" pitchFamily="18" charset="0"/>
+              </a:rPr>
+              <a:t>languages such as Java, </a:t>
+            </a:r>
+            <a:r>
+              <a:rPr lang="en-US" b="1" dirty="0">
+                <a:latin typeface="Bookman Old Style" pitchFamily="18" charset="0"/>
+              </a:rPr>
+              <a:t>reflection</a:t>
+            </a:r>
+            <a:r>
+              <a:rPr lang="en-US" dirty="0">
+                <a:latin typeface="Bookman Old Style" pitchFamily="18" charset="0"/>
+              </a:rPr>
+              <a:t> allows inspection of </a:t>
+            </a:r>
+            <a:r>
+              <a:rPr lang="en-US" b="1" dirty="0">
+                <a:latin typeface="Bookman Old Style" pitchFamily="18" charset="0"/>
+              </a:rPr>
+              <a:t>classes, interfaces, fields </a:t>
+            </a:r>
+            <a:r>
+              <a:rPr lang="en-US" dirty="0">
+                <a:latin typeface="Bookman Old Style" pitchFamily="18" charset="0"/>
+              </a:rPr>
+              <a:t>and </a:t>
+            </a:r>
+            <a:r>
+              <a:rPr lang="en-US" b="1" dirty="0">
+                <a:latin typeface="Bookman Old Style" pitchFamily="18" charset="0"/>
+              </a:rPr>
+              <a:t>methods</a:t>
+            </a:r>
+            <a:r>
+              <a:rPr lang="en-US" dirty="0">
+                <a:latin typeface="Bookman Old Style" pitchFamily="18" charset="0"/>
+              </a:rPr>
+              <a:t> at </a:t>
+            </a:r>
+            <a:r>
+              <a:rPr lang="en-US" b="1" u="sng" dirty="0">
+                <a:latin typeface="Bookman Old Style" pitchFamily="18" charset="0"/>
+              </a:rPr>
+              <a:t>runtime</a:t>
+            </a:r>
+            <a:r>
+              <a:rPr lang="en-US" dirty="0">
+                <a:latin typeface="Bookman Old Style" pitchFamily="18" charset="0"/>
+              </a:rPr>
+              <a:t> without knowing the names of the interfaces, fields, methods at </a:t>
+            </a:r>
+            <a:r>
+              <a:rPr lang="en-US" b="1" u="sng" dirty="0">
+                <a:latin typeface="Bookman Old Style" pitchFamily="18" charset="0"/>
+              </a:rPr>
+              <a:t>compile time</a:t>
+            </a:r>
+            <a:r>
+              <a:rPr lang="en-US" dirty="0">
+                <a:latin typeface="Bookman Old Style" pitchFamily="18" charset="0"/>
+              </a:rPr>
+              <a:t>. It also allows instantiation of new objects and invocation of methods</a:t>
+            </a:r>
+            <a:r>
+              <a:rPr lang="en-US" dirty="0" smtClean="0">
+                <a:latin typeface="Bookman Old Style" pitchFamily="18" charset="0"/>
+              </a:rPr>
+              <a:t>.</a:t>
+            </a:r>
+            <a:endParaRPr lang="en" dirty="0">
+              <a:latin typeface="Bookman Old Style" pitchFamily="18" charset="0"/>
+            </a:endParaRPr>
+          </a:p>
+          <a:p>
+            <a:pPr marL="0" lvl="0" indent="0" algn="just">
+              <a:spcAft>
+                <a:spcPts val="1600"/>
+              </a:spcAft>
+              <a:buNone/>
+            </a:pPr>
+            <a:r>
+              <a:rPr lang="en-US" dirty="0">
+                <a:latin typeface="Bookman Old Style" pitchFamily="18" charset="0"/>
+              </a:rPr>
+              <a:t>Reflection is an API that is used to examine or modify the behavior of methods, classes, and interfaces at runtime. The required classes for reflection are provided under </a:t>
+            </a:r>
+            <a:r>
+              <a:rPr lang="en-US" b="1" dirty="0" err="1">
+                <a:latin typeface="Bookman Old Style" pitchFamily="18" charset="0"/>
+              </a:rPr>
+              <a:t>java.lang.reflect</a:t>
+            </a:r>
+            <a:r>
+              <a:rPr lang="en-US" dirty="0">
+                <a:latin typeface="Bookman Old Style" pitchFamily="18" charset="0"/>
+              </a:rPr>
+              <a:t> package which is essential in order to understand reflection.</a:t>
+            </a:r>
+            <a:endParaRPr dirty="0">
               <a:latin typeface="Bookman Old Style" pitchFamily="18" charset="0"/>
             </a:endParaRPr>
           </a:p>
         </p:txBody>
       </p:sp>
     </p:spTree>
+  </p:cSld>
+  <p:clrMapOvr>
+    <a:masterClrMapping/>
+  </p:clrMapOvr>
+  <p:timing>
+    <p:tnLst>
+      <p:par>
+        <p:cTn id="1" dur="indefinite" restart="never" nodeType="tmRoot"/>
+      </p:par>
+    </p:tnLst>
+  </p:timing>
+</p:sld>
+</file>
+
+<file path=ppt/slides/slide20.xml><?xml version="1.0" encoding="utf-8"?>
+<p:sld xmlns:a="http://schemas.openxmlformats.org/drawingml/2006/main" xmlns:r="http://schemas.openxmlformats.org/officeDocument/2006/relationships" xmlns:p="http://schemas.openxmlformats.org/presentationml/2006/main">
+  <p:cSld>
+    <p:spTree>
+      <p:nvGrpSpPr>
+        <p:cNvPr id="1" name=""/>
+        <p:cNvGrpSpPr/>
+        <p:nvPr/>
+      </p:nvGrpSpPr>
+      <p:grpSpPr>
+        <a:xfrm>
+          <a:off x="0" y="0"/>
+          <a:ext cx="0" cy="0"/>
+          <a:chOff x="0" y="0"/>
+          <a:chExt cx="0" cy="0"/>
+        </a:xfrm>
+      </p:grpSpPr>
+      <p:sp>
+        <p:nvSpPr>
+          <p:cNvPr id="2" name="Title 1"/>
+          <p:cNvSpPr>
+            <a:spLocks noGrp="1"/>
+          </p:cNvSpPr>
+          <p:nvPr>
+            <p:ph type="title"/>
+          </p:nvPr>
+        </p:nvSpPr>
+        <p:spPr/>
+        <p:txBody>
+          <a:bodyPr/>
+          <a:lstStyle/>
+          <a:p>
+            <a:r>
+              <a:rPr lang="en-US" dirty="0" smtClean="0">
+                <a:latin typeface="Bookman Old Style" panose="02050604050505020204" pitchFamily="18" charset="0"/>
+              </a:rPr>
+              <a:t>Reflection in C#</a:t>
+            </a:r>
+            <a:endParaRPr lang="en-IN" dirty="0">
+              <a:latin typeface="Bookman Old Style" panose="02050604050505020204" pitchFamily="18" charset="0"/>
+            </a:endParaRPr>
+          </a:p>
+        </p:txBody>
+      </p:sp>
+      <p:sp>
+        <p:nvSpPr>
+          <p:cNvPr id="3" name="Text Placeholder 2"/>
+          <p:cNvSpPr>
+            <a:spLocks noGrp="1"/>
+          </p:cNvSpPr>
+          <p:nvPr>
+            <p:ph type="body" idx="1"/>
+          </p:nvPr>
+        </p:nvSpPr>
+        <p:spPr/>
+        <p:txBody>
+          <a:bodyPr/>
+          <a:lstStyle/>
+          <a:p>
+            <a:endParaRPr lang="en-IN" dirty="0"/>
+          </a:p>
+        </p:txBody>
+      </p:sp>
+      <p:pic>
+        <p:nvPicPr>
+          <p:cNvPr id="4" name="Picture 3"/>
+          <p:cNvPicPr>
+            <a:picLocks noChangeAspect="1"/>
+          </p:cNvPicPr>
+          <p:nvPr/>
+        </p:nvPicPr>
+        <p:blipFill>
+          <a:blip r:embed="rId2">
+            <a:extLst>
+              <a:ext uri="{28A0092B-C50C-407E-A947-70E740481C1C}">
+                <a14:useLocalDpi xmlns:a14="http://schemas.microsoft.com/office/drawing/2010/main" val="0"/>
+              </a:ext>
+            </a:extLst>
+          </a:blip>
+          <a:stretch>
+            <a:fillRect/>
+          </a:stretch>
+        </p:blipFill>
+        <p:spPr>
+          <a:xfrm>
+            <a:off x="311700" y="1171600"/>
+            <a:ext cx="7205270" cy="3397200"/>
+          </a:xfrm>
+          <a:prstGeom prst="rect">
+            <a:avLst/>
+          </a:prstGeom>
+        </p:spPr>
+      </p:pic>
+    </p:spTree>
+    <p:extLst>
+      <p:ext uri="{BB962C8B-B14F-4D97-AF65-F5344CB8AC3E}">
+        <p14:creationId xmlns:p14="http://schemas.microsoft.com/office/powerpoint/2010/main" val="2792348135"/>
+      </p:ext>
+    </p:extLst>
+  </p:cSld>
+  <p:clrMapOvr>
+    <a:masterClrMapping/>
+  </p:clrMapOvr>
+  <p:timing>
+    <p:tnLst>
+      <p:par>
+        <p:cTn id="1" dur="indefinite" restart="never" nodeType="tmRoot"/>
+      </p:par>
+    </p:tnLst>
+  </p:timing>
+</p:sld>
+</file>
+
+<file path=ppt/slides/slide21.xml><?xml version="1.0" encoding="utf-8"?>
+<p:sld xmlns:a="http://schemas.openxmlformats.org/drawingml/2006/main" xmlns:r="http://schemas.openxmlformats.org/officeDocument/2006/relationships" xmlns:p="http://schemas.openxmlformats.org/presentationml/2006/main">
+  <p:cSld>
+    <p:spTree>
+      <p:nvGrpSpPr>
+        <p:cNvPr id="1" name=""/>
+        <p:cNvGrpSpPr/>
+        <p:nvPr/>
+      </p:nvGrpSpPr>
+      <p:grpSpPr>
+        <a:xfrm>
+          <a:off x="0" y="0"/>
+          <a:ext cx="0" cy="0"/>
+          <a:chOff x="0" y="0"/>
+          <a:chExt cx="0" cy="0"/>
+        </a:xfrm>
+      </p:grpSpPr>
+      <p:sp>
+        <p:nvSpPr>
+          <p:cNvPr id="2" name="Title 1"/>
+          <p:cNvSpPr>
+            <a:spLocks noGrp="1"/>
+          </p:cNvSpPr>
+          <p:nvPr>
+            <p:ph type="title"/>
+          </p:nvPr>
+        </p:nvSpPr>
+        <p:spPr/>
+        <p:txBody>
+          <a:bodyPr/>
+          <a:lstStyle/>
+          <a:p>
+            <a:r>
+              <a:rPr lang="en-US" dirty="0" smtClean="0">
+                <a:latin typeface="Bookman Old Style" panose="02050604050505020204" pitchFamily="18" charset="0"/>
+              </a:rPr>
+              <a:t>Use of Reflection</a:t>
+            </a:r>
+            <a:endParaRPr lang="en-IN" dirty="0">
+              <a:latin typeface="Bookman Old Style" panose="02050604050505020204" pitchFamily="18" charset="0"/>
+            </a:endParaRPr>
+          </a:p>
+        </p:txBody>
+      </p:sp>
+      <p:sp>
+        <p:nvSpPr>
+          <p:cNvPr id="3" name="Text Placeholder 2"/>
+          <p:cNvSpPr>
+            <a:spLocks noGrp="1"/>
+          </p:cNvSpPr>
+          <p:nvPr>
+            <p:ph type="body" idx="1"/>
+          </p:nvPr>
+        </p:nvSpPr>
+        <p:spPr/>
+        <p:txBody>
+          <a:bodyPr/>
+          <a:lstStyle/>
+          <a:p>
+            <a:r>
+              <a:rPr lang="en-IN" dirty="0" smtClean="0">
+                <a:latin typeface="Bookman Old Style" panose="02050604050505020204" pitchFamily="18" charset="0"/>
+              </a:rPr>
+              <a:t>Make </a:t>
+            </a:r>
+            <a:r>
+              <a:rPr lang="en-IN" dirty="0">
+                <a:latin typeface="Bookman Old Style" panose="02050604050505020204" pitchFamily="18" charset="0"/>
+              </a:rPr>
+              <a:t>generic software </a:t>
+            </a:r>
+            <a:r>
+              <a:rPr lang="en-IN" dirty="0" smtClean="0">
+                <a:latin typeface="Bookman Old Style" panose="02050604050505020204" pitchFamily="18" charset="0"/>
+              </a:rPr>
+              <a:t>libraries</a:t>
+            </a:r>
+          </a:p>
+          <a:p>
+            <a:r>
+              <a:rPr lang="en-IN" dirty="0" smtClean="0">
+                <a:latin typeface="Bookman Old Style" panose="02050604050505020204" pitchFamily="18" charset="0"/>
+              </a:rPr>
+              <a:t>Serialization </a:t>
+            </a:r>
+            <a:r>
+              <a:rPr lang="en-IN" dirty="0">
+                <a:latin typeface="Bookman Old Style" panose="02050604050505020204" pitchFamily="18" charset="0"/>
+              </a:rPr>
+              <a:t>or </a:t>
+            </a:r>
+            <a:r>
+              <a:rPr lang="en-IN" dirty="0" smtClean="0">
+                <a:latin typeface="Bookman Old Style" panose="02050604050505020204" pitchFamily="18" charset="0"/>
+              </a:rPr>
+              <a:t>Deserialization</a:t>
+            </a:r>
+            <a:endParaRPr lang="en-US" dirty="0" smtClean="0">
+              <a:latin typeface="Bookman Old Style" panose="02050604050505020204" pitchFamily="18" charset="0"/>
+            </a:endParaRPr>
+          </a:p>
+          <a:p>
+            <a:r>
+              <a:rPr lang="en-IN" dirty="0" smtClean="0">
+                <a:latin typeface="Bookman Old Style" panose="02050604050505020204" pitchFamily="18" charset="0"/>
+              </a:rPr>
+              <a:t>Metaprogramming</a:t>
+            </a:r>
+          </a:p>
+          <a:p>
+            <a:r>
+              <a:rPr lang="en-US" dirty="0" smtClean="0">
+                <a:latin typeface="Bookman Old Style" panose="02050604050505020204" pitchFamily="18" charset="0"/>
+              </a:rPr>
+              <a:t>Debugging</a:t>
+            </a:r>
+          </a:p>
+          <a:p>
+            <a:r>
+              <a:rPr lang="en-US" dirty="0" smtClean="0">
+                <a:latin typeface="Bookman Old Style" panose="02050604050505020204" pitchFamily="18" charset="0"/>
+              </a:rPr>
+              <a:t>Documentation</a:t>
+            </a:r>
+          </a:p>
+          <a:p>
+            <a:pPr>
+              <a:lnSpc>
+                <a:spcPct val="100000"/>
+              </a:lnSpc>
+            </a:pPr>
+            <a:r>
+              <a:rPr lang="en-US" dirty="0">
+                <a:latin typeface="Bookman Old Style" panose="02050604050505020204" pitchFamily="18" charset="0"/>
+              </a:rPr>
+              <a:t>Software </a:t>
+            </a:r>
+            <a:r>
+              <a:rPr lang="en-US" dirty="0" smtClean="0">
+                <a:latin typeface="Bookman Old Style" panose="02050604050505020204" pitchFamily="18" charset="0"/>
+              </a:rPr>
+              <a:t>Testing</a:t>
+            </a:r>
+          </a:p>
+          <a:p>
+            <a:pPr lvl="1">
+              <a:lnSpc>
+                <a:spcPct val="100000"/>
+              </a:lnSpc>
+              <a:spcBef>
+                <a:spcPts val="600"/>
+              </a:spcBef>
+              <a:buFont typeface="Wingdings" panose="05000000000000000000" pitchFamily="2" charset="2"/>
+              <a:buChar char="v"/>
+            </a:pPr>
+            <a:r>
+              <a:rPr lang="en-US" dirty="0" smtClean="0">
+                <a:latin typeface="Bookman Old Style" panose="02050604050505020204" pitchFamily="18" charset="0"/>
+              </a:rPr>
+              <a:t>For </a:t>
+            </a:r>
+            <a:r>
+              <a:rPr lang="en-US" dirty="0">
+                <a:latin typeface="Bookman Old Style" panose="02050604050505020204" pitchFamily="18" charset="0"/>
+              </a:rPr>
+              <a:t>the runtime creation/instantiation of mock objects.</a:t>
+            </a:r>
+          </a:p>
+          <a:p>
+            <a:pPr lvl="1">
+              <a:lnSpc>
+                <a:spcPct val="100000"/>
+              </a:lnSpc>
+              <a:spcBef>
+                <a:spcPts val="600"/>
+              </a:spcBef>
+              <a:buFont typeface="Wingdings" panose="05000000000000000000" pitchFamily="2" charset="2"/>
+              <a:buChar char="v"/>
+            </a:pPr>
+            <a:r>
+              <a:rPr lang="en-US" dirty="0">
+                <a:latin typeface="Bookman Old Style" panose="02050604050505020204" pitchFamily="18" charset="0"/>
+              </a:rPr>
+              <a:t>Unit </a:t>
+            </a:r>
+            <a:r>
+              <a:rPr lang="en-US" dirty="0" smtClean="0">
+                <a:latin typeface="Bookman Old Style" panose="02050604050505020204" pitchFamily="18" charset="0"/>
+              </a:rPr>
+              <a:t>Testing</a:t>
+            </a:r>
+          </a:p>
+          <a:p>
+            <a:pPr lvl="1">
+              <a:lnSpc>
+                <a:spcPct val="100000"/>
+              </a:lnSpc>
+              <a:spcBef>
+                <a:spcPts val="600"/>
+              </a:spcBef>
+              <a:buFont typeface="Wingdings" panose="05000000000000000000" pitchFamily="2" charset="2"/>
+              <a:buChar char="v"/>
+            </a:pPr>
+            <a:r>
+              <a:rPr lang="en-US" dirty="0" smtClean="0">
+                <a:latin typeface="Bookman Old Style" panose="02050604050505020204" pitchFamily="18" charset="0"/>
+              </a:rPr>
+              <a:t>Code Coverage</a:t>
+            </a:r>
+            <a:endParaRPr lang="en-US" dirty="0">
+              <a:latin typeface="Bookman Old Style" panose="02050604050505020204" pitchFamily="18" charset="0"/>
+            </a:endParaRPr>
+          </a:p>
+          <a:p>
+            <a:endParaRPr lang="en-US" dirty="0" smtClean="0"/>
+          </a:p>
+          <a:p>
+            <a:endParaRPr lang="en-IN" dirty="0"/>
+          </a:p>
+        </p:txBody>
+      </p:sp>
+      <p:pic>
+        <p:nvPicPr>
+          <p:cNvPr id="3074" name="Picture 2" descr="With great power, comes great responsibility – theQuotes.me"/>
+          <p:cNvPicPr>
+            <a:picLocks noChangeAspect="1" noChangeArrowheads="1"/>
+          </p:cNvPicPr>
+          <p:nvPr/>
+        </p:nvPicPr>
+        <p:blipFill>
+          <a:blip r:embed="rId2">
+            <a:extLst>
+              <a:ext uri="{28A0092B-C50C-407E-A947-70E740481C1C}">
+                <a14:useLocalDpi xmlns:a14="http://schemas.microsoft.com/office/drawing/2010/main" val="0"/>
+              </a:ext>
+            </a:extLst>
+          </a:blip>
+          <a:srcRect/>
+          <a:stretch>
+            <a:fillRect/>
+          </a:stretch>
+        </p:blipFill>
+        <p:spPr bwMode="auto">
+          <a:xfrm>
+            <a:off x="5039211" y="160187"/>
+            <a:ext cx="3917904" cy="2615201"/>
+          </a:xfrm>
+          <a:prstGeom prst="rect">
+            <a:avLst/>
+          </a:prstGeom>
+          <a:noFill/>
+          <a:extLst>
+            <a:ext uri="{909E8E84-426E-40DD-AFC4-6F175D3DCCD1}">
+              <a14:hiddenFill xmlns:a14="http://schemas.microsoft.com/office/drawing/2010/main">
+                <a:solidFill>
+                  <a:srgbClr val="FFFFFF"/>
+                </a:solidFill>
+              </a14:hiddenFill>
+            </a:ext>
+          </a:extLst>
+        </p:spPr>
+      </p:pic>
+    </p:spTree>
+    <p:extLst>
+      <p:ext uri="{BB962C8B-B14F-4D97-AF65-F5344CB8AC3E}">
+        <p14:creationId xmlns:p14="http://schemas.microsoft.com/office/powerpoint/2010/main" val="1274508711"/>
+      </p:ext>
+    </p:extLst>
+  </p:cSld>
+  <p:clrMapOvr>
+    <a:masterClrMapping/>
+  </p:clrMapOvr>
+  <p:timing>
+    <p:tnLst>
+      <p:par>
+        <p:cTn id="1" dur="indefinite" restart="never" nodeType="tmRoot"/>
+      </p:par>
+    </p:tnLst>
+  </p:timing>
+</p:sld>
+</file>
+
+<file path=ppt/slides/slide22.xml><?xml version="1.0" encoding="utf-8"?>
+<p:sld xmlns:a="http://schemas.openxmlformats.org/drawingml/2006/main" xmlns:r="http://schemas.openxmlformats.org/officeDocument/2006/relationships" xmlns:p="http://schemas.openxmlformats.org/presentationml/2006/main">
+  <p:cSld>
+    <p:spTree>
+      <p:nvGrpSpPr>
+        <p:cNvPr id="1" name=""/>
+        <p:cNvGrpSpPr/>
+        <p:nvPr/>
+      </p:nvGrpSpPr>
+      <p:grpSpPr>
+        <a:xfrm>
+          <a:off x="0" y="0"/>
+          <a:ext cx="0" cy="0"/>
+          <a:chOff x="0" y="0"/>
+          <a:chExt cx="0" cy="0"/>
+        </a:xfrm>
+      </p:grpSpPr>
+      <p:sp>
+        <p:nvSpPr>
+          <p:cNvPr id="2" name="Title 1"/>
+          <p:cNvSpPr>
+            <a:spLocks noGrp="1"/>
+          </p:cNvSpPr>
+          <p:nvPr>
+            <p:ph type="title"/>
+          </p:nvPr>
+        </p:nvSpPr>
+        <p:spPr/>
+        <p:txBody>
+          <a:bodyPr/>
+          <a:lstStyle/>
+          <a:p>
+            <a:r>
+              <a:rPr lang="en-US" dirty="0" smtClean="0">
+                <a:latin typeface="Bookman Old Style" panose="02050604050505020204" pitchFamily="18" charset="0"/>
+              </a:rPr>
+              <a:t>Thanks</a:t>
+            </a:r>
+            <a:endParaRPr lang="en-IN" dirty="0">
+              <a:latin typeface="Bookman Old Style" panose="02050604050505020204" pitchFamily="18" charset="0"/>
+            </a:endParaRPr>
+          </a:p>
+        </p:txBody>
+      </p:sp>
+    </p:spTree>
+    <p:extLst>
+      <p:ext uri="{BB962C8B-B14F-4D97-AF65-F5344CB8AC3E}">
+        <p14:creationId xmlns:p14="http://schemas.microsoft.com/office/powerpoint/2010/main" val="2977592073"/>
+      </p:ext>
+    </p:extLst>
   </p:cSld>
   <p:clrMapOvr>
     <a:masterClrMapping/>
@@ -5821,55 +7756,9 @@
           <a:bodyPr/>
           <a:lstStyle/>
           <a:p>
-            <a:r>
-              <a:rPr lang="en-US" sz="2400" dirty="0" smtClean="0">
-                <a:latin typeface="Bookman Old Style" pitchFamily="18" charset="0"/>
-              </a:rPr>
-              <a:t>No, access modifiers don't offer security protection. They are merely there for developer </a:t>
-            </a:r>
-            <a:r>
-              <a:rPr lang="en-US" sz="2400" dirty="0" smtClean="0">
-                <a:latin typeface="Bookman Old Style" pitchFamily="18" charset="0"/>
-              </a:rPr>
-              <a:t>convenience.</a:t>
-            </a:r>
-          </a:p>
-          <a:p>
-            <a:pPr>
+            <a:pPr marL="114300" indent="0">
               <a:buNone/>
             </a:pPr>
-            <a:r>
-              <a:rPr lang="en-US" sz="2400" dirty="0" smtClean="0">
-                <a:latin typeface="Bookman Old Style" pitchFamily="18" charset="0"/>
-              </a:rPr>
-              <a:t>	</a:t>
-            </a:r>
-            <a:endParaRPr lang="en-US" sz="2400" dirty="0" smtClean="0">
-              <a:latin typeface="Bookman Old Style" pitchFamily="18" charset="0"/>
-            </a:endParaRPr>
-          </a:p>
-          <a:p>
-            <a:pPr>
-              <a:buNone/>
-            </a:pPr>
-            <a:r>
-              <a:rPr lang="en-US" sz="2400" dirty="0" smtClean="0">
-                <a:latin typeface="Bookman Old Style" pitchFamily="18" charset="0"/>
-              </a:rPr>
-              <a:t>	</a:t>
-            </a:r>
-            <a:r>
-              <a:rPr lang="en-US" sz="2400" dirty="0" smtClean="0">
-                <a:latin typeface="Bookman Old Style" pitchFamily="18" charset="0"/>
-              </a:rPr>
-              <a:t>e.g</a:t>
-            </a:r>
-            <a:r>
-              <a:rPr lang="en-US" sz="2400" dirty="0" smtClean="0">
-                <a:latin typeface="Bookman Old Style" pitchFamily="18" charset="0"/>
-              </a:rPr>
-              <a:t>. they help to enforce good coding practices and help with programming patterns</a:t>
-            </a:r>
             <a:endParaRPr lang="en-US" sz="2400" dirty="0">
               <a:latin typeface="Bookman Old Style" pitchFamily="18" charset="0"/>
             </a:endParaRPr>
@@ -5938,61 +7827,7 @@
                 <a:cs typeface="Old Standard TT"/>
                 <a:sym typeface="Old Standard TT"/>
               </a:rPr>
-              <a:t>So, does Access </a:t>
-            </a:r>
-            <a:r>
-              <a:rPr kumimoji="0" lang="en-US" sz="3000" b="1" i="0" u="none" strike="noStrike" kern="0" cap="none" spc="0" normalizeH="0" baseline="0" noProof="0" dirty="0" err="1" smtClean="0">
-                <a:ln>
-                  <a:noFill/>
-                </a:ln>
-                <a:solidFill>
-                  <a:schemeClr val="dk1"/>
-                </a:solidFill>
-                <a:effectLst/>
-                <a:uLnTx/>
-                <a:uFillTx/>
-                <a:latin typeface="Bookman Old Style" pitchFamily="18" charset="0"/>
-                <a:ea typeface="Old Standard TT"/>
-                <a:cs typeface="Old Standard TT"/>
-                <a:sym typeface="Old Standard TT"/>
-              </a:rPr>
-              <a:t>Specifiers</a:t>
-            </a:r>
-            <a:r>
-              <a:rPr kumimoji="0" lang="en-US" sz="3000" b="1" i="0" u="none" strike="noStrike" kern="0" cap="none" spc="0" normalizeH="0" baseline="0" noProof="0" dirty="0" smtClean="0">
-                <a:ln>
-                  <a:noFill/>
-                </a:ln>
-                <a:solidFill>
-                  <a:schemeClr val="dk1"/>
-                </a:solidFill>
-                <a:effectLst/>
-                <a:uLnTx/>
-                <a:uFillTx/>
-                <a:latin typeface="Bookman Old Style" pitchFamily="18" charset="0"/>
-                <a:ea typeface="Old Standard TT"/>
-                <a:cs typeface="Old Standard TT"/>
-                <a:sym typeface="Old Standard TT"/>
-              </a:rPr>
-              <a:t> </a:t>
-            </a:r>
-            <a:r>
-              <a:rPr kumimoji="0" lang="en-US" sz="3000" b="1" i="0" u="none" strike="noStrike" kern="0" cap="none" spc="0" normalizeH="0" baseline="0" noProof="0" dirty="0" smtClean="0">
-                <a:ln>
-                  <a:noFill/>
-                </a:ln>
-                <a:solidFill>
-                  <a:schemeClr val="dk1"/>
-                </a:solidFill>
-                <a:effectLst/>
-                <a:uLnTx/>
-                <a:uFillTx/>
-                <a:latin typeface="Bookman Old Style" pitchFamily="18" charset="0"/>
-                <a:ea typeface="Old Standard TT"/>
-                <a:cs typeface="Old Standard TT"/>
-                <a:sym typeface="Old Standard TT"/>
-              </a:rPr>
-              <a:t>provide security?</a:t>
+              <a:t>So, does Access Specifiers provide security?</a:t>
             </a:r>
             <a:endParaRPr kumimoji="0" lang="en-US" sz="3000" b="1" i="0" u="none" strike="noStrike" kern="0" cap="none" spc="0" normalizeH="0" baseline="0" noProof="0" dirty="0">
               <a:ln>
